--- a/fase3/Documentacion Asignatura PTY4614/Estructura Presentación Final-Capstone.pptx
+++ b/fase3/Documentacion Asignatura PTY4614/Estructura Presentación Final-Capstone.pptx
@@ -9,17 +9,23 @@
     <p:sldId id="257" r:id="rId3"/>
     <p:sldId id="284" r:id="rId4"/>
     <p:sldId id="260" r:id="rId5"/>
-    <p:sldId id="269" r:id="rId6"/>
-    <p:sldId id="259" r:id="rId7"/>
-    <p:sldId id="282" r:id="rId8"/>
-    <p:sldId id="261" r:id="rId9"/>
-    <p:sldId id="278" r:id="rId10"/>
-    <p:sldId id="276" r:id="rId11"/>
-    <p:sldId id="267" r:id="rId12"/>
-    <p:sldId id="274" r:id="rId13"/>
-    <p:sldId id="286" r:id="rId14"/>
-    <p:sldId id="265" r:id="rId15"/>
-    <p:sldId id="287" r:id="rId16"/>
+    <p:sldId id="288" r:id="rId6"/>
+    <p:sldId id="292" r:id="rId7"/>
+    <p:sldId id="269" r:id="rId8"/>
+    <p:sldId id="259" r:id="rId9"/>
+    <p:sldId id="282" r:id="rId10"/>
+    <p:sldId id="291" r:id="rId11"/>
+    <p:sldId id="261" r:id="rId12"/>
+    <p:sldId id="278" r:id="rId13"/>
+    <p:sldId id="276" r:id="rId14"/>
+    <p:sldId id="267" r:id="rId15"/>
+    <p:sldId id="274" r:id="rId16"/>
+    <p:sldId id="290" r:id="rId17"/>
+    <p:sldId id="289" r:id="rId18"/>
+    <p:sldId id="293" r:id="rId19"/>
+    <p:sldId id="286" r:id="rId20"/>
+    <p:sldId id="265" r:id="rId21"/>
+    <p:sldId id="287" r:id="rId22"/>
   </p:sldIdLst>
   <p:sldSz cx="12192000" cy="6858000"/>
   <p:notesSz cx="6858000" cy="9144000"/>
@@ -126,3404 +132,6 @@
 </p:presentation>
 </file>
 
-<file path=ppt/diagrams/colors1.xml><?xml version="1.0" encoding="utf-8"?>
-<dgm:colorsDef xmlns:dgm="http://schemas.openxmlformats.org/drawingml/2006/diagram" xmlns:a="http://schemas.openxmlformats.org/drawingml/2006/main" uniqueId="urn:microsoft.com/office/officeart/2005/8/colors/accent5_2">
-  <dgm:title val=""/>
-  <dgm:desc val=""/>
-  <dgm:catLst>
-    <dgm:cat type="accent5" pri="11200"/>
-  </dgm:catLst>
-  <dgm:styleLbl name="node0">
-    <dgm:fillClrLst meth="repeat">
-      <a:schemeClr val="accent5"/>
-    </dgm:fillClrLst>
-    <dgm:linClrLst meth="repeat">
-      <a:schemeClr val="lt1"/>
-    </dgm:linClrLst>
-    <dgm:effectClrLst/>
-    <dgm:txLinClrLst/>
-    <dgm:txFillClrLst/>
-    <dgm:txEffectClrLst/>
-  </dgm:styleLbl>
-  <dgm:styleLbl name="node1">
-    <dgm:fillClrLst meth="repeat">
-      <a:schemeClr val="accent5"/>
-    </dgm:fillClrLst>
-    <dgm:linClrLst meth="repeat">
-      <a:schemeClr val="lt1"/>
-    </dgm:linClrLst>
-    <dgm:effectClrLst/>
-    <dgm:txLinClrLst/>
-    <dgm:txFillClrLst/>
-    <dgm:txEffectClrLst/>
-  </dgm:styleLbl>
-  <dgm:styleLbl name="alignNode1">
-    <dgm:fillClrLst meth="repeat">
-      <a:schemeClr val="accent5"/>
-    </dgm:fillClrLst>
-    <dgm:linClrLst meth="repeat">
-      <a:schemeClr val="accent5"/>
-    </dgm:linClrLst>
-    <dgm:effectClrLst/>
-    <dgm:txLinClrLst/>
-    <dgm:txFillClrLst/>
-    <dgm:txEffectClrLst/>
-  </dgm:styleLbl>
-  <dgm:styleLbl name="lnNode1">
-    <dgm:fillClrLst meth="repeat">
-      <a:schemeClr val="accent5"/>
-    </dgm:fillClrLst>
-    <dgm:linClrLst meth="repeat">
-      <a:schemeClr val="lt1"/>
-    </dgm:linClrLst>
-    <dgm:effectClrLst/>
-    <dgm:txLinClrLst/>
-    <dgm:txFillClrLst/>
-    <dgm:txEffectClrLst/>
-  </dgm:styleLbl>
-  <dgm:styleLbl name="vennNode1">
-    <dgm:fillClrLst meth="repeat">
-      <a:schemeClr val="accent5">
-        <a:alpha val="50000"/>
-      </a:schemeClr>
-    </dgm:fillClrLst>
-    <dgm:linClrLst meth="repeat">
-      <a:schemeClr val="lt1"/>
-    </dgm:linClrLst>
-    <dgm:effectClrLst/>
-    <dgm:txLinClrLst/>
-    <dgm:txFillClrLst/>
-    <dgm:txEffectClrLst/>
-  </dgm:styleLbl>
-  <dgm:styleLbl name="node2">
-    <dgm:fillClrLst meth="repeat">
-      <a:schemeClr val="accent5"/>
-    </dgm:fillClrLst>
-    <dgm:linClrLst meth="repeat">
-      <a:schemeClr val="lt1"/>
-    </dgm:linClrLst>
-    <dgm:effectClrLst/>
-    <dgm:txLinClrLst/>
-    <dgm:txFillClrLst/>
-    <dgm:txEffectClrLst/>
-  </dgm:styleLbl>
-  <dgm:styleLbl name="node3">
-    <dgm:fillClrLst meth="repeat">
-      <a:schemeClr val="accent5"/>
-    </dgm:fillClrLst>
-    <dgm:linClrLst meth="repeat">
-      <a:schemeClr val="lt1"/>
-    </dgm:linClrLst>
-    <dgm:effectClrLst/>
-    <dgm:txLinClrLst/>
-    <dgm:txFillClrLst/>
-    <dgm:txEffectClrLst/>
-  </dgm:styleLbl>
-  <dgm:styleLbl name="node4">
-    <dgm:fillClrLst meth="repeat">
-      <a:schemeClr val="accent5"/>
-    </dgm:fillClrLst>
-    <dgm:linClrLst meth="repeat">
-      <a:schemeClr val="lt1"/>
-    </dgm:linClrLst>
-    <dgm:effectClrLst/>
-    <dgm:txLinClrLst/>
-    <dgm:txFillClrLst/>
-    <dgm:txEffectClrLst/>
-  </dgm:styleLbl>
-  <dgm:styleLbl name="fgImgPlace1">
-    <dgm:fillClrLst meth="repeat">
-      <a:schemeClr val="accent5">
-        <a:tint val="50000"/>
-      </a:schemeClr>
-    </dgm:fillClrLst>
-    <dgm:linClrLst meth="repeat">
-      <a:schemeClr val="lt1"/>
-    </dgm:linClrLst>
-    <dgm:effectClrLst/>
-    <dgm:txLinClrLst/>
-    <dgm:txFillClrLst meth="repeat">
-      <a:schemeClr val="lt1"/>
-    </dgm:txFillClrLst>
-    <dgm:txEffectClrLst/>
-  </dgm:styleLbl>
-  <dgm:styleLbl name="alignImgPlace1">
-    <dgm:fillClrLst meth="repeat">
-      <a:schemeClr val="accent5">
-        <a:tint val="50000"/>
-      </a:schemeClr>
-    </dgm:fillClrLst>
-    <dgm:linClrLst meth="repeat">
-      <a:schemeClr val="lt1"/>
-    </dgm:linClrLst>
-    <dgm:effectClrLst/>
-    <dgm:txLinClrLst/>
-    <dgm:txFillClrLst meth="repeat">
-      <a:schemeClr val="lt1"/>
-    </dgm:txFillClrLst>
-    <dgm:txEffectClrLst/>
-  </dgm:styleLbl>
-  <dgm:styleLbl name="bgImgPlace1">
-    <dgm:fillClrLst meth="repeat">
-      <a:schemeClr val="accent5">
-        <a:tint val="50000"/>
-      </a:schemeClr>
-    </dgm:fillClrLst>
-    <dgm:linClrLst meth="repeat">
-      <a:schemeClr val="lt1"/>
-    </dgm:linClrLst>
-    <dgm:effectClrLst/>
-    <dgm:txLinClrLst/>
-    <dgm:txFillClrLst meth="repeat">
-      <a:schemeClr val="lt1"/>
-    </dgm:txFillClrLst>
-    <dgm:txEffectClrLst/>
-  </dgm:styleLbl>
-  <dgm:styleLbl name="sibTrans2D1">
-    <dgm:fillClrLst meth="repeat">
-      <a:schemeClr val="accent5">
-        <a:tint val="60000"/>
-      </a:schemeClr>
-    </dgm:fillClrLst>
-    <dgm:linClrLst meth="repeat">
-      <a:schemeClr val="accent5">
-        <a:tint val="60000"/>
-      </a:schemeClr>
-    </dgm:linClrLst>
-    <dgm:effectClrLst/>
-    <dgm:txLinClrLst/>
-    <dgm:txFillClrLst/>
-    <dgm:txEffectClrLst/>
-  </dgm:styleLbl>
-  <dgm:styleLbl name="fgSibTrans2D1">
-    <dgm:fillClrLst meth="repeat">
-      <a:schemeClr val="accent5">
-        <a:tint val="60000"/>
-      </a:schemeClr>
-    </dgm:fillClrLst>
-    <dgm:linClrLst meth="repeat">
-      <a:schemeClr val="accent5">
-        <a:tint val="60000"/>
-      </a:schemeClr>
-    </dgm:linClrLst>
-    <dgm:effectClrLst/>
-    <dgm:txLinClrLst/>
-    <dgm:txFillClrLst/>
-    <dgm:txEffectClrLst/>
-  </dgm:styleLbl>
-  <dgm:styleLbl name="bgSibTrans2D1">
-    <dgm:fillClrLst meth="repeat">
-      <a:schemeClr val="accent5">
-        <a:tint val="60000"/>
-      </a:schemeClr>
-    </dgm:fillClrLst>
-    <dgm:linClrLst meth="repeat">
-      <a:schemeClr val="accent5">
-        <a:tint val="60000"/>
-      </a:schemeClr>
-    </dgm:linClrLst>
-    <dgm:effectClrLst/>
-    <dgm:txLinClrLst/>
-    <dgm:txFillClrLst/>
-    <dgm:txEffectClrLst/>
-  </dgm:styleLbl>
-  <dgm:styleLbl name="sibTrans1D1">
-    <dgm:fillClrLst meth="repeat">
-      <a:schemeClr val="accent5"/>
-    </dgm:fillClrLst>
-    <dgm:linClrLst meth="repeat">
-      <a:schemeClr val="accent5"/>
-    </dgm:linClrLst>
-    <dgm:effectClrLst/>
-    <dgm:txLinClrLst/>
-    <dgm:txFillClrLst meth="repeat">
-      <a:schemeClr val="tx1"/>
-    </dgm:txFillClrLst>
-    <dgm:txEffectClrLst/>
-  </dgm:styleLbl>
-  <dgm:styleLbl name="callout">
-    <dgm:fillClrLst meth="repeat">
-      <a:schemeClr val="accent5"/>
-    </dgm:fillClrLst>
-    <dgm:linClrLst meth="repeat">
-      <a:schemeClr val="accent5">
-        <a:tint val="50000"/>
-      </a:schemeClr>
-    </dgm:linClrLst>
-    <dgm:effectClrLst/>
-    <dgm:txLinClrLst/>
-    <dgm:txFillClrLst meth="repeat">
-      <a:schemeClr val="tx1"/>
-    </dgm:txFillClrLst>
-    <dgm:txEffectClrLst/>
-  </dgm:styleLbl>
-  <dgm:styleLbl name="asst0">
-    <dgm:fillClrLst meth="repeat">
-      <a:schemeClr val="accent5"/>
-    </dgm:fillClrLst>
-    <dgm:linClrLst meth="repeat">
-      <a:schemeClr val="lt1"/>
-    </dgm:linClrLst>
-    <dgm:effectClrLst/>
-    <dgm:txLinClrLst/>
-    <dgm:txFillClrLst/>
-    <dgm:txEffectClrLst/>
-  </dgm:styleLbl>
-  <dgm:styleLbl name="asst1">
-    <dgm:fillClrLst meth="repeat">
-      <a:schemeClr val="accent5"/>
-    </dgm:fillClrLst>
-    <dgm:linClrLst meth="repeat">
-      <a:schemeClr val="lt1"/>
-    </dgm:linClrLst>
-    <dgm:effectClrLst/>
-    <dgm:txLinClrLst/>
-    <dgm:txFillClrLst/>
-    <dgm:txEffectClrLst/>
-  </dgm:styleLbl>
-  <dgm:styleLbl name="asst2">
-    <dgm:fillClrLst meth="repeat">
-      <a:schemeClr val="accent5"/>
-    </dgm:fillClrLst>
-    <dgm:linClrLst meth="repeat">
-      <a:schemeClr val="lt1"/>
-    </dgm:linClrLst>
-    <dgm:effectClrLst/>
-    <dgm:txLinClrLst/>
-    <dgm:txFillClrLst/>
-    <dgm:txEffectClrLst/>
-  </dgm:styleLbl>
-  <dgm:styleLbl name="asst3">
-    <dgm:fillClrLst meth="repeat">
-      <a:schemeClr val="accent5"/>
-    </dgm:fillClrLst>
-    <dgm:linClrLst meth="repeat">
-      <a:schemeClr val="lt1"/>
-    </dgm:linClrLst>
-    <dgm:effectClrLst/>
-    <dgm:txLinClrLst/>
-    <dgm:txFillClrLst/>
-    <dgm:txEffectClrLst/>
-  </dgm:styleLbl>
-  <dgm:styleLbl name="asst4">
-    <dgm:fillClrLst meth="repeat">
-      <a:schemeClr val="accent5"/>
-    </dgm:fillClrLst>
-    <dgm:linClrLst meth="repeat">
-      <a:schemeClr val="lt1"/>
-    </dgm:linClrLst>
-    <dgm:effectClrLst/>
-    <dgm:txLinClrLst/>
-    <dgm:txFillClrLst/>
-    <dgm:txEffectClrLst/>
-  </dgm:styleLbl>
-  <dgm:styleLbl name="parChTrans2D1">
-    <dgm:fillClrLst meth="repeat">
-      <a:schemeClr val="accent5">
-        <a:tint val="60000"/>
-      </a:schemeClr>
-    </dgm:fillClrLst>
-    <dgm:linClrLst meth="repeat">
-      <a:schemeClr val="accent5">
-        <a:tint val="60000"/>
-      </a:schemeClr>
-    </dgm:linClrLst>
-    <dgm:effectClrLst/>
-    <dgm:txLinClrLst/>
-    <dgm:txFillClrLst meth="repeat">
-      <a:schemeClr val="lt1"/>
-    </dgm:txFillClrLst>
-    <dgm:txEffectClrLst/>
-  </dgm:styleLbl>
-  <dgm:styleLbl name="parChTrans2D2">
-    <dgm:fillClrLst meth="repeat">
-      <a:schemeClr val="accent5"/>
-    </dgm:fillClrLst>
-    <dgm:linClrLst meth="repeat">
-      <a:schemeClr val="accent5"/>
-    </dgm:linClrLst>
-    <dgm:effectClrLst/>
-    <dgm:txLinClrLst/>
-    <dgm:txFillClrLst meth="repeat">
-      <a:schemeClr val="lt1"/>
-    </dgm:txFillClrLst>
-    <dgm:txEffectClrLst/>
-  </dgm:styleLbl>
-  <dgm:styleLbl name="parChTrans2D3">
-    <dgm:fillClrLst meth="repeat">
-      <a:schemeClr val="accent5"/>
-    </dgm:fillClrLst>
-    <dgm:linClrLst meth="repeat">
-      <a:schemeClr val="accent5"/>
-    </dgm:linClrLst>
-    <dgm:effectClrLst/>
-    <dgm:txLinClrLst/>
-    <dgm:txFillClrLst meth="repeat">
-      <a:schemeClr val="lt1"/>
-    </dgm:txFillClrLst>
-    <dgm:txEffectClrLst/>
-  </dgm:styleLbl>
-  <dgm:styleLbl name="parChTrans2D4">
-    <dgm:fillClrLst meth="repeat">
-      <a:schemeClr val="accent5"/>
-    </dgm:fillClrLst>
-    <dgm:linClrLst meth="repeat">
-      <a:schemeClr val="accent5"/>
-    </dgm:linClrLst>
-    <dgm:effectClrLst/>
-    <dgm:txLinClrLst/>
-    <dgm:txFillClrLst meth="repeat">
-      <a:schemeClr val="lt1"/>
-    </dgm:txFillClrLst>
-    <dgm:txEffectClrLst/>
-  </dgm:styleLbl>
-  <dgm:styleLbl name="parChTrans1D1">
-    <dgm:fillClrLst meth="repeat">
-      <a:schemeClr val="accent5"/>
-    </dgm:fillClrLst>
-    <dgm:linClrLst meth="repeat">
-      <a:schemeClr val="accent5">
-        <a:shade val="60000"/>
-      </a:schemeClr>
-    </dgm:linClrLst>
-    <dgm:effectClrLst/>
-    <dgm:txLinClrLst/>
-    <dgm:txFillClrLst meth="repeat">
-      <a:schemeClr val="tx1"/>
-    </dgm:txFillClrLst>
-    <dgm:txEffectClrLst/>
-  </dgm:styleLbl>
-  <dgm:styleLbl name="parChTrans1D2">
-    <dgm:fillClrLst meth="repeat">
-      <a:schemeClr val="accent5"/>
-    </dgm:fillClrLst>
-    <dgm:linClrLst meth="repeat">
-      <a:schemeClr val="accent5">
-        <a:shade val="60000"/>
-      </a:schemeClr>
-    </dgm:linClrLst>
-    <dgm:effectClrLst/>
-    <dgm:txLinClrLst/>
-    <dgm:txFillClrLst meth="repeat">
-      <a:schemeClr val="tx1"/>
-    </dgm:txFillClrLst>
-    <dgm:txEffectClrLst/>
-  </dgm:styleLbl>
-  <dgm:styleLbl name="parChTrans1D3">
-    <dgm:fillClrLst meth="repeat">
-      <a:schemeClr val="accent5"/>
-    </dgm:fillClrLst>
-    <dgm:linClrLst meth="repeat">
-      <a:schemeClr val="accent5">
-        <a:shade val="80000"/>
-      </a:schemeClr>
-    </dgm:linClrLst>
-    <dgm:effectClrLst/>
-    <dgm:txLinClrLst/>
-    <dgm:txFillClrLst meth="repeat">
-      <a:schemeClr val="tx1"/>
-    </dgm:txFillClrLst>
-    <dgm:txEffectClrLst/>
-  </dgm:styleLbl>
-  <dgm:styleLbl name="parChTrans1D4">
-    <dgm:fillClrLst meth="repeat">
-      <a:schemeClr val="accent5"/>
-    </dgm:fillClrLst>
-    <dgm:linClrLst meth="repeat">
-      <a:schemeClr val="accent5">
-        <a:shade val="80000"/>
-      </a:schemeClr>
-    </dgm:linClrLst>
-    <dgm:effectClrLst/>
-    <dgm:txLinClrLst/>
-    <dgm:txFillClrLst meth="repeat">
-      <a:schemeClr val="tx1"/>
-    </dgm:txFillClrLst>
-    <dgm:txEffectClrLst/>
-  </dgm:styleLbl>
-  <dgm:styleLbl name="fgAcc1">
-    <dgm:fillClrLst meth="repeat">
-      <a:schemeClr val="lt1">
-        <a:alpha val="90000"/>
-      </a:schemeClr>
-    </dgm:fillClrLst>
-    <dgm:linClrLst meth="repeat">
-      <a:schemeClr val="accent5"/>
-    </dgm:linClrLst>
-    <dgm:effectClrLst/>
-    <dgm:txLinClrLst/>
-    <dgm:txFillClrLst meth="repeat">
-      <a:schemeClr val="dk1"/>
-    </dgm:txFillClrLst>
-    <dgm:txEffectClrLst/>
-  </dgm:styleLbl>
-  <dgm:styleLbl name="conFgAcc1">
-    <dgm:fillClrLst meth="repeat">
-      <a:schemeClr val="lt1">
-        <a:alpha val="90000"/>
-      </a:schemeClr>
-    </dgm:fillClrLst>
-    <dgm:linClrLst meth="repeat">
-      <a:schemeClr val="accent5"/>
-    </dgm:linClrLst>
-    <dgm:effectClrLst/>
-    <dgm:txLinClrLst/>
-    <dgm:txFillClrLst meth="repeat">
-      <a:schemeClr val="dk1"/>
-    </dgm:txFillClrLst>
-    <dgm:txEffectClrLst/>
-  </dgm:styleLbl>
-  <dgm:styleLbl name="alignAcc1">
-    <dgm:fillClrLst meth="repeat">
-      <a:schemeClr val="lt1">
-        <a:alpha val="90000"/>
-      </a:schemeClr>
-    </dgm:fillClrLst>
-    <dgm:linClrLst meth="repeat">
-      <a:schemeClr val="accent5"/>
-    </dgm:linClrLst>
-    <dgm:effectClrLst/>
-    <dgm:txLinClrLst/>
-    <dgm:txFillClrLst meth="repeat">
-      <a:schemeClr val="dk1"/>
-    </dgm:txFillClrLst>
-    <dgm:txEffectClrLst/>
-  </dgm:styleLbl>
-  <dgm:styleLbl name="trAlignAcc1">
-    <dgm:fillClrLst meth="repeat">
-      <a:schemeClr val="lt1">
-        <a:alpha val="40000"/>
-      </a:schemeClr>
-    </dgm:fillClrLst>
-    <dgm:linClrLst meth="repeat">
-      <a:schemeClr val="accent5"/>
-    </dgm:linClrLst>
-    <dgm:effectClrLst/>
-    <dgm:txLinClrLst/>
-    <dgm:txFillClrLst meth="repeat">
-      <a:schemeClr val="dk1"/>
-    </dgm:txFillClrLst>
-    <dgm:txEffectClrLst/>
-  </dgm:styleLbl>
-  <dgm:styleLbl name="bgAcc1">
-    <dgm:fillClrLst meth="repeat">
-      <a:schemeClr val="lt1">
-        <a:alpha val="90000"/>
-      </a:schemeClr>
-    </dgm:fillClrLst>
-    <dgm:linClrLst meth="repeat">
-      <a:schemeClr val="accent5"/>
-    </dgm:linClrLst>
-    <dgm:effectClrLst/>
-    <dgm:txLinClrLst/>
-    <dgm:txFillClrLst meth="repeat">
-      <a:schemeClr val="dk1"/>
-    </dgm:txFillClrLst>
-    <dgm:txEffectClrLst/>
-  </dgm:styleLbl>
-  <dgm:styleLbl name="solidFgAcc1">
-    <dgm:fillClrLst meth="repeat">
-      <a:schemeClr val="lt1"/>
-    </dgm:fillClrLst>
-    <dgm:linClrLst meth="repeat">
-      <a:schemeClr val="accent5"/>
-    </dgm:linClrLst>
-    <dgm:effectClrLst/>
-    <dgm:txLinClrLst/>
-    <dgm:txFillClrLst meth="repeat">
-      <a:schemeClr val="dk1"/>
-    </dgm:txFillClrLst>
-    <dgm:txEffectClrLst/>
-  </dgm:styleLbl>
-  <dgm:styleLbl name="solidAlignAcc1">
-    <dgm:fillClrLst meth="repeat">
-      <a:schemeClr val="lt1"/>
-    </dgm:fillClrLst>
-    <dgm:linClrLst meth="repeat">
-      <a:schemeClr val="accent5"/>
-    </dgm:linClrLst>
-    <dgm:effectClrLst/>
-    <dgm:txLinClrLst/>
-    <dgm:txFillClrLst meth="repeat">
-      <a:schemeClr val="dk1"/>
-    </dgm:txFillClrLst>
-    <dgm:txEffectClrLst/>
-  </dgm:styleLbl>
-  <dgm:styleLbl name="solidBgAcc1">
-    <dgm:fillClrLst meth="repeat">
-      <a:schemeClr val="lt1"/>
-    </dgm:fillClrLst>
-    <dgm:linClrLst meth="repeat">
-      <a:schemeClr val="accent5"/>
-    </dgm:linClrLst>
-    <dgm:effectClrLst/>
-    <dgm:txLinClrLst/>
-    <dgm:txFillClrLst meth="repeat">
-      <a:schemeClr val="dk1"/>
-    </dgm:txFillClrLst>
-    <dgm:txEffectClrLst/>
-  </dgm:styleLbl>
-  <dgm:styleLbl name="fgAccFollowNode1">
-    <dgm:fillClrLst meth="repeat">
-      <a:schemeClr val="accent5">
-        <a:alpha val="90000"/>
-        <a:tint val="40000"/>
-      </a:schemeClr>
-    </dgm:fillClrLst>
-    <dgm:linClrLst meth="repeat">
-      <a:schemeClr val="accent5">
-        <a:alpha val="90000"/>
-        <a:tint val="40000"/>
-      </a:schemeClr>
-    </dgm:linClrLst>
-    <dgm:effectClrLst/>
-    <dgm:txLinClrLst/>
-    <dgm:txFillClrLst meth="repeat">
-      <a:schemeClr val="dk1"/>
-    </dgm:txFillClrLst>
-    <dgm:txEffectClrLst/>
-  </dgm:styleLbl>
-  <dgm:styleLbl name="alignAccFollowNode1">
-    <dgm:fillClrLst meth="repeat">
-      <a:schemeClr val="accent5">
-        <a:alpha val="90000"/>
-        <a:tint val="40000"/>
-      </a:schemeClr>
-    </dgm:fillClrLst>
-    <dgm:linClrLst meth="repeat">
-      <a:schemeClr val="accent5">
-        <a:alpha val="90000"/>
-        <a:tint val="40000"/>
-      </a:schemeClr>
-    </dgm:linClrLst>
-    <dgm:effectClrLst/>
-    <dgm:txLinClrLst/>
-    <dgm:txFillClrLst meth="repeat">
-      <a:schemeClr val="dk1"/>
-    </dgm:txFillClrLst>
-    <dgm:txEffectClrLst/>
-  </dgm:styleLbl>
-  <dgm:styleLbl name="bgAccFollowNode1">
-    <dgm:fillClrLst meth="repeat">
-      <a:schemeClr val="accent5">
-        <a:alpha val="90000"/>
-        <a:tint val="40000"/>
-      </a:schemeClr>
-    </dgm:fillClrLst>
-    <dgm:linClrLst meth="repeat">
-      <a:schemeClr val="accent5">
-        <a:alpha val="90000"/>
-        <a:tint val="40000"/>
-      </a:schemeClr>
-    </dgm:linClrLst>
-    <dgm:effectClrLst/>
-    <dgm:txLinClrLst/>
-    <dgm:txFillClrLst meth="repeat">
-      <a:schemeClr val="dk1"/>
-    </dgm:txFillClrLst>
-    <dgm:txEffectClrLst/>
-  </dgm:styleLbl>
-  <dgm:styleLbl name="fgAcc0">
-    <dgm:fillClrLst meth="repeat">
-      <a:schemeClr val="lt1">
-        <a:alpha val="90000"/>
-      </a:schemeClr>
-    </dgm:fillClrLst>
-    <dgm:linClrLst meth="repeat">
-      <a:schemeClr val="accent5"/>
-    </dgm:linClrLst>
-    <dgm:effectClrLst/>
-    <dgm:txLinClrLst/>
-    <dgm:txFillClrLst meth="repeat">
-      <a:schemeClr val="dk1"/>
-    </dgm:txFillClrLst>
-    <dgm:txEffectClrLst/>
-  </dgm:styleLbl>
-  <dgm:styleLbl name="fgAcc2">
-    <dgm:fillClrLst meth="repeat">
-      <a:schemeClr val="lt1">
-        <a:alpha val="90000"/>
-      </a:schemeClr>
-    </dgm:fillClrLst>
-    <dgm:linClrLst meth="repeat">
-      <a:schemeClr val="accent5"/>
-    </dgm:linClrLst>
-    <dgm:effectClrLst/>
-    <dgm:txLinClrLst/>
-    <dgm:txFillClrLst meth="repeat">
-      <a:schemeClr val="dk1"/>
-    </dgm:txFillClrLst>
-    <dgm:txEffectClrLst/>
-  </dgm:styleLbl>
-  <dgm:styleLbl name="fgAcc3">
-    <dgm:fillClrLst meth="repeat">
-      <a:schemeClr val="lt1">
-        <a:alpha val="90000"/>
-      </a:schemeClr>
-    </dgm:fillClrLst>
-    <dgm:linClrLst meth="repeat">
-      <a:schemeClr val="accent5"/>
-    </dgm:linClrLst>
-    <dgm:effectClrLst/>
-    <dgm:txLinClrLst/>
-    <dgm:txFillClrLst meth="repeat">
-      <a:schemeClr val="dk1"/>
-    </dgm:txFillClrLst>
-    <dgm:txEffectClrLst/>
-  </dgm:styleLbl>
-  <dgm:styleLbl name="fgAcc4">
-    <dgm:fillClrLst meth="repeat">
-      <a:schemeClr val="lt1">
-        <a:alpha val="90000"/>
-      </a:schemeClr>
-    </dgm:fillClrLst>
-    <dgm:linClrLst meth="repeat">
-      <a:schemeClr val="accent5"/>
-    </dgm:linClrLst>
-    <dgm:effectClrLst/>
-    <dgm:txLinClrLst/>
-    <dgm:txFillClrLst meth="repeat">
-      <a:schemeClr val="dk1"/>
-    </dgm:txFillClrLst>
-    <dgm:txEffectClrLst/>
-  </dgm:styleLbl>
-  <dgm:styleLbl name="bgShp">
-    <dgm:fillClrLst meth="repeat">
-      <a:schemeClr val="accent5">
-        <a:tint val="40000"/>
-      </a:schemeClr>
-    </dgm:fillClrLst>
-    <dgm:linClrLst meth="repeat">
-      <a:schemeClr val="accent5"/>
-    </dgm:linClrLst>
-    <dgm:effectClrLst/>
-    <dgm:txLinClrLst/>
-    <dgm:txFillClrLst meth="repeat">
-      <a:schemeClr val="dk1"/>
-    </dgm:txFillClrLst>
-    <dgm:txEffectClrLst/>
-  </dgm:styleLbl>
-  <dgm:styleLbl name="dkBgShp">
-    <dgm:fillClrLst meth="repeat">
-      <a:schemeClr val="accent5">
-        <a:shade val="80000"/>
-      </a:schemeClr>
-    </dgm:fillClrLst>
-    <dgm:linClrLst meth="repeat">
-      <a:schemeClr val="accent5"/>
-    </dgm:linClrLst>
-    <dgm:effectClrLst/>
-    <dgm:txLinClrLst/>
-    <dgm:txFillClrLst meth="repeat">
-      <a:schemeClr val="lt1"/>
-    </dgm:txFillClrLst>
-    <dgm:txEffectClrLst/>
-  </dgm:styleLbl>
-  <dgm:styleLbl name="trBgShp">
-    <dgm:fillClrLst meth="repeat">
-      <a:schemeClr val="accent5">
-        <a:tint val="50000"/>
-        <a:alpha val="40000"/>
-      </a:schemeClr>
-    </dgm:fillClrLst>
-    <dgm:linClrLst meth="repeat">
-      <a:schemeClr val="accent5"/>
-    </dgm:linClrLst>
-    <dgm:effectClrLst/>
-    <dgm:txLinClrLst/>
-    <dgm:txFillClrLst meth="repeat">
-      <a:schemeClr val="lt1"/>
-    </dgm:txFillClrLst>
-    <dgm:txEffectClrLst/>
-  </dgm:styleLbl>
-  <dgm:styleLbl name="fgShp">
-    <dgm:fillClrLst meth="repeat">
-      <a:schemeClr val="accent5">
-        <a:tint val="60000"/>
-      </a:schemeClr>
-    </dgm:fillClrLst>
-    <dgm:linClrLst meth="repeat">
-      <a:schemeClr val="lt1"/>
-    </dgm:linClrLst>
-    <dgm:effectClrLst/>
-    <dgm:txLinClrLst/>
-    <dgm:txFillClrLst meth="repeat">
-      <a:schemeClr val="dk1"/>
-    </dgm:txFillClrLst>
-    <dgm:txEffectClrLst/>
-  </dgm:styleLbl>
-  <dgm:styleLbl name="revTx">
-    <dgm:fillClrLst meth="repeat">
-      <a:schemeClr val="lt1">
-        <a:alpha val="0"/>
-      </a:schemeClr>
-    </dgm:fillClrLst>
-    <dgm:linClrLst meth="repeat">
-      <a:schemeClr val="dk1">
-        <a:alpha val="0"/>
-      </a:schemeClr>
-    </dgm:linClrLst>
-    <dgm:effectClrLst/>
-    <dgm:txLinClrLst/>
-    <dgm:txFillClrLst meth="repeat">
-      <a:schemeClr val="tx1"/>
-    </dgm:txFillClrLst>
-    <dgm:txEffectClrLst/>
-  </dgm:styleLbl>
-</dgm:colorsDef>
-</file>
-
-<file path=ppt/diagrams/data1.xml><?xml version="1.0" encoding="utf-8"?>
-<dgm:dataModel xmlns:dgm="http://schemas.openxmlformats.org/drawingml/2006/diagram" xmlns:a="http://schemas.openxmlformats.org/drawingml/2006/main">
-  <dgm:ptLst>
-    <dgm:pt modelId="{BE45140C-C326-4DAA-A267-498AD5117D68}" type="doc">
-      <dgm:prSet loTypeId="urn:microsoft.com/office/officeart/2005/8/layout/vList4" loCatId="picture" qsTypeId="urn:microsoft.com/office/officeart/2005/8/quickstyle/simple5" qsCatId="simple" csTypeId="urn:microsoft.com/office/officeart/2005/8/colors/accent5_2" csCatId="accent5" phldr="1"/>
-      <dgm:spPr/>
-      <dgm:t>
-        <a:bodyPr/>
-        <a:lstStyle/>
-        <a:p>
-          <a:endParaRPr lang="es-CL"/>
-        </a:p>
-      </dgm:t>
-    </dgm:pt>
-    <dgm:pt modelId="{78BFB295-8F5D-4286-B72B-79142F8F0E13}">
-      <dgm:prSet phldrT="[Texto]"/>
-      <dgm:spPr/>
-      <dgm:t>
-        <a:bodyPr/>
-        <a:lstStyle/>
-        <a:p>
-          <a:r>
-            <a:rPr lang="es-MX" dirty="0"/>
-            <a:t>Nombre de estudiante</a:t>
-          </a:r>
-          <a:endParaRPr lang="es-CL" dirty="0"/>
-        </a:p>
-      </dgm:t>
-    </dgm:pt>
-    <dgm:pt modelId="{F1885FAB-61EC-4F80-98D0-72360031AF9F}" type="parTrans" cxnId="{2AD07198-D472-4B98-B6D5-5A730374E9A2}">
-      <dgm:prSet/>
-      <dgm:spPr/>
-      <dgm:t>
-        <a:bodyPr/>
-        <a:lstStyle/>
-        <a:p>
-          <a:endParaRPr lang="es-CL"/>
-        </a:p>
-      </dgm:t>
-    </dgm:pt>
-    <dgm:pt modelId="{E88D0928-51D4-4670-8963-60ABBB193E13}" type="sibTrans" cxnId="{2AD07198-D472-4B98-B6D5-5A730374E9A2}">
-      <dgm:prSet/>
-      <dgm:spPr/>
-      <dgm:t>
-        <a:bodyPr/>
-        <a:lstStyle/>
-        <a:p>
-          <a:endParaRPr lang="es-CL"/>
-        </a:p>
-      </dgm:t>
-    </dgm:pt>
-    <dgm:pt modelId="{D868444B-AE34-4422-A6A5-1F7D392D0C20}">
-      <dgm:prSet phldrT="[Texto]"/>
-      <dgm:spPr/>
-      <dgm:t>
-        <a:bodyPr/>
-        <a:lstStyle/>
-        <a:p>
-          <a:r>
-            <a:rPr lang="es-MX" dirty="0"/>
-            <a:t>Cargo</a:t>
-          </a:r>
-          <a:endParaRPr lang="es-CL" dirty="0"/>
-        </a:p>
-      </dgm:t>
-    </dgm:pt>
-    <dgm:pt modelId="{7DB88D83-6C3A-48C1-8CAD-0D11C3BEC35C}" type="parTrans" cxnId="{484B8A37-0122-4FF5-93D2-4A15DF521A17}">
-      <dgm:prSet/>
-      <dgm:spPr/>
-      <dgm:t>
-        <a:bodyPr/>
-        <a:lstStyle/>
-        <a:p>
-          <a:endParaRPr lang="es-CL"/>
-        </a:p>
-      </dgm:t>
-    </dgm:pt>
-    <dgm:pt modelId="{74B9B1A5-94EB-40A9-BFF2-678501068FB8}" type="sibTrans" cxnId="{484B8A37-0122-4FF5-93D2-4A15DF521A17}">
-      <dgm:prSet/>
-      <dgm:spPr/>
-      <dgm:t>
-        <a:bodyPr/>
-        <a:lstStyle/>
-        <a:p>
-          <a:endParaRPr lang="es-CL"/>
-        </a:p>
-      </dgm:t>
-    </dgm:pt>
-    <dgm:pt modelId="{02A34BC0-F8BA-4A89-87A4-4F20079DFD06}">
-      <dgm:prSet phldrT="[Texto]"/>
-      <dgm:spPr/>
-      <dgm:t>
-        <a:bodyPr/>
-        <a:lstStyle/>
-        <a:p>
-          <a:r>
-            <a:rPr lang="es-MX"/>
-            <a:t>Nombre de estudiante</a:t>
-          </a:r>
-          <a:endParaRPr lang="es-CL" dirty="0"/>
-        </a:p>
-      </dgm:t>
-    </dgm:pt>
-    <dgm:pt modelId="{9ADB496F-2DB6-4F16-8C91-2EB9CDF5F2F2}" type="parTrans" cxnId="{0E2AE979-A66C-4CEC-BFF4-5B28BB7CD9EA}">
-      <dgm:prSet/>
-      <dgm:spPr/>
-      <dgm:t>
-        <a:bodyPr/>
-        <a:lstStyle/>
-        <a:p>
-          <a:endParaRPr lang="es-CL"/>
-        </a:p>
-      </dgm:t>
-    </dgm:pt>
-    <dgm:pt modelId="{44AB630E-CD8B-4223-9F51-5EEE4E054B0A}" type="sibTrans" cxnId="{0E2AE979-A66C-4CEC-BFF4-5B28BB7CD9EA}">
-      <dgm:prSet/>
-      <dgm:spPr/>
-      <dgm:t>
-        <a:bodyPr/>
-        <a:lstStyle/>
-        <a:p>
-          <a:endParaRPr lang="es-CL"/>
-        </a:p>
-      </dgm:t>
-    </dgm:pt>
-    <dgm:pt modelId="{2E221207-005F-49CB-81E1-6D036D64322B}">
-      <dgm:prSet phldrT="[Texto]"/>
-      <dgm:spPr/>
-      <dgm:t>
-        <a:bodyPr/>
-        <a:lstStyle/>
-        <a:p>
-          <a:r>
-            <a:rPr lang="es-MX" dirty="0"/>
-            <a:t>Funciones desempeñadas</a:t>
-          </a:r>
-          <a:endParaRPr lang="es-CL" dirty="0"/>
-        </a:p>
-      </dgm:t>
-    </dgm:pt>
-    <dgm:pt modelId="{3728DB5E-E904-481D-A1E5-49CF4AFFC0D3}" type="sibTrans" cxnId="{1C3272C9-C630-4D60-B76B-138907BB4D41}">
-      <dgm:prSet/>
-      <dgm:spPr/>
-      <dgm:t>
-        <a:bodyPr/>
-        <a:lstStyle/>
-        <a:p>
-          <a:endParaRPr lang="es-CL"/>
-        </a:p>
-      </dgm:t>
-    </dgm:pt>
-    <dgm:pt modelId="{B200B6AA-AA2A-4CB8-80FF-4BB54938E8A5}" type="parTrans" cxnId="{1C3272C9-C630-4D60-B76B-138907BB4D41}">
-      <dgm:prSet/>
-      <dgm:spPr/>
-      <dgm:t>
-        <a:bodyPr/>
-        <a:lstStyle/>
-        <a:p>
-          <a:endParaRPr lang="es-CL"/>
-        </a:p>
-      </dgm:t>
-    </dgm:pt>
-    <dgm:pt modelId="{EA3B2395-55AF-495E-9D6B-329D2886612F}">
-      <dgm:prSet phldrT="[Texto]"/>
-      <dgm:spPr/>
-      <dgm:t>
-        <a:bodyPr/>
-        <a:lstStyle/>
-        <a:p>
-          <a:r>
-            <a:rPr lang="es-MX" dirty="0"/>
-            <a:t>Cargo</a:t>
-          </a:r>
-          <a:endParaRPr lang="es-CL" dirty="0"/>
-        </a:p>
-      </dgm:t>
-    </dgm:pt>
-    <dgm:pt modelId="{11A4E056-7834-4F82-8A9C-B8EA31F159E3}" type="sibTrans" cxnId="{778F2DBC-81F3-476D-BD99-784E4F7153C8}">
-      <dgm:prSet/>
-      <dgm:spPr/>
-      <dgm:t>
-        <a:bodyPr/>
-        <a:lstStyle/>
-        <a:p>
-          <a:endParaRPr lang="es-CL"/>
-        </a:p>
-      </dgm:t>
-    </dgm:pt>
-    <dgm:pt modelId="{01DA10B6-3F7A-4C8A-AACD-F605EE6CCF20}" type="parTrans" cxnId="{778F2DBC-81F3-476D-BD99-784E4F7153C8}">
-      <dgm:prSet/>
-      <dgm:spPr/>
-      <dgm:t>
-        <a:bodyPr/>
-        <a:lstStyle/>
-        <a:p>
-          <a:endParaRPr lang="es-CL"/>
-        </a:p>
-      </dgm:t>
-    </dgm:pt>
-    <dgm:pt modelId="{55A2A9EB-4C26-43C3-B721-D475B10BC39B}">
-      <dgm:prSet phldrT="[Texto]"/>
-      <dgm:spPr/>
-      <dgm:t>
-        <a:bodyPr/>
-        <a:lstStyle/>
-        <a:p>
-          <a:r>
-            <a:rPr lang="es-MX" dirty="0"/>
-            <a:t>Funciones desempeñadas</a:t>
-          </a:r>
-          <a:endParaRPr lang="es-CL" dirty="0"/>
-        </a:p>
-      </dgm:t>
-    </dgm:pt>
-    <dgm:pt modelId="{4EF4588A-187C-4393-9DFC-C6D80B20E995}" type="sibTrans" cxnId="{ECED70CB-7A25-48F8-9E03-51596FB1E92C}">
-      <dgm:prSet/>
-      <dgm:spPr/>
-      <dgm:t>
-        <a:bodyPr/>
-        <a:lstStyle/>
-        <a:p>
-          <a:endParaRPr lang="es-CL"/>
-        </a:p>
-      </dgm:t>
-    </dgm:pt>
-    <dgm:pt modelId="{B8424EB2-FFE7-4867-9D5A-EE0D46E8AAFE}" type="parTrans" cxnId="{ECED70CB-7A25-48F8-9E03-51596FB1E92C}">
-      <dgm:prSet/>
-      <dgm:spPr/>
-      <dgm:t>
-        <a:bodyPr/>
-        <a:lstStyle/>
-        <a:p>
-          <a:endParaRPr lang="es-CL"/>
-        </a:p>
-      </dgm:t>
-    </dgm:pt>
-    <dgm:pt modelId="{07DBFAD7-FA54-4B52-8BDE-5F33C7C671E8}">
-      <dgm:prSet phldrT="[Texto]"/>
-      <dgm:spPr/>
-      <dgm:t>
-        <a:bodyPr/>
-        <a:lstStyle/>
-        <a:p>
-          <a:r>
-            <a:rPr lang="es-MX"/>
-            <a:t>Nombre de estudiante</a:t>
-          </a:r>
-          <a:endParaRPr lang="es-CL" dirty="0"/>
-        </a:p>
-      </dgm:t>
-    </dgm:pt>
-    <dgm:pt modelId="{CF48ACED-401C-46E0-A4FD-DD9DB65236C1}" type="parTrans" cxnId="{AB12485A-279F-45F7-B381-B5B3FD9C2CF7}">
-      <dgm:prSet/>
-      <dgm:spPr/>
-      <dgm:t>
-        <a:bodyPr/>
-        <a:lstStyle/>
-        <a:p>
-          <a:endParaRPr lang="es-CL"/>
-        </a:p>
-      </dgm:t>
-    </dgm:pt>
-    <dgm:pt modelId="{600A97F9-148F-4C31-8451-09B05C0D4E1A}" type="sibTrans" cxnId="{AB12485A-279F-45F7-B381-B5B3FD9C2CF7}">
-      <dgm:prSet/>
-      <dgm:spPr/>
-      <dgm:t>
-        <a:bodyPr/>
-        <a:lstStyle/>
-        <a:p>
-          <a:endParaRPr lang="es-CL"/>
-        </a:p>
-      </dgm:t>
-    </dgm:pt>
-    <dgm:pt modelId="{5DFEA15F-486F-4B82-953E-16B7851BCC59}">
-      <dgm:prSet phldrT="[Texto]"/>
-      <dgm:spPr/>
-      <dgm:t>
-        <a:bodyPr/>
-        <a:lstStyle/>
-        <a:p>
-          <a:r>
-            <a:rPr lang="es-MX" dirty="0"/>
-            <a:t>Cargo</a:t>
-          </a:r>
-          <a:endParaRPr lang="es-CL" dirty="0"/>
-        </a:p>
-      </dgm:t>
-    </dgm:pt>
-    <dgm:pt modelId="{37C87EC0-2F73-4A34-905F-DB4A00CB6E6A}" type="parTrans" cxnId="{DFCF6990-53EB-4286-B1CF-835DC72B887E}">
-      <dgm:prSet/>
-      <dgm:spPr/>
-      <dgm:t>
-        <a:bodyPr/>
-        <a:lstStyle/>
-        <a:p>
-          <a:endParaRPr lang="es-CL"/>
-        </a:p>
-      </dgm:t>
-    </dgm:pt>
-    <dgm:pt modelId="{3277CD81-A0AF-48F8-BBD8-3CE961969DC7}" type="sibTrans" cxnId="{DFCF6990-53EB-4286-B1CF-835DC72B887E}">
-      <dgm:prSet/>
-      <dgm:spPr/>
-      <dgm:t>
-        <a:bodyPr/>
-        <a:lstStyle/>
-        <a:p>
-          <a:endParaRPr lang="es-CL"/>
-        </a:p>
-      </dgm:t>
-    </dgm:pt>
-    <dgm:pt modelId="{149D954F-D66D-4D2A-A389-35B63DA5012B}">
-      <dgm:prSet phldrT="[Texto]"/>
-      <dgm:spPr/>
-      <dgm:t>
-        <a:bodyPr/>
-        <a:lstStyle/>
-        <a:p>
-          <a:r>
-            <a:rPr lang="es-MX" dirty="0"/>
-            <a:t>Funciones desempeñadas</a:t>
-          </a:r>
-          <a:endParaRPr lang="es-CL" dirty="0"/>
-        </a:p>
-      </dgm:t>
-    </dgm:pt>
-    <dgm:pt modelId="{F48E3EB8-AEFE-420D-A38E-B3C86EDE3BC2}" type="parTrans" cxnId="{B7E92E1F-081E-435E-9A84-45C88F35B25B}">
-      <dgm:prSet/>
-      <dgm:spPr/>
-      <dgm:t>
-        <a:bodyPr/>
-        <a:lstStyle/>
-        <a:p>
-          <a:endParaRPr lang="es-CL"/>
-        </a:p>
-      </dgm:t>
-    </dgm:pt>
-    <dgm:pt modelId="{14F2504E-9931-4950-8B3F-292B30F750A9}" type="sibTrans" cxnId="{B7E92E1F-081E-435E-9A84-45C88F35B25B}">
-      <dgm:prSet/>
-      <dgm:spPr/>
-      <dgm:t>
-        <a:bodyPr/>
-        <a:lstStyle/>
-        <a:p>
-          <a:endParaRPr lang="es-CL"/>
-        </a:p>
-      </dgm:t>
-    </dgm:pt>
-    <dgm:pt modelId="{F09BF26D-2022-40EF-B754-46AD6A5DA741}">
-      <dgm:prSet/>
-      <dgm:spPr/>
-      <dgm:t>
-        <a:bodyPr/>
-        <a:lstStyle/>
-        <a:p>
-          <a:r>
-            <a:rPr lang="es-CL" dirty="0"/>
-            <a:t>Nombre de estudiante</a:t>
-          </a:r>
-        </a:p>
-      </dgm:t>
-    </dgm:pt>
-    <dgm:pt modelId="{22E33F83-C1EA-4F57-9248-EBBDD1566FE6}" type="parTrans" cxnId="{9B06EC53-423E-4393-A141-AEC376BB0443}">
-      <dgm:prSet/>
-      <dgm:spPr/>
-      <dgm:t>
-        <a:bodyPr/>
-        <a:lstStyle/>
-        <a:p>
-          <a:endParaRPr lang="es-CL"/>
-        </a:p>
-      </dgm:t>
-    </dgm:pt>
-    <dgm:pt modelId="{A3A9474B-2427-41B4-91AF-61930E05E90E}" type="sibTrans" cxnId="{9B06EC53-423E-4393-A141-AEC376BB0443}">
-      <dgm:prSet/>
-      <dgm:spPr/>
-      <dgm:t>
-        <a:bodyPr/>
-        <a:lstStyle/>
-        <a:p>
-          <a:endParaRPr lang="es-CL"/>
-        </a:p>
-      </dgm:t>
-    </dgm:pt>
-    <dgm:pt modelId="{0390E1A4-9F0C-46E1-9789-486D169974EF}">
-      <dgm:prSet/>
-      <dgm:spPr/>
-      <dgm:t>
-        <a:bodyPr/>
-        <a:lstStyle/>
-        <a:p>
-          <a:r>
-            <a:rPr lang="es-CL" dirty="0"/>
-            <a:t>Cargo</a:t>
-          </a:r>
-        </a:p>
-      </dgm:t>
-    </dgm:pt>
-    <dgm:pt modelId="{6B5C0B58-0A4A-499B-8E3C-CFF01ED1659D}" type="parTrans" cxnId="{61B14E73-C545-4FAF-A9A1-1B5F097E1162}">
-      <dgm:prSet/>
-      <dgm:spPr/>
-      <dgm:t>
-        <a:bodyPr/>
-        <a:lstStyle/>
-        <a:p>
-          <a:endParaRPr lang="es-CL"/>
-        </a:p>
-      </dgm:t>
-    </dgm:pt>
-    <dgm:pt modelId="{B2B96C2E-A18A-4AAD-B360-3C214C15C245}" type="sibTrans" cxnId="{61B14E73-C545-4FAF-A9A1-1B5F097E1162}">
-      <dgm:prSet/>
-      <dgm:spPr/>
-      <dgm:t>
-        <a:bodyPr/>
-        <a:lstStyle/>
-        <a:p>
-          <a:endParaRPr lang="es-CL"/>
-        </a:p>
-      </dgm:t>
-    </dgm:pt>
-    <dgm:pt modelId="{761B5960-C5C5-4A81-977F-F8155402171A}">
-      <dgm:prSet/>
-      <dgm:spPr/>
-      <dgm:t>
-        <a:bodyPr/>
-        <a:lstStyle/>
-        <a:p>
-          <a:r>
-            <a:rPr lang="es-CL" dirty="0"/>
-            <a:t>Funciones desempeñadas</a:t>
-          </a:r>
-        </a:p>
-      </dgm:t>
-    </dgm:pt>
-    <dgm:pt modelId="{22F36988-6788-43E0-A823-AE4DD93A3D87}" type="parTrans" cxnId="{1FCDC96F-E7D0-4592-88D9-5D1CC7D10168}">
-      <dgm:prSet/>
-      <dgm:spPr/>
-      <dgm:t>
-        <a:bodyPr/>
-        <a:lstStyle/>
-        <a:p>
-          <a:endParaRPr lang="es-CL"/>
-        </a:p>
-      </dgm:t>
-    </dgm:pt>
-    <dgm:pt modelId="{44CDD779-8E39-476B-AA7D-0796F124FDD0}" type="sibTrans" cxnId="{1FCDC96F-E7D0-4592-88D9-5D1CC7D10168}">
-      <dgm:prSet/>
-      <dgm:spPr/>
-      <dgm:t>
-        <a:bodyPr/>
-        <a:lstStyle/>
-        <a:p>
-          <a:endParaRPr lang="es-CL"/>
-        </a:p>
-      </dgm:t>
-    </dgm:pt>
-    <dgm:pt modelId="{6E1E561E-88C1-49C6-A3F7-DE4B9AD43273}" type="pres">
-      <dgm:prSet presAssocID="{BE45140C-C326-4DAA-A267-498AD5117D68}" presName="linear" presStyleCnt="0">
-        <dgm:presLayoutVars>
-          <dgm:dir/>
-          <dgm:resizeHandles val="exact"/>
-        </dgm:presLayoutVars>
-      </dgm:prSet>
-      <dgm:spPr/>
-    </dgm:pt>
-    <dgm:pt modelId="{F70979D0-5925-4EC3-AD84-986E0EC7B0D8}" type="pres">
-      <dgm:prSet presAssocID="{78BFB295-8F5D-4286-B72B-79142F8F0E13}" presName="comp" presStyleCnt="0"/>
-      <dgm:spPr/>
-    </dgm:pt>
-    <dgm:pt modelId="{54FC4CB6-0791-48D3-B2C5-2E99B8AFCFF7}" type="pres">
-      <dgm:prSet presAssocID="{78BFB295-8F5D-4286-B72B-79142F8F0E13}" presName="box" presStyleLbl="node1" presStyleIdx="0" presStyleCnt="4" custLinFactNeighborX="5318" custLinFactNeighborY="-12417"/>
-      <dgm:spPr/>
-    </dgm:pt>
-    <dgm:pt modelId="{9A7E2690-DE9C-4572-9BE5-B8C9A3B8BBB3}" type="pres">
-      <dgm:prSet presAssocID="{78BFB295-8F5D-4286-B72B-79142F8F0E13}" presName="img" presStyleLbl="fgImgPlace1" presStyleIdx="0" presStyleCnt="4"/>
-      <dgm:spPr/>
-    </dgm:pt>
-    <dgm:pt modelId="{52D125D2-FCA7-4A2D-AB39-B6BD54F251F2}" type="pres">
-      <dgm:prSet presAssocID="{78BFB295-8F5D-4286-B72B-79142F8F0E13}" presName="text" presStyleLbl="node1" presStyleIdx="0" presStyleCnt="4">
-        <dgm:presLayoutVars>
-          <dgm:bulletEnabled val="1"/>
-        </dgm:presLayoutVars>
-      </dgm:prSet>
-      <dgm:spPr/>
-    </dgm:pt>
-    <dgm:pt modelId="{E95CA29D-745B-40BA-93B6-BB607C99A2CE}" type="pres">
-      <dgm:prSet presAssocID="{E88D0928-51D4-4670-8963-60ABBB193E13}" presName="spacer" presStyleCnt="0"/>
-      <dgm:spPr/>
-    </dgm:pt>
-    <dgm:pt modelId="{41A67AC8-1DD7-4AB7-96A3-87B24035E3FA}" type="pres">
-      <dgm:prSet presAssocID="{02A34BC0-F8BA-4A89-87A4-4F20079DFD06}" presName="comp" presStyleCnt="0"/>
-      <dgm:spPr/>
-    </dgm:pt>
-    <dgm:pt modelId="{39AFE128-ACF6-44CA-B18B-64F5782CF210}" type="pres">
-      <dgm:prSet presAssocID="{02A34BC0-F8BA-4A89-87A4-4F20079DFD06}" presName="box" presStyleLbl="node1" presStyleIdx="1" presStyleCnt="4"/>
-      <dgm:spPr/>
-    </dgm:pt>
-    <dgm:pt modelId="{3F97C059-D720-4D48-953F-B84D04D0BF79}" type="pres">
-      <dgm:prSet presAssocID="{02A34BC0-F8BA-4A89-87A4-4F20079DFD06}" presName="img" presStyleLbl="fgImgPlace1" presStyleIdx="1" presStyleCnt="4"/>
-      <dgm:spPr/>
-    </dgm:pt>
-    <dgm:pt modelId="{CFFDF23F-D296-4CDF-8EE4-8A672559E207}" type="pres">
-      <dgm:prSet presAssocID="{02A34BC0-F8BA-4A89-87A4-4F20079DFD06}" presName="text" presStyleLbl="node1" presStyleIdx="1" presStyleCnt="4">
-        <dgm:presLayoutVars>
-          <dgm:bulletEnabled val="1"/>
-        </dgm:presLayoutVars>
-      </dgm:prSet>
-      <dgm:spPr/>
-    </dgm:pt>
-    <dgm:pt modelId="{40453781-DACE-4118-ADC4-2B966E9374E5}" type="pres">
-      <dgm:prSet presAssocID="{44AB630E-CD8B-4223-9F51-5EEE4E054B0A}" presName="spacer" presStyleCnt="0"/>
-      <dgm:spPr/>
-    </dgm:pt>
-    <dgm:pt modelId="{0A053813-1A27-48A9-9CE4-CF4EBB9943E0}" type="pres">
-      <dgm:prSet presAssocID="{F09BF26D-2022-40EF-B754-46AD6A5DA741}" presName="comp" presStyleCnt="0"/>
-      <dgm:spPr/>
-    </dgm:pt>
-    <dgm:pt modelId="{F6EA3109-3DED-4AF4-91BA-940DEFBF6AB6}" type="pres">
-      <dgm:prSet presAssocID="{F09BF26D-2022-40EF-B754-46AD6A5DA741}" presName="box" presStyleLbl="node1" presStyleIdx="2" presStyleCnt="4"/>
-      <dgm:spPr/>
-    </dgm:pt>
-    <dgm:pt modelId="{504B6808-2EA0-4B63-AE60-779A9AA54E83}" type="pres">
-      <dgm:prSet presAssocID="{F09BF26D-2022-40EF-B754-46AD6A5DA741}" presName="img" presStyleLbl="fgImgPlace1" presStyleIdx="2" presStyleCnt="4"/>
-      <dgm:spPr/>
-    </dgm:pt>
-    <dgm:pt modelId="{4539DCF4-B987-4503-BDC5-6515AA2623F4}" type="pres">
-      <dgm:prSet presAssocID="{F09BF26D-2022-40EF-B754-46AD6A5DA741}" presName="text" presStyleLbl="node1" presStyleIdx="2" presStyleCnt="4">
-        <dgm:presLayoutVars>
-          <dgm:bulletEnabled val="1"/>
-        </dgm:presLayoutVars>
-      </dgm:prSet>
-      <dgm:spPr/>
-    </dgm:pt>
-    <dgm:pt modelId="{7DA395C4-CD93-4699-8C13-1F2F68E84886}" type="pres">
-      <dgm:prSet presAssocID="{A3A9474B-2427-41B4-91AF-61930E05E90E}" presName="spacer" presStyleCnt="0"/>
-      <dgm:spPr/>
-    </dgm:pt>
-    <dgm:pt modelId="{8E436DAB-E6B4-4A85-95F7-AF2FE1138EF2}" type="pres">
-      <dgm:prSet presAssocID="{07DBFAD7-FA54-4B52-8BDE-5F33C7C671E8}" presName="comp" presStyleCnt="0"/>
-      <dgm:spPr/>
-    </dgm:pt>
-    <dgm:pt modelId="{1CB2E637-A13C-4019-9D01-151793C833A2}" type="pres">
-      <dgm:prSet presAssocID="{07DBFAD7-FA54-4B52-8BDE-5F33C7C671E8}" presName="box" presStyleLbl="node1" presStyleIdx="3" presStyleCnt="4"/>
-      <dgm:spPr/>
-    </dgm:pt>
-    <dgm:pt modelId="{A148715F-8F24-48C6-A652-9C08F3491B56}" type="pres">
-      <dgm:prSet presAssocID="{07DBFAD7-FA54-4B52-8BDE-5F33C7C671E8}" presName="img" presStyleLbl="fgImgPlace1" presStyleIdx="3" presStyleCnt="4"/>
-      <dgm:spPr/>
-    </dgm:pt>
-    <dgm:pt modelId="{E8E70019-9E42-467D-93E6-4112D8F0A4C4}" type="pres">
-      <dgm:prSet presAssocID="{07DBFAD7-FA54-4B52-8BDE-5F33C7C671E8}" presName="text" presStyleLbl="node1" presStyleIdx="3" presStyleCnt="4">
-        <dgm:presLayoutVars>
-          <dgm:bulletEnabled val="1"/>
-        </dgm:presLayoutVars>
-      </dgm:prSet>
-      <dgm:spPr/>
-    </dgm:pt>
-  </dgm:ptLst>
-  <dgm:cxnLst>
-    <dgm:cxn modelId="{399BD705-2380-48A3-9C48-1D49A5A32D61}" type="presOf" srcId="{2E221207-005F-49CB-81E1-6D036D64322B}" destId="{52D125D2-FCA7-4A2D-AB39-B6BD54F251F2}" srcOrd="1" destOrd="2" presId="urn:microsoft.com/office/officeart/2005/8/layout/vList4"/>
-    <dgm:cxn modelId="{D2B94F0C-C779-4AC1-87E4-35116A3DED02}" type="presOf" srcId="{78BFB295-8F5D-4286-B72B-79142F8F0E13}" destId="{54FC4CB6-0791-48D3-B2C5-2E99B8AFCFF7}" srcOrd="0" destOrd="0" presId="urn:microsoft.com/office/officeart/2005/8/layout/vList4"/>
-    <dgm:cxn modelId="{A426ED1B-8B35-451F-A81D-F3C8A7D0FA6A}" type="presOf" srcId="{07DBFAD7-FA54-4B52-8BDE-5F33C7C671E8}" destId="{E8E70019-9E42-467D-93E6-4112D8F0A4C4}" srcOrd="1" destOrd="0" presId="urn:microsoft.com/office/officeart/2005/8/layout/vList4"/>
-    <dgm:cxn modelId="{B7E92E1F-081E-435E-9A84-45C88F35B25B}" srcId="{07DBFAD7-FA54-4B52-8BDE-5F33C7C671E8}" destId="{149D954F-D66D-4D2A-A389-35B63DA5012B}" srcOrd="1" destOrd="0" parTransId="{F48E3EB8-AEFE-420D-A38E-B3C86EDE3BC2}" sibTransId="{14F2504E-9931-4950-8B3F-292B30F750A9}"/>
-    <dgm:cxn modelId="{B1BCEF30-284F-4A3A-BA30-EE1475AE0CAF}" type="presOf" srcId="{07DBFAD7-FA54-4B52-8BDE-5F33C7C671E8}" destId="{1CB2E637-A13C-4019-9D01-151793C833A2}" srcOrd="0" destOrd="0" presId="urn:microsoft.com/office/officeart/2005/8/layout/vList4"/>
-    <dgm:cxn modelId="{A6E20436-8EF1-4FFF-9C29-AC69BF1D5C4A}" type="presOf" srcId="{02A34BC0-F8BA-4A89-87A4-4F20079DFD06}" destId="{39AFE128-ACF6-44CA-B18B-64F5782CF210}" srcOrd="0" destOrd="0" presId="urn:microsoft.com/office/officeart/2005/8/layout/vList4"/>
-    <dgm:cxn modelId="{484B8A37-0122-4FF5-93D2-4A15DF521A17}" srcId="{78BFB295-8F5D-4286-B72B-79142F8F0E13}" destId="{D868444B-AE34-4422-A6A5-1F7D392D0C20}" srcOrd="0" destOrd="0" parTransId="{7DB88D83-6C3A-48C1-8CAD-0D11C3BEC35C}" sibTransId="{74B9B1A5-94EB-40A9-BFF2-678501068FB8}"/>
-    <dgm:cxn modelId="{22F3405C-AB8E-4AC3-A83C-C551BA0831ED}" type="presOf" srcId="{55A2A9EB-4C26-43C3-B721-D475B10BC39B}" destId="{39AFE128-ACF6-44CA-B18B-64F5782CF210}" srcOrd="0" destOrd="2" presId="urn:microsoft.com/office/officeart/2005/8/layout/vList4"/>
-    <dgm:cxn modelId="{7E8FC05E-FE02-4336-B1F8-3EAA05519A49}" type="presOf" srcId="{D868444B-AE34-4422-A6A5-1F7D392D0C20}" destId="{54FC4CB6-0791-48D3-B2C5-2E99B8AFCFF7}" srcOrd="0" destOrd="1" presId="urn:microsoft.com/office/officeart/2005/8/layout/vList4"/>
-    <dgm:cxn modelId="{2C828946-04C2-4742-B471-ECA846DB9856}" type="presOf" srcId="{761B5960-C5C5-4A81-977F-F8155402171A}" destId="{F6EA3109-3DED-4AF4-91BA-940DEFBF6AB6}" srcOrd="0" destOrd="2" presId="urn:microsoft.com/office/officeart/2005/8/layout/vList4"/>
-    <dgm:cxn modelId="{F7320D6F-4628-4F8D-BCDF-16D6346537F1}" type="presOf" srcId="{5DFEA15F-486F-4B82-953E-16B7851BCC59}" destId="{E8E70019-9E42-467D-93E6-4112D8F0A4C4}" srcOrd="1" destOrd="1" presId="urn:microsoft.com/office/officeart/2005/8/layout/vList4"/>
-    <dgm:cxn modelId="{1FCDC96F-E7D0-4592-88D9-5D1CC7D10168}" srcId="{F09BF26D-2022-40EF-B754-46AD6A5DA741}" destId="{761B5960-C5C5-4A81-977F-F8155402171A}" srcOrd="1" destOrd="0" parTransId="{22F36988-6788-43E0-A823-AE4DD93A3D87}" sibTransId="{44CDD779-8E39-476B-AA7D-0796F124FDD0}"/>
-    <dgm:cxn modelId="{61B14E73-C545-4FAF-A9A1-1B5F097E1162}" srcId="{F09BF26D-2022-40EF-B754-46AD6A5DA741}" destId="{0390E1A4-9F0C-46E1-9789-486D169974EF}" srcOrd="0" destOrd="0" parTransId="{6B5C0B58-0A4A-499B-8E3C-CFF01ED1659D}" sibTransId="{B2B96C2E-A18A-4AAD-B360-3C214C15C245}"/>
-    <dgm:cxn modelId="{DC02AD53-682D-464B-9D09-C1B6DCD5AFB0}" type="presOf" srcId="{55A2A9EB-4C26-43C3-B721-D475B10BC39B}" destId="{CFFDF23F-D296-4CDF-8EE4-8A672559E207}" srcOrd="1" destOrd="2" presId="urn:microsoft.com/office/officeart/2005/8/layout/vList4"/>
-    <dgm:cxn modelId="{9B06EC53-423E-4393-A141-AEC376BB0443}" srcId="{BE45140C-C326-4DAA-A267-498AD5117D68}" destId="{F09BF26D-2022-40EF-B754-46AD6A5DA741}" srcOrd="2" destOrd="0" parTransId="{22E33F83-C1EA-4F57-9248-EBBDD1566FE6}" sibTransId="{A3A9474B-2427-41B4-91AF-61930E05E90E}"/>
-    <dgm:cxn modelId="{0E2AE979-A66C-4CEC-BFF4-5B28BB7CD9EA}" srcId="{BE45140C-C326-4DAA-A267-498AD5117D68}" destId="{02A34BC0-F8BA-4A89-87A4-4F20079DFD06}" srcOrd="1" destOrd="0" parTransId="{9ADB496F-2DB6-4F16-8C91-2EB9CDF5F2F2}" sibTransId="{44AB630E-CD8B-4223-9F51-5EEE4E054B0A}"/>
-    <dgm:cxn modelId="{AB12485A-279F-45F7-B381-B5B3FD9C2CF7}" srcId="{BE45140C-C326-4DAA-A267-498AD5117D68}" destId="{07DBFAD7-FA54-4B52-8BDE-5F33C7C671E8}" srcOrd="3" destOrd="0" parTransId="{CF48ACED-401C-46E0-A4FD-DD9DB65236C1}" sibTransId="{600A97F9-148F-4C31-8451-09B05C0D4E1A}"/>
-    <dgm:cxn modelId="{DFCF6990-53EB-4286-B1CF-835DC72B887E}" srcId="{07DBFAD7-FA54-4B52-8BDE-5F33C7C671E8}" destId="{5DFEA15F-486F-4B82-953E-16B7851BCC59}" srcOrd="0" destOrd="0" parTransId="{37C87EC0-2F73-4A34-905F-DB4A00CB6E6A}" sibTransId="{3277CD81-A0AF-48F8-BBD8-3CE961969DC7}"/>
-    <dgm:cxn modelId="{2AD07198-D472-4B98-B6D5-5A730374E9A2}" srcId="{BE45140C-C326-4DAA-A267-498AD5117D68}" destId="{78BFB295-8F5D-4286-B72B-79142F8F0E13}" srcOrd="0" destOrd="0" parTransId="{F1885FAB-61EC-4F80-98D0-72360031AF9F}" sibTransId="{E88D0928-51D4-4670-8963-60ABBB193E13}"/>
-    <dgm:cxn modelId="{690A389C-25C1-485B-88F9-437236A47744}" type="presOf" srcId="{BE45140C-C326-4DAA-A267-498AD5117D68}" destId="{6E1E561E-88C1-49C6-A3F7-DE4B9AD43273}" srcOrd="0" destOrd="0" presId="urn:microsoft.com/office/officeart/2005/8/layout/vList4"/>
-    <dgm:cxn modelId="{ECFD91A4-F44F-4C84-8B25-37DA0B249A1F}" type="presOf" srcId="{78BFB295-8F5D-4286-B72B-79142F8F0E13}" destId="{52D125D2-FCA7-4A2D-AB39-B6BD54F251F2}" srcOrd="1" destOrd="0" presId="urn:microsoft.com/office/officeart/2005/8/layout/vList4"/>
-    <dgm:cxn modelId="{35644DB8-C835-4294-BDCC-65F02563272E}" type="presOf" srcId="{F09BF26D-2022-40EF-B754-46AD6A5DA741}" destId="{4539DCF4-B987-4503-BDC5-6515AA2623F4}" srcOrd="1" destOrd="0" presId="urn:microsoft.com/office/officeart/2005/8/layout/vList4"/>
-    <dgm:cxn modelId="{1C4CA7B8-D73C-4887-B6EF-9DD0AA3C9CC0}" type="presOf" srcId="{0390E1A4-9F0C-46E1-9789-486D169974EF}" destId="{F6EA3109-3DED-4AF4-91BA-940DEFBF6AB6}" srcOrd="0" destOrd="1" presId="urn:microsoft.com/office/officeart/2005/8/layout/vList4"/>
-    <dgm:cxn modelId="{778F2DBC-81F3-476D-BD99-784E4F7153C8}" srcId="{02A34BC0-F8BA-4A89-87A4-4F20079DFD06}" destId="{EA3B2395-55AF-495E-9D6B-329D2886612F}" srcOrd="0" destOrd="0" parTransId="{01DA10B6-3F7A-4C8A-AACD-F605EE6CCF20}" sibTransId="{11A4E056-7834-4F82-8A9C-B8EA31F159E3}"/>
-    <dgm:cxn modelId="{CA03BFBE-5CFB-4E20-A20E-5C87B094771B}" type="presOf" srcId="{5DFEA15F-486F-4B82-953E-16B7851BCC59}" destId="{1CB2E637-A13C-4019-9D01-151793C833A2}" srcOrd="0" destOrd="1" presId="urn:microsoft.com/office/officeart/2005/8/layout/vList4"/>
-    <dgm:cxn modelId="{FE5360C5-555C-42B2-9E63-16D2D46F21B1}" type="presOf" srcId="{D868444B-AE34-4422-A6A5-1F7D392D0C20}" destId="{52D125D2-FCA7-4A2D-AB39-B6BD54F251F2}" srcOrd="1" destOrd="1" presId="urn:microsoft.com/office/officeart/2005/8/layout/vList4"/>
-    <dgm:cxn modelId="{1C3272C9-C630-4D60-B76B-138907BB4D41}" srcId="{78BFB295-8F5D-4286-B72B-79142F8F0E13}" destId="{2E221207-005F-49CB-81E1-6D036D64322B}" srcOrd="1" destOrd="0" parTransId="{B200B6AA-AA2A-4CB8-80FF-4BB54938E8A5}" sibTransId="{3728DB5E-E904-481D-A1E5-49CF4AFFC0D3}"/>
-    <dgm:cxn modelId="{B0C181C9-77EB-4775-B9E6-C6CBDA60E6EB}" type="presOf" srcId="{EA3B2395-55AF-495E-9D6B-329D2886612F}" destId="{CFFDF23F-D296-4CDF-8EE4-8A672559E207}" srcOrd="1" destOrd="1" presId="urn:microsoft.com/office/officeart/2005/8/layout/vList4"/>
-    <dgm:cxn modelId="{591224CB-30C3-4CF4-BAED-D7B1C080647D}" type="presOf" srcId="{761B5960-C5C5-4A81-977F-F8155402171A}" destId="{4539DCF4-B987-4503-BDC5-6515AA2623F4}" srcOrd="1" destOrd="2" presId="urn:microsoft.com/office/officeart/2005/8/layout/vList4"/>
-    <dgm:cxn modelId="{ECED70CB-7A25-48F8-9E03-51596FB1E92C}" srcId="{02A34BC0-F8BA-4A89-87A4-4F20079DFD06}" destId="{55A2A9EB-4C26-43C3-B721-D475B10BC39B}" srcOrd="1" destOrd="0" parTransId="{B8424EB2-FFE7-4867-9D5A-EE0D46E8AAFE}" sibTransId="{4EF4588A-187C-4393-9DFC-C6D80B20E995}"/>
-    <dgm:cxn modelId="{22A4C7D2-C14A-4622-8C4E-3FE51F50DCC3}" type="presOf" srcId="{02A34BC0-F8BA-4A89-87A4-4F20079DFD06}" destId="{CFFDF23F-D296-4CDF-8EE4-8A672559E207}" srcOrd="1" destOrd="0" presId="urn:microsoft.com/office/officeart/2005/8/layout/vList4"/>
-    <dgm:cxn modelId="{A70C9FD5-2935-4C81-937A-B6C05F5E54BA}" type="presOf" srcId="{2E221207-005F-49CB-81E1-6D036D64322B}" destId="{54FC4CB6-0791-48D3-B2C5-2E99B8AFCFF7}" srcOrd="0" destOrd="2" presId="urn:microsoft.com/office/officeart/2005/8/layout/vList4"/>
-    <dgm:cxn modelId="{C33FA9D9-71DD-44B0-A65C-328783046DEC}" type="presOf" srcId="{149D954F-D66D-4D2A-A389-35B63DA5012B}" destId="{1CB2E637-A13C-4019-9D01-151793C833A2}" srcOrd="0" destOrd="2" presId="urn:microsoft.com/office/officeart/2005/8/layout/vList4"/>
-    <dgm:cxn modelId="{2593AFE8-92A4-4503-BAE3-83273E976BB2}" type="presOf" srcId="{F09BF26D-2022-40EF-B754-46AD6A5DA741}" destId="{F6EA3109-3DED-4AF4-91BA-940DEFBF6AB6}" srcOrd="0" destOrd="0" presId="urn:microsoft.com/office/officeart/2005/8/layout/vList4"/>
-    <dgm:cxn modelId="{A4FA5DF5-D134-43BB-9BB2-C7EFBF9CACDD}" type="presOf" srcId="{149D954F-D66D-4D2A-A389-35B63DA5012B}" destId="{E8E70019-9E42-467D-93E6-4112D8F0A4C4}" srcOrd="1" destOrd="2" presId="urn:microsoft.com/office/officeart/2005/8/layout/vList4"/>
-    <dgm:cxn modelId="{E5044FFB-1C40-4D08-BBFF-F474AD143165}" type="presOf" srcId="{0390E1A4-9F0C-46E1-9789-486D169974EF}" destId="{4539DCF4-B987-4503-BDC5-6515AA2623F4}" srcOrd="1" destOrd="1" presId="urn:microsoft.com/office/officeart/2005/8/layout/vList4"/>
-    <dgm:cxn modelId="{7ABE08FD-4ED4-44FB-BFBA-794B6C5FA813}" type="presOf" srcId="{EA3B2395-55AF-495E-9D6B-329D2886612F}" destId="{39AFE128-ACF6-44CA-B18B-64F5782CF210}" srcOrd="0" destOrd="1" presId="urn:microsoft.com/office/officeart/2005/8/layout/vList4"/>
-    <dgm:cxn modelId="{DA463EE6-78DB-4E59-8099-EBA029F401B0}" type="presParOf" srcId="{6E1E561E-88C1-49C6-A3F7-DE4B9AD43273}" destId="{F70979D0-5925-4EC3-AD84-986E0EC7B0D8}" srcOrd="0" destOrd="0" presId="urn:microsoft.com/office/officeart/2005/8/layout/vList4"/>
-    <dgm:cxn modelId="{2FE346D7-6685-4BD0-9465-988681234E35}" type="presParOf" srcId="{F70979D0-5925-4EC3-AD84-986E0EC7B0D8}" destId="{54FC4CB6-0791-48D3-B2C5-2E99B8AFCFF7}" srcOrd="0" destOrd="0" presId="urn:microsoft.com/office/officeart/2005/8/layout/vList4"/>
-    <dgm:cxn modelId="{3671DC51-8308-4E14-B210-C8528BB18500}" type="presParOf" srcId="{F70979D0-5925-4EC3-AD84-986E0EC7B0D8}" destId="{9A7E2690-DE9C-4572-9BE5-B8C9A3B8BBB3}" srcOrd="1" destOrd="0" presId="urn:microsoft.com/office/officeart/2005/8/layout/vList4"/>
-    <dgm:cxn modelId="{36512CCB-6AF4-4E79-94F2-3EAFE5E8BC48}" type="presParOf" srcId="{F70979D0-5925-4EC3-AD84-986E0EC7B0D8}" destId="{52D125D2-FCA7-4A2D-AB39-B6BD54F251F2}" srcOrd="2" destOrd="0" presId="urn:microsoft.com/office/officeart/2005/8/layout/vList4"/>
-    <dgm:cxn modelId="{ECC56BF9-E938-422B-98CD-A358ACD6F8DC}" type="presParOf" srcId="{6E1E561E-88C1-49C6-A3F7-DE4B9AD43273}" destId="{E95CA29D-745B-40BA-93B6-BB607C99A2CE}" srcOrd="1" destOrd="0" presId="urn:microsoft.com/office/officeart/2005/8/layout/vList4"/>
-    <dgm:cxn modelId="{158F6488-FF9D-4053-8FD1-E0DD5F22ECAD}" type="presParOf" srcId="{6E1E561E-88C1-49C6-A3F7-DE4B9AD43273}" destId="{41A67AC8-1DD7-4AB7-96A3-87B24035E3FA}" srcOrd="2" destOrd="0" presId="urn:microsoft.com/office/officeart/2005/8/layout/vList4"/>
-    <dgm:cxn modelId="{236FF4A9-4957-4F7A-A24B-795FE34BEEFD}" type="presParOf" srcId="{41A67AC8-1DD7-4AB7-96A3-87B24035E3FA}" destId="{39AFE128-ACF6-44CA-B18B-64F5782CF210}" srcOrd="0" destOrd="0" presId="urn:microsoft.com/office/officeart/2005/8/layout/vList4"/>
-    <dgm:cxn modelId="{5BD15FCC-0B87-4D85-98EC-9D897E4655EE}" type="presParOf" srcId="{41A67AC8-1DD7-4AB7-96A3-87B24035E3FA}" destId="{3F97C059-D720-4D48-953F-B84D04D0BF79}" srcOrd="1" destOrd="0" presId="urn:microsoft.com/office/officeart/2005/8/layout/vList4"/>
-    <dgm:cxn modelId="{3156CEE4-28C8-4C16-85AC-EE6796DAD482}" type="presParOf" srcId="{41A67AC8-1DD7-4AB7-96A3-87B24035E3FA}" destId="{CFFDF23F-D296-4CDF-8EE4-8A672559E207}" srcOrd="2" destOrd="0" presId="urn:microsoft.com/office/officeart/2005/8/layout/vList4"/>
-    <dgm:cxn modelId="{C9CD1524-D5D2-47DD-A731-469F83B73691}" type="presParOf" srcId="{6E1E561E-88C1-49C6-A3F7-DE4B9AD43273}" destId="{40453781-DACE-4118-ADC4-2B966E9374E5}" srcOrd="3" destOrd="0" presId="urn:microsoft.com/office/officeart/2005/8/layout/vList4"/>
-    <dgm:cxn modelId="{2F4FFB68-C773-4AC3-91CF-5BB59750C55D}" type="presParOf" srcId="{6E1E561E-88C1-49C6-A3F7-DE4B9AD43273}" destId="{0A053813-1A27-48A9-9CE4-CF4EBB9943E0}" srcOrd="4" destOrd="0" presId="urn:microsoft.com/office/officeart/2005/8/layout/vList4"/>
-    <dgm:cxn modelId="{31D19C3B-9B03-4539-B9E2-97165831DA16}" type="presParOf" srcId="{0A053813-1A27-48A9-9CE4-CF4EBB9943E0}" destId="{F6EA3109-3DED-4AF4-91BA-940DEFBF6AB6}" srcOrd="0" destOrd="0" presId="urn:microsoft.com/office/officeart/2005/8/layout/vList4"/>
-    <dgm:cxn modelId="{A2732A31-71D9-411D-A938-D94866DD45F4}" type="presParOf" srcId="{0A053813-1A27-48A9-9CE4-CF4EBB9943E0}" destId="{504B6808-2EA0-4B63-AE60-779A9AA54E83}" srcOrd="1" destOrd="0" presId="urn:microsoft.com/office/officeart/2005/8/layout/vList4"/>
-    <dgm:cxn modelId="{6469C114-48C6-4ED4-B7EA-90146A2512C3}" type="presParOf" srcId="{0A053813-1A27-48A9-9CE4-CF4EBB9943E0}" destId="{4539DCF4-B987-4503-BDC5-6515AA2623F4}" srcOrd="2" destOrd="0" presId="urn:microsoft.com/office/officeart/2005/8/layout/vList4"/>
-    <dgm:cxn modelId="{B93E847F-1864-4471-9CA5-422FAE12CF3D}" type="presParOf" srcId="{6E1E561E-88C1-49C6-A3F7-DE4B9AD43273}" destId="{7DA395C4-CD93-4699-8C13-1F2F68E84886}" srcOrd="5" destOrd="0" presId="urn:microsoft.com/office/officeart/2005/8/layout/vList4"/>
-    <dgm:cxn modelId="{CE974F92-15FE-473C-A480-FD7264AA1ED7}" type="presParOf" srcId="{6E1E561E-88C1-49C6-A3F7-DE4B9AD43273}" destId="{8E436DAB-E6B4-4A85-95F7-AF2FE1138EF2}" srcOrd="6" destOrd="0" presId="urn:microsoft.com/office/officeart/2005/8/layout/vList4"/>
-    <dgm:cxn modelId="{3D706D8D-055E-4B4F-B107-0DFD14DD807E}" type="presParOf" srcId="{8E436DAB-E6B4-4A85-95F7-AF2FE1138EF2}" destId="{1CB2E637-A13C-4019-9D01-151793C833A2}" srcOrd="0" destOrd="0" presId="urn:microsoft.com/office/officeart/2005/8/layout/vList4"/>
-    <dgm:cxn modelId="{E3ABC40E-4770-44E7-96E1-CFB119B2EF88}" type="presParOf" srcId="{8E436DAB-E6B4-4A85-95F7-AF2FE1138EF2}" destId="{A148715F-8F24-48C6-A652-9C08F3491B56}" srcOrd="1" destOrd="0" presId="urn:microsoft.com/office/officeart/2005/8/layout/vList4"/>
-    <dgm:cxn modelId="{A561BC4D-CA3A-41DC-A167-629FC92868AD}" type="presParOf" srcId="{8E436DAB-E6B4-4A85-95F7-AF2FE1138EF2}" destId="{E8E70019-9E42-467D-93E6-4112D8F0A4C4}" srcOrd="2" destOrd="0" presId="urn:microsoft.com/office/officeart/2005/8/layout/vList4"/>
-  </dgm:cxnLst>
-  <dgm:bg/>
-  <dgm:whole/>
-  <dgm:extLst>
-    <a:ext uri="http://schemas.microsoft.com/office/drawing/2008/diagram">
-      <dsp:dataModelExt xmlns:dsp="http://schemas.microsoft.com/office/drawing/2008/diagram" relId="rId6" minVer="http://schemas.openxmlformats.org/drawingml/2006/diagram"/>
-    </a:ext>
-  </dgm:extLst>
-</dgm:dataModel>
-</file>
-
-<file path=ppt/diagrams/drawing1.xml><?xml version="1.0" encoding="utf-8"?>
-<dsp:drawing xmlns:dgm="http://schemas.openxmlformats.org/drawingml/2006/diagram" xmlns:dsp="http://schemas.microsoft.com/office/drawing/2008/diagram" xmlns:a="http://schemas.openxmlformats.org/drawingml/2006/main">
-  <dsp:spTree>
-    <dsp:nvGrpSpPr>
-      <dsp:cNvPr id="0" name=""/>
-      <dsp:cNvGrpSpPr/>
-    </dsp:nvGrpSpPr>
-    <dsp:grpSpPr/>
-    <dsp:sp modelId="{54FC4CB6-0791-48D3-B2C5-2E99B8AFCFF7}">
-      <dsp:nvSpPr>
-        <dsp:cNvPr id="0" name=""/>
-        <dsp:cNvSpPr/>
-      </dsp:nvSpPr>
-      <dsp:spPr>
-        <a:xfrm>
-          <a:off x="0" y="0"/>
-          <a:ext cx="6781017" cy="1067494"/>
-        </a:xfrm>
-        <a:prstGeom prst="roundRect">
-          <a:avLst>
-            <a:gd name="adj" fmla="val 10000"/>
-          </a:avLst>
-        </a:prstGeom>
-        <a:gradFill rotWithShape="0">
-          <a:gsLst>
-            <a:gs pos="0">
-              <a:schemeClr val="accent5">
-                <a:hueOff val="0"/>
-                <a:satOff val="0"/>
-                <a:lumOff val="0"/>
-                <a:alphaOff val="0"/>
-                <a:satMod val="103000"/>
-                <a:lumMod val="102000"/>
-                <a:tint val="94000"/>
-              </a:schemeClr>
-            </a:gs>
-            <a:gs pos="50000">
-              <a:schemeClr val="accent5">
-                <a:hueOff val="0"/>
-                <a:satOff val="0"/>
-                <a:lumOff val="0"/>
-                <a:alphaOff val="0"/>
-                <a:satMod val="110000"/>
-                <a:lumMod val="100000"/>
-                <a:shade val="100000"/>
-              </a:schemeClr>
-            </a:gs>
-            <a:gs pos="100000">
-              <a:schemeClr val="accent5">
-                <a:hueOff val="0"/>
-                <a:satOff val="0"/>
-                <a:lumOff val="0"/>
-                <a:alphaOff val="0"/>
-                <a:lumMod val="99000"/>
-                <a:satMod val="120000"/>
-                <a:shade val="78000"/>
-              </a:schemeClr>
-            </a:gs>
-          </a:gsLst>
-          <a:lin ang="5400000" scaled="0"/>
-        </a:gradFill>
-        <a:ln>
-          <a:noFill/>
-        </a:ln>
-        <a:effectLst>
-          <a:outerShdw blurRad="57150" dist="19050" dir="5400000" algn="ctr" rotWithShape="0">
-            <a:srgbClr val="000000">
-              <a:alpha val="63000"/>
-            </a:srgbClr>
-          </a:outerShdw>
-        </a:effectLst>
-      </dsp:spPr>
-      <dsp:style>
-        <a:lnRef idx="0">
-          <a:scrgbClr r="0" g="0" b="0"/>
-        </a:lnRef>
-        <a:fillRef idx="3">
-          <a:scrgbClr r="0" g="0" b="0"/>
-        </a:fillRef>
-        <a:effectRef idx="3">
-          <a:scrgbClr r="0" g="0" b="0"/>
-        </a:effectRef>
-        <a:fontRef idx="minor">
-          <a:schemeClr val="lt1"/>
-        </a:fontRef>
-      </dsp:style>
-      <dsp:txBody>
-        <a:bodyPr spcFirstLastPara="0" vert="horz" wrap="square" lIns="80010" tIns="80010" rIns="80010" bIns="80010" numCol="1" spcCol="1270" anchor="t" anchorCtr="0">
-          <a:noAutofit/>
-        </a:bodyPr>
-        <a:lstStyle/>
-        <a:p>
-          <a:pPr marL="0" lvl="0" indent="0" algn="l" defTabSz="933450">
-            <a:lnSpc>
-              <a:spcPct val="90000"/>
-            </a:lnSpc>
-            <a:spcBef>
-              <a:spcPct val="0"/>
-            </a:spcBef>
-            <a:spcAft>
-              <a:spcPct val="35000"/>
-            </a:spcAft>
-            <a:buNone/>
-          </a:pPr>
-          <a:r>
-            <a:rPr lang="es-MX" sz="2100" kern="1200" dirty="0"/>
-            <a:t>Nombre de estudiante</a:t>
-          </a:r>
-          <a:endParaRPr lang="es-CL" sz="2100" kern="1200" dirty="0"/>
-        </a:p>
-        <a:p>
-          <a:pPr marL="171450" lvl="1" indent="-171450" algn="l" defTabSz="711200">
-            <a:lnSpc>
-              <a:spcPct val="90000"/>
-            </a:lnSpc>
-            <a:spcBef>
-              <a:spcPct val="0"/>
-            </a:spcBef>
-            <a:spcAft>
-              <a:spcPct val="15000"/>
-            </a:spcAft>
-            <a:buChar char="•"/>
-          </a:pPr>
-          <a:r>
-            <a:rPr lang="es-MX" sz="1600" kern="1200" dirty="0"/>
-            <a:t>Cargo</a:t>
-          </a:r>
-          <a:endParaRPr lang="es-CL" sz="1600" kern="1200" dirty="0"/>
-        </a:p>
-        <a:p>
-          <a:pPr marL="171450" lvl="1" indent="-171450" algn="l" defTabSz="711200">
-            <a:lnSpc>
-              <a:spcPct val="90000"/>
-            </a:lnSpc>
-            <a:spcBef>
-              <a:spcPct val="0"/>
-            </a:spcBef>
-            <a:spcAft>
-              <a:spcPct val="15000"/>
-            </a:spcAft>
-            <a:buChar char="•"/>
-          </a:pPr>
-          <a:r>
-            <a:rPr lang="es-MX" sz="1600" kern="1200" dirty="0"/>
-            <a:t>Funciones desempeñadas</a:t>
-          </a:r>
-          <a:endParaRPr lang="es-CL" sz="1600" kern="1200" dirty="0"/>
-        </a:p>
-      </dsp:txBody>
-      <dsp:txXfrm>
-        <a:off x="1462952" y="0"/>
-        <a:ext cx="5318064" cy="1067494"/>
-      </dsp:txXfrm>
-    </dsp:sp>
-    <dsp:sp modelId="{9A7E2690-DE9C-4572-9BE5-B8C9A3B8BBB3}">
-      <dsp:nvSpPr>
-        <dsp:cNvPr id="0" name=""/>
-        <dsp:cNvSpPr/>
-      </dsp:nvSpPr>
-      <dsp:spPr>
-        <a:xfrm>
-          <a:off x="106749" y="106749"/>
-          <a:ext cx="1356203" cy="853995"/>
-        </a:xfrm>
-        <a:prstGeom prst="roundRect">
-          <a:avLst>
-            <a:gd name="adj" fmla="val 10000"/>
-          </a:avLst>
-        </a:prstGeom>
-        <a:solidFill>
-          <a:schemeClr val="accent5">
-            <a:tint val="50000"/>
-            <a:hueOff val="0"/>
-            <a:satOff val="0"/>
-            <a:lumOff val="0"/>
-            <a:alphaOff val="0"/>
-          </a:schemeClr>
-        </a:solidFill>
-        <a:ln>
-          <a:noFill/>
-        </a:ln>
-        <a:effectLst>
-          <a:outerShdw blurRad="57150" dist="19050" dir="5400000" algn="ctr" rotWithShape="0">
-            <a:srgbClr val="000000">
-              <a:alpha val="63000"/>
-            </a:srgbClr>
-          </a:outerShdw>
-        </a:effectLst>
-      </dsp:spPr>
-      <dsp:style>
-        <a:lnRef idx="0">
-          <a:scrgbClr r="0" g="0" b="0"/>
-        </a:lnRef>
-        <a:fillRef idx="1">
-          <a:scrgbClr r="0" g="0" b="0"/>
-        </a:fillRef>
-        <a:effectRef idx="3">
-          <a:scrgbClr r="0" g="0" b="0"/>
-        </a:effectRef>
-        <a:fontRef idx="minor"/>
-      </dsp:style>
-    </dsp:sp>
-    <dsp:sp modelId="{39AFE128-ACF6-44CA-B18B-64F5782CF210}">
-      <dsp:nvSpPr>
-        <dsp:cNvPr id="0" name=""/>
-        <dsp:cNvSpPr/>
-      </dsp:nvSpPr>
-      <dsp:spPr>
-        <a:xfrm>
-          <a:off x="0" y="1174243"/>
-          <a:ext cx="6781017" cy="1067494"/>
-        </a:xfrm>
-        <a:prstGeom prst="roundRect">
-          <a:avLst>
-            <a:gd name="adj" fmla="val 10000"/>
-          </a:avLst>
-        </a:prstGeom>
-        <a:gradFill rotWithShape="0">
-          <a:gsLst>
-            <a:gs pos="0">
-              <a:schemeClr val="accent5">
-                <a:hueOff val="0"/>
-                <a:satOff val="0"/>
-                <a:lumOff val="0"/>
-                <a:alphaOff val="0"/>
-                <a:satMod val="103000"/>
-                <a:lumMod val="102000"/>
-                <a:tint val="94000"/>
-              </a:schemeClr>
-            </a:gs>
-            <a:gs pos="50000">
-              <a:schemeClr val="accent5">
-                <a:hueOff val="0"/>
-                <a:satOff val="0"/>
-                <a:lumOff val="0"/>
-                <a:alphaOff val="0"/>
-                <a:satMod val="110000"/>
-                <a:lumMod val="100000"/>
-                <a:shade val="100000"/>
-              </a:schemeClr>
-            </a:gs>
-            <a:gs pos="100000">
-              <a:schemeClr val="accent5">
-                <a:hueOff val="0"/>
-                <a:satOff val="0"/>
-                <a:lumOff val="0"/>
-                <a:alphaOff val="0"/>
-                <a:lumMod val="99000"/>
-                <a:satMod val="120000"/>
-                <a:shade val="78000"/>
-              </a:schemeClr>
-            </a:gs>
-          </a:gsLst>
-          <a:lin ang="5400000" scaled="0"/>
-        </a:gradFill>
-        <a:ln>
-          <a:noFill/>
-        </a:ln>
-        <a:effectLst>
-          <a:outerShdw blurRad="57150" dist="19050" dir="5400000" algn="ctr" rotWithShape="0">
-            <a:srgbClr val="000000">
-              <a:alpha val="63000"/>
-            </a:srgbClr>
-          </a:outerShdw>
-        </a:effectLst>
-      </dsp:spPr>
-      <dsp:style>
-        <a:lnRef idx="0">
-          <a:scrgbClr r="0" g="0" b="0"/>
-        </a:lnRef>
-        <a:fillRef idx="3">
-          <a:scrgbClr r="0" g="0" b="0"/>
-        </a:fillRef>
-        <a:effectRef idx="3">
-          <a:scrgbClr r="0" g="0" b="0"/>
-        </a:effectRef>
-        <a:fontRef idx="minor">
-          <a:schemeClr val="lt1"/>
-        </a:fontRef>
-      </dsp:style>
-      <dsp:txBody>
-        <a:bodyPr spcFirstLastPara="0" vert="horz" wrap="square" lIns="80010" tIns="80010" rIns="80010" bIns="80010" numCol="1" spcCol="1270" anchor="t" anchorCtr="0">
-          <a:noAutofit/>
-        </a:bodyPr>
-        <a:lstStyle/>
-        <a:p>
-          <a:pPr marL="0" lvl="0" indent="0" algn="l" defTabSz="933450">
-            <a:lnSpc>
-              <a:spcPct val="90000"/>
-            </a:lnSpc>
-            <a:spcBef>
-              <a:spcPct val="0"/>
-            </a:spcBef>
-            <a:spcAft>
-              <a:spcPct val="35000"/>
-            </a:spcAft>
-            <a:buNone/>
-          </a:pPr>
-          <a:r>
-            <a:rPr lang="es-MX" sz="2100" kern="1200"/>
-            <a:t>Nombre de estudiante</a:t>
-          </a:r>
-          <a:endParaRPr lang="es-CL" sz="2100" kern="1200" dirty="0"/>
-        </a:p>
-        <a:p>
-          <a:pPr marL="171450" lvl="1" indent="-171450" algn="l" defTabSz="711200">
-            <a:lnSpc>
-              <a:spcPct val="90000"/>
-            </a:lnSpc>
-            <a:spcBef>
-              <a:spcPct val="0"/>
-            </a:spcBef>
-            <a:spcAft>
-              <a:spcPct val="15000"/>
-            </a:spcAft>
-            <a:buChar char="•"/>
-          </a:pPr>
-          <a:r>
-            <a:rPr lang="es-MX" sz="1600" kern="1200" dirty="0"/>
-            <a:t>Cargo</a:t>
-          </a:r>
-          <a:endParaRPr lang="es-CL" sz="1600" kern="1200" dirty="0"/>
-        </a:p>
-        <a:p>
-          <a:pPr marL="171450" lvl="1" indent="-171450" algn="l" defTabSz="711200">
-            <a:lnSpc>
-              <a:spcPct val="90000"/>
-            </a:lnSpc>
-            <a:spcBef>
-              <a:spcPct val="0"/>
-            </a:spcBef>
-            <a:spcAft>
-              <a:spcPct val="15000"/>
-            </a:spcAft>
-            <a:buChar char="•"/>
-          </a:pPr>
-          <a:r>
-            <a:rPr lang="es-MX" sz="1600" kern="1200" dirty="0"/>
-            <a:t>Funciones desempeñadas</a:t>
-          </a:r>
-          <a:endParaRPr lang="es-CL" sz="1600" kern="1200" dirty="0"/>
-        </a:p>
-      </dsp:txBody>
-      <dsp:txXfrm>
-        <a:off x="1462952" y="1174243"/>
-        <a:ext cx="5318064" cy="1067494"/>
-      </dsp:txXfrm>
-    </dsp:sp>
-    <dsp:sp modelId="{3F97C059-D720-4D48-953F-B84D04D0BF79}">
-      <dsp:nvSpPr>
-        <dsp:cNvPr id="0" name=""/>
-        <dsp:cNvSpPr/>
-      </dsp:nvSpPr>
-      <dsp:spPr>
-        <a:xfrm>
-          <a:off x="106749" y="1280992"/>
-          <a:ext cx="1356203" cy="853995"/>
-        </a:xfrm>
-        <a:prstGeom prst="roundRect">
-          <a:avLst>
-            <a:gd name="adj" fmla="val 10000"/>
-          </a:avLst>
-        </a:prstGeom>
-        <a:solidFill>
-          <a:schemeClr val="accent5">
-            <a:tint val="50000"/>
-            <a:hueOff val="0"/>
-            <a:satOff val="0"/>
-            <a:lumOff val="0"/>
-            <a:alphaOff val="0"/>
-          </a:schemeClr>
-        </a:solidFill>
-        <a:ln>
-          <a:noFill/>
-        </a:ln>
-        <a:effectLst>
-          <a:outerShdw blurRad="57150" dist="19050" dir="5400000" algn="ctr" rotWithShape="0">
-            <a:srgbClr val="000000">
-              <a:alpha val="63000"/>
-            </a:srgbClr>
-          </a:outerShdw>
-        </a:effectLst>
-      </dsp:spPr>
-      <dsp:style>
-        <a:lnRef idx="0">
-          <a:scrgbClr r="0" g="0" b="0"/>
-        </a:lnRef>
-        <a:fillRef idx="1">
-          <a:scrgbClr r="0" g="0" b="0"/>
-        </a:fillRef>
-        <a:effectRef idx="3">
-          <a:scrgbClr r="0" g="0" b="0"/>
-        </a:effectRef>
-        <a:fontRef idx="minor"/>
-      </dsp:style>
-    </dsp:sp>
-    <dsp:sp modelId="{F6EA3109-3DED-4AF4-91BA-940DEFBF6AB6}">
-      <dsp:nvSpPr>
-        <dsp:cNvPr id="0" name=""/>
-        <dsp:cNvSpPr/>
-      </dsp:nvSpPr>
-      <dsp:spPr>
-        <a:xfrm>
-          <a:off x="0" y="2348487"/>
-          <a:ext cx="6781017" cy="1067494"/>
-        </a:xfrm>
-        <a:prstGeom prst="roundRect">
-          <a:avLst>
-            <a:gd name="adj" fmla="val 10000"/>
-          </a:avLst>
-        </a:prstGeom>
-        <a:gradFill rotWithShape="0">
-          <a:gsLst>
-            <a:gs pos="0">
-              <a:schemeClr val="accent5">
-                <a:hueOff val="0"/>
-                <a:satOff val="0"/>
-                <a:lumOff val="0"/>
-                <a:alphaOff val="0"/>
-                <a:satMod val="103000"/>
-                <a:lumMod val="102000"/>
-                <a:tint val="94000"/>
-              </a:schemeClr>
-            </a:gs>
-            <a:gs pos="50000">
-              <a:schemeClr val="accent5">
-                <a:hueOff val="0"/>
-                <a:satOff val="0"/>
-                <a:lumOff val="0"/>
-                <a:alphaOff val="0"/>
-                <a:satMod val="110000"/>
-                <a:lumMod val="100000"/>
-                <a:shade val="100000"/>
-              </a:schemeClr>
-            </a:gs>
-            <a:gs pos="100000">
-              <a:schemeClr val="accent5">
-                <a:hueOff val="0"/>
-                <a:satOff val="0"/>
-                <a:lumOff val="0"/>
-                <a:alphaOff val="0"/>
-                <a:lumMod val="99000"/>
-                <a:satMod val="120000"/>
-                <a:shade val="78000"/>
-              </a:schemeClr>
-            </a:gs>
-          </a:gsLst>
-          <a:lin ang="5400000" scaled="0"/>
-        </a:gradFill>
-        <a:ln>
-          <a:noFill/>
-        </a:ln>
-        <a:effectLst>
-          <a:outerShdw blurRad="57150" dist="19050" dir="5400000" algn="ctr" rotWithShape="0">
-            <a:srgbClr val="000000">
-              <a:alpha val="63000"/>
-            </a:srgbClr>
-          </a:outerShdw>
-        </a:effectLst>
-      </dsp:spPr>
-      <dsp:style>
-        <a:lnRef idx="0">
-          <a:scrgbClr r="0" g="0" b="0"/>
-        </a:lnRef>
-        <a:fillRef idx="3">
-          <a:scrgbClr r="0" g="0" b="0"/>
-        </a:fillRef>
-        <a:effectRef idx="3">
-          <a:scrgbClr r="0" g="0" b="0"/>
-        </a:effectRef>
-        <a:fontRef idx="minor">
-          <a:schemeClr val="lt1"/>
-        </a:fontRef>
-      </dsp:style>
-      <dsp:txBody>
-        <a:bodyPr spcFirstLastPara="0" vert="horz" wrap="square" lIns="80010" tIns="80010" rIns="80010" bIns="80010" numCol="1" spcCol="1270" anchor="t" anchorCtr="0">
-          <a:noAutofit/>
-        </a:bodyPr>
-        <a:lstStyle/>
-        <a:p>
-          <a:pPr marL="0" lvl="0" indent="0" algn="l" defTabSz="933450">
-            <a:lnSpc>
-              <a:spcPct val="90000"/>
-            </a:lnSpc>
-            <a:spcBef>
-              <a:spcPct val="0"/>
-            </a:spcBef>
-            <a:spcAft>
-              <a:spcPct val="35000"/>
-            </a:spcAft>
-            <a:buNone/>
-          </a:pPr>
-          <a:r>
-            <a:rPr lang="es-CL" sz="2100" kern="1200" dirty="0"/>
-            <a:t>Nombre de estudiante</a:t>
-          </a:r>
-        </a:p>
-        <a:p>
-          <a:pPr marL="171450" lvl="1" indent="-171450" algn="l" defTabSz="711200">
-            <a:lnSpc>
-              <a:spcPct val="90000"/>
-            </a:lnSpc>
-            <a:spcBef>
-              <a:spcPct val="0"/>
-            </a:spcBef>
-            <a:spcAft>
-              <a:spcPct val="15000"/>
-            </a:spcAft>
-            <a:buChar char="•"/>
-          </a:pPr>
-          <a:r>
-            <a:rPr lang="es-CL" sz="1600" kern="1200" dirty="0"/>
-            <a:t>Cargo</a:t>
-          </a:r>
-        </a:p>
-        <a:p>
-          <a:pPr marL="171450" lvl="1" indent="-171450" algn="l" defTabSz="711200">
-            <a:lnSpc>
-              <a:spcPct val="90000"/>
-            </a:lnSpc>
-            <a:spcBef>
-              <a:spcPct val="0"/>
-            </a:spcBef>
-            <a:spcAft>
-              <a:spcPct val="15000"/>
-            </a:spcAft>
-            <a:buChar char="•"/>
-          </a:pPr>
-          <a:r>
-            <a:rPr lang="es-CL" sz="1600" kern="1200" dirty="0"/>
-            <a:t>Funciones desempeñadas</a:t>
-          </a:r>
-        </a:p>
-      </dsp:txBody>
-      <dsp:txXfrm>
-        <a:off x="1462952" y="2348487"/>
-        <a:ext cx="5318064" cy="1067494"/>
-      </dsp:txXfrm>
-    </dsp:sp>
-    <dsp:sp modelId="{504B6808-2EA0-4B63-AE60-779A9AA54E83}">
-      <dsp:nvSpPr>
-        <dsp:cNvPr id="0" name=""/>
-        <dsp:cNvSpPr/>
-      </dsp:nvSpPr>
-      <dsp:spPr>
-        <a:xfrm>
-          <a:off x="106749" y="2455236"/>
-          <a:ext cx="1356203" cy="853995"/>
-        </a:xfrm>
-        <a:prstGeom prst="roundRect">
-          <a:avLst>
-            <a:gd name="adj" fmla="val 10000"/>
-          </a:avLst>
-        </a:prstGeom>
-        <a:solidFill>
-          <a:schemeClr val="accent5">
-            <a:tint val="50000"/>
-            <a:hueOff val="0"/>
-            <a:satOff val="0"/>
-            <a:lumOff val="0"/>
-            <a:alphaOff val="0"/>
-          </a:schemeClr>
-        </a:solidFill>
-        <a:ln>
-          <a:noFill/>
-        </a:ln>
-        <a:effectLst>
-          <a:outerShdw blurRad="57150" dist="19050" dir="5400000" algn="ctr" rotWithShape="0">
-            <a:srgbClr val="000000">
-              <a:alpha val="63000"/>
-            </a:srgbClr>
-          </a:outerShdw>
-        </a:effectLst>
-      </dsp:spPr>
-      <dsp:style>
-        <a:lnRef idx="0">
-          <a:scrgbClr r="0" g="0" b="0"/>
-        </a:lnRef>
-        <a:fillRef idx="1">
-          <a:scrgbClr r="0" g="0" b="0"/>
-        </a:fillRef>
-        <a:effectRef idx="3">
-          <a:scrgbClr r="0" g="0" b="0"/>
-        </a:effectRef>
-        <a:fontRef idx="minor"/>
-      </dsp:style>
-    </dsp:sp>
-    <dsp:sp modelId="{1CB2E637-A13C-4019-9D01-151793C833A2}">
-      <dsp:nvSpPr>
-        <dsp:cNvPr id="0" name=""/>
-        <dsp:cNvSpPr/>
-      </dsp:nvSpPr>
-      <dsp:spPr>
-        <a:xfrm>
-          <a:off x="0" y="3522730"/>
-          <a:ext cx="6781017" cy="1067494"/>
-        </a:xfrm>
-        <a:prstGeom prst="roundRect">
-          <a:avLst>
-            <a:gd name="adj" fmla="val 10000"/>
-          </a:avLst>
-        </a:prstGeom>
-        <a:gradFill rotWithShape="0">
-          <a:gsLst>
-            <a:gs pos="0">
-              <a:schemeClr val="accent5">
-                <a:hueOff val="0"/>
-                <a:satOff val="0"/>
-                <a:lumOff val="0"/>
-                <a:alphaOff val="0"/>
-                <a:satMod val="103000"/>
-                <a:lumMod val="102000"/>
-                <a:tint val="94000"/>
-              </a:schemeClr>
-            </a:gs>
-            <a:gs pos="50000">
-              <a:schemeClr val="accent5">
-                <a:hueOff val="0"/>
-                <a:satOff val="0"/>
-                <a:lumOff val="0"/>
-                <a:alphaOff val="0"/>
-                <a:satMod val="110000"/>
-                <a:lumMod val="100000"/>
-                <a:shade val="100000"/>
-              </a:schemeClr>
-            </a:gs>
-            <a:gs pos="100000">
-              <a:schemeClr val="accent5">
-                <a:hueOff val="0"/>
-                <a:satOff val="0"/>
-                <a:lumOff val="0"/>
-                <a:alphaOff val="0"/>
-                <a:lumMod val="99000"/>
-                <a:satMod val="120000"/>
-                <a:shade val="78000"/>
-              </a:schemeClr>
-            </a:gs>
-          </a:gsLst>
-          <a:lin ang="5400000" scaled="0"/>
-        </a:gradFill>
-        <a:ln>
-          <a:noFill/>
-        </a:ln>
-        <a:effectLst>
-          <a:outerShdw blurRad="57150" dist="19050" dir="5400000" algn="ctr" rotWithShape="0">
-            <a:srgbClr val="000000">
-              <a:alpha val="63000"/>
-            </a:srgbClr>
-          </a:outerShdw>
-        </a:effectLst>
-      </dsp:spPr>
-      <dsp:style>
-        <a:lnRef idx="0">
-          <a:scrgbClr r="0" g="0" b="0"/>
-        </a:lnRef>
-        <a:fillRef idx="3">
-          <a:scrgbClr r="0" g="0" b="0"/>
-        </a:fillRef>
-        <a:effectRef idx="3">
-          <a:scrgbClr r="0" g="0" b="0"/>
-        </a:effectRef>
-        <a:fontRef idx="minor">
-          <a:schemeClr val="lt1"/>
-        </a:fontRef>
-      </dsp:style>
-      <dsp:txBody>
-        <a:bodyPr spcFirstLastPara="0" vert="horz" wrap="square" lIns="80010" tIns="80010" rIns="80010" bIns="80010" numCol="1" spcCol="1270" anchor="t" anchorCtr="0">
-          <a:noAutofit/>
-        </a:bodyPr>
-        <a:lstStyle/>
-        <a:p>
-          <a:pPr marL="0" lvl="0" indent="0" algn="l" defTabSz="933450">
-            <a:lnSpc>
-              <a:spcPct val="90000"/>
-            </a:lnSpc>
-            <a:spcBef>
-              <a:spcPct val="0"/>
-            </a:spcBef>
-            <a:spcAft>
-              <a:spcPct val="35000"/>
-            </a:spcAft>
-            <a:buNone/>
-          </a:pPr>
-          <a:r>
-            <a:rPr lang="es-MX" sz="2100" kern="1200"/>
-            <a:t>Nombre de estudiante</a:t>
-          </a:r>
-          <a:endParaRPr lang="es-CL" sz="2100" kern="1200" dirty="0"/>
-        </a:p>
-        <a:p>
-          <a:pPr marL="171450" lvl="1" indent="-171450" algn="l" defTabSz="711200">
-            <a:lnSpc>
-              <a:spcPct val="90000"/>
-            </a:lnSpc>
-            <a:spcBef>
-              <a:spcPct val="0"/>
-            </a:spcBef>
-            <a:spcAft>
-              <a:spcPct val="15000"/>
-            </a:spcAft>
-            <a:buChar char="•"/>
-          </a:pPr>
-          <a:r>
-            <a:rPr lang="es-MX" sz="1600" kern="1200" dirty="0"/>
-            <a:t>Cargo</a:t>
-          </a:r>
-          <a:endParaRPr lang="es-CL" sz="1600" kern="1200" dirty="0"/>
-        </a:p>
-        <a:p>
-          <a:pPr marL="171450" lvl="1" indent="-171450" algn="l" defTabSz="711200">
-            <a:lnSpc>
-              <a:spcPct val="90000"/>
-            </a:lnSpc>
-            <a:spcBef>
-              <a:spcPct val="0"/>
-            </a:spcBef>
-            <a:spcAft>
-              <a:spcPct val="15000"/>
-            </a:spcAft>
-            <a:buChar char="•"/>
-          </a:pPr>
-          <a:r>
-            <a:rPr lang="es-MX" sz="1600" kern="1200" dirty="0"/>
-            <a:t>Funciones desempeñadas</a:t>
-          </a:r>
-          <a:endParaRPr lang="es-CL" sz="1600" kern="1200" dirty="0"/>
-        </a:p>
-      </dsp:txBody>
-      <dsp:txXfrm>
-        <a:off x="1462952" y="3522730"/>
-        <a:ext cx="5318064" cy="1067494"/>
-      </dsp:txXfrm>
-    </dsp:sp>
-    <dsp:sp modelId="{A148715F-8F24-48C6-A652-9C08F3491B56}">
-      <dsp:nvSpPr>
-        <dsp:cNvPr id="0" name=""/>
-        <dsp:cNvSpPr/>
-      </dsp:nvSpPr>
-      <dsp:spPr>
-        <a:xfrm>
-          <a:off x="106749" y="3629480"/>
-          <a:ext cx="1356203" cy="853995"/>
-        </a:xfrm>
-        <a:prstGeom prst="roundRect">
-          <a:avLst>
-            <a:gd name="adj" fmla="val 10000"/>
-          </a:avLst>
-        </a:prstGeom>
-        <a:solidFill>
-          <a:schemeClr val="accent5">
-            <a:tint val="50000"/>
-            <a:hueOff val="0"/>
-            <a:satOff val="0"/>
-            <a:lumOff val="0"/>
-            <a:alphaOff val="0"/>
-          </a:schemeClr>
-        </a:solidFill>
-        <a:ln>
-          <a:noFill/>
-        </a:ln>
-        <a:effectLst>
-          <a:outerShdw blurRad="57150" dist="19050" dir="5400000" algn="ctr" rotWithShape="0">
-            <a:srgbClr val="000000">
-              <a:alpha val="63000"/>
-            </a:srgbClr>
-          </a:outerShdw>
-        </a:effectLst>
-      </dsp:spPr>
-      <dsp:style>
-        <a:lnRef idx="0">
-          <a:scrgbClr r="0" g="0" b="0"/>
-        </a:lnRef>
-        <a:fillRef idx="1">
-          <a:scrgbClr r="0" g="0" b="0"/>
-        </a:fillRef>
-        <a:effectRef idx="3">
-          <a:scrgbClr r="0" g="0" b="0"/>
-        </a:effectRef>
-        <a:fontRef idx="minor"/>
-      </dsp:style>
-    </dsp:sp>
-  </dsp:spTree>
-</dsp:drawing>
-</file>
-
-<file path=ppt/diagrams/layout1.xml><?xml version="1.0" encoding="utf-8"?>
-<dgm:layoutDef xmlns:dgm="http://schemas.openxmlformats.org/drawingml/2006/diagram" xmlns:a="http://schemas.openxmlformats.org/drawingml/2006/main" uniqueId="urn:microsoft.com/office/officeart/2005/8/layout/vList4">
-  <dgm:title val=""/>
-  <dgm:desc val=""/>
-  <dgm:catLst>
-    <dgm:cat type="list" pri="13000"/>
-    <dgm:cat type="picture" pri="26000"/>
-    <dgm:cat type="pictureconvert" pri="26000"/>
-  </dgm:catLst>
-  <dgm:sampData>
-    <dgm:dataModel>
-      <dgm:ptLst>
-        <dgm:pt modelId="0" type="doc"/>
-        <dgm:pt modelId="1">
-          <dgm:prSet phldr="1"/>
-        </dgm:pt>
-        <dgm:pt modelId="11">
-          <dgm:prSet phldr="1"/>
-        </dgm:pt>
-        <dgm:pt modelId="12">
-          <dgm:prSet phldr="1"/>
-        </dgm:pt>
-        <dgm:pt modelId="2">
-          <dgm:prSet phldr="1"/>
-        </dgm:pt>
-        <dgm:pt modelId="21">
-          <dgm:prSet phldr="1"/>
-        </dgm:pt>
-        <dgm:pt modelId="22">
-          <dgm:prSet phldr="1"/>
-        </dgm:pt>
-        <dgm:pt modelId="3">
-          <dgm:prSet phldr="1"/>
-        </dgm:pt>
-        <dgm:pt modelId="31">
-          <dgm:prSet phldr="1"/>
-        </dgm:pt>
-        <dgm:pt modelId="32">
-          <dgm:prSet phldr="1"/>
-        </dgm:pt>
-      </dgm:ptLst>
-      <dgm:cxnLst>
-        <dgm:cxn modelId="4" srcId="0" destId="1" srcOrd="0" destOrd="0"/>
-        <dgm:cxn modelId="5" srcId="0" destId="2" srcOrd="1" destOrd="0"/>
-        <dgm:cxn modelId="13" srcId="1" destId="11" srcOrd="0" destOrd="0"/>
-        <dgm:cxn modelId="14" srcId="1" destId="12" srcOrd="0" destOrd="0"/>
-        <dgm:cxn modelId="23" srcId="2" destId="21" srcOrd="0" destOrd="0"/>
-        <dgm:cxn modelId="24" srcId="2" destId="22" srcOrd="0" destOrd="0"/>
-        <dgm:cxn modelId="33" srcId="3" destId="31" srcOrd="0" destOrd="0"/>
-        <dgm:cxn modelId="34" srcId="3" destId="32" srcOrd="0" destOrd="0"/>
-      </dgm:cxnLst>
-      <dgm:bg/>
-      <dgm:whole/>
-    </dgm:dataModel>
-  </dgm:sampData>
-  <dgm:styleData>
-    <dgm:dataModel>
-      <dgm:ptLst>
-        <dgm:pt modelId="0" type="doc"/>
-        <dgm:pt modelId="1"/>
-        <dgm:pt modelId="2"/>
-      </dgm:ptLst>
-      <dgm:cxnLst>
-        <dgm:cxn modelId="3" srcId="0" destId="1" srcOrd="0" destOrd="0"/>
-        <dgm:cxn modelId="4" srcId="0" destId="2" srcOrd="1" destOrd="0"/>
-      </dgm:cxnLst>
-      <dgm:bg/>
-      <dgm:whole/>
-    </dgm:dataModel>
-  </dgm:styleData>
-  <dgm:clrData>
-    <dgm:dataModel>
-      <dgm:ptLst>
-        <dgm:pt modelId="0" type="doc"/>
-        <dgm:pt modelId="1"/>
-        <dgm:pt modelId="2"/>
-        <dgm:pt modelId="3"/>
-        <dgm:pt modelId="4"/>
-      </dgm:ptLst>
-      <dgm:cxnLst>
-        <dgm:cxn modelId="5" srcId="0" destId="1" srcOrd="0" destOrd="0"/>
-        <dgm:cxn modelId="6" srcId="0" destId="2" srcOrd="1" destOrd="0"/>
-        <dgm:cxn modelId="7" srcId="0" destId="3" srcOrd="2" destOrd="0"/>
-        <dgm:cxn modelId="8" srcId="0" destId="4" srcOrd="3" destOrd="0"/>
-      </dgm:cxnLst>
-      <dgm:bg/>
-      <dgm:whole/>
-    </dgm:dataModel>
-  </dgm:clrData>
-  <dgm:layoutNode name="linear">
-    <dgm:varLst>
-      <dgm:dir/>
-      <dgm:resizeHandles val="exact"/>
-    </dgm:varLst>
-    <dgm:alg type="lin">
-      <dgm:param type="linDir" val="fromT"/>
-      <dgm:param type="vertAlign" val="t"/>
-    </dgm:alg>
-    <dgm:shape xmlns:r="http://schemas.openxmlformats.org/officeDocument/2006/relationships" r:blip="">
-      <dgm:adjLst/>
-    </dgm:shape>
-    <dgm:presOf/>
-    <dgm:constrLst>
-      <dgm:constr type="w" for="ch" forName="comp" refType="w"/>
-      <dgm:constr type="h" for="ch" forName="comp" refType="h"/>
-      <dgm:constr type="h" for="ch" forName="spacer" refType="h" refFor="ch" refForName="comp" op="equ" fact="0.1"/>
-      <dgm:constr type="primFontSz" for="des" forName="text" op="equ" val="65"/>
-    </dgm:constrLst>
-    <dgm:ruleLst/>
-    <dgm:forEach name="Name0" axis="ch" ptType="node">
-      <dgm:layoutNode name="comp" styleLbl="node1">
-        <dgm:alg type="composite"/>
-        <dgm:shape xmlns:r="http://schemas.openxmlformats.org/officeDocument/2006/relationships" r:blip="">
-          <dgm:adjLst/>
-        </dgm:shape>
-        <dgm:presOf/>
-        <dgm:choose name="Name1">
-          <dgm:if name="Name2" func="var" arg="dir" op="equ" val="norm">
-            <dgm:constrLst>
-              <dgm:constr type="h" for="ch" forName="box" refType="h"/>
-              <dgm:constr type="w" for="ch" forName="box" refType="w"/>
-              <dgm:constr type="w" for="ch" forName="img" refType="w" refFor="ch" refForName="box" fact="0.2"/>
-              <dgm:constr type="h" for="ch" forName="img" refType="h" refFor="ch" refForName="box" fact="0.8"/>
-              <dgm:constr type="t" for="ch" forName="img" refType="h" refFor="ch" refForName="box" fact="0.1"/>
-              <dgm:constr type="l" for="ch" forName="img" refType="h" refFor="ch" refForName="box" fact="0.1"/>
-              <dgm:constr type="h" for="ch" forName="text" refType="h"/>
-              <dgm:constr type="l" for="ch" forName="text" refType="r" refFor="ch" refForName="img"/>
-              <dgm:constr type="r" for="ch" forName="text" refType="w"/>
-            </dgm:constrLst>
-          </dgm:if>
-          <dgm:else name="Name3">
-            <dgm:constrLst>
-              <dgm:constr type="h" for="ch" forName="box" refType="h"/>
-              <dgm:constr type="w" for="ch" forName="box" refType="w"/>
-              <dgm:constr type="w" for="ch" forName="img" refType="w" refFor="ch" refForName="box" fact="0.2"/>
-              <dgm:constr type="h" for="ch" forName="img" refType="h" refFor="ch" refForName="box" fact="0.8"/>
-              <dgm:constr type="t" for="ch" forName="img" refType="h" refFor="ch" refForName="box" fact="0.1"/>
-              <dgm:constr type="r" for="ch" forName="img" refType="w" refFor="ch" refForName="box"/>
-              <dgm:constr type="rOff" for="ch" forName="img" refType="h" refFor="ch" refForName="box" fact="-0.1"/>
-              <dgm:constr type="h" for="ch" forName="text" refType="h"/>
-              <dgm:constr type="r" for="ch" forName="text" refType="l" refFor="ch" refForName="img"/>
-              <dgm:constr type="l" for="ch" forName="text"/>
-            </dgm:constrLst>
-          </dgm:else>
-        </dgm:choose>
-        <dgm:ruleLst/>
-        <dgm:layoutNode name="box" styleLbl="node1">
-          <dgm:alg type="sp"/>
-          <dgm:shape xmlns:r="http://schemas.openxmlformats.org/officeDocument/2006/relationships" type="roundRect" r:blip="">
-            <dgm:adjLst>
-              <dgm:adj idx="1" val="0.1"/>
-            </dgm:adjLst>
-          </dgm:shape>
-          <dgm:presOf axis="desOrSelf" ptType="node"/>
-          <dgm:constrLst/>
-          <dgm:ruleLst/>
-        </dgm:layoutNode>
-        <dgm:layoutNode name="img" styleLbl="fgImgPlace1">
-          <dgm:alg type="sp"/>
-          <dgm:shape xmlns:r="http://schemas.openxmlformats.org/officeDocument/2006/relationships" type="roundRect" r:blip="" blipPhldr="1">
-            <dgm:adjLst>
-              <dgm:adj idx="1" val="0.1"/>
-            </dgm:adjLst>
-          </dgm:shape>
-          <dgm:presOf/>
-          <dgm:constrLst/>
-          <dgm:ruleLst/>
-        </dgm:layoutNode>
-        <dgm:layoutNode name="text">
-          <dgm:varLst>
-            <dgm:bulletEnabled val="1"/>
-          </dgm:varLst>
-          <dgm:alg type="tx">
-            <dgm:param type="parTxLTRAlign" val="l"/>
-            <dgm:param type="parTxRTLAlign" val="r"/>
-          </dgm:alg>
-          <dgm:shape xmlns:r="http://schemas.openxmlformats.org/officeDocument/2006/relationships" type="rect" r:blip="" hideGeom="1">
-            <dgm:adjLst/>
-          </dgm:shape>
-          <dgm:presOf axis="desOrSelf" ptType="node"/>
-          <dgm:constrLst>
-            <dgm:constr type="tMarg" refType="primFontSz" fact="0.3"/>
-            <dgm:constr type="bMarg" refType="primFontSz" fact="0.3"/>
-            <dgm:constr type="lMarg" refType="primFontSz" fact="0.3"/>
-            <dgm:constr type="rMarg" refType="primFontSz" fact="0.3"/>
-          </dgm:constrLst>
-          <dgm:ruleLst>
-            <dgm:rule type="primFontSz" val="5" fact="NaN" max="NaN"/>
-          </dgm:ruleLst>
-        </dgm:layoutNode>
-      </dgm:layoutNode>
-      <dgm:forEach name="Name4" axis="followSib" ptType="sibTrans" cnt="1">
-        <dgm:layoutNode name="spacer">
-          <dgm:alg type="sp"/>
-          <dgm:shape xmlns:r="http://schemas.openxmlformats.org/officeDocument/2006/relationships" r:blip="">
-            <dgm:adjLst/>
-          </dgm:shape>
-          <dgm:presOf axis="self"/>
-          <dgm:constrLst/>
-          <dgm:ruleLst/>
-        </dgm:layoutNode>
-      </dgm:forEach>
-    </dgm:forEach>
-  </dgm:layoutNode>
-</dgm:layoutDef>
-</file>
-
-<file path=ppt/diagrams/quickStyle1.xml><?xml version="1.0" encoding="utf-8"?>
-<dgm:styleDef xmlns:dgm="http://schemas.openxmlformats.org/drawingml/2006/diagram" xmlns:a="http://schemas.openxmlformats.org/drawingml/2006/main" uniqueId="urn:microsoft.com/office/officeart/2005/8/quickstyle/simple5">
-  <dgm:title val=""/>
-  <dgm:desc val=""/>
-  <dgm:catLst>
-    <dgm:cat type="simple" pri="10500"/>
-  </dgm:catLst>
-  <dgm:scene3d>
-    <a:camera prst="orthographicFront"/>
-    <a:lightRig rig="threePt" dir="t"/>
-  </dgm:scene3d>
-  <dgm:styleLbl name="node0">
-    <dgm:scene3d>
-      <a:camera prst="orthographicFront"/>
-      <a:lightRig rig="threePt" dir="t"/>
-    </dgm:scene3d>
-    <dgm:sp3d/>
-    <dgm:txPr/>
-    <dgm:style>
-      <a:lnRef idx="0">
-        <a:scrgbClr r="0" g="0" b="0"/>
-      </a:lnRef>
-      <a:fillRef idx="3">
-        <a:scrgbClr r="0" g="0" b="0"/>
-      </a:fillRef>
-      <a:effectRef idx="3">
-        <a:scrgbClr r="0" g="0" b="0"/>
-      </a:effectRef>
-      <a:fontRef idx="minor">
-        <a:schemeClr val="lt1"/>
-      </a:fontRef>
-    </dgm:style>
-  </dgm:styleLbl>
-  <dgm:styleLbl name="lnNode1">
-    <dgm:scene3d>
-      <a:camera prst="orthographicFront"/>
-      <a:lightRig rig="threePt" dir="t"/>
-    </dgm:scene3d>
-    <dgm:sp3d/>
-    <dgm:txPr/>
-    <dgm:style>
-      <a:lnRef idx="0">
-        <a:scrgbClr r="0" g="0" b="0"/>
-      </a:lnRef>
-      <a:fillRef idx="3">
-        <a:scrgbClr r="0" g="0" b="0"/>
-      </a:fillRef>
-      <a:effectRef idx="3">
-        <a:scrgbClr r="0" g="0" b="0"/>
-      </a:effectRef>
-      <a:fontRef idx="minor">
-        <a:schemeClr val="lt1"/>
-      </a:fontRef>
-    </dgm:style>
-  </dgm:styleLbl>
-  <dgm:styleLbl name="vennNode1">
-    <dgm:scene3d>
-      <a:camera prst="orthographicFront"/>
-      <a:lightRig rig="threePt" dir="t"/>
-    </dgm:scene3d>
-    <dgm:sp3d/>
-    <dgm:txPr/>
-    <dgm:style>
-      <a:lnRef idx="0">
-        <a:scrgbClr r="0" g="0" b="0"/>
-      </a:lnRef>
-      <a:fillRef idx="3">
-        <a:scrgbClr r="0" g="0" b="0"/>
-      </a:fillRef>
-      <a:effectRef idx="3">
-        <a:scrgbClr r="0" g="0" b="0"/>
-      </a:effectRef>
-      <a:fontRef idx="minor">
-        <a:schemeClr val="tx1"/>
-      </a:fontRef>
-    </dgm:style>
-  </dgm:styleLbl>
-  <dgm:styleLbl name="alignNode1">
-    <dgm:scene3d>
-      <a:camera prst="orthographicFront"/>
-      <a:lightRig rig="threePt" dir="t"/>
-    </dgm:scene3d>
-    <dgm:sp3d/>
-    <dgm:txPr/>
-    <dgm:style>
-      <a:lnRef idx="1">
-        <a:scrgbClr r="0" g="0" b="0"/>
-      </a:lnRef>
-      <a:fillRef idx="3">
-        <a:scrgbClr r="0" g="0" b="0"/>
-      </a:fillRef>
-      <a:effectRef idx="3">
-        <a:scrgbClr r="0" g="0" b="0"/>
-      </a:effectRef>
-      <a:fontRef idx="minor">
-        <a:schemeClr val="lt1"/>
-      </a:fontRef>
-    </dgm:style>
-  </dgm:styleLbl>
-  <dgm:styleLbl name="node1">
-    <dgm:scene3d>
-      <a:camera prst="orthographicFront"/>
-      <a:lightRig rig="threePt" dir="t"/>
-    </dgm:scene3d>
-    <dgm:sp3d/>
-    <dgm:txPr/>
-    <dgm:style>
-      <a:lnRef idx="0">
-        <a:scrgbClr r="0" g="0" b="0"/>
-      </a:lnRef>
-      <a:fillRef idx="3">
-        <a:scrgbClr r="0" g="0" b="0"/>
-      </a:fillRef>
-      <a:effectRef idx="3">
-        <a:scrgbClr r="0" g="0" b="0"/>
-      </a:effectRef>
-      <a:fontRef idx="minor">
-        <a:schemeClr val="lt1"/>
-      </a:fontRef>
-    </dgm:style>
-  </dgm:styleLbl>
-  <dgm:styleLbl name="node2">
-    <dgm:scene3d>
-      <a:camera prst="orthographicFront"/>
-      <a:lightRig rig="threePt" dir="t"/>
-    </dgm:scene3d>
-    <dgm:sp3d/>
-    <dgm:txPr/>
-    <dgm:style>
-      <a:lnRef idx="0">
-        <a:scrgbClr r="0" g="0" b="0"/>
-      </a:lnRef>
-      <a:fillRef idx="3">
-        <a:scrgbClr r="0" g="0" b="0"/>
-      </a:fillRef>
-      <a:effectRef idx="3">
-        <a:scrgbClr r="0" g="0" b="0"/>
-      </a:effectRef>
-      <a:fontRef idx="minor">
-        <a:schemeClr val="lt1"/>
-      </a:fontRef>
-    </dgm:style>
-  </dgm:styleLbl>
-  <dgm:styleLbl name="node3">
-    <dgm:scene3d>
-      <a:camera prst="orthographicFront"/>
-      <a:lightRig rig="threePt" dir="t"/>
-    </dgm:scene3d>
-    <dgm:sp3d/>
-    <dgm:txPr/>
-    <dgm:style>
-      <a:lnRef idx="0">
-        <a:scrgbClr r="0" g="0" b="0"/>
-      </a:lnRef>
-      <a:fillRef idx="3">
-        <a:scrgbClr r="0" g="0" b="0"/>
-      </a:fillRef>
-      <a:effectRef idx="3">
-        <a:scrgbClr r="0" g="0" b="0"/>
-      </a:effectRef>
-      <a:fontRef idx="minor">
-        <a:schemeClr val="lt1"/>
-      </a:fontRef>
-    </dgm:style>
-  </dgm:styleLbl>
-  <dgm:styleLbl name="node4">
-    <dgm:scene3d>
-      <a:camera prst="orthographicFront"/>
-      <a:lightRig rig="threePt" dir="t"/>
-    </dgm:scene3d>
-    <dgm:sp3d/>
-    <dgm:txPr/>
-    <dgm:style>
-      <a:lnRef idx="0">
-        <a:scrgbClr r="0" g="0" b="0"/>
-      </a:lnRef>
-      <a:fillRef idx="3">
-        <a:scrgbClr r="0" g="0" b="0"/>
-      </a:fillRef>
-      <a:effectRef idx="3">
-        <a:scrgbClr r="0" g="0" b="0"/>
-      </a:effectRef>
-      <a:fontRef idx="minor">
-        <a:schemeClr val="lt1"/>
-      </a:fontRef>
-    </dgm:style>
-  </dgm:styleLbl>
-  <dgm:styleLbl name="fgImgPlace1">
-    <dgm:scene3d>
-      <a:camera prst="orthographicFront"/>
-      <a:lightRig rig="threePt" dir="t"/>
-    </dgm:scene3d>
-    <dgm:sp3d/>
-    <dgm:txPr/>
-    <dgm:style>
-      <a:lnRef idx="0">
-        <a:scrgbClr r="0" g="0" b="0"/>
-      </a:lnRef>
-      <a:fillRef idx="1">
-        <a:scrgbClr r="0" g="0" b="0"/>
-      </a:fillRef>
-      <a:effectRef idx="3">
-        <a:scrgbClr r="0" g="0" b="0"/>
-      </a:effectRef>
-      <a:fontRef idx="minor"/>
-    </dgm:style>
-  </dgm:styleLbl>
-  <dgm:styleLbl name="alignImgPlace1">
-    <dgm:scene3d>
-      <a:camera prst="orthographicFront"/>
-      <a:lightRig rig="threePt" dir="t"/>
-    </dgm:scene3d>
-    <dgm:sp3d/>
-    <dgm:txPr/>
-    <dgm:style>
-      <a:lnRef idx="0">
-        <a:scrgbClr r="0" g="0" b="0"/>
-      </a:lnRef>
-      <a:fillRef idx="1">
-        <a:scrgbClr r="0" g="0" b="0"/>
-      </a:fillRef>
-      <a:effectRef idx="3">
-        <a:scrgbClr r="0" g="0" b="0"/>
-      </a:effectRef>
-      <a:fontRef idx="minor"/>
-    </dgm:style>
-  </dgm:styleLbl>
-  <dgm:styleLbl name="bgImgPlace1">
-    <dgm:scene3d>
-      <a:camera prst="orthographicFront"/>
-      <a:lightRig rig="threePt" dir="t"/>
-    </dgm:scene3d>
-    <dgm:sp3d/>
-    <dgm:txPr/>
-    <dgm:style>
-      <a:lnRef idx="0">
-        <a:scrgbClr r="0" g="0" b="0"/>
-      </a:lnRef>
-      <a:fillRef idx="1">
-        <a:scrgbClr r="0" g="0" b="0"/>
-      </a:fillRef>
-      <a:effectRef idx="3">
-        <a:scrgbClr r="0" g="0" b="0"/>
-      </a:effectRef>
-      <a:fontRef idx="minor"/>
-    </dgm:style>
-  </dgm:styleLbl>
-  <dgm:styleLbl name="sibTrans2D1">
-    <dgm:scene3d>
-      <a:camera prst="orthographicFront"/>
-      <a:lightRig rig="threePt" dir="t"/>
-    </dgm:scene3d>
-    <dgm:sp3d/>
-    <dgm:txPr/>
-    <dgm:style>
-      <a:lnRef idx="0">
-        <a:scrgbClr r="0" g="0" b="0"/>
-      </a:lnRef>
-      <a:fillRef idx="3">
-        <a:scrgbClr r="0" g="0" b="0"/>
-      </a:fillRef>
-      <a:effectRef idx="3">
-        <a:scrgbClr r="0" g="0" b="0"/>
-      </a:effectRef>
-      <a:fontRef idx="minor">
-        <a:schemeClr val="lt1"/>
-      </a:fontRef>
-    </dgm:style>
-  </dgm:styleLbl>
-  <dgm:styleLbl name="fgSibTrans2D1">
-    <dgm:scene3d>
-      <a:camera prst="orthographicFront"/>
-      <a:lightRig rig="threePt" dir="t"/>
-    </dgm:scene3d>
-    <dgm:sp3d/>
-    <dgm:txPr/>
-    <dgm:style>
-      <a:lnRef idx="0">
-        <a:scrgbClr r="0" g="0" b="0"/>
-      </a:lnRef>
-      <a:fillRef idx="3">
-        <a:scrgbClr r="0" g="0" b="0"/>
-      </a:fillRef>
-      <a:effectRef idx="3">
-        <a:scrgbClr r="0" g="0" b="0"/>
-      </a:effectRef>
-      <a:fontRef idx="minor">
-        <a:schemeClr val="lt1"/>
-      </a:fontRef>
-    </dgm:style>
-  </dgm:styleLbl>
-  <dgm:styleLbl name="bgSibTrans2D1">
-    <dgm:scene3d>
-      <a:camera prst="orthographicFront"/>
-      <a:lightRig rig="threePt" dir="t"/>
-    </dgm:scene3d>
-    <dgm:sp3d/>
-    <dgm:txPr/>
-    <dgm:style>
-      <a:lnRef idx="0">
-        <a:scrgbClr r="0" g="0" b="0"/>
-      </a:lnRef>
-      <a:fillRef idx="3">
-        <a:scrgbClr r="0" g="0" b="0"/>
-      </a:fillRef>
-      <a:effectRef idx="3">
-        <a:scrgbClr r="0" g="0" b="0"/>
-      </a:effectRef>
-      <a:fontRef idx="minor">
-        <a:schemeClr val="lt1"/>
-      </a:fontRef>
-    </dgm:style>
-  </dgm:styleLbl>
-  <dgm:styleLbl name="sibTrans1D1">
-    <dgm:scene3d>
-      <a:camera prst="orthographicFront"/>
-      <a:lightRig rig="threePt" dir="t"/>
-    </dgm:scene3d>
-    <dgm:sp3d/>
-    <dgm:txPr/>
-    <dgm:style>
-      <a:lnRef idx="1">
-        <a:scrgbClr r="0" g="0" b="0"/>
-      </a:lnRef>
-      <a:fillRef idx="0">
-        <a:scrgbClr r="0" g="0" b="0"/>
-      </a:fillRef>
-      <a:effectRef idx="0">
-        <a:scrgbClr r="0" g="0" b="0"/>
-      </a:effectRef>
-      <a:fontRef idx="minor"/>
-    </dgm:style>
-  </dgm:styleLbl>
-  <dgm:styleLbl name="callout">
-    <dgm:scene3d>
-      <a:camera prst="orthographicFront"/>
-      <a:lightRig rig="threePt" dir="t"/>
-    </dgm:scene3d>
-    <dgm:sp3d/>
-    <dgm:txPr/>
-    <dgm:style>
-      <a:lnRef idx="1">
-        <a:scrgbClr r="0" g="0" b="0"/>
-      </a:lnRef>
-      <a:fillRef idx="0">
-        <a:scrgbClr r="0" g="0" b="0"/>
-      </a:fillRef>
-      <a:effectRef idx="1">
-        <a:scrgbClr r="0" g="0" b="0"/>
-      </a:effectRef>
-      <a:fontRef idx="minor"/>
-    </dgm:style>
-  </dgm:styleLbl>
-  <dgm:styleLbl name="asst0">
-    <dgm:scene3d>
-      <a:camera prst="orthographicFront"/>
-      <a:lightRig rig="threePt" dir="t"/>
-    </dgm:scene3d>
-    <dgm:sp3d/>
-    <dgm:txPr/>
-    <dgm:style>
-      <a:lnRef idx="0">
-        <a:scrgbClr r="0" g="0" b="0"/>
-      </a:lnRef>
-      <a:fillRef idx="3">
-        <a:scrgbClr r="0" g="0" b="0"/>
-      </a:fillRef>
-      <a:effectRef idx="3">
-        <a:scrgbClr r="0" g="0" b="0"/>
-      </a:effectRef>
-      <a:fontRef idx="minor">
-        <a:schemeClr val="lt1"/>
-      </a:fontRef>
-    </dgm:style>
-  </dgm:styleLbl>
-  <dgm:styleLbl name="asst1">
-    <dgm:scene3d>
-      <a:camera prst="orthographicFront"/>
-      <a:lightRig rig="threePt" dir="t"/>
-    </dgm:scene3d>
-    <dgm:sp3d/>
-    <dgm:txPr/>
-    <dgm:style>
-      <a:lnRef idx="0">
-        <a:scrgbClr r="0" g="0" b="0"/>
-      </a:lnRef>
-      <a:fillRef idx="3">
-        <a:scrgbClr r="0" g="0" b="0"/>
-      </a:fillRef>
-      <a:effectRef idx="3">
-        <a:scrgbClr r="0" g="0" b="0"/>
-      </a:effectRef>
-      <a:fontRef idx="minor">
-        <a:schemeClr val="lt1"/>
-      </a:fontRef>
-    </dgm:style>
-  </dgm:styleLbl>
-  <dgm:styleLbl name="asst2">
-    <dgm:scene3d>
-      <a:camera prst="orthographicFront"/>
-      <a:lightRig rig="threePt" dir="t"/>
-    </dgm:scene3d>
-    <dgm:sp3d/>
-    <dgm:txPr/>
-    <dgm:style>
-      <a:lnRef idx="0">
-        <a:scrgbClr r="0" g="0" b="0"/>
-      </a:lnRef>
-      <a:fillRef idx="3">
-        <a:scrgbClr r="0" g="0" b="0"/>
-      </a:fillRef>
-      <a:effectRef idx="3">
-        <a:scrgbClr r="0" g="0" b="0"/>
-      </a:effectRef>
-      <a:fontRef idx="minor">
-        <a:schemeClr val="lt1"/>
-      </a:fontRef>
-    </dgm:style>
-  </dgm:styleLbl>
-  <dgm:styleLbl name="asst3">
-    <dgm:scene3d>
-      <a:camera prst="orthographicFront"/>
-      <a:lightRig rig="threePt" dir="t"/>
-    </dgm:scene3d>
-    <dgm:sp3d/>
-    <dgm:txPr/>
-    <dgm:style>
-      <a:lnRef idx="0">
-        <a:scrgbClr r="0" g="0" b="0"/>
-      </a:lnRef>
-      <a:fillRef idx="3">
-        <a:scrgbClr r="0" g="0" b="0"/>
-      </a:fillRef>
-      <a:effectRef idx="3">
-        <a:scrgbClr r="0" g="0" b="0"/>
-      </a:effectRef>
-      <a:fontRef idx="minor">
-        <a:schemeClr val="lt1"/>
-      </a:fontRef>
-    </dgm:style>
-  </dgm:styleLbl>
-  <dgm:styleLbl name="asst4">
-    <dgm:scene3d>
-      <a:camera prst="orthographicFront"/>
-      <a:lightRig rig="threePt" dir="t"/>
-    </dgm:scene3d>
-    <dgm:sp3d/>
-    <dgm:txPr/>
-    <dgm:style>
-      <a:lnRef idx="0">
-        <a:scrgbClr r="0" g="0" b="0"/>
-      </a:lnRef>
-      <a:fillRef idx="3">
-        <a:scrgbClr r="0" g="0" b="0"/>
-      </a:fillRef>
-      <a:effectRef idx="3">
-        <a:scrgbClr r="0" g="0" b="0"/>
-      </a:effectRef>
-      <a:fontRef idx="minor">
-        <a:schemeClr val="lt1"/>
-      </a:fontRef>
-    </dgm:style>
-  </dgm:styleLbl>
-  <dgm:styleLbl name="parChTrans2D1">
-    <dgm:scene3d>
-      <a:camera prst="orthographicFront"/>
-      <a:lightRig rig="threePt" dir="t"/>
-    </dgm:scene3d>
-    <dgm:sp3d/>
-    <dgm:txPr/>
-    <dgm:style>
-      <a:lnRef idx="0">
-        <a:scrgbClr r="0" g="0" b="0"/>
-      </a:lnRef>
-      <a:fillRef idx="3">
-        <a:scrgbClr r="0" g="0" b="0"/>
-      </a:fillRef>
-      <a:effectRef idx="3">
-        <a:scrgbClr r="0" g="0" b="0"/>
-      </a:effectRef>
-      <a:fontRef idx="minor">
-        <a:schemeClr val="lt1"/>
-      </a:fontRef>
-    </dgm:style>
-  </dgm:styleLbl>
-  <dgm:styleLbl name="parChTrans2D2">
-    <dgm:scene3d>
-      <a:camera prst="orthographicFront"/>
-      <a:lightRig rig="threePt" dir="t"/>
-    </dgm:scene3d>
-    <dgm:sp3d/>
-    <dgm:txPr/>
-    <dgm:style>
-      <a:lnRef idx="0">
-        <a:scrgbClr r="0" g="0" b="0"/>
-      </a:lnRef>
-      <a:fillRef idx="3">
-        <a:scrgbClr r="0" g="0" b="0"/>
-      </a:fillRef>
-      <a:effectRef idx="3">
-        <a:scrgbClr r="0" g="0" b="0"/>
-      </a:effectRef>
-      <a:fontRef idx="minor">
-        <a:schemeClr val="lt1"/>
-      </a:fontRef>
-    </dgm:style>
-  </dgm:styleLbl>
-  <dgm:styleLbl name="parChTrans2D3">
-    <dgm:scene3d>
-      <a:camera prst="orthographicFront"/>
-      <a:lightRig rig="threePt" dir="t"/>
-    </dgm:scene3d>
-    <dgm:sp3d/>
-    <dgm:txPr/>
-    <dgm:style>
-      <a:lnRef idx="0">
-        <a:scrgbClr r="0" g="0" b="0"/>
-      </a:lnRef>
-      <a:fillRef idx="3">
-        <a:scrgbClr r="0" g="0" b="0"/>
-      </a:fillRef>
-      <a:effectRef idx="3">
-        <a:scrgbClr r="0" g="0" b="0"/>
-      </a:effectRef>
-      <a:fontRef idx="minor">
-        <a:schemeClr val="lt1"/>
-      </a:fontRef>
-    </dgm:style>
-  </dgm:styleLbl>
-  <dgm:styleLbl name="parChTrans2D4">
-    <dgm:scene3d>
-      <a:camera prst="orthographicFront"/>
-      <a:lightRig rig="threePt" dir="t"/>
-    </dgm:scene3d>
-    <dgm:sp3d/>
-    <dgm:txPr/>
-    <dgm:style>
-      <a:lnRef idx="0">
-        <a:scrgbClr r="0" g="0" b="0"/>
-      </a:lnRef>
-      <a:fillRef idx="3">
-        <a:scrgbClr r="0" g="0" b="0"/>
-      </a:fillRef>
-      <a:effectRef idx="3">
-        <a:scrgbClr r="0" g="0" b="0"/>
-      </a:effectRef>
-      <a:fontRef idx="minor">
-        <a:schemeClr val="lt1"/>
-      </a:fontRef>
-    </dgm:style>
-  </dgm:styleLbl>
-  <dgm:styleLbl name="parChTrans1D1">
-    <dgm:scene3d>
-      <a:camera prst="orthographicFront"/>
-      <a:lightRig rig="threePt" dir="t"/>
-    </dgm:scene3d>
-    <dgm:sp3d/>
-    <dgm:txPr/>
-    <dgm:style>
-      <a:lnRef idx="2">
-        <a:scrgbClr r="0" g="0" b="0"/>
-      </a:lnRef>
-      <a:fillRef idx="0">
-        <a:scrgbClr r="0" g="0" b="0"/>
-      </a:fillRef>
-      <a:effectRef idx="0">
-        <a:scrgbClr r="0" g="0" b="0"/>
-      </a:effectRef>
-      <a:fontRef idx="minor"/>
-    </dgm:style>
-  </dgm:styleLbl>
-  <dgm:styleLbl name="parChTrans1D2">
-    <dgm:scene3d>
-      <a:camera prst="orthographicFront"/>
-      <a:lightRig rig="threePt" dir="t"/>
-    </dgm:scene3d>
-    <dgm:sp3d/>
-    <dgm:txPr/>
-    <dgm:style>
-      <a:lnRef idx="2">
-        <a:scrgbClr r="0" g="0" b="0"/>
-      </a:lnRef>
-      <a:fillRef idx="0">
-        <a:scrgbClr r="0" g="0" b="0"/>
-      </a:fillRef>
-      <a:effectRef idx="0">
-        <a:scrgbClr r="0" g="0" b="0"/>
-      </a:effectRef>
-      <a:fontRef idx="minor"/>
-    </dgm:style>
-  </dgm:styleLbl>
-  <dgm:styleLbl name="parChTrans1D3">
-    <dgm:scene3d>
-      <a:camera prst="orthographicFront"/>
-      <a:lightRig rig="threePt" dir="t"/>
-    </dgm:scene3d>
-    <dgm:sp3d/>
-    <dgm:txPr/>
-    <dgm:style>
-      <a:lnRef idx="2">
-        <a:scrgbClr r="0" g="0" b="0"/>
-      </a:lnRef>
-      <a:fillRef idx="0">
-        <a:scrgbClr r="0" g="0" b="0"/>
-      </a:fillRef>
-      <a:effectRef idx="0">
-        <a:scrgbClr r="0" g="0" b="0"/>
-      </a:effectRef>
-      <a:fontRef idx="minor"/>
-    </dgm:style>
-  </dgm:styleLbl>
-  <dgm:styleLbl name="parChTrans1D4">
-    <dgm:scene3d>
-      <a:camera prst="orthographicFront"/>
-      <a:lightRig rig="threePt" dir="t"/>
-    </dgm:scene3d>
-    <dgm:sp3d/>
-    <dgm:txPr/>
-    <dgm:style>
-      <a:lnRef idx="2">
-        <a:scrgbClr r="0" g="0" b="0"/>
-      </a:lnRef>
-      <a:fillRef idx="0">
-        <a:scrgbClr r="0" g="0" b="0"/>
-      </a:fillRef>
-      <a:effectRef idx="0">
-        <a:scrgbClr r="0" g="0" b="0"/>
-      </a:effectRef>
-      <a:fontRef idx="minor"/>
-    </dgm:style>
-  </dgm:styleLbl>
-  <dgm:styleLbl name="fgAcc1">
-    <dgm:scene3d>
-      <a:camera prst="orthographicFront"/>
-      <a:lightRig rig="threePt" dir="t"/>
-    </dgm:scene3d>
-    <dgm:sp3d/>
-    <dgm:txPr/>
-    <dgm:style>
-      <a:lnRef idx="1">
-        <a:scrgbClr r="0" g="0" b="0"/>
-      </a:lnRef>
-      <a:fillRef idx="1">
-        <a:scrgbClr r="0" g="0" b="0"/>
-      </a:fillRef>
-      <a:effectRef idx="2">
-        <a:scrgbClr r="0" g="0" b="0"/>
-      </a:effectRef>
-      <a:fontRef idx="minor"/>
-    </dgm:style>
-  </dgm:styleLbl>
-  <dgm:styleLbl name="conFgAcc1">
-    <dgm:scene3d>
-      <a:camera prst="orthographicFront"/>
-      <a:lightRig rig="threePt" dir="t"/>
-    </dgm:scene3d>
-    <dgm:sp3d/>
-    <dgm:txPr/>
-    <dgm:style>
-      <a:lnRef idx="1">
-        <a:scrgbClr r="0" g="0" b="0"/>
-      </a:lnRef>
-      <a:fillRef idx="1">
-        <a:scrgbClr r="0" g="0" b="0"/>
-      </a:fillRef>
-      <a:effectRef idx="2">
-        <a:scrgbClr r="0" g="0" b="0"/>
-      </a:effectRef>
-      <a:fontRef idx="minor"/>
-    </dgm:style>
-  </dgm:styleLbl>
-  <dgm:styleLbl name="alignAcc1">
-    <dgm:scene3d>
-      <a:camera prst="orthographicFront"/>
-      <a:lightRig rig="threePt" dir="t"/>
-    </dgm:scene3d>
-    <dgm:sp3d/>
-    <dgm:txPr/>
-    <dgm:style>
-      <a:lnRef idx="1">
-        <a:scrgbClr r="0" g="0" b="0"/>
-      </a:lnRef>
-      <a:fillRef idx="1">
-        <a:scrgbClr r="0" g="0" b="0"/>
-      </a:fillRef>
-      <a:effectRef idx="2">
-        <a:scrgbClr r="0" g="0" b="0"/>
-      </a:effectRef>
-      <a:fontRef idx="minor"/>
-    </dgm:style>
-  </dgm:styleLbl>
-  <dgm:styleLbl name="trAlignAcc1">
-    <dgm:scene3d>
-      <a:camera prst="orthographicFront"/>
-      <a:lightRig rig="threePt" dir="t"/>
-    </dgm:scene3d>
-    <dgm:sp3d/>
-    <dgm:txPr/>
-    <dgm:style>
-      <a:lnRef idx="1">
-        <a:scrgbClr r="0" g="0" b="0"/>
-      </a:lnRef>
-      <a:fillRef idx="1">
-        <a:scrgbClr r="0" g="0" b="0"/>
-      </a:fillRef>
-      <a:effectRef idx="0">
-        <a:scrgbClr r="0" g="0" b="0"/>
-      </a:effectRef>
-      <a:fontRef idx="minor"/>
-    </dgm:style>
-  </dgm:styleLbl>
-  <dgm:styleLbl name="bgAcc1">
-    <dgm:scene3d>
-      <a:camera prst="orthographicFront"/>
-      <a:lightRig rig="threePt" dir="t"/>
-    </dgm:scene3d>
-    <dgm:sp3d/>
-    <dgm:txPr/>
-    <dgm:style>
-      <a:lnRef idx="1">
-        <a:scrgbClr r="0" g="0" b="0"/>
-      </a:lnRef>
-      <a:fillRef idx="1">
-        <a:scrgbClr r="0" g="0" b="0"/>
-      </a:fillRef>
-      <a:effectRef idx="2">
-        <a:scrgbClr r="0" g="0" b="0"/>
-      </a:effectRef>
-      <a:fontRef idx="minor"/>
-    </dgm:style>
-  </dgm:styleLbl>
-  <dgm:styleLbl name="solidFgAcc1">
-    <dgm:scene3d>
-      <a:camera prst="orthographicFront"/>
-      <a:lightRig rig="threePt" dir="t"/>
-    </dgm:scene3d>
-    <dgm:sp3d/>
-    <dgm:txPr/>
-    <dgm:style>
-      <a:lnRef idx="1">
-        <a:scrgbClr r="0" g="0" b="0"/>
-      </a:lnRef>
-      <a:fillRef idx="1">
-        <a:scrgbClr r="0" g="0" b="0"/>
-      </a:fillRef>
-      <a:effectRef idx="2">
-        <a:scrgbClr r="0" g="0" b="0"/>
-      </a:effectRef>
-      <a:fontRef idx="minor"/>
-    </dgm:style>
-  </dgm:styleLbl>
-  <dgm:styleLbl name="solidAlignAcc1">
-    <dgm:scene3d>
-      <a:camera prst="orthographicFront"/>
-      <a:lightRig rig="threePt" dir="t"/>
-    </dgm:scene3d>
-    <dgm:sp3d/>
-    <dgm:txPr/>
-    <dgm:style>
-      <a:lnRef idx="1">
-        <a:scrgbClr r="0" g="0" b="0"/>
-      </a:lnRef>
-      <a:fillRef idx="1">
-        <a:scrgbClr r="0" g="0" b="0"/>
-      </a:fillRef>
-      <a:effectRef idx="3">
-        <a:scrgbClr r="0" g="0" b="0"/>
-      </a:effectRef>
-      <a:fontRef idx="minor"/>
-    </dgm:style>
-  </dgm:styleLbl>
-  <dgm:styleLbl name="solidBgAcc1">
-    <dgm:scene3d>
-      <a:camera prst="orthographicFront"/>
-      <a:lightRig rig="threePt" dir="t"/>
-    </dgm:scene3d>
-    <dgm:sp3d/>
-    <dgm:txPr/>
-    <dgm:style>
-      <a:lnRef idx="1">
-        <a:scrgbClr r="0" g="0" b="0"/>
-      </a:lnRef>
-      <a:fillRef idx="1">
-        <a:scrgbClr r="0" g="0" b="0"/>
-      </a:fillRef>
-      <a:effectRef idx="3">
-        <a:scrgbClr r="0" g="0" b="0"/>
-      </a:effectRef>
-      <a:fontRef idx="minor"/>
-    </dgm:style>
-  </dgm:styleLbl>
-  <dgm:styleLbl name="fgAccFollowNode1">
-    <dgm:scene3d>
-      <a:camera prst="orthographicFront"/>
-      <a:lightRig rig="threePt" dir="t"/>
-    </dgm:scene3d>
-    <dgm:sp3d/>
-    <dgm:txPr/>
-    <dgm:style>
-      <a:lnRef idx="1">
-        <a:scrgbClr r="0" g="0" b="0"/>
-      </a:lnRef>
-      <a:fillRef idx="1">
-        <a:scrgbClr r="0" g="0" b="0"/>
-      </a:fillRef>
-      <a:effectRef idx="2">
-        <a:scrgbClr r="0" g="0" b="0"/>
-      </a:effectRef>
-      <a:fontRef idx="minor"/>
-    </dgm:style>
-  </dgm:styleLbl>
-  <dgm:styleLbl name="alignAccFollowNode1">
-    <dgm:scene3d>
-      <a:camera prst="orthographicFront"/>
-      <a:lightRig rig="threePt" dir="t"/>
-    </dgm:scene3d>
-    <dgm:sp3d/>
-    <dgm:txPr/>
-    <dgm:style>
-      <a:lnRef idx="1">
-        <a:scrgbClr r="0" g="0" b="0"/>
-      </a:lnRef>
-      <a:fillRef idx="1">
-        <a:scrgbClr r="0" g="0" b="0"/>
-      </a:fillRef>
-      <a:effectRef idx="2">
-        <a:scrgbClr r="0" g="0" b="0"/>
-      </a:effectRef>
-      <a:fontRef idx="minor"/>
-    </dgm:style>
-  </dgm:styleLbl>
-  <dgm:styleLbl name="bgAccFollowNode1">
-    <dgm:scene3d>
-      <a:camera prst="orthographicFront"/>
-      <a:lightRig rig="threePt" dir="t"/>
-    </dgm:scene3d>
-    <dgm:sp3d/>
-    <dgm:txPr/>
-    <dgm:style>
-      <a:lnRef idx="1">
-        <a:scrgbClr r="0" g="0" b="0"/>
-      </a:lnRef>
-      <a:fillRef idx="1">
-        <a:scrgbClr r="0" g="0" b="0"/>
-      </a:fillRef>
-      <a:effectRef idx="2">
-        <a:scrgbClr r="0" g="0" b="0"/>
-      </a:effectRef>
-      <a:fontRef idx="minor"/>
-    </dgm:style>
-  </dgm:styleLbl>
-  <dgm:styleLbl name="fgAcc0">
-    <dgm:scene3d>
-      <a:camera prst="orthographicFront"/>
-      <a:lightRig rig="threePt" dir="t"/>
-    </dgm:scene3d>
-    <dgm:sp3d/>
-    <dgm:txPr/>
-    <dgm:style>
-      <a:lnRef idx="1">
-        <a:scrgbClr r="0" g="0" b="0"/>
-      </a:lnRef>
-      <a:fillRef idx="1">
-        <a:scrgbClr r="0" g="0" b="0"/>
-      </a:fillRef>
-      <a:effectRef idx="2">
-        <a:scrgbClr r="0" g="0" b="0"/>
-      </a:effectRef>
-      <a:fontRef idx="minor"/>
-    </dgm:style>
-  </dgm:styleLbl>
-  <dgm:styleLbl name="fgAcc2">
-    <dgm:scene3d>
-      <a:camera prst="orthographicFront"/>
-      <a:lightRig rig="threePt" dir="t"/>
-    </dgm:scene3d>
-    <dgm:sp3d/>
-    <dgm:txPr/>
-    <dgm:style>
-      <a:lnRef idx="1">
-        <a:scrgbClr r="0" g="0" b="0"/>
-      </a:lnRef>
-      <a:fillRef idx="1">
-        <a:scrgbClr r="0" g="0" b="0"/>
-      </a:fillRef>
-      <a:effectRef idx="2">
-        <a:scrgbClr r="0" g="0" b="0"/>
-      </a:effectRef>
-      <a:fontRef idx="minor"/>
-    </dgm:style>
-  </dgm:styleLbl>
-  <dgm:styleLbl name="fgAcc3">
-    <dgm:scene3d>
-      <a:camera prst="orthographicFront"/>
-      <a:lightRig rig="threePt" dir="t"/>
-    </dgm:scene3d>
-    <dgm:sp3d/>
-    <dgm:txPr/>
-    <dgm:style>
-      <a:lnRef idx="1">
-        <a:scrgbClr r="0" g="0" b="0"/>
-      </a:lnRef>
-      <a:fillRef idx="1">
-        <a:scrgbClr r="0" g="0" b="0"/>
-      </a:fillRef>
-      <a:effectRef idx="2">
-        <a:scrgbClr r="0" g="0" b="0"/>
-      </a:effectRef>
-      <a:fontRef idx="minor"/>
-    </dgm:style>
-  </dgm:styleLbl>
-  <dgm:styleLbl name="fgAcc4">
-    <dgm:scene3d>
-      <a:camera prst="orthographicFront"/>
-      <a:lightRig rig="threePt" dir="t"/>
-    </dgm:scene3d>
-    <dgm:sp3d/>
-    <dgm:txPr/>
-    <dgm:style>
-      <a:lnRef idx="1">
-        <a:scrgbClr r="0" g="0" b="0"/>
-      </a:lnRef>
-      <a:fillRef idx="1">
-        <a:scrgbClr r="0" g="0" b="0"/>
-      </a:fillRef>
-      <a:effectRef idx="2">
-        <a:scrgbClr r="0" g="0" b="0"/>
-      </a:effectRef>
-      <a:fontRef idx="minor"/>
-    </dgm:style>
-  </dgm:styleLbl>
-  <dgm:styleLbl name="bgShp">
-    <dgm:scene3d>
-      <a:camera prst="orthographicFront"/>
-      <a:lightRig rig="threePt" dir="t"/>
-    </dgm:scene3d>
-    <dgm:sp3d/>
-    <dgm:txPr/>
-    <dgm:style>
-      <a:lnRef idx="0">
-        <a:scrgbClr r="0" g="0" b="0"/>
-      </a:lnRef>
-      <a:fillRef idx="1">
-        <a:scrgbClr r="0" g="0" b="0"/>
-      </a:fillRef>
-      <a:effectRef idx="2">
-        <a:scrgbClr r="0" g="0" b="0"/>
-      </a:effectRef>
-      <a:fontRef idx="minor"/>
-    </dgm:style>
-  </dgm:styleLbl>
-  <dgm:styleLbl name="dkBgShp">
-    <dgm:scene3d>
-      <a:camera prst="orthographicFront"/>
-      <a:lightRig rig="threePt" dir="t"/>
-    </dgm:scene3d>
-    <dgm:sp3d/>
-    <dgm:txPr/>
-    <dgm:style>
-      <a:lnRef idx="0">
-        <a:scrgbClr r="0" g="0" b="0"/>
-      </a:lnRef>
-      <a:fillRef idx="1">
-        <a:scrgbClr r="0" g="0" b="0"/>
-      </a:fillRef>
-      <a:effectRef idx="3">
-        <a:scrgbClr r="0" g="0" b="0"/>
-      </a:effectRef>
-      <a:fontRef idx="minor"/>
-    </dgm:style>
-  </dgm:styleLbl>
-  <dgm:styleLbl name="trBgShp">
-    <dgm:scene3d>
-      <a:camera prst="orthographicFront"/>
-      <a:lightRig rig="threePt" dir="t"/>
-    </dgm:scene3d>
-    <dgm:sp3d/>
-    <dgm:txPr/>
-    <dgm:style>
-      <a:lnRef idx="0">
-        <a:scrgbClr r="0" g="0" b="0"/>
-      </a:lnRef>
-      <a:fillRef idx="1">
-        <a:scrgbClr r="0" g="0" b="0"/>
-      </a:fillRef>
-      <a:effectRef idx="0">
-        <a:scrgbClr r="0" g="0" b="0"/>
-      </a:effectRef>
-      <a:fontRef idx="minor"/>
-    </dgm:style>
-  </dgm:styleLbl>
-  <dgm:styleLbl name="fgShp">
-    <dgm:scene3d>
-      <a:camera prst="orthographicFront"/>
-      <a:lightRig rig="threePt" dir="t"/>
-    </dgm:scene3d>
-    <dgm:sp3d/>
-    <dgm:txPr/>
-    <dgm:style>
-      <a:lnRef idx="0">
-        <a:scrgbClr r="0" g="0" b="0"/>
-      </a:lnRef>
-      <a:fillRef idx="3">
-        <a:scrgbClr r="0" g="0" b="0"/>
-      </a:fillRef>
-      <a:effectRef idx="3">
-        <a:scrgbClr r="0" g="0" b="0"/>
-      </a:effectRef>
-      <a:fontRef idx="minor"/>
-    </dgm:style>
-  </dgm:styleLbl>
-  <dgm:styleLbl name="revTx">
-    <dgm:scene3d>
-      <a:camera prst="orthographicFront"/>
-      <a:lightRig rig="threePt" dir="t"/>
-    </dgm:scene3d>
-    <dgm:sp3d/>
-    <dgm:txPr/>
-    <dgm:style>
-      <a:lnRef idx="0">
-        <a:scrgbClr r="0" g="0" b="0"/>
-      </a:lnRef>
-      <a:fillRef idx="0">
-        <a:scrgbClr r="0" g="0" b="0"/>
-      </a:fillRef>
-      <a:effectRef idx="0">
-        <a:scrgbClr r="0" g="0" b="0"/>
-      </a:effectRef>
-      <a:fontRef idx="minor"/>
-    </dgm:style>
-  </dgm:styleLbl>
-</dgm:styleDef>
-</file>
-
 <file path=ppt/slideLayouts/slideLayout1.xml><?xml version="1.0" encoding="utf-8"?>
 <p:sldLayout xmlns:a="http://schemas.openxmlformats.org/drawingml/2006/main" xmlns:r="http://schemas.openxmlformats.org/officeDocument/2006/relationships" xmlns:p="http://schemas.openxmlformats.org/presentationml/2006/main" type="title" preserve="1">
   <p:cSld name="Diapositiva de título">
@@ -3655,7 +263,7 @@
           <a:p>
             <a:fld id="{C56040A3-26B0-41B9-8D0E-A6E2BE76A0F6}" type="datetimeFigureOut">
               <a:rPr lang="es-CL" smtClean="0"/>
-              <a:t>05-08-2025</a:t>
+              <a:t>08-12-2025</a:t>
             </a:fld>
             <a:endParaRPr lang="es-CL"/>
           </a:p>
@@ -3825,7 +433,7 @@
           <a:p>
             <a:fld id="{C56040A3-26B0-41B9-8D0E-A6E2BE76A0F6}" type="datetimeFigureOut">
               <a:rPr lang="es-CL" smtClean="0"/>
-              <a:t>05-08-2025</a:t>
+              <a:t>08-12-2025</a:t>
             </a:fld>
             <a:endParaRPr lang="es-CL"/>
           </a:p>
@@ -4005,7 +613,7 @@
           <a:p>
             <a:fld id="{C56040A3-26B0-41B9-8D0E-A6E2BE76A0F6}" type="datetimeFigureOut">
               <a:rPr lang="es-CL" smtClean="0"/>
-              <a:t>05-08-2025</a:t>
+              <a:t>08-12-2025</a:t>
             </a:fld>
             <a:endParaRPr lang="es-CL"/>
           </a:p>
@@ -4175,7 +783,7 @@
           <a:p>
             <a:fld id="{C56040A3-26B0-41B9-8D0E-A6E2BE76A0F6}" type="datetimeFigureOut">
               <a:rPr lang="es-CL" smtClean="0"/>
-              <a:t>05-08-2025</a:t>
+              <a:t>08-12-2025</a:t>
             </a:fld>
             <a:endParaRPr lang="es-CL"/>
           </a:p>
@@ -4421,7 +1029,7 @@
           <a:p>
             <a:fld id="{C56040A3-26B0-41B9-8D0E-A6E2BE76A0F6}" type="datetimeFigureOut">
               <a:rPr lang="es-CL" smtClean="0"/>
-              <a:t>05-08-2025</a:t>
+              <a:t>08-12-2025</a:t>
             </a:fld>
             <a:endParaRPr lang="es-CL"/>
           </a:p>
@@ -4653,7 +1261,7 @@
           <a:p>
             <a:fld id="{C56040A3-26B0-41B9-8D0E-A6E2BE76A0F6}" type="datetimeFigureOut">
               <a:rPr lang="es-CL" smtClean="0"/>
-              <a:t>05-08-2025</a:t>
+              <a:t>08-12-2025</a:t>
             </a:fld>
             <a:endParaRPr lang="es-CL"/>
           </a:p>
@@ -5020,7 +1628,7 @@
           <a:p>
             <a:fld id="{C56040A3-26B0-41B9-8D0E-A6E2BE76A0F6}" type="datetimeFigureOut">
               <a:rPr lang="es-CL" smtClean="0"/>
-              <a:t>05-08-2025</a:t>
+              <a:t>08-12-2025</a:t>
             </a:fld>
             <a:endParaRPr lang="es-CL"/>
           </a:p>
@@ -5138,7 +1746,7 @@
           <a:p>
             <a:fld id="{C56040A3-26B0-41B9-8D0E-A6E2BE76A0F6}" type="datetimeFigureOut">
               <a:rPr lang="es-CL" smtClean="0"/>
-              <a:t>05-08-2025</a:t>
+              <a:t>08-12-2025</a:t>
             </a:fld>
             <a:endParaRPr lang="es-CL"/>
           </a:p>
@@ -5233,7 +1841,7 @@
           <a:p>
             <a:fld id="{C56040A3-26B0-41B9-8D0E-A6E2BE76A0F6}" type="datetimeFigureOut">
               <a:rPr lang="es-CL" smtClean="0"/>
-              <a:t>05-08-2025</a:t>
+              <a:t>08-12-2025</a:t>
             </a:fld>
             <a:endParaRPr lang="es-CL"/>
           </a:p>
@@ -5510,7 +2118,7 @@
           <a:p>
             <a:fld id="{C56040A3-26B0-41B9-8D0E-A6E2BE76A0F6}" type="datetimeFigureOut">
               <a:rPr lang="es-CL" smtClean="0"/>
-              <a:t>05-08-2025</a:t>
+              <a:t>08-12-2025</a:t>
             </a:fld>
             <a:endParaRPr lang="es-CL"/>
           </a:p>
@@ -5763,7 +2371,7 @@
           <a:p>
             <a:fld id="{C56040A3-26B0-41B9-8D0E-A6E2BE76A0F6}" type="datetimeFigureOut">
               <a:rPr lang="es-CL" smtClean="0"/>
-              <a:t>05-08-2025</a:t>
+              <a:t>08-12-2025</a:t>
             </a:fld>
             <a:endParaRPr lang="es-CL"/>
           </a:p>
@@ -5985,7 +2593,7 @@
           <a:p>
             <a:fld id="{C56040A3-26B0-41B9-8D0E-A6E2BE76A0F6}" type="datetimeFigureOut">
               <a:rPr lang="es-CL" smtClean="0"/>
-              <a:t>05-08-2025</a:t>
+              <a:t>08-12-2025</a:t>
             </a:fld>
             <a:endParaRPr lang="es-CL"/>
           </a:p>
@@ -6423,7 +3031,15 @@
             </a:br>
             <a:r>
               <a:rPr lang="es-CL" sz="3200" dirty="0"/>
-              <a:t>“Nombre del proyecto”</a:t>
+              <a:t>“</a:t>
+            </a:r>
+            <a:r>
+              <a:rPr lang="es-ES" sz="3200" dirty="0"/>
+              <a:t>SmartFlow – Sistema de Gestión y Reservas</a:t>
+            </a:r>
+            <a:r>
+              <a:rPr lang="es-CL" sz="3200" dirty="0"/>
+              <a:t>”</a:t>
             </a:r>
           </a:p>
         </p:txBody>
@@ -6464,7 +3080,7 @@
           <a:p>
             <a:r>
               <a:rPr lang="es-CL" sz="1400" dirty="0"/>
-              <a:t>Sede [Insertar Sede]</a:t>
+              <a:t>Sede Puente Alto</a:t>
             </a:r>
           </a:p>
           <a:p>
@@ -6513,7 +3129,13 @@
       </p:grpSpPr>
       <p:sp>
         <p:nvSpPr>
-          <p:cNvPr id="4" name="Título 3"/>
+          <p:cNvPr id="2" name="Título 1">
+            <a:extLst>
+              <a:ext uri="{FF2B5EF4-FFF2-40B4-BE49-F238E27FC236}">
+                <a16:creationId xmlns:a16="http://schemas.microsoft.com/office/drawing/2014/main" id="{E3882A37-693A-0852-F3DA-9973F40FFA6C}"/>
+              </a:ext>
+            </a:extLst>
+          </p:cNvPr>
           <p:cNvSpPr>
             <a:spLocks noGrp="1"/>
           </p:cNvSpPr>
@@ -6521,79 +3143,59 @@
             <p:ph type="title"/>
           </p:nvPr>
         </p:nvSpPr>
+        <p:spPr/>
+        <p:txBody>
+          <a:bodyPr/>
+          <a:lstStyle/>
+          <a:p>
+            <a:r>
+              <a:rPr lang="es-CL" b="1" dirty="0"/>
+              <a:t>Arquitectura del Sistema</a:t>
+            </a:r>
+            <a:endParaRPr lang="es-CL" dirty="0"/>
+          </a:p>
+        </p:txBody>
+      </p:sp>
+      <p:pic>
+        <p:nvPicPr>
+          <p:cNvPr id="3" name="Imagen 2">
+            <a:extLst>
+              <a:ext uri="{FF2B5EF4-FFF2-40B4-BE49-F238E27FC236}">
+                <a16:creationId xmlns:a16="http://schemas.microsoft.com/office/drawing/2014/main" id="{39E415A0-FFF6-5EAF-4D04-48FE372F4078}"/>
+              </a:ext>
+            </a:extLst>
+          </p:cNvPr>
+          <p:cNvPicPr>
+            <a:picLocks noChangeAspect="1"/>
+          </p:cNvPicPr>
+          <p:nvPr/>
+        </p:nvPicPr>
+        <p:blipFill>
+          <a:blip r:embed="rId2">
+            <a:extLst>
+              <a:ext uri="{28A0092B-C50C-407E-A947-70E740481C1C}">
+                <a14:useLocalDpi xmlns:a14="http://schemas.microsoft.com/office/drawing/2010/main" val="0"/>
+              </a:ext>
+            </a:extLst>
+          </a:blip>
+          <a:stretch>
+            <a:fillRect/>
+          </a:stretch>
+        </p:blipFill>
         <p:spPr>
           <a:xfrm>
-            <a:off x="641252" y="1068511"/>
-            <a:ext cx="10515600" cy="644176"/>
-          </a:xfrm>
-        </p:spPr>
-        <p:txBody>
-          <a:bodyPr>
-            <a:normAutofit fontScale="90000"/>
-          </a:bodyPr>
-          <a:lstStyle/>
-          <a:p>
-            <a:r>
-              <a:rPr lang="es-CL" dirty="0"/>
-              <a:t>Tecnologías del Desarrollo</a:t>
-            </a:r>
-          </a:p>
-        </p:txBody>
-      </p:sp>
-      <p:sp>
-        <p:nvSpPr>
-          <p:cNvPr id="5" name="CuadroTexto 4"/>
-          <p:cNvSpPr txBox="1"/>
-          <p:nvPr/>
-        </p:nvSpPr>
-        <p:spPr>
-          <a:xfrm>
-            <a:off x="641252" y="1828016"/>
-            <a:ext cx="10861319" cy="2308324"/>
+            <a:off x="2607494" y="1485304"/>
+            <a:ext cx="6223000" cy="4667250"/>
           </a:xfrm>
           <a:prstGeom prst="rect">
             <a:avLst/>
           </a:prstGeom>
-          <a:noFill/>
         </p:spPr>
-        <p:txBody>
-          <a:bodyPr wrap="square" rtlCol="0">
-            <a:spAutoFit/>
-          </a:bodyPr>
-          <a:lstStyle/>
-          <a:p>
-            <a:r>
-              <a:rPr lang="es-CL" dirty="0"/>
-              <a:t>Breve descripción de las tecnologías y versiones utilizadas para el desarrollo</a:t>
-            </a:r>
-          </a:p>
-          <a:p>
-            <a:endParaRPr lang="es-CL" dirty="0"/>
-          </a:p>
-          <a:p>
-            <a:endParaRPr lang="es-CL" dirty="0"/>
-          </a:p>
-          <a:p>
-            <a:endParaRPr lang="es-CL" dirty="0"/>
-          </a:p>
-          <a:p>
-            <a:endParaRPr lang="es-CL" dirty="0"/>
-          </a:p>
-          <a:p>
-            <a:endParaRPr lang="es-CL" dirty="0"/>
-          </a:p>
-          <a:p>
-            <a:endParaRPr lang="es-CL" dirty="0"/>
-          </a:p>
-          <a:p>
-            <a:endParaRPr lang="es-CL" dirty="0"/>
-          </a:p>
-        </p:txBody>
-      </p:sp>
+      </p:pic>
     </p:spTree>
     <p:extLst>
       <p:ext uri="{BB962C8B-B14F-4D97-AF65-F5344CB8AC3E}">
-        <p14:creationId xmlns:p14="http://schemas.microsoft.com/office/powerpoint/2010/main" val="3484348685"/>
+        <p14:creationId xmlns:p14="http://schemas.microsoft.com/office/powerpoint/2010/main" val="3524289976"/>
       </p:ext>
     </p:extLst>
   </p:cSld>
@@ -6632,17 +3234,19 @@
         </p:nvSpPr>
         <p:spPr>
           <a:xfrm>
-            <a:off x="753794" y="702749"/>
-            <a:ext cx="10515600" cy="1325563"/>
+            <a:off x="641252" y="1068511"/>
+            <a:ext cx="10515600" cy="520804"/>
           </a:xfrm>
         </p:spPr>
         <p:txBody>
-          <a:bodyPr/>
+          <a:bodyPr>
+            <a:normAutofit fontScale="90000"/>
+          </a:bodyPr>
           <a:lstStyle/>
           <a:p>
             <a:r>
               <a:rPr lang="es-CL" dirty="0"/>
-              <a:t>Planificación</a:t>
+              <a:t>Diseño del Sistema</a:t>
             </a:r>
           </a:p>
         </p:txBody>
@@ -6655,8 +3259,8 @@
         </p:nvSpPr>
         <p:spPr>
           <a:xfrm>
-            <a:off x="922606" y="1843646"/>
-            <a:ext cx="4990853" cy="369332"/>
+            <a:off x="757367" y="1848356"/>
+            <a:ext cx="9990462" cy="2031325"/>
           </a:xfrm>
           <a:prstGeom prst="rect">
             <a:avLst/>
@@ -6664,22 +3268,99 @@
           <a:noFill/>
         </p:spPr>
         <p:txBody>
-          <a:bodyPr wrap="none" rtlCol="0">
+          <a:bodyPr wrap="square" rtlCol="0">
             <a:spAutoFit/>
           </a:bodyPr>
           <a:lstStyle/>
           <a:p>
-            <a:r>
-              <a:rPr lang="es-CL" dirty="0"/>
-              <a:t>Cronograma de los hitos significativos del proyecto </a:t>
-            </a:r>
-          </a:p>
-        </p:txBody>
-      </p:sp>
+            <a:endParaRPr lang="es-CL" dirty="0"/>
+          </a:p>
+          <a:p>
+            <a:endParaRPr lang="es-CL" dirty="0"/>
+          </a:p>
+          <a:p>
+            <a:endParaRPr lang="es-CL" dirty="0"/>
+          </a:p>
+          <a:p>
+            <a:endParaRPr lang="es-CL" dirty="0"/>
+          </a:p>
+          <a:p>
+            <a:endParaRPr lang="es-CL" dirty="0"/>
+          </a:p>
+          <a:p>
+            <a:endParaRPr lang="es-CL" dirty="0"/>
+          </a:p>
+          <a:p>
+            <a:endParaRPr lang="es-CL" dirty="0"/>
+          </a:p>
+        </p:txBody>
+      </p:sp>
+      <p:pic>
+        <p:nvPicPr>
+          <p:cNvPr id="2" name="Picture 1">
+            <a:extLst>
+              <a:ext uri="{FF2B5EF4-FFF2-40B4-BE49-F238E27FC236}">
+                <a16:creationId xmlns:a16="http://schemas.microsoft.com/office/drawing/2014/main" id="{6F86E83A-ACA6-693A-0095-9C7499A5034F}"/>
+              </a:ext>
+            </a:extLst>
+          </p:cNvPr>
+          <p:cNvPicPr>
+            <a:picLocks noChangeAspect="1"/>
+          </p:cNvPicPr>
+          <p:nvPr/>
+        </p:nvPicPr>
+        <p:blipFill>
+          <a:blip r:embed="rId2"/>
+          <a:srcRect b="54098"/>
+          <a:stretch>
+            <a:fillRect/>
+          </a:stretch>
+        </p:blipFill>
+        <p:spPr>
+          <a:xfrm>
+            <a:off x="641252" y="1917519"/>
+            <a:ext cx="3731102" cy="4439738"/>
+          </a:xfrm>
+          <a:prstGeom prst="rect">
+            <a:avLst/>
+          </a:prstGeom>
+        </p:spPr>
+      </p:pic>
+      <p:pic>
+        <p:nvPicPr>
+          <p:cNvPr id="3" name="Picture 1">
+            <a:extLst>
+              <a:ext uri="{FF2B5EF4-FFF2-40B4-BE49-F238E27FC236}">
+                <a16:creationId xmlns:a16="http://schemas.microsoft.com/office/drawing/2014/main" id="{16C5DDDD-8A9E-4B55-969A-F3589A5C9EFE}"/>
+              </a:ext>
+            </a:extLst>
+          </p:cNvPr>
+          <p:cNvPicPr>
+            <a:picLocks noChangeAspect="1"/>
+          </p:cNvPicPr>
+          <p:nvPr/>
+        </p:nvPicPr>
+        <p:blipFill>
+          <a:blip r:embed="rId2"/>
+          <a:srcRect t="44701"/>
+          <a:stretch>
+            <a:fillRect/>
+          </a:stretch>
+        </p:blipFill>
+        <p:spPr>
+          <a:xfrm>
+            <a:off x="5464628" y="1589315"/>
+            <a:ext cx="3407229" cy="4884319"/>
+          </a:xfrm>
+          <a:prstGeom prst="rect">
+            <a:avLst/>
+          </a:prstGeom>
+        </p:spPr>
+      </p:pic>
     </p:spTree>
     <p:extLst>
       <p:ext uri="{BB962C8B-B14F-4D97-AF65-F5344CB8AC3E}">
-        <p14:creationId xmlns:p14="http://schemas.microsoft.com/office/powerpoint/2010/main" val="3702887600"/>
+        <p14:creationId xmlns:p14="http://schemas.microsoft.com/office/powerpoint/2010/main" val="595374631"/>
       </p:ext>
     </p:extLst>
   </p:cSld>
@@ -6718,56 +3399,68 @@
         </p:nvSpPr>
         <p:spPr>
           <a:xfrm>
-            <a:off x="671244" y="827315"/>
-            <a:ext cx="10515600" cy="863600"/>
+            <a:off x="641252" y="1068511"/>
+            <a:ext cx="10515600" cy="644176"/>
           </a:xfrm>
         </p:spPr>
         <p:txBody>
           <a:bodyPr>
-            <a:normAutofit/>
+            <a:normAutofit fontScale="90000"/>
           </a:bodyPr>
           <a:lstStyle/>
           <a:p>
             <a:r>
-              <a:rPr lang="es-CL" sz="3600" dirty="0"/>
-              <a:t>Plan de Pruebas Desarrollo</a:t>
-            </a:r>
-          </a:p>
-        </p:txBody>
-      </p:sp>
-      <p:sp>
-        <p:nvSpPr>
-          <p:cNvPr id="5" name="CuadroTexto 4"/>
-          <p:cNvSpPr txBox="1"/>
+              <a:rPr lang="es-CL" dirty="0"/>
+              <a:t>Diseño del Sistema</a:t>
+            </a:r>
+          </a:p>
+        </p:txBody>
+      </p:sp>
+      <p:pic>
+        <p:nvPicPr>
+          <p:cNvPr id="2" name="Imagen 1" descr="Diagrama&#10;&#10;El contenido generado por IA puede ser incorrecto.">
+            <a:extLst>
+              <a:ext uri="{FF2B5EF4-FFF2-40B4-BE49-F238E27FC236}">
+                <a16:creationId xmlns:a16="http://schemas.microsoft.com/office/drawing/2014/main" id="{163B6391-A1B2-657C-A7A2-1182CCF1195F}"/>
+              </a:ext>
+            </a:extLst>
+          </p:cNvPr>
+          <p:cNvPicPr>
+            <a:picLocks noChangeAspect="1"/>
+          </p:cNvPicPr>
           <p:nvPr/>
-        </p:nvSpPr>
-        <p:spPr>
+        </p:nvPicPr>
+        <p:blipFill>
+          <a:blip r:embed="rId2" cstate="print">
+            <a:extLst>
+              <a:ext uri="{28A0092B-C50C-407E-A947-70E740481C1C}">
+                <a14:useLocalDpi xmlns:a14="http://schemas.microsoft.com/office/drawing/2010/main" val="0"/>
+              </a:ext>
+            </a:extLst>
+          </a:blip>
+          <a:srcRect/>
+          <a:stretch>
+            <a:fillRect/>
+          </a:stretch>
+        </p:blipFill>
+        <p:spPr bwMode="auto">
           <a:xfrm>
-            <a:off x="671244" y="1690915"/>
-            <a:ext cx="9769063" cy="369332"/>
+            <a:off x="2456542" y="1998298"/>
+            <a:ext cx="7754257" cy="4365201"/>
           </a:xfrm>
           <a:prstGeom prst="rect">
             <a:avLst/>
           </a:prstGeom>
           <a:noFill/>
+          <a:ln>
+            <a:noFill/>
+          </a:ln>
         </p:spPr>
-        <p:txBody>
-          <a:bodyPr wrap="square" rtlCol="0">
-            <a:spAutoFit/>
-          </a:bodyPr>
-          <a:lstStyle/>
-          <a:p>
-            <a:r>
-              <a:rPr lang="es-CL" dirty="0"/>
-              <a:t>Especificación de las Pruebas aplicadas al Sistema y Resultados Obtenidos </a:t>
-            </a:r>
-          </a:p>
-        </p:txBody>
-      </p:sp>
+      </p:pic>
     </p:spTree>
     <p:extLst>
       <p:ext uri="{BB962C8B-B14F-4D97-AF65-F5344CB8AC3E}">
-        <p14:creationId xmlns:p14="http://schemas.microsoft.com/office/powerpoint/2010/main" val="519954648"/>
+        <p14:creationId xmlns:p14="http://schemas.microsoft.com/office/powerpoint/2010/main" val="2615537357"/>
       </p:ext>
     </p:extLst>
   </p:cSld>
@@ -6796,56 +3489,1012 @@
       </p:grpSpPr>
       <p:sp>
         <p:nvSpPr>
-          <p:cNvPr id="5" name="Título 3"/>
-          <p:cNvSpPr txBox="1">
-            <a:spLocks/>
-          </p:cNvSpPr>
-          <p:nvPr/>
+          <p:cNvPr id="4" name="Título 3"/>
+          <p:cNvSpPr>
+            <a:spLocks noGrp="1"/>
+          </p:cNvSpPr>
+          <p:nvPr>
+            <p:ph type="title"/>
+          </p:nvPr>
         </p:nvSpPr>
         <p:spPr>
           <a:xfrm>
-            <a:off x="457158" y="864220"/>
-            <a:ext cx="10515600" cy="1325563"/>
+            <a:off x="641252" y="1068511"/>
+            <a:ext cx="10515600" cy="644176"/>
+          </a:xfrm>
+        </p:spPr>
+        <p:txBody>
+          <a:bodyPr>
+            <a:normAutofit fontScale="90000"/>
+          </a:bodyPr>
+          <a:lstStyle/>
+          <a:p>
+            <a:r>
+              <a:rPr lang="es-CL" dirty="0"/>
+              <a:t>Tecnologías del Desarrollo</a:t>
+            </a:r>
+          </a:p>
+        </p:txBody>
+      </p:sp>
+      <p:sp>
+        <p:nvSpPr>
+          <p:cNvPr id="5" name="CuadroTexto 4"/>
+          <p:cNvSpPr txBox="1"/>
+          <p:nvPr/>
+        </p:nvSpPr>
+        <p:spPr>
+          <a:xfrm>
+            <a:off x="641252" y="1828016"/>
+            <a:ext cx="10861319" cy="2031325"/>
           </a:xfrm>
           <a:prstGeom prst="rect">
             <a:avLst/>
           </a:prstGeom>
+          <a:noFill/>
         </p:spPr>
         <p:txBody>
-          <a:bodyPr vert="horz" lIns="91440" tIns="45720" rIns="91440" bIns="45720" rtlCol="0" anchor="ctr">
-            <a:normAutofit/>
+          <a:bodyPr wrap="square" rtlCol="0">
+            <a:spAutoFit/>
           </a:bodyPr>
-          <a:lstStyle>
-            <a:lvl1pPr algn="l" defTabSz="914400" rtl="0" eaLnBrk="1" latinLnBrk="0" hangingPunct="1">
-              <a:lnSpc>
-                <a:spcPct val="90000"/>
-              </a:lnSpc>
-              <a:spcBef>
-                <a:spcPct val="0"/>
-              </a:spcBef>
-              <a:buNone/>
-              <a:defRPr sz="4400" kern="1200">
-                <a:solidFill>
-                  <a:schemeClr val="tx1"/>
-                </a:solidFill>
-                <a:latin typeface="+mj-lt"/>
-                <a:ea typeface="+mj-ea"/>
-                <a:cs typeface="+mj-cs"/>
-              </a:defRPr>
-            </a:lvl1pPr>
-          </a:lstStyle>
-          <a:p>
-            <a:r>
-              <a:rPr lang="es-CL" dirty="0"/>
-              <a:t>Demostración del Prototipo o Resultado del Proyecto (Sistema)</a:t>
-            </a:r>
-          </a:p>
-        </p:txBody>
-      </p:sp>
+          <a:lstStyle/>
+          <a:p>
+            <a:endParaRPr lang="es-CL" dirty="0"/>
+          </a:p>
+          <a:p>
+            <a:endParaRPr lang="es-CL" dirty="0"/>
+          </a:p>
+          <a:p>
+            <a:endParaRPr lang="es-CL" dirty="0"/>
+          </a:p>
+          <a:p>
+            <a:endParaRPr lang="es-CL" dirty="0"/>
+          </a:p>
+          <a:p>
+            <a:endParaRPr lang="es-CL" dirty="0"/>
+          </a:p>
+          <a:p>
+            <a:endParaRPr lang="es-CL" dirty="0"/>
+          </a:p>
+          <a:p>
+            <a:endParaRPr lang="es-CL" dirty="0"/>
+          </a:p>
+        </p:txBody>
+      </p:sp>
+      <p:graphicFrame>
+        <p:nvGraphicFramePr>
+          <p:cNvPr id="2" name="Tabla 1">
+            <a:extLst>
+              <a:ext uri="{FF2B5EF4-FFF2-40B4-BE49-F238E27FC236}">
+                <a16:creationId xmlns:a16="http://schemas.microsoft.com/office/drawing/2014/main" id="{CFB4F378-AED2-F041-BB5E-BC85ECCEAAF5}"/>
+              </a:ext>
+            </a:extLst>
+          </p:cNvPr>
+          <p:cNvGraphicFramePr>
+            <a:graphicFrameLocks noGrp="1"/>
+          </p:cNvGraphicFramePr>
+          <p:nvPr>
+            <p:extLst>
+              <p:ext uri="{D42A27DB-BD31-4B8C-83A1-F6EECF244321}">
+                <p14:modId xmlns:p14="http://schemas.microsoft.com/office/powerpoint/2010/main" val="857094311"/>
+              </p:ext>
+            </p:extLst>
+          </p:nvPr>
+        </p:nvGraphicFramePr>
+        <p:xfrm>
+          <a:off x="2193917" y="1978026"/>
+          <a:ext cx="6672051" cy="4351336"/>
+        </p:xfrm>
+        <a:graphic>
+          <a:graphicData uri="http://schemas.openxmlformats.org/drawingml/2006/table">
+            <a:tbl>
+              <a:tblPr/>
+              <a:tblGrid>
+                <a:gridCol w="2224017">
+                  <a:extLst>
+                    <a:ext uri="{9D8B030D-6E8A-4147-A177-3AD203B41FA5}">
+                      <a16:colId xmlns:a16="http://schemas.microsoft.com/office/drawing/2014/main" val="2292199172"/>
+                    </a:ext>
+                  </a:extLst>
+                </a:gridCol>
+                <a:gridCol w="2224017">
+                  <a:extLst>
+                    <a:ext uri="{9D8B030D-6E8A-4147-A177-3AD203B41FA5}">
+                      <a16:colId xmlns:a16="http://schemas.microsoft.com/office/drawing/2014/main" val="660789380"/>
+                    </a:ext>
+                  </a:extLst>
+                </a:gridCol>
+                <a:gridCol w="2224017">
+                  <a:extLst>
+                    <a:ext uri="{9D8B030D-6E8A-4147-A177-3AD203B41FA5}">
+                      <a16:colId xmlns:a16="http://schemas.microsoft.com/office/drawing/2014/main" val="4041084699"/>
+                    </a:ext>
+                  </a:extLst>
+                </a:gridCol>
+              </a:tblGrid>
+              <a:tr h="232071">
+                <a:tc>
+                  <a:txBody>
+                    <a:bodyPr/>
+                    <a:lstStyle/>
+                    <a:p>
+                      <a:pPr>
+                        <a:buNone/>
+                      </a:pPr>
+                      <a:r>
+                        <a:rPr lang="es-CL" sz="1100" b="1"/>
+                        <a:t>Categoría</a:t>
+                      </a:r>
+                      <a:endParaRPr lang="es-CL" sz="1100"/>
+                    </a:p>
+                  </a:txBody>
+                  <a:tcPr marL="58018" marR="58018" marT="29009" marB="29009" anchor="ctr">
+                    <a:lnL>
+                      <a:noFill/>
+                    </a:lnL>
+                    <a:lnR>
+                      <a:noFill/>
+                    </a:lnR>
+                    <a:lnT>
+                      <a:noFill/>
+                    </a:lnT>
+                    <a:lnB>
+                      <a:noFill/>
+                    </a:lnB>
+                    <a:noFill/>
+                  </a:tcPr>
+                </a:tc>
+                <a:tc>
+                  <a:txBody>
+                    <a:bodyPr/>
+                    <a:lstStyle/>
+                    <a:p>
+                      <a:pPr>
+                        <a:buNone/>
+                      </a:pPr>
+                      <a:r>
+                        <a:rPr lang="es-CL" sz="1100" b="1"/>
+                        <a:t>Tecnología / Versión</a:t>
+                      </a:r>
+                      <a:endParaRPr lang="es-CL" sz="1100"/>
+                    </a:p>
+                  </a:txBody>
+                  <a:tcPr marL="58018" marR="58018" marT="29009" marB="29009" anchor="ctr">
+                    <a:lnL>
+                      <a:noFill/>
+                    </a:lnL>
+                    <a:lnR>
+                      <a:noFill/>
+                    </a:lnR>
+                    <a:lnT>
+                      <a:noFill/>
+                    </a:lnT>
+                    <a:lnB>
+                      <a:noFill/>
+                    </a:lnB>
+                    <a:noFill/>
+                  </a:tcPr>
+                </a:tc>
+                <a:tc>
+                  <a:txBody>
+                    <a:bodyPr/>
+                    <a:lstStyle/>
+                    <a:p>
+                      <a:pPr>
+                        <a:buNone/>
+                      </a:pPr>
+                      <a:r>
+                        <a:rPr lang="es-CL" sz="1100" b="1"/>
+                        <a:t>Descripción</a:t>
+                      </a:r>
+                      <a:endParaRPr lang="es-CL" sz="1100"/>
+                    </a:p>
+                  </a:txBody>
+                  <a:tcPr marL="58018" marR="58018" marT="29009" marB="29009" anchor="ctr">
+                    <a:lnL>
+                      <a:noFill/>
+                    </a:lnL>
+                    <a:lnR>
+                      <a:noFill/>
+                    </a:lnR>
+                    <a:lnT>
+                      <a:noFill/>
+                    </a:lnT>
+                    <a:lnB>
+                      <a:noFill/>
+                    </a:lnB>
+                    <a:noFill/>
+                  </a:tcPr>
+                </a:tc>
+                <a:extLst>
+                  <a:ext uri="{0D108BD9-81ED-4DB2-BD59-A6C34878D82A}">
+                    <a16:rowId xmlns:a16="http://schemas.microsoft.com/office/drawing/2014/main" val="1376906812"/>
+                  </a:ext>
+                </a:extLst>
+              </a:tr>
+              <a:tr h="580178">
+                <a:tc>
+                  <a:txBody>
+                    <a:bodyPr/>
+                    <a:lstStyle/>
+                    <a:p>
+                      <a:pPr>
+                        <a:buNone/>
+                      </a:pPr>
+                      <a:r>
+                        <a:rPr lang="es-CL" sz="1100" b="1"/>
+                        <a:t>Backend</a:t>
+                      </a:r>
+                      <a:endParaRPr lang="es-CL" sz="1100"/>
+                    </a:p>
+                  </a:txBody>
+                  <a:tcPr marL="58018" marR="58018" marT="29009" marB="29009" anchor="ctr">
+                    <a:lnL>
+                      <a:noFill/>
+                    </a:lnL>
+                    <a:lnR>
+                      <a:noFill/>
+                    </a:lnR>
+                    <a:lnT>
+                      <a:noFill/>
+                    </a:lnT>
+                    <a:lnB>
+                      <a:noFill/>
+                    </a:lnB>
+                    <a:noFill/>
+                  </a:tcPr>
+                </a:tc>
+                <a:tc>
+                  <a:txBody>
+                    <a:bodyPr/>
+                    <a:lstStyle/>
+                    <a:p>
+                      <a:pPr>
+                        <a:buNone/>
+                      </a:pPr>
+                      <a:r>
+                        <a:rPr lang="fr-FR" sz="1100"/>
+                        <a:t>.NET 8 – ASP.NET Core Razor Pages</a:t>
+                      </a:r>
+                    </a:p>
+                  </a:txBody>
+                  <a:tcPr marL="58018" marR="58018" marT="29009" marB="29009" anchor="ctr">
+                    <a:lnL>
+                      <a:noFill/>
+                    </a:lnL>
+                    <a:lnR>
+                      <a:noFill/>
+                    </a:lnR>
+                    <a:lnT>
+                      <a:noFill/>
+                    </a:lnT>
+                    <a:lnB>
+                      <a:noFill/>
+                    </a:lnB>
+                    <a:noFill/>
+                  </a:tcPr>
+                </a:tc>
+                <a:tc>
+                  <a:txBody>
+                    <a:bodyPr/>
+                    <a:lstStyle/>
+                    <a:p>
+                      <a:pPr>
+                        <a:buNone/>
+                      </a:pPr>
+                      <a:r>
+                        <a:rPr lang="es-ES" sz="1100"/>
+                        <a:t>Framework principal para la lógica de negocio, sesiones y seguridad por roles.</a:t>
+                      </a:r>
+                    </a:p>
+                  </a:txBody>
+                  <a:tcPr marL="58018" marR="58018" marT="29009" marB="29009" anchor="ctr">
+                    <a:lnL>
+                      <a:noFill/>
+                    </a:lnL>
+                    <a:lnR>
+                      <a:noFill/>
+                    </a:lnR>
+                    <a:lnT>
+                      <a:noFill/>
+                    </a:lnT>
+                    <a:lnB>
+                      <a:noFill/>
+                    </a:lnB>
+                    <a:noFill/>
+                  </a:tcPr>
+                </a:tc>
+                <a:extLst>
+                  <a:ext uri="{0D108BD9-81ED-4DB2-BD59-A6C34878D82A}">
+                    <a16:rowId xmlns:a16="http://schemas.microsoft.com/office/drawing/2014/main" val="1187534678"/>
+                  </a:ext>
+                </a:extLst>
+              </a:tr>
+              <a:tr h="580178">
+                <a:tc>
+                  <a:txBody>
+                    <a:bodyPr/>
+                    <a:lstStyle/>
+                    <a:p>
+                      <a:pPr>
+                        <a:buNone/>
+                      </a:pPr>
+                      <a:endParaRPr lang="es-CL" sz="1100"/>
+                    </a:p>
+                  </a:txBody>
+                  <a:tcPr marL="58018" marR="58018" marT="29009" marB="29009" anchor="ctr">
+                    <a:lnL>
+                      <a:noFill/>
+                    </a:lnL>
+                    <a:lnR>
+                      <a:noFill/>
+                    </a:lnR>
+                    <a:lnT>
+                      <a:noFill/>
+                    </a:lnT>
+                    <a:lnB>
+                      <a:noFill/>
+                    </a:lnB>
+                    <a:noFill/>
+                  </a:tcPr>
+                </a:tc>
+                <a:tc>
+                  <a:txBody>
+                    <a:bodyPr/>
+                    <a:lstStyle/>
+                    <a:p>
+                      <a:pPr>
+                        <a:buNone/>
+                      </a:pPr>
+                      <a:r>
+                        <a:rPr lang="es-CL" sz="1100"/>
+                        <a:t>C#</a:t>
+                      </a:r>
+                    </a:p>
+                  </a:txBody>
+                  <a:tcPr marL="58018" marR="58018" marT="29009" marB="29009" anchor="ctr">
+                    <a:lnL>
+                      <a:noFill/>
+                    </a:lnL>
+                    <a:lnR>
+                      <a:noFill/>
+                    </a:lnR>
+                    <a:lnT>
+                      <a:noFill/>
+                    </a:lnT>
+                    <a:lnB>
+                      <a:noFill/>
+                    </a:lnB>
+                    <a:noFill/>
+                  </a:tcPr>
+                </a:tc>
+                <a:tc>
+                  <a:txBody>
+                    <a:bodyPr/>
+                    <a:lstStyle/>
+                    <a:p>
+                      <a:pPr>
+                        <a:buNone/>
+                      </a:pPr>
+                      <a:r>
+                        <a:rPr lang="es-ES" sz="1100"/>
+                        <a:t>Lenguaje de programación para servicios, validaciones y modelos de dominio.</a:t>
+                      </a:r>
+                    </a:p>
+                  </a:txBody>
+                  <a:tcPr marL="58018" marR="58018" marT="29009" marB="29009" anchor="ctr">
+                    <a:lnL>
+                      <a:noFill/>
+                    </a:lnL>
+                    <a:lnR>
+                      <a:noFill/>
+                    </a:lnR>
+                    <a:lnT>
+                      <a:noFill/>
+                    </a:lnT>
+                    <a:lnB>
+                      <a:noFill/>
+                    </a:lnB>
+                    <a:noFill/>
+                  </a:tcPr>
+                </a:tc>
+                <a:extLst>
+                  <a:ext uri="{0D108BD9-81ED-4DB2-BD59-A6C34878D82A}">
+                    <a16:rowId xmlns:a16="http://schemas.microsoft.com/office/drawing/2014/main" val="2758812518"/>
+                  </a:ext>
+                </a:extLst>
+              </a:tr>
+              <a:tr h="580178">
+                <a:tc>
+                  <a:txBody>
+                    <a:bodyPr/>
+                    <a:lstStyle/>
+                    <a:p>
+                      <a:pPr>
+                        <a:buNone/>
+                      </a:pPr>
+                      <a:r>
+                        <a:rPr lang="es-ES" sz="1100" b="1"/>
+                        <a:t>Base de Datos y Acceso a Datos</a:t>
+                      </a:r>
+                      <a:endParaRPr lang="es-ES" sz="1100"/>
+                    </a:p>
+                  </a:txBody>
+                  <a:tcPr marL="58018" marR="58018" marT="29009" marB="29009" anchor="ctr">
+                    <a:lnL>
+                      <a:noFill/>
+                    </a:lnL>
+                    <a:lnR>
+                      <a:noFill/>
+                    </a:lnR>
+                    <a:lnT>
+                      <a:noFill/>
+                    </a:lnT>
+                    <a:lnB>
+                      <a:noFill/>
+                    </a:lnB>
+                    <a:noFill/>
+                  </a:tcPr>
+                </a:tc>
+                <a:tc>
+                  <a:txBody>
+                    <a:bodyPr/>
+                    <a:lstStyle/>
+                    <a:p>
+                      <a:pPr>
+                        <a:buNone/>
+                      </a:pPr>
+                      <a:r>
+                        <a:rPr lang="es-CL" sz="1100" dirty="0"/>
+                        <a:t>SQL Server 2019/2022</a:t>
+                      </a:r>
+                    </a:p>
+                  </a:txBody>
+                  <a:tcPr marL="58018" marR="58018" marT="29009" marB="29009" anchor="ctr">
+                    <a:lnL>
+                      <a:noFill/>
+                    </a:lnL>
+                    <a:lnR>
+                      <a:noFill/>
+                    </a:lnR>
+                    <a:lnT>
+                      <a:noFill/>
+                    </a:lnT>
+                    <a:lnB>
+                      <a:noFill/>
+                    </a:lnB>
+                    <a:noFill/>
+                  </a:tcPr>
+                </a:tc>
+                <a:tc>
+                  <a:txBody>
+                    <a:bodyPr/>
+                    <a:lstStyle/>
+                    <a:p>
+                      <a:pPr>
+                        <a:buNone/>
+                      </a:pPr>
+                      <a:r>
+                        <a:rPr lang="es-CL" sz="1100"/>
+                        <a:t>Motor de base de datos relacional para usuarios, reservas, solicitudes, etc.</a:t>
+                      </a:r>
+                    </a:p>
+                  </a:txBody>
+                  <a:tcPr marL="58018" marR="58018" marT="29009" marB="29009" anchor="ctr">
+                    <a:lnL>
+                      <a:noFill/>
+                    </a:lnL>
+                    <a:lnR>
+                      <a:noFill/>
+                    </a:lnR>
+                    <a:lnT>
+                      <a:noFill/>
+                    </a:lnT>
+                    <a:lnB>
+                      <a:noFill/>
+                    </a:lnB>
+                    <a:noFill/>
+                  </a:tcPr>
+                </a:tc>
+                <a:extLst>
+                  <a:ext uri="{0D108BD9-81ED-4DB2-BD59-A6C34878D82A}">
+                    <a16:rowId xmlns:a16="http://schemas.microsoft.com/office/drawing/2014/main" val="3606416694"/>
+                  </a:ext>
+                </a:extLst>
+              </a:tr>
+              <a:tr h="406125">
+                <a:tc>
+                  <a:txBody>
+                    <a:bodyPr/>
+                    <a:lstStyle/>
+                    <a:p>
+                      <a:pPr>
+                        <a:buNone/>
+                      </a:pPr>
+                      <a:endParaRPr lang="es-CL" sz="1100" dirty="0"/>
+                    </a:p>
+                  </a:txBody>
+                  <a:tcPr marL="58018" marR="58018" marT="29009" marB="29009" anchor="ctr">
+                    <a:lnL>
+                      <a:noFill/>
+                    </a:lnL>
+                    <a:lnR>
+                      <a:noFill/>
+                    </a:lnR>
+                    <a:lnT>
+                      <a:noFill/>
+                    </a:lnT>
+                    <a:lnB>
+                      <a:noFill/>
+                    </a:lnB>
+                    <a:noFill/>
+                  </a:tcPr>
+                </a:tc>
+                <a:tc>
+                  <a:txBody>
+                    <a:bodyPr/>
+                    <a:lstStyle/>
+                    <a:p>
+                      <a:pPr>
+                        <a:buNone/>
+                      </a:pPr>
+                      <a:r>
+                        <a:rPr lang="es-CL" sz="1100" dirty="0" err="1"/>
+                        <a:t>Entity</a:t>
+                      </a:r>
+                      <a:r>
+                        <a:rPr lang="es-CL" sz="1100" dirty="0"/>
+                        <a:t> Framework Core 8</a:t>
+                      </a:r>
+                    </a:p>
+                  </a:txBody>
+                  <a:tcPr marL="58018" marR="58018" marT="29009" marB="29009" anchor="ctr">
+                    <a:lnL>
+                      <a:noFill/>
+                    </a:lnL>
+                    <a:lnR>
+                      <a:noFill/>
+                    </a:lnR>
+                    <a:lnT>
+                      <a:noFill/>
+                    </a:lnT>
+                    <a:lnB>
+                      <a:noFill/>
+                    </a:lnB>
+                    <a:noFill/>
+                  </a:tcPr>
+                </a:tc>
+                <a:tc>
+                  <a:txBody>
+                    <a:bodyPr/>
+                    <a:lstStyle/>
+                    <a:p>
+                      <a:pPr>
+                        <a:buNone/>
+                      </a:pPr>
+                      <a:r>
+                        <a:rPr lang="es-ES" sz="1100"/>
+                        <a:t>ORM para mapear clases a tablas y gestionar consultas y migraciones.</a:t>
+                      </a:r>
+                    </a:p>
+                  </a:txBody>
+                  <a:tcPr marL="58018" marR="58018" marT="29009" marB="29009" anchor="ctr">
+                    <a:lnL>
+                      <a:noFill/>
+                    </a:lnL>
+                    <a:lnR>
+                      <a:noFill/>
+                    </a:lnR>
+                    <a:lnT>
+                      <a:noFill/>
+                    </a:lnT>
+                    <a:lnB>
+                      <a:noFill/>
+                    </a:lnB>
+                    <a:noFill/>
+                  </a:tcPr>
+                </a:tc>
+                <a:extLst>
+                  <a:ext uri="{0D108BD9-81ED-4DB2-BD59-A6C34878D82A}">
+                    <a16:rowId xmlns:a16="http://schemas.microsoft.com/office/drawing/2014/main" val="1495252894"/>
+                  </a:ext>
+                </a:extLst>
+              </a:tr>
+              <a:tr h="406125">
+                <a:tc>
+                  <a:txBody>
+                    <a:bodyPr/>
+                    <a:lstStyle/>
+                    <a:p>
+                      <a:pPr>
+                        <a:buNone/>
+                      </a:pPr>
+                      <a:r>
+                        <a:rPr lang="es-CL" sz="1100" b="1"/>
+                        <a:t>Frontend / Interfaz de Usuario</a:t>
+                      </a:r>
+                      <a:endParaRPr lang="es-CL" sz="1100"/>
+                    </a:p>
+                  </a:txBody>
+                  <a:tcPr marL="58018" marR="58018" marT="29009" marB="29009" anchor="ctr">
+                    <a:lnL>
+                      <a:noFill/>
+                    </a:lnL>
+                    <a:lnR>
+                      <a:noFill/>
+                    </a:lnR>
+                    <a:lnT>
+                      <a:noFill/>
+                    </a:lnT>
+                    <a:lnB>
+                      <a:noFill/>
+                    </a:lnB>
+                    <a:noFill/>
+                  </a:tcPr>
+                </a:tc>
+                <a:tc>
+                  <a:txBody>
+                    <a:bodyPr/>
+                    <a:lstStyle/>
+                    <a:p>
+                      <a:pPr>
+                        <a:buNone/>
+                      </a:pPr>
+                      <a:r>
+                        <a:rPr lang="es-CL" sz="1100"/>
+                        <a:t>Razor Pages + HTML5 + CSS3</a:t>
+                      </a:r>
+                    </a:p>
+                  </a:txBody>
+                  <a:tcPr marL="58018" marR="58018" marT="29009" marB="29009" anchor="ctr">
+                    <a:lnL>
+                      <a:noFill/>
+                    </a:lnL>
+                    <a:lnR>
+                      <a:noFill/>
+                    </a:lnR>
+                    <a:lnT>
+                      <a:noFill/>
+                    </a:lnT>
+                    <a:lnB>
+                      <a:noFill/>
+                    </a:lnB>
+                    <a:noFill/>
+                  </a:tcPr>
+                </a:tc>
+                <a:tc>
+                  <a:txBody>
+                    <a:bodyPr/>
+                    <a:lstStyle/>
+                    <a:p>
+                      <a:pPr>
+                        <a:buNone/>
+                      </a:pPr>
+                      <a:r>
+                        <a:rPr lang="es-ES" sz="1100"/>
+                        <a:t>Construcción de vistas web limpias y mantenibles.</a:t>
+                      </a:r>
+                    </a:p>
+                  </a:txBody>
+                  <a:tcPr marL="58018" marR="58018" marT="29009" marB="29009" anchor="ctr">
+                    <a:lnL>
+                      <a:noFill/>
+                    </a:lnL>
+                    <a:lnR>
+                      <a:noFill/>
+                    </a:lnR>
+                    <a:lnT>
+                      <a:noFill/>
+                    </a:lnT>
+                    <a:lnB>
+                      <a:noFill/>
+                    </a:lnB>
+                    <a:noFill/>
+                  </a:tcPr>
+                </a:tc>
+                <a:extLst>
+                  <a:ext uri="{0D108BD9-81ED-4DB2-BD59-A6C34878D82A}">
+                    <a16:rowId xmlns:a16="http://schemas.microsoft.com/office/drawing/2014/main" val="3013807111"/>
+                  </a:ext>
+                </a:extLst>
+              </a:tr>
+              <a:tr h="580178">
+                <a:tc>
+                  <a:txBody>
+                    <a:bodyPr/>
+                    <a:lstStyle/>
+                    <a:p>
+                      <a:pPr>
+                        <a:buNone/>
+                      </a:pPr>
+                      <a:endParaRPr lang="es-CL" sz="1100"/>
+                    </a:p>
+                  </a:txBody>
+                  <a:tcPr marL="58018" marR="58018" marT="29009" marB="29009" anchor="ctr">
+                    <a:lnL>
+                      <a:noFill/>
+                    </a:lnL>
+                    <a:lnR>
+                      <a:noFill/>
+                    </a:lnR>
+                    <a:lnT>
+                      <a:noFill/>
+                    </a:lnT>
+                    <a:lnB>
+                      <a:noFill/>
+                    </a:lnB>
+                    <a:noFill/>
+                  </a:tcPr>
+                </a:tc>
+                <a:tc>
+                  <a:txBody>
+                    <a:bodyPr/>
+                    <a:lstStyle/>
+                    <a:p>
+                      <a:pPr>
+                        <a:buNone/>
+                      </a:pPr>
+                      <a:r>
+                        <a:rPr lang="es-CL" sz="1100"/>
+                        <a:t>Bootstrap 5 + Bootstrap Icons</a:t>
+                      </a:r>
+                    </a:p>
+                  </a:txBody>
+                  <a:tcPr marL="58018" marR="58018" marT="29009" marB="29009" anchor="ctr">
+                    <a:lnL>
+                      <a:noFill/>
+                    </a:lnL>
+                    <a:lnR>
+                      <a:noFill/>
+                    </a:lnR>
+                    <a:lnT>
+                      <a:noFill/>
+                    </a:lnT>
+                    <a:lnB>
+                      <a:noFill/>
+                    </a:lnB>
+                    <a:noFill/>
+                  </a:tcPr>
+                </a:tc>
+                <a:tc>
+                  <a:txBody>
+                    <a:bodyPr/>
+                    <a:lstStyle/>
+                    <a:p>
+                      <a:pPr>
+                        <a:buNone/>
+                      </a:pPr>
+                      <a:r>
+                        <a:rPr lang="es-CL" sz="1100"/>
+                        <a:t>Estilos responsive e iconos para una interfaz moderna y consistente.</a:t>
+                      </a:r>
+                    </a:p>
+                  </a:txBody>
+                  <a:tcPr marL="58018" marR="58018" marT="29009" marB="29009" anchor="ctr">
+                    <a:lnL>
+                      <a:noFill/>
+                    </a:lnL>
+                    <a:lnR>
+                      <a:noFill/>
+                    </a:lnR>
+                    <a:lnT>
+                      <a:noFill/>
+                    </a:lnT>
+                    <a:lnB>
+                      <a:noFill/>
+                    </a:lnB>
+                    <a:noFill/>
+                  </a:tcPr>
+                </a:tc>
+                <a:extLst>
+                  <a:ext uri="{0D108BD9-81ED-4DB2-BD59-A6C34878D82A}">
+                    <a16:rowId xmlns:a16="http://schemas.microsoft.com/office/drawing/2014/main" val="3328561636"/>
+                  </a:ext>
+                </a:extLst>
+              </a:tr>
+              <a:tr h="406125">
+                <a:tc>
+                  <a:txBody>
+                    <a:bodyPr/>
+                    <a:lstStyle/>
+                    <a:p>
+                      <a:pPr>
+                        <a:buNone/>
+                      </a:pPr>
+                      <a:r>
+                        <a:rPr lang="es-CL" sz="1100" b="1"/>
+                        <a:t>Herramientas de Desarrollo</a:t>
+                      </a:r>
+                      <a:endParaRPr lang="es-CL" sz="1100"/>
+                    </a:p>
+                  </a:txBody>
+                  <a:tcPr marL="58018" marR="58018" marT="29009" marB="29009" anchor="ctr">
+                    <a:lnL>
+                      <a:noFill/>
+                    </a:lnL>
+                    <a:lnR>
+                      <a:noFill/>
+                    </a:lnR>
+                    <a:lnT>
+                      <a:noFill/>
+                    </a:lnT>
+                    <a:lnB>
+                      <a:noFill/>
+                    </a:lnB>
+                    <a:noFill/>
+                  </a:tcPr>
+                </a:tc>
+                <a:tc>
+                  <a:txBody>
+                    <a:bodyPr/>
+                    <a:lstStyle/>
+                    <a:p>
+                      <a:pPr>
+                        <a:buNone/>
+                      </a:pPr>
+                      <a:r>
+                        <a:rPr lang="es-CL" sz="1100"/>
+                        <a:t>Visual Studio 2022</a:t>
+                      </a:r>
+                    </a:p>
+                  </a:txBody>
+                  <a:tcPr marL="58018" marR="58018" marT="29009" marB="29009" anchor="ctr">
+                    <a:lnL>
+                      <a:noFill/>
+                    </a:lnL>
+                    <a:lnR>
+                      <a:noFill/>
+                    </a:lnR>
+                    <a:lnT>
+                      <a:noFill/>
+                    </a:lnT>
+                    <a:lnB>
+                      <a:noFill/>
+                    </a:lnB>
+                    <a:noFill/>
+                  </a:tcPr>
+                </a:tc>
+                <a:tc>
+                  <a:txBody>
+                    <a:bodyPr/>
+                    <a:lstStyle/>
+                    <a:p>
+                      <a:pPr>
+                        <a:buNone/>
+                      </a:pPr>
+                      <a:r>
+                        <a:rPr lang="es-ES" sz="1100"/>
+                        <a:t>IDE principal para desarrollo, pruebas y depuración del proyecto.</a:t>
+                      </a:r>
+                    </a:p>
+                  </a:txBody>
+                  <a:tcPr marL="58018" marR="58018" marT="29009" marB="29009" anchor="ctr">
+                    <a:lnL>
+                      <a:noFill/>
+                    </a:lnL>
+                    <a:lnR>
+                      <a:noFill/>
+                    </a:lnR>
+                    <a:lnT>
+                      <a:noFill/>
+                    </a:lnT>
+                    <a:lnB>
+                      <a:noFill/>
+                    </a:lnB>
+                    <a:noFill/>
+                  </a:tcPr>
+                </a:tc>
+                <a:extLst>
+                  <a:ext uri="{0D108BD9-81ED-4DB2-BD59-A6C34878D82A}">
+                    <a16:rowId xmlns:a16="http://schemas.microsoft.com/office/drawing/2014/main" val="2462586559"/>
+                  </a:ext>
+                </a:extLst>
+              </a:tr>
+              <a:tr h="580178">
+                <a:tc>
+                  <a:txBody>
+                    <a:bodyPr/>
+                    <a:lstStyle/>
+                    <a:p>
+                      <a:pPr>
+                        <a:buNone/>
+                      </a:pPr>
+                      <a:r>
+                        <a:rPr lang="es-CL" sz="1100" b="1"/>
+                        <a:t>Gestión de Código</a:t>
+                      </a:r>
+                      <a:endParaRPr lang="es-CL" sz="1100"/>
+                    </a:p>
+                  </a:txBody>
+                  <a:tcPr marL="58018" marR="58018" marT="29009" marB="29009" anchor="ctr">
+                    <a:lnL>
+                      <a:noFill/>
+                    </a:lnL>
+                    <a:lnR>
+                      <a:noFill/>
+                    </a:lnR>
+                    <a:lnT>
+                      <a:noFill/>
+                    </a:lnT>
+                    <a:lnB>
+                      <a:noFill/>
+                    </a:lnB>
+                    <a:noFill/>
+                  </a:tcPr>
+                </a:tc>
+                <a:tc>
+                  <a:txBody>
+                    <a:bodyPr/>
+                    <a:lstStyle/>
+                    <a:p>
+                      <a:pPr>
+                        <a:buNone/>
+                      </a:pPr>
+                      <a:r>
+                        <a:rPr lang="es-CL" sz="1100"/>
+                        <a:t>Git + GitHub</a:t>
+                      </a:r>
+                    </a:p>
+                  </a:txBody>
+                  <a:tcPr marL="58018" marR="58018" marT="29009" marB="29009" anchor="ctr">
+                    <a:lnL>
+                      <a:noFill/>
+                    </a:lnL>
+                    <a:lnR>
+                      <a:noFill/>
+                    </a:lnR>
+                    <a:lnT>
+                      <a:noFill/>
+                    </a:lnT>
+                    <a:lnB>
+                      <a:noFill/>
+                    </a:lnB>
+                    <a:noFill/>
+                  </a:tcPr>
+                </a:tc>
+                <a:tc>
+                  <a:txBody>
+                    <a:bodyPr/>
+                    <a:lstStyle/>
+                    <a:p>
+                      <a:pPr>
+                        <a:buNone/>
+                      </a:pPr>
+                      <a:r>
+                        <a:rPr lang="es-ES" sz="1100" dirty="0"/>
+                        <a:t>Control de versiones y trabajo colaborativo con trazabilidad de cambios.</a:t>
+                      </a:r>
+                    </a:p>
+                  </a:txBody>
+                  <a:tcPr marL="58018" marR="58018" marT="29009" marB="29009" anchor="ctr">
+                    <a:lnL>
+                      <a:noFill/>
+                    </a:lnL>
+                    <a:lnR>
+                      <a:noFill/>
+                    </a:lnR>
+                    <a:lnT>
+                      <a:noFill/>
+                    </a:lnT>
+                    <a:lnB>
+                      <a:noFill/>
+                    </a:lnB>
+                    <a:noFill/>
+                  </a:tcPr>
+                </a:tc>
+                <a:extLst>
+                  <a:ext uri="{0D108BD9-81ED-4DB2-BD59-A6C34878D82A}">
+                    <a16:rowId xmlns:a16="http://schemas.microsoft.com/office/drawing/2014/main" val="2950355659"/>
+                  </a:ext>
+                </a:extLst>
+              </a:tr>
+            </a:tbl>
+          </a:graphicData>
+        </a:graphic>
+      </p:graphicFrame>
     </p:spTree>
     <p:extLst>
       <p:ext uri="{BB962C8B-B14F-4D97-AF65-F5344CB8AC3E}">
-        <p14:creationId xmlns:p14="http://schemas.microsoft.com/office/powerpoint/2010/main" val="4071933174"/>
+        <p14:creationId xmlns:p14="http://schemas.microsoft.com/office/powerpoint/2010/main" val="3484348685"/>
       </p:ext>
     </p:extLst>
   </p:cSld>
@@ -6884,133 +4533,55 @@
         </p:nvSpPr>
         <p:spPr>
           <a:xfrm>
-            <a:off x="838200" y="974938"/>
-            <a:ext cx="10515600" cy="672434"/>
+            <a:off x="753794" y="702749"/>
+            <a:ext cx="10515600" cy="1325563"/>
           </a:xfrm>
         </p:spPr>
         <p:txBody>
-          <a:bodyPr>
-            <a:normAutofit fontScale="90000"/>
-          </a:bodyPr>
+          <a:bodyPr/>
           <a:lstStyle/>
           <a:p>
             <a:r>
               <a:rPr lang="es-CL" dirty="0"/>
-              <a:t>Reflexión Final</a:t>
-            </a:r>
-          </a:p>
-        </p:txBody>
-      </p:sp>
-      <p:sp>
-        <p:nvSpPr>
-          <p:cNvPr id="2" name="Rectángulo 1"/>
-          <p:cNvSpPr/>
+              <a:t>Planificación</a:t>
+            </a:r>
+          </a:p>
+        </p:txBody>
+      </p:sp>
+      <p:pic>
+        <p:nvPicPr>
+          <p:cNvPr id="2" name="Imagen 1">
+            <a:extLst>
+              <a:ext uri="{FF2B5EF4-FFF2-40B4-BE49-F238E27FC236}">
+                <a16:creationId xmlns:a16="http://schemas.microsoft.com/office/drawing/2014/main" id="{2C56A52D-A1DC-D31F-C8B9-2E9C993437BB}"/>
+              </a:ext>
+            </a:extLst>
+          </p:cNvPr>
+          <p:cNvPicPr>
+            <a:picLocks noChangeAspect="1"/>
+          </p:cNvPicPr>
           <p:nvPr/>
-        </p:nvSpPr>
+        </p:nvPicPr>
+        <p:blipFill>
+          <a:blip r:embed="rId2"/>
+          <a:stretch>
+            <a:fillRect/>
+          </a:stretch>
+        </p:blipFill>
         <p:spPr>
           <a:xfrm>
-            <a:off x="903515" y="1647372"/>
-            <a:ext cx="9670961" cy="3338735"/>
+            <a:off x="1447578" y="1658015"/>
+            <a:ext cx="8045127" cy="5093660"/>
           </a:xfrm>
           <a:prstGeom prst="rect">
             <a:avLst/>
           </a:prstGeom>
         </p:spPr>
-        <p:txBody>
-          <a:bodyPr wrap="square">
-            <a:spAutoFit/>
-          </a:bodyPr>
-          <a:lstStyle/>
-          <a:p>
-            <a:pPr>
-              <a:lnSpc>
-                <a:spcPct val="200000"/>
-              </a:lnSpc>
-            </a:pPr>
-            <a:r>
-              <a:rPr lang="es-CL" b="1" dirty="0"/>
-              <a:t>Lecciones Aprendidas y Obstáculos presentados con la Experiencia.</a:t>
-            </a:r>
-          </a:p>
-          <a:p>
-            <a:pPr marL="342900" indent="-342900">
-              <a:lnSpc>
-                <a:spcPct val="200000"/>
-              </a:lnSpc>
-              <a:buFont typeface="+mj-lt"/>
-              <a:buAutoNum type="alphaLcParenR"/>
-            </a:pPr>
-            <a:r>
-              <a:rPr lang="es-CL" dirty="0"/>
-              <a:t>¿Cuáles fueron los principales obstáculos que se vivieron como equipo?</a:t>
-            </a:r>
-          </a:p>
-          <a:p>
-            <a:pPr marL="342900" indent="-342900">
-              <a:lnSpc>
-                <a:spcPct val="200000"/>
-              </a:lnSpc>
-              <a:buFont typeface="+mj-lt"/>
-              <a:buAutoNum type="alphaLcParenR"/>
-            </a:pPr>
-            <a:r>
-              <a:rPr lang="es-CL" dirty="0"/>
-              <a:t>¿Cómo los evitaría para un próximo proyecto?</a:t>
-            </a:r>
-          </a:p>
-          <a:p>
-            <a:pPr marL="342900" indent="-342900">
-              <a:lnSpc>
-                <a:spcPct val="200000"/>
-              </a:lnSpc>
-              <a:buFont typeface="+mj-lt"/>
-              <a:buAutoNum type="alphaLcParenR"/>
-            </a:pPr>
-            <a:r>
-              <a:rPr lang="es-CL" dirty="0"/>
-              <a:t>¿Cuáles fueron los casos más complejos en desarrollar?</a:t>
-            </a:r>
-          </a:p>
-          <a:p>
-            <a:pPr marL="342900" indent="-342900">
-              <a:lnSpc>
-                <a:spcPct val="200000"/>
-              </a:lnSpc>
-              <a:buFont typeface="+mj-lt"/>
-              <a:buAutoNum type="alphaLcParenR"/>
-            </a:pPr>
-            <a:r>
-              <a:rPr lang="es-CL" dirty="0"/>
-              <a:t>¿Perciben un crecimiento en su capacidad para desarrollar proyectos informáticos reales?</a:t>
-            </a:r>
-          </a:p>
-          <a:p>
-            <a:pPr marL="342900" indent="-342900">
-              <a:lnSpc>
-                <a:spcPct val="200000"/>
-              </a:lnSpc>
-              <a:buFont typeface="+mj-lt"/>
-              <a:buAutoNum type="alphaLcParenR"/>
-            </a:pPr>
-            <a:r>
-              <a:rPr lang="es-CL" dirty="0"/>
-              <a:t>¿Cuáles fueron los principales </a:t>
-            </a:r>
-            <a:r>
-              <a:rPr lang="es-CL" dirty="0" err="1"/>
-              <a:t>auto-aprendizajes</a:t>
-            </a:r>
-            <a:r>
-              <a:rPr lang="es-CL" dirty="0"/>
-              <a:t> que han logrado en el proceso?</a:t>
-            </a:r>
-          </a:p>
-        </p:txBody>
-      </p:sp>
+      </p:pic>
     </p:spTree>
     <p:extLst>
       <p:ext uri="{BB962C8B-B14F-4D97-AF65-F5344CB8AC3E}">
-        <p14:creationId xmlns:p14="http://schemas.microsoft.com/office/powerpoint/2010/main" val="466460528"/>
+        <p14:creationId xmlns:p14="http://schemas.microsoft.com/office/powerpoint/2010/main" val="3702887600"/>
       </p:ext>
     </p:extLst>
   </p:cSld>
@@ -7049,19 +4620,48 @@
         </p:nvSpPr>
         <p:spPr>
           <a:xfrm>
-            <a:off x="838200" y="974938"/>
-            <a:ext cx="10515600" cy="672434"/>
+            <a:off x="671244" y="827315"/>
+            <a:ext cx="10515600" cy="863600"/>
           </a:xfrm>
         </p:spPr>
         <p:txBody>
           <a:bodyPr>
-            <a:normAutofit fontScale="90000"/>
+            <a:normAutofit/>
           </a:bodyPr>
           <a:lstStyle/>
           <a:p>
             <a:r>
+              <a:rPr lang="es-CL" sz="3600" dirty="0"/>
+              <a:t>Plan de Pruebas Desarrollo</a:t>
+            </a:r>
+          </a:p>
+        </p:txBody>
+      </p:sp>
+      <p:sp>
+        <p:nvSpPr>
+          <p:cNvPr id="5" name="CuadroTexto 4"/>
+          <p:cNvSpPr txBox="1"/>
+          <p:nvPr/>
+        </p:nvSpPr>
+        <p:spPr>
+          <a:xfrm>
+            <a:off x="671244" y="1690915"/>
+            <a:ext cx="9769063" cy="369332"/>
+          </a:xfrm>
+          <a:prstGeom prst="rect">
+            <a:avLst/>
+          </a:prstGeom>
+          <a:noFill/>
+        </p:spPr>
+        <p:txBody>
+          <a:bodyPr wrap="square" rtlCol="0">
+            <a:spAutoFit/>
+          </a:bodyPr>
+          <a:lstStyle/>
+          <a:p>
+            <a:r>
               <a:rPr lang="es-CL" dirty="0"/>
-              <a:t>Responder las Preguntas del Proyecto</a:t>
+              <a:t>Especificación de las Pruebas aplicadas al Sistema y Resultados Obtenidos </a:t>
             </a:r>
           </a:p>
         </p:txBody>
@@ -7069,7 +4669,482 @@
     </p:spTree>
     <p:extLst>
       <p:ext uri="{BB962C8B-B14F-4D97-AF65-F5344CB8AC3E}">
-        <p14:creationId xmlns:p14="http://schemas.microsoft.com/office/powerpoint/2010/main" val="4113255563"/>
+        <p14:creationId xmlns:p14="http://schemas.microsoft.com/office/powerpoint/2010/main" val="519954648"/>
+      </p:ext>
+    </p:extLst>
+  </p:cSld>
+  <p:clrMapOvr>
+    <a:masterClrMapping/>
+  </p:clrMapOvr>
+</p:sld>
+</file>
+
+<file path=ppt/slides/slide16.xml><?xml version="1.0" encoding="utf-8"?>
+<p:sld xmlns:a="http://schemas.openxmlformats.org/drawingml/2006/main" xmlns:r="http://schemas.openxmlformats.org/officeDocument/2006/relationships" xmlns:p="http://schemas.openxmlformats.org/presentationml/2006/main">
+  <p:cSld>
+    <p:spTree>
+      <p:nvGrpSpPr>
+        <p:cNvPr id="1" name=""/>
+        <p:cNvGrpSpPr/>
+        <p:nvPr/>
+      </p:nvGrpSpPr>
+      <p:grpSpPr>
+        <a:xfrm>
+          <a:off x="0" y="0"/>
+          <a:ext cx="0" cy="0"/>
+          <a:chOff x="0" y="0"/>
+          <a:chExt cx="0" cy="0"/>
+        </a:xfrm>
+      </p:grpSpPr>
+      <p:sp>
+        <p:nvSpPr>
+          <p:cNvPr id="2" name="Título 1">
+            <a:extLst>
+              <a:ext uri="{FF2B5EF4-FFF2-40B4-BE49-F238E27FC236}">
+                <a16:creationId xmlns:a16="http://schemas.microsoft.com/office/drawing/2014/main" id="{DB52A6A9-7085-8ACE-7F82-FF2B98DA2878}"/>
+              </a:ext>
+            </a:extLst>
+          </p:cNvPr>
+          <p:cNvSpPr>
+            <a:spLocks noGrp="1"/>
+          </p:cNvSpPr>
+          <p:nvPr>
+            <p:ph type="title"/>
+          </p:nvPr>
+        </p:nvSpPr>
+        <p:spPr/>
+        <p:txBody>
+          <a:bodyPr/>
+          <a:lstStyle/>
+          <a:p>
+            <a:r>
+              <a:rPr lang="es-ES" dirty="0"/>
+              <a:t>VISTA DE PROCESO</a:t>
+            </a:r>
+            <a:endParaRPr lang="es-CL" dirty="0"/>
+          </a:p>
+        </p:txBody>
+      </p:sp>
+      <p:pic>
+        <p:nvPicPr>
+          <p:cNvPr id="3" name="Imagen 2">
+            <a:extLst>
+              <a:ext uri="{FF2B5EF4-FFF2-40B4-BE49-F238E27FC236}">
+                <a16:creationId xmlns:a16="http://schemas.microsoft.com/office/drawing/2014/main" id="{41692DDE-C93F-74A2-96A7-0C014B6E1CF2}"/>
+              </a:ext>
+            </a:extLst>
+          </p:cNvPr>
+          <p:cNvPicPr>
+            <a:picLocks noChangeAspect="1"/>
+          </p:cNvPicPr>
+          <p:nvPr/>
+        </p:nvPicPr>
+        <p:blipFill>
+          <a:blip r:embed="rId2"/>
+          <a:stretch>
+            <a:fillRect/>
+          </a:stretch>
+        </p:blipFill>
+        <p:spPr>
+          <a:xfrm>
+            <a:off x="703814" y="1570383"/>
+            <a:ext cx="3944386" cy="4114800"/>
+          </a:xfrm>
+          <a:prstGeom prst="rect">
+            <a:avLst/>
+          </a:prstGeom>
+        </p:spPr>
+      </p:pic>
+      <p:pic>
+        <p:nvPicPr>
+          <p:cNvPr id="4" name="Imagen 3" descr="Tabla&#10;&#10;El contenido generado por IA puede ser incorrecto.">
+            <a:extLst>
+              <a:ext uri="{FF2B5EF4-FFF2-40B4-BE49-F238E27FC236}">
+                <a16:creationId xmlns:a16="http://schemas.microsoft.com/office/drawing/2014/main" id="{1F1A7D3E-836D-FD2E-3BF9-C52D1455000A}"/>
+              </a:ext>
+            </a:extLst>
+          </p:cNvPr>
+          <p:cNvPicPr>
+            <a:picLocks noChangeAspect="1"/>
+          </p:cNvPicPr>
+          <p:nvPr/>
+        </p:nvPicPr>
+        <p:blipFill>
+          <a:blip r:embed="rId3"/>
+          <a:stretch>
+            <a:fillRect/>
+          </a:stretch>
+        </p:blipFill>
+        <p:spPr>
+          <a:xfrm>
+            <a:off x="6268891" y="1489982"/>
+            <a:ext cx="3464217" cy="4095750"/>
+          </a:xfrm>
+          <a:prstGeom prst="rect">
+            <a:avLst/>
+          </a:prstGeom>
+        </p:spPr>
+      </p:pic>
+    </p:spTree>
+    <p:extLst>
+      <p:ext uri="{BB962C8B-B14F-4D97-AF65-F5344CB8AC3E}">
+        <p14:creationId xmlns:p14="http://schemas.microsoft.com/office/powerpoint/2010/main" val="4058356301"/>
+      </p:ext>
+    </p:extLst>
+  </p:cSld>
+  <p:clrMapOvr>
+    <a:masterClrMapping/>
+  </p:clrMapOvr>
+</p:sld>
+</file>
+
+<file path=ppt/slides/slide17.xml><?xml version="1.0" encoding="utf-8"?>
+<p:sld xmlns:a="http://schemas.openxmlformats.org/drawingml/2006/main" xmlns:r="http://schemas.openxmlformats.org/officeDocument/2006/relationships" xmlns:p="http://schemas.openxmlformats.org/presentationml/2006/main">
+  <p:cSld>
+    <p:spTree>
+      <p:nvGrpSpPr>
+        <p:cNvPr id="1" name=""/>
+        <p:cNvGrpSpPr/>
+        <p:nvPr/>
+      </p:nvGrpSpPr>
+      <p:grpSpPr>
+        <a:xfrm>
+          <a:off x="0" y="0"/>
+          <a:ext cx="0" cy="0"/>
+          <a:chOff x="0" y="0"/>
+          <a:chExt cx="0" cy="0"/>
+        </a:xfrm>
+      </p:grpSpPr>
+      <p:sp>
+        <p:nvSpPr>
+          <p:cNvPr id="2" name="Título 1">
+            <a:extLst>
+              <a:ext uri="{FF2B5EF4-FFF2-40B4-BE49-F238E27FC236}">
+                <a16:creationId xmlns:a16="http://schemas.microsoft.com/office/drawing/2014/main" id="{41D21A17-9067-DDE3-CCD0-22EFF421A1F6}"/>
+              </a:ext>
+            </a:extLst>
+          </p:cNvPr>
+          <p:cNvSpPr>
+            <a:spLocks noGrp="1"/>
+          </p:cNvSpPr>
+          <p:nvPr>
+            <p:ph type="title"/>
+          </p:nvPr>
+        </p:nvSpPr>
+        <p:spPr/>
+        <p:txBody>
+          <a:bodyPr/>
+          <a:lstStyle/>
+          <a:p>
+            <a:r>
+              <a:rPr lang="es-CL" dirty="0"/>
+              <a:t>Evaluación Económica</a:t>
+            </a:r>
+          </a:p>
+        </p:txBody>
+      </p:sp>
+      <p:pic>
+        <p:nvPicPr>
+          <p:cNvPr id="3" name="Imagen 2">
+            <a:extLst>
+              <a:ext uri="{FF2B5EF4-FFF2-40B4-BE49-F238E27FC236}">
+                <a16:creationId xmlns:a16="http://schemas.microsoft.com/office/drawing/2014/main" id="{65D5EA8C-5786-A553-B258-C468038A210D}"/>
+              </a:ext>
+            </a:extLst>
+          </p:cNvPr>
+          <p:cNvPicPr>
+            <a:picLocks noChangeAspect="1"/>
+          </p:cNvPicPr>
+          <p:nvPr/>
+        </p:nvPicPr>
+        <p:blipFill>
+          <a:blip r:embed="rId2"/>
+          <a:stretch>
+            <a:fillRect/>
+          </a:stretch>
+        </p:blipFill>
+        <p:spPr>
+          <a:xfrm>
+            <a:off x="669043" y="1690688"/>
+            <a:ext cx="6587868" cy="4240618"/>
+          </a:xfrm>
+          <a:prstGeom prst="rect">
+            <a:avLst/>
+          </a:prstGeom>
+        </p:spPr>
+      </p:pic>
+      <p:pic>
+        <p:nvPicPr>
+          <p:cNvPr id="4" name="Imagen 3">
+            <a:extLst>
+              <a:ext uri="{FF2B5EF4-FFF2-40B4-BE49-F238E27FC236}">
+                <a16:creationId xmlns:a16="http://schemas.microsoft.com/office/drawing/2014/main" id="{9A6CC852-5AEC-3C03-925D-7AD58898AECD}"/>
+              </a:ext>
+            </a:extLst>
+          </p:cNvPr>
+          <p:cNvPicPr>
+            <a:picLocks noChangeAspect="1"/>
+          </p:cNvPicPr>
+          <p:nvPr/>
+        </p:nvPicPr>
+        <p:blipFill>
+          <a:blip r:embed="rId3"/>
+          <a:stretch>
+            <a:fillRect/>
+          </a:stretch>
+        </p:blipFill>
+        <p:spPr>
+          <a:xfrm>
+            <a:off x="8067448" y="2310886"/>
+            <a:ext cx="3705336" cy="2535878"/>
+          </a:xfrm>
+          <a:prstGeom prst="rect">
+            <a:avLst/>
+          </a:prstGeom>
+        </p:spPr>
+      </p:pic>
+    </p:spTree>
+    <p:extLst>
+      <p:ext uri="{BB962C8B-B14F-4D97-AF65-F5344CB8AC3E}">
+        <p14:creationId xmlns:p14="http://schemas.microsoft.com/office/powerpoint/2010/main" val="830103515"/>
+      </p:ext>
+    </p:extLst>
+  </p:cSld>
+  <p:clrMapOvr>
+    <a:masterClrMapping/>
+  </p:clrMapOvr>
+</p:sld>
+</file>
+
+<file path=ppt/slides/slide18.xml><?xml version="1.0" encoding="utf-8"?>
+<p:sld xmlns:a="http://schemas.openxmlformats.org/drawingml/2006/main" xmlns:r="http://schemas.openxmlformats.org/officeDocument/2006/relationships" xmlns:p="http://schemas.openxmlformats.org/presentationml/2006/main">
+  <p:cSld>
+    <p:spTree>
+      <p:nvGrpSpPr>
+        <p:cNvPr id="1" name=""/>
+        <p:cNvGrpSpPr/>
+        <p:nvPr/>
+      </p:nvGrpSpPr>
+      <p:grpSpPr>
+        <a:xfrm>
+          <a:off x="0" y="0"/>
+          <a:ext cx="0" cy="0"/>
+          <a:chOff x="0" y="0"/>
+          <a:chExt cx="0" cy="0"/>
+        </a:xfrm>
+      </p:grpSpPr>
+      <p:pic>
+        <p:nvPicPr>
+          <p:cNvPr id="3" name="Imagen 2">
+            <a:extLst>
+              <a:ext uri="{FF2B5EF4-FFF2-40B4-BE49-F238E27FC236}">
+                <a16:creationId xmlns:a16="http://schemas.microsoft.com/office/drawing/2014/main" id="{1DB71D83-3EFA-B5D5-3DBC-2952C60A6D85}"/>
+              </a:ext>
+            </a:extLst>
+          </p:cNvPr>
+          <p:cNvPicPr>
+            <a:picLocks noChangeAspect="1"/>
+          </p:cNvPicPr>
+          <p:nvPr/>
+        </p:nvPicPr>
+        <p:blipFill>
+          <a:blip r:embed="rId2"/>
+          <a:stretch>
+            <a:fillRect/>
+          </a:stretch>
+        </p:blipFill>
+        <p:spPr>
+          <a:xfrm>
+            <a:off x="291548" y="1279060"/>
+            <a:ext cx="6821351" cy="2805924"/>
+          </a:xfrm>
+          <a:prstGeom prst="rect">
+            <a:avLst/>
+          </a:prstGeom>
+        </p:spPr>
+      </p:pic>
+      <p:sp>
+        <p:nvSpPr>
+          <p:cNvPr id="7" name="CuadroTexto 6">
+            <a:extLst>
+              <a:ext uri="{FF2B5EF4-FFF2-40B4-BE49-F238E27FC236}">
+                <a16:creationId xmlns:a16="http://schemas.microsoft.com/office/drawing/2014/main" id="{471EF142-934C-006A-F3FC-D36CF8C92776}"/>
+              </a:ext>
+            </a:extLst>
+          </p:cNvPr>
+          <p:cNvSpPr txBox="1"/>
+          <p:nvPr/>
+        </p:nvSpPr>
+        <p:spPr>
+          <a:xfrm>
+            <a:off x="7013713" y="1600200"/>
+            <a:ext cx="5178287" cy="1477328"/>
+          </a:xfrm>
+          <a:prstGeom prst="rect">
+            <a:avLst/>
+          </a:prstGeom>
+          <a:noFill/>
+        </p:spPr>
+        <p:txBody>
+          <a:bodyPr wrap="square" rtlCol="0">
+            <a:spAutoFit/>
+          </a:bodyPr>
+          <a:lstStyle/>
+          <a:p>
+            <a:r>
+              <a:rPr lang="es-ES" dirty="0"/>
+              <a:t>VAN: dice cuánto dinero neto ganas en pesos de hoy.</a:t>
+            </a:r>
+          </a:p>
+          <a:p>
+            <a:r>
+              <a:rPr lang="es-ES" dirty="0"/>
+              <a:t>TIR: dice a qué porcentaje anual rinde el proyecto.</a:t>
+            </a:r>
+          </a:p>
+          <a:p>
+            <a:r>
+              <a:rPr lang="es-ES" dirty="0"/>
+              <a:t>IR:  dice cuántas veces recuperas lo que invertiste (relación beneficio / inversión).</a:t>
+            </a:r>
+          </a:p>
+          <a:p>
+            <a:endParaRPr lang="es-CL" dirty="0"/>
+          </a:p>
+        </p:txBody>
+      </p:sp>
+      <p:sp>
+        <p:nvSpPr>
+          <p:cNvPr id="9" name="CuadroTexto 8">
+            <a:extLst>
+              <a:ext uri="{FF2B5EF4-FFF2-40B4-BE49-F238E27FC236}">
+                <a16:creationId xmlns:a16="http://schemas.microsoft.com/office/drawing/2014/main" id="{47D21690-B4C9-8D00-3BF5-3E5F3F373B1D}"/>
+              </a:ext>
+            </a:extLst>
+          </p:cNvPr>
+          <p:cNvSpPr txBox="1"/>
+          <p:nvPr/>
+        </p:nvSpPr>
+        <p:spPr>
+          <a:xfrm>
+            <a:off x="490330" y="4492489"/>
+            <a:ext cx="11211339" cy="2031325"/>
+          </a:xfrm>
+          <a:prstGeom prst="rect">
+            <a:avLst/>
+          </a:prstGeom>
+          <a:noFill/>
+        </p:spPr>
+        <p:txBody>
+          <a:bodyPr wrap="square" rtlCol="0">
+            <a:spAutoFit/>
+          </a:bodyPr>
+          <a:lstStyle/>
+          <a:p>
+            <a:r>
+              <a:rPr lang="es-ES" dirty="0"/>
+              <a:t>VAN (10%): ocupamos 10% como tasa mínima de retorno que exigimos al proyecto. El VAN dice cuánta plata extra genera el proyecto sobre ese 10%. Como es muy positivo, el proyecto crea valor.</a:t>
+            </a:r>
+          </a:p>
+          <a:p>
+            <a:r>
+              <a:rPr lang="es-ES" dirty="0"/>
+              <a:t>TIR: muestra la rentabilidad en porcentaje del proyecto. Al ser ≈ 170%, muy superior al 10%, confirma que el proyecto es altamente atractivo.</a:t>
+            </a:r>
+          </a:p>
+          <a:p>
+            <a:r>
+              <a:rPr lang="es-ES" dirty="0"/>
+              <a:t>IR (14,46): indica la eficiencia por peso invertido. IR = 14,46 significa que cada $1 invertido devuelve $14,46 en valor actual, reforzando que el proyecto es muy rentable.</a:t>
+            </a:r>
+          </a:p>
+          <a:p>
+            <a:endParaRPr lang="es-CL" dirty="0"/>
+          </a:p>
+        </p:txBody>
+      </p:sp>
+    </p:spTree>
+    <p:extLst>
+      <p:ext uri="{BB962C8B-B14F-4D97-AF65-F5344CB8AC3E}">
+        <p14:creationId xmlns:p14="http://schemas.microsoft.com/office/powerpoint/2010/main" val="2486071345"/>
+      </p:ext>
+    </p:extLst>
+  </p:cSld>
+  <p:clrMapOvr>
+    <a:masterClrMapping/>
+  </p:clrMapOvr>
+</p:sld>
+</file>
+
+<file path=ppt/slides/slide19.xml><?xml version="1.0" encoding="utf-8"?>
+<p:sld xmlns:a="http://schemas.openxmlformats.org/drawingml/2006/main" xmlns:r="http://schemas.openxmlformats.org/officeDocument/2006/relationships" xmlns:p="http://schemas.openxmlformats.org/presentationml/2006/main">
+  <p:cSld>
+    <p:spTree>
+      <p:nvGrpSpPr>
+        <p:cNvPr id="1" name=""/>
+        <p:cNvGrpSpPr/>
+        <p:nvPr/>
+      </p:nvGrpSpPr>
+      <p:grpSpPr>
+        <a:xfrm>
+          <a:off x="0" y="0"/>
+          <a:ext cx="0" cy="0"/>
+          <a:chOff x="0" y="0"/>
+          <a:chExt cx="0" cy="0"/>
+        </a:xfrm>
+      </p:grpSpPr>
+      <p:sp>
+        <p:nvSpPr>
+          <p:cNvPr id="5" name="Título 3"/>
+          <p:cNvSpPr txBox="1">
+            <a:spLocks/>
+          </p:cNvSpPr>
+          <p:nvPr/>
+        </p:nvSpPr>
+        <p:spPr>
+          <a:xfrm>
+            <a:off x="457158" y="864220"/>
+            <a:ext cx="10515600" cy="1325563"/>
+          </a:xfrm>
+          <a:prstGeom prst="rect">
+            <a:avLst/>
+          </a:prstGeom>
+        </p:spPr>
+        <p:txBody>
+          <a:bodyPr vert="horz" lIns="91440" tIns="45720" rIns="91440" bIns="45720" rtlCol="0" anchor="ctr">
+            <a:normAutofit/>
+          </a:bodyPr>
+          <a:lstStyle>
+            <a:lvl1pPr algn="l" defTabSz="914400" rtl="0" eaLnBrk="1" latinLnBrk="0" hangingPunct="1">
+              <a:lnSpc>
+                <a:spcPct val="90000"/>
+              </a:lnSpc>
+              <a:spcBef>
+                <a:spcPct val="0"/>
+              </a:spcBef>
+              <a:buNone/>
+              <a:defRPr sz="4400" kern="1200">
+                <a:solidFill>
+                  <a:schemeClr val="tx1"/>
+                </a:solidFill>
+                <a:latin typeface="+mj-lt"/>
+                <a:ea typeface="+mj-ea"/>
+                <a:cs typeface="+mj-cs"/>
+              </a:defRPr>
+            </a:lvl1pPr>
+          </a:lstStyle>
+          <a:p>
+            <a:r>
+              <a:rPr lang="es-CL" dirty="0"/>
+              <a:t>Demostración del Prototipo o Resultado del Proyecto (Sistema)</a:t>
+            </a:r>
+          </a:p>
+        </p:txBody>
+      </p:sp>
+    </p:spTree>
+    <p:extLst>
+      <p:ext uri="{BB962C8B-B14F-4D97-AF65-F5344CB8AC3E}">
+        <p14:creationId xmlns:p14="http://schemas.microsoft.com/office/powerpoint/2010/main" val="4071933174"/>
       </p:ext>
     </p:extLst>
   </p:cSld>
@@ -7133,38 +5208,985 @@
           </a:p>
         </p:txBody>
       </p:sp>
-      <p:graphicFrame>
-        <p:nvGraphicFramePr>
-          <p:cNvPr id="2" name="Diagrama 1">
+      <p:grpSp>
+        <p:nvGrpSpPr>
+          <p:cNvPr id="3" name="Google Shape;91;p2">
             <a:extLst>
               <a:ext uri="{FF2B5EF4-FFF2-40B4-BE49-F238E27FC236}">
-                <a16:creationId xmlns:a16="http://schemas.microsoft.com/office/drawing/2014/main" id="{C111C5E2-A8CF-69DB-3396-5FD1D9C9D846}"/>
+                <a16:creationId xmlns:a16="http://schemas.microsoft.com/office/drawing/2014/main" id="{42FE8B18-F859-7409-D34D-19EC524F5D23}"/>
               </a:ext>
             </a:extLst>
           </p:cNvPr>
-          <p:cNvGraphicFramePr/>
-          <p:nvPr>
-            <p:extLst>
-              <p:ext uri="{D42A27DB-BD31-4B8C-83A1-F6EECF244321}">
-                <p14:modId xmlns:p14="http://schemas.microsoft.com/office/powerpoint/2010/main" val="3035855643"/>
-              </p:ext>
-            </p:extLst>
-          </p:nvPr>
-        </p:nvGraphicFramePr>
-        <p:xfrm>
-          <a:off x="4082926" y="1382434"/>
-          <a:ext cx="6781017" cy="4592916"/>
-        </p:xfrm>
-        <a:graphic>
-          <a:graphicData uri="http://schemas.openxmlformats.org/drawingml/2006/diagram">
-            <dgm:relIds xmlns:dgm="http://schemas.openxmlformats.org/drawingml/2006/diagram" xmlns:r="http://schemas.openxmlformats.org/officeDocument/2006/relationships" r:dm="rId2" r:lo="rId3" r:qs="rId4" r:cs="rId5"/>
-          </a:graphicData>
-        </a:graphic>
-      </p:graphicFrame>
+          <p:cNvGrpSpPr/>
+          <p:nvPr/>
+        </p:nvGrpSpPr>
+        <p:grpSpPr>
+          <a:xfrm>
+            <a:off x="3987233" y="1265474"/>
+            <a:ext cx="7048554" cy="5028999"/>
+            <a:chOff x="0" y="0"/>
+            <a:chExt cx="7048554" cy="3952411"/>
+          </a:xfrm>
+        </p:grpSpPr>
+        <p:sp>
+          <p:nvSpPr>
+            <p:cNvPr id="4" name="Google Shape;92;p2">
+              <a:extLst>
+                <a:ext uri="{FF2B5EF4-FFF2-40B4-BE49-F238E27FC236}">
+                  <a16:creationId xmlns:a16="http://schemas.microsoft.com/office/drawing/2014/main" id="{A0488654-C082-C6E6-D91F-420761BD1683}"/>
+                </a:ext>
+              </a:extLst>
+            </p:cNvPr>
+            <p:cNvSpPr/>
+            <p:nvPr/>
+          </p:nvSpPr>
+          <p:spPr>
+            <a:xfrm>
+              <a:off x="0" y="0"/>
+              <a:ext cx="6781017" cy="1727185"/>
+            </a:xfrm>
+            <a:prstGeom prst="roundRect">
+              <a:avLst>
+                <a:gd name="adj" fmla="val 10000"/>
+              </a:avLst>
+            </a:prstGeom>
+            <a:gradFill>
+              <a:gsLst>
+                <a:gs pos="0">
+                  <a:srgbClr val="5E81C9"/>
+                </a:gs>
+                <a:gs pos="50000">
+                  <a:srgbClr val="3B70C9"/>
+                </a:gs>
+                <a:gs pos="100000">
+                  <a:srgbClr val="2E60B8"/>
+                </a:gs>
+              </a:gsLst>
+              <a:lin ang="5400000" scaled="0"/>
+            </a:gradFill>
+            <a:ln>
+              <a:noFill/>
+            </a:ln>
+            <a:effectLst>
+              <a:outerShdw blurRad="57150" dist="19050" dir="5400000" algn="ctr" rotWithShape="0">
+                <a:srgbClr val="000000">
+                  <a:alpha val="62745"/>
+                </a:srgbClr>
+              </a:outerShdw>
+            </a:effectLst>
+          </p:spPr>
+          <p:txBody>
+            <a:bodyPr spcFirstLastPara="1" wrap="square" lIns="91425" tIns="91425" rIns="91425" bIns="91425" anchor="ctr" anchorCtr="0">
+              <a:noAutofit/>
+            </a:bodyPr>
+            <a:lstStyle/>
+            <a:p>
+              <a:pPr marL="0" lvl="0" indent="0" algn="l" rtl="0">
+                <a:spcBef>
+                  <a:spcPts val="0"/>
+                </a:spcBef>
+                <a:spcAft>
+                  <a:spcPts val="0"/>
+                </a:spcAft>
+                <a:buNone/>
+              </a:pPr>
+              <a:endParaRPr/>
+            </a:p>
+          </p:txBody>
+        </p:sp>
+        <p:sp>
+          <p:nvSpPr>
+            <p:cNvPr id="5" name="Google Shape;93;p2">
+              <a:extLst>
+                <a:ext uri="{FF2B5EF4-FFF2-40B4-BE49-F238E27FC236}">
+                  <a16:creationId xmlns:a16="http://schemas.microsoft.com/office/drawing/2014/main" id="{B258C7C7-1071-5B36-7D00-A341490D25B5}"/>
+                </a:ext>
+              </a:extLst>
+            </p:cNvPr>
+            <p:cNvSpPr txBox="1"/>
+            <p:nvPr/>
+          </p:nvSpPr>
+          <p:spPr>
+            <a:xfrm>
+              <a:off x="1462952" y="0"/>
+              <a:ext cx="5318064" cy="1067494"/>
+            </a:xfrm>
+            <a:prstGeom prst="rect">
+              <a:avLst/>
+            </a:prstGeom>
+            <a:noFill/>
+            <a:ln>
+              <a:noFill/>
+            </a:ln>
+          </p:spPr>
+          <p:txBody>
+            <a:bodyPr spcFirstLastPara="1" wrap="square" lIns="80000" tIns="80000" rIns="80000" bIns="80000" anchor="t" anchorCtr="0">
+              <a:noAutofit/>
+            </a:bodyPr>
+            <a:lstStyle/>
+            <a:p>
+              <a:pPr marL="0" marR="0" lvl="0" indent="0" algn="l" rtl="0">
+                <a:lnSpc>
+                  <a:spcPct val="90000"/>
+                </a:lnSpc>
+                <a:spcBef>
+                  <a:spcPts val="0"/>
+                </a:spcBef>
+                <a:spcAft>
+                  <a:spcPts val="0"/>
+                </a:spcAft>
+                <a:buClr>
+                  <a:schemeClr val="lt1"/>
+                </a:buClr>
+                <a:buSzPts val="2100"/>
+                <a:buFont typeface="Calibri"/>
+                <a:buNone/>
+              </a:pPr>
+              <a:r>
+                <a:rPr lang="es-ES" sz="2100" b="0" i="0" u="none" strike="noStrike" cap="none" dirty="0" err="1">
+                  <a:solidFill>
+                    <a:schemeClr val="lt1"/>
+                  </a:solidFill>
+                  <a:latin typeface="Calibri"/>
+                  <a:ea typeface="Calibri"/>
+                  <a:cs typeface="Calibri"/>
+                  <a:sym typeface="Calibri"/>
+                </a:rPr>
+                <a:t>Mallely</a:t>
+              </a:r>
+              <a:r>
+                <a:rPr lang="es-ES" sz="2100" b="0" i="0" u="none" strike="noStrike" cap="none" dirty="0">
+                  <a:solidFill>
+                    <a:schemeClr val="lt1"/>
+                  </a:solidFill>
+                  <a:latin typeface="Calibri"/>
+                  <a:ea typeface="Calibri"/>
+                  <a:cs typeface="Calibri"/>
+                  <a:sym typeface="Calibri"/>
+                </a:rPr>
+                <a:t> </a:t>
+              </a:r>
+              <a:r>
+                <a:rPr lang="es-ES" sz="2100" b="0" i="0" u="none" strike="noStrike" cap="none" dirty="0" err="1">
+                  <a:solidFill>
+                    <a:schemeClr val="lt1"/>
+                  </a:solidFill>
+                  <a:latin typeface="Calibri"/>
+                  <a:ea typeface="Calibri"/>
+                  <a:cs typeface="Calibri"/>
+                  <a:sym typeface="Calibri"/>
+                </a:rPr>
+                <a:t>Calfilaf</a:t>
+              </a:r>
+              <a:r>
+                <a:rPr lang="es-ES" sz="2100" b="0" i="0" u="none" strike="noStrike" cap="none" dirty="0">
+                  <a:solidFill>
+                    <a:schemeClr val="lt1"/>
+                  </a:solidFill>
+                  <a:latin typeface="Calibri"/>
+                  <a:ea typeface="Calibri"/>
+                  <a:cs typeface="Calibri"/>
+                  <a:sym typeface="Calibri"/>
+                </a:rPr>
+                <a:t> Aguayo</a:t>
+              </a:r>
+            </a:p>
+            <a:p>
+              <a:pPr marL="0" marR="0" lvl="0" indent="0" algn="l" rtl="0">
+                <a:lnSpc>
+                  <a:spcPct val="90000"/>
+                </a:lnSpc>
+                <a:spcBef>
+                  <a:spcPts val="0"/>
+                </a:spcBef>
+                <a:spcAft>
+                  <a:spcPts val="0"/>
+                </a:spcAft>
+                <a:buClr>
+                  <a:schemeClr val="lt1"/>
+                </a:buClr>
+                <a:buSzPts val="2100"/>
+                <a:buFont typeface="Calibri"/>
+                <a:buNone/>
+              </a:pPr>
+              <a:r>
+                <a:rPr lang="es-ES" sz="2100" b="0" i="0" u="none" strike="noStrike" cap="none" dirty="0">
+                  <a:solidFill>
+                    <a:schemeClr val="lt1"/>
+                  </a:solidFill>
+                  <a:latin typeface="Calibri"/>
+                  <a:ea typeface="Calibri"/>
+                  <a:cs typeface="Calibri"/>
+                  <a:sym typeface="Calibri"/>
+                </a:rPr>
+                <a:t>Cargo: Gerente de Proyecto</a:t>
+              </a:r>
+            </a:p>
+            <a:p>
+              <a:pPr marL="0" marR="0" lvl="0" indent="0" algn="l" rtl="0">
+                <a:lnSpc>
+                  <a:spcPct val="90000"/>
+                </a:lnSpc>
+                <a:spcBef>
+                  <a:spcPts val="0"/>
+                </a:spcBef>
+                <a:spcAft>
+                  <a:spcPts val="0"/>
+                </a:spcAft>
+                <a:buClr>
+                  <a:schemeClr val="lt1"/>
+                </a:buClr>
+                <a:buSzPts val="2100"/>
+                <a:buFont typeface="Calibri"/>
+                <a:buNone/>
+              </a:pPr>
+              <a:r>
+                <a:rPr lang="es-ES" sz="2100" b="0" i="0" u="none" strike="noStrike" cap="none" dirty="0">
+                  <a:solidFill>
+                    <a:schemeClr val="lt1"/>
+                  </a:solidFill>
+                  <a:latin typeface="Calibri"/>
+                  <a:ea typeface="Calibri"/>
+                  <a:cs typeface="Calibri"/>
+                  <a:sym typeface="Calibri"/>
+                </a:rPr>
+                <a:t>Funciones desempeñadas:</a:t>
+              </a:r>
+            </a:p>
+            <a:p>
+              <a:pPr marL="0" marR="0" lvl="0" indent="0" algn="l" rtl="0">
+                <a:lnSpc>
+                  <a:spcPct val="90000"/>
+                </a:lnSpc>
+                <a:spcBef>
+                  <a:spcPts val="0"/>
+                </a:spcBef>
+                <a:spcAft>
+                  <a:spcPts val="0"/>
+                </a:spcAft>
+                <a:buClr>
+                  <a:schemeClr val="lt1"/>
+                </a:buClr>
+                <a:buSzPts val="2100"/>
+                <a:buFont typeface="Calibri"/>
+                <a:buNone/>
+              </a:pPr>
+              <a:r>
+                <a:rPr lang="es-ES" sz="2100" b="0" i="0" u="none" strike="noStrike" cap="none" dirty="0">
+                  <a:solidFill>
+                    <a:schemeClr val="lt1"/>
+                  </a:solidFill>
+                  <a:latin typeface="Calibri"/>
+                  <a:ea typeface="Calibri"/>
+                  <a:cs typeface="Calibri"/>
+                  <a:sym typeface="Calibri"/>
+                </a:rPr>
+                <a:t>Coordinación general del  proyecto</a:t>
+              </a:r>
+            </a:p>
+            <a:p>
+              <a:pPr marL="0" marR="0" lvl="0" indent="0" algn="l" rtl="0">
+                <a:lnSpc>
+                  <a:spcPct val="90000"/>
+                </a:lnSpc>
+                <a:spcBef>
+                  <a:spcPts val="0"/>
+                </a:spcBef>
+                <a:spcAft>
+                  <a:spcPts val="0"/>
+                </a:spcAft>
+                <a:buClr>
+                  <a:schemeClr val="lt1"/>
+                </a:buClr>
+                <a:buSzPts val="2100"/>
+                <a:buFont typeface="Calibri"/>
+                <a:buNone/>
+              </a:pPr>
+              <a:r>
+                <a:rPr lang="es-ES" sz="2100" b="0" i="0" u="none" strike="noStrike" cap="none" dirty="0">
+                  <a:solidFill>
+                    <a:schemeClr val="lt1"/>
+                  </a:solidFill>
+                  <a:latin typeface="Calibri"/>
+                  <a:ea typeface="Calibri"/>
+                  <a:cs typeface="Calibri"/>
+                  <a:sym typeface="Calibri"/>
+                </a:rPr>
+                <a:t>Gestión de planificación y control de hitos</a:t>
+              </a:r>
+            </a:p>
+            <a:p>
+              <a:pPr marL="0" marR="0" lvl="0" indent="0" algn="l" rtl="0">
+                <a:lnSpc>
+                  <a:spcPct val="90000"/>
+                </a:lnSpc>
+                <a:spcBef>
+                  <a:spcPts val="0"/>
+                </a:spcBef>
+                <a:spcAft>
+                  <a:spcPts val="0"/>
+                </a:spcAft>
+                <a:buClr>
+                  <a:schemeClr val="lt1"/>
+                </a:buClr>
+                <a:buSzPts val="2100"/>
+                <a:buFont typeface="Calibri"/>
+                <a:buNone/>
+              </a:pPr>
+              <a:r>
+                <a:rPr lang="es-ES" sz="2100" b="0" i="0" u="none" strike="noStrike" cap="none" dirty="0">
+                  <a:solidFill>
+                    <a:schemeClr val="lt1"/>
+                  </a:solidFill>
+                  <a:latin typeface="Calibri"/>
+                  <a:ea typeface="Calibri"/>
+                  <a:cs typeface="Calibri"/>
+                  <a:sym typeface="Calibri"/>
+                </a:rPr>
+                <a:t>Supervisión de documentación formal</a:t>
+              </a:r>
+            </a:p>
+            <a:p>
+              <a:pPr marL="0" marR="0" lvl="0" indent="0" algn="l" rtl="0">
+                <a:lnSpc>
+                  <a:spcPct val="90000"/>
+                </a:lnSpc>
+                <a:spcBef>
+                  <a:spcPts val="0"/>
+                </a:spcBef>
+                <a:spcAft>
+                  <a:spcPts val="0"/>
+                </a:spcAft>
+                <a:buClr>
+                  <a:schemeClr val="lt1"/>
+                </a:buClr>
+                <a:buSzPts val="2100"/>
+                <a:buFont typeface="Calibri"/>
+                <a:buNone/>
+              </a:pPr>
+              <a:endParaRPr sz="1600" b="0" i="0" u="none" strike="noStrike" cap="none" dirty="0">
+                <a:solidFill>
+                  <a:schemeClr val="lt1"/>
+                </a:solidFill>
+                <a:latin typeface="Calibri"/>
+                <a:ea typeface="Calibri"/>
+                <a:cs typeface="Calibri"/>
+                <a:sym typeface="Calibri"/>
+              </a:endParaRPr>
+            </a:p>
+          </p:txBody>
+        </p:sp>
+        <p:sp>
+          <p:nvSpPr>
+            <p:cNvPr id="7" name="Google Shape;94;p2">
+              <a:extLst>
+                <a:ext uri="{FF2B5EF4-FFF2-40B4-BE49-F238E27FC236}">
+                  <a16:creationId xmlns:a16="http://schemas.microsoft.com/office/drawing/2014/main" id="{AA451CE4-E20A-78AF-A2EF-BE800B4A664F}"/>
+                </a:ext>
+              </a:extLst>
+            </p:cNvPr>
+            <p:cNvSpPr/>
+            <p:nvPr/>
+          </p:nvSpPr>
+          <p:spPr>
+            <a:xfrm>
+              <a:off x="106749" y="106749"/>
+              <a:ext cx="1356203" cy="1525003"/>
+            </a:xfrm>
+            <a:prstGeom prst="roundRect">
+              <a:avLst>
+                <a:gd name="adj" fmla="val 10000"/>
+              </a:avLst>
+            </a:prstGeom>
+            <a:solidFill>
+              <a:srgbClr val="BFC8E3"/>
+            </a:solidFill>
+            <a:ln>
+              <a:noFill/>
+            </a:ln>
+            <a:effectLst>
+              <a:outerShdw blurRad="57150" dist="19050" dir="5400000" algn="ctr" rotWithShape="0">
+                <a:srgbClr val="000000">
+                  <a:alpha val="62745"/>
+                </a:srgbClr>
+              </a:outerShdw>
+            </a:effectLst>
+          </p:spPr>
+          <p:txBody>
+            <a:bodyPr spcFirstLastPara="1" wrap="square" lIns="91425" tIns="91425" rIns="91425" bIns="91425" anchor="ctr" anchorCtr="0">
+              <a:noAutofit/>
+            </a:bodyPr>
+            <a:lstStyle/>
+            <a:p>
+              <a:pPr marL="0" lvl="0" indent="0" algn="l" rtl="0">
+                <a:spcBef>
+                  <a:spcPts val="0"/>
+                </a:spcBef>
+                <a:spcAft>
+                  <a:spcPts val="0"/>
+                </a:spcAft>
+                <a:buNone/>
+              </a:pPr>
+              <a:endParaRPr/>
+            </a:p>
+          </p:txBody>
+        </p:sp>
+        <p:sp>
+          <p:nvSpPr>
+            <p:cNvPr id="8" name="Google Shape;95;p2">
+              <a:extLst>
+                <a:ext uri="{FF2B5EF4-FFF2-40B4-BE49-F238E27FC236}">
+                  <a16:creationId xmlns:a16="http://schemas.microsoft.com/office/drawing/2014/main" id="{2EECE72B-2866-FA1B-6876-C924AB3A4E8F}"/>
+                </a:ext>
+              </a:extLst>
+            </p:cNvPr>
+            <p:cNvSpPr/>
+            <p:nvPr/>
+          </p:nvSpPr>
+          <p:spPr>
+            <a:xfrm>
+              <a:off x="106749" y="1941913"/>
+              <a:ext cx="6781017" cy="2010498"/>
+            </a:xfrm>
+            <a:prstGeom prst="roundRect">
+              <a:avLst>
+                <a:gd name="adj" fmla="val 10000"/>
+              </a:avLst>
+            </a:prstGeom>
+            <a:gradFill>
+              <a:gsLst>
+                <a:gs pos="0">
+                  <a:srgbClr val="5E81C9"/>
+                </a:gs>
+                <a:gs pos="50000">
+                  <a:srgbClr val="3B70C9"/>
+                </a:gs>
+                <a:gs pos="100000">
+                  <a:srgbClr val="2E60B8"/>
+                </a:gs>
+              </a:gsLst>
+              <a:lin ang="5400000" scaled="0"/>
+            </a:gradFill>
+            <a:ln>
+              <a:noFill/>
+            </a:ln>
+            <a:effectLst>
+              <a:outerShdw blurRad="57150" dist="19050" dir="5400000" algn="ctr" rotWithShape="0">
+                <a:srgbClr val="000000">
+                  <a:alpha val="62745"/>
+                </a:srgbClr>
+              </a:outerShdw>
+            </a:effectLst>
+          </p:spPr>
+          <p:txBody>
+            <a:bodyPr spcFirstLastPara="1" wrap="square" lIns="91425" tIns="91425" rIns="91425" bIns="91425" anchor="ctr" anchorCtr="0">
+              <a:noAutofit/>
+            </a:bodyPr>
+            <a:lstStyle/>
+            <a:p>
+              <a:pPr marL="0" lvl="0" indent="0" algn="l" rtl="0">
+                <a:spcBef>
+                  <a:spcPts val="0"/>
+                </a:spcBef>
+                <a:spcAft>
+                  <a:spcPts val="0"/>
+                </a:spcAft>
+                <a:buNone/>
+              </a:pPr>
+              <a:endParaRPr/>
+            </a:p>
+          </p:txBody>
+        </p:sp>
+        <p:sp>
+          <p:nvSpPr>
+            <p:cNvPr id="9" name="Google Shape;96;p2">
+              <a:extLst>
+                <a:ext uri="{FF2B5EF4-FFF2-40B4-BE49-F238E27FC236}">
+                  <a16:creationId xmlns:a16="http://schemas.microsoft.com/office/drawing/2014/main" id="{FAC51310-6947-DE4C-8093-16147113ED85}"/>
+                </a:ext>
+              </a:extLst>
+            </p:cNvPr>
+            <p:cNvSpPr txBox="1"/>
+            <p:nvPr/>
+          </p:nvSpPr>
+          <p:spPr>
+            <a:xfrm>
+              <a:off x="1730490" y="2019998"/>
+              <a:ext cx="5318064" cy="1569705"/>
+            </a:xfrm>
+            <a:prstGeom prst="rect">
+              <a:avLst/>
+            </a:prstGeom>
+            <a:noFill/>
+            <a:ln>
+              <a:noFill/>
+            </a:ln>
+          </p:spPr>
+          <p:txBody>
+            <a:bodyPr spcFirstLastPara="1" wrap="square" lIns="80000" tIns="80000" rIns="80000" bIns="80000" anchor="t" anchorCtr="0">
+              <a:noAutofit/>
+            </a:bodyPr>
+            <a:lstStyle/>
+            <a:p>
+              <a:pPr marL="0" marR="0" lvl="0" indent="0" algn="l" rtl="0">
+                <a:lnSpc>
+                  <a:spcPct val="90000"/>
+                </a:lnSpc>
+                <a:spcBef>
+                  <a:spcPts val="0"/>
+                </a:spcBef>
+                <a:spcAft>
+                  <a:spcPts val="0"/>
+                </a:spcAft>
+                <a:buClr>
+                  <a:schemeClr val="lt1"/>
+                </a:buClr>
+                <a:buSzPts val="2100"/>
+                <a:buFont typeface="Calibri"/>
+                <a:buNone/>
+              </a:pPr>
+              <a:r>
+                <a:rPr lang="es-ES" sz="2100" b="0" i="0" u="none" strike="noStrike" cap="none" dirty="0">
+                  <a:solidFill>
+                    <a:schemeClr val="lt1"/>
+                  </a:solidFill>
+                  <a:latin typeface="Calibri"/>
+                  <a:ea typeface="Calibri"/>
+                  <a:cs typeface="Calibri"/>
+                  <a:sym typeface="Calibri"/>
+                </a:rPr>
+                <a:t>Josué Castillo</a:t>
+              </a:r>
+            </a:p>
+            <a:p>
+              <a:pPr marL="0" marR="0" lvl="0" indent="0" algn="l" rtl="0">
+                <a:lnSpc>
+                  <a:spcPct val="90000"/>
+                </a:lnSpc>
+                <a:spcBef>
+                  <a:spcPts val="0"/>
+                </a:spcBef>
+                <a:spcAft>
+                  <a:spcPts val="0"/>
+                </a:spcAft>
+                <a:buClr>
+                  <a:schemeClr val="lt1"/>
+                </a:buClr>
+                <a:buSzPts val="2100"/>
+                <a:buFont typeface="Calibri"/>
+                <a:buNone/>
+              </a:pPr>
+              <a:r>
+                <a:rPr lang="es-ES" sz="2100" b="0" i="0" u="none" strike="noStrike" cap="none" dirty="0">
+                  <a:solidFill>
+                    <a:schemeClr val="lt1"/>
+                  </a:solidFill>
+                  <a:latin typeface="Calibri"/>
+                  <a:ea typeface="Calibri"/>
+                  <a:cs typeface="Calibri"/>
+                  <a:sym typeface="Calibri"/>
+                </a:rPr>
+                <a:t>Cargo: Jefe de Proyecto / Desarrollador Funciones desempeñadas:</a:t>
+              </a:r>
+            </a:p>
+            <a:p>
+              <a:pPr marL="0" marR="0" lvl="0" indent="0" algn="l" rtl="0">
+                <a:lnSpc>
+                  <a:spcPct val="90000"/>
+                </a:lnSpc>
+                <a:spcBef>
+                  <a:spcPts val="0"/>
+                </a:spcBef>
+                <a:spcAft>
+                  <a:spcPts val="0"/>
+                </a:spcAft>
+                <a:buClr>
+                  <a:schemeClr val="lt1"/>
+                </a:buClr>
+                <a:buSzPts val="2100"/>
+                <a:buFont typeface="Calibri"/>
+                <a:buNone/>
+              </a:pPr>
+              <a:r>
+                <a:rPr lang="es-ES" sz="2100" b="0" i="0" u="none" strike="noStrike" cap="none" dirty="0">
+                  <a:solidFill>
+                    <a:schemeClr val="lt1"/>
+                  </a:solidFill>
+                  <a:latin typeface="Calibri"/>
+                  <a:ea typeface="Calibri"/>
+                  <a:cs typeface="Calibri"/>
+                  <a:sym typeface="Calibri"/>
+                </a:rPr>
+                <a:t>Desarrollo </a:t>
+              </a:r>
+              <a:r>
+                <a:rPr lang="es-ES" sz="2100" b="0" i="0" u="none" strike="noStrike" cap="none" dirty="0" err="1">
+                  <a:solidFill>
+                    <a:schemeClr val="lt1"/>
+                  </a:solidFill>
+                  <a:latin typeface="Calibri"/>
+                  <a:ea typeface="Calibri"/>
+                  <a:cs typeface="Calibri"/>
+                  <a:sym typeface="Calibri"/>
+                </a:rPr>
+                <a:t>backend</a:t>
+              </a:r>
+              <a:r>
+                <a:rPr lang="es-ES" sz="2100" b="0" i="0" u="none" strike="noStrike" cap="none" dirty="0">
+                  <a:solidFill>
+                    <a:schemeClr val="lt1"/>
+                  </a:solidFill>
+                  <a:latin typeface="Calibri"/>
+                  <a:ea typeface="Calibri"/>
+                  <a:cs typeface="Calibri"/>
+                  <a:sym typeface="Calibri"/>
+                </a:rPr>
+                <a:t> y </a:t>
+              </a:r>
+              <a:r>
+                <a:rPr lang="es-ES" sz="2100" b="0" i="0" u="none" strike="noStrike" cap="none" dirty="0" err="1">
+                  <a:solidFill>
+                    <a:schemeClr val="lt1"/>
+                  </a:solidFill>
+                  <a:latin typeface="Calibri"/>
+                  <a:ea typeface="Calibri"/>
+                  <a:cs typeface="Calibri"/>
+                  <a:sym typeface="Calibri"/>
+                </a:rPr>
+                <a:t>frontend</a:t>
+              </a:r>
+              <a:r>
+                <a:rPr lang="es-ES" sz="2100" b="0" i="0" u="none" strike="noStrike" cap="none" dirty="0">
+                  <a:solidFill>
+                    <a:schemeClr val="lt1"/>
+                  </a:solidFill>
+                  <a:latin typeface="Calibri"/>
+                  <a:ea typeface="Calibri"/>
+                  <a:cs typeface="Calibri"/>
+                  <a:sym typeface="Calibri"/>
+                </a:rPr>
+                <a:t> del sistema </a:t>
+              </a:r>
+              <a:r>
+                <a:rPr lang="es-ES" sz="2100" b="0" i="0" u="none" strike="noStrike" cap="none" dirty="0" err="1">
+                  <a:solidFill>
+                    <a:schemeClr val="lt1"/>
+                  </a:solidFill>
+                  <a:latin typeface="Calibri"/>
+                  <a:ea typeface="Calibri"/>
+                  <a:cs typeface="Calibri"/>
+                  <a:sym typeface="Calibri"/>
+                </a:rPr>
+                <a:t>SmartFlowDiseño</a:t>
+              </a:r>
+              <a:r>
+                <a:rPr lang="es-ES" sz="2100" b="0" i="0" u="none" strike="noStrike" cap="none" dirty="0">
+                  <a:solidFill>
+                    <a:schemeClr val="lt1"/>
+                  </a:solidFill>
+                  <a:latin typeface="Calibri"/>
+                  <a:ea typeface="Calibri"/>
+                  <a:cs typeface="Calibri"/>
+                  <a:sym typeface="Calibri"/>
+                </a:rPr>
+                <a:t> de arquitectura, base de datos y lógica de negocio Creación e implementación de módulos CRUD y módulo de reservas</a:t>
+              </a:r>
+              <a:endParaRPr sz="1600" b="0" i="0" u="none" strike="noStrike" cap="none" dirty="0">
+                <a:solidFill>
+                  <a:schemeClr val="lt1"/>
+                </a:solidFill>
+                <a:latin typeface="Calibri"/>
+                <a:ea typeface="Calibri"/>
+                <a:cs typeface="Calibri"/>
+                <a:sym typeface="Calibri"/>
+              </a:endParaRPr>
+            </a:p>
+          </p:txBody>
+        </p:sp>
+        <p:sp>
+          <p:nvSpPr>
+            <p:cNvPr id="10" name="Google Shape;97;p2">
+              <a:extLst>
+                <a:ext uri="{FF2B5EF4-FFF2-40B4-BE49-F238E27FC236}">
+                  <a16:creationId xmlns:a16="http://schemas.microsoft.com/office/drawing/2014/main" id="{B61D615F-0671-4072-34EC-22DEB54C62B1}"/>
+                </a:ext>
+              </a:extLst>
+            </p:cNvPr>
+            <p:cNvSpPr/>
+            <p:nvPr/>
+          </p:nvSpPr>
+          <p:spPr>
+            <a:xfrm>
+              <a:off x="240518" y="2019998"/>
+              <a:ext cx="1356203" cy="1764835"/>
+            </a:xfrm>
+            <a:prstGeom prst="roundRect">
+              <a:avLst>
+                <a:gd name="adj" fmla="val 10000"/>
+              </a:avLst>
+            </a:prstGeom>
+            <a:solidFill>
+              <a:srgbClr val="BFC8E3"/>
+            </a:solidFill>
+            <a:ln>
+              <a:noFill/>
+            </a:ln>
+            <a:effectLst>
+              <a:outerShdw blurRad="57150" dist="19050" dir="5400000" algn="ctr" rotWithShape="0">
+                <a:srgbClr val="000000">
+                  <a:alpha val="62745"/>
+                </a:srgbClr>
+              </a:outerShdw>
+            </a:effectLst>
+          </p:spPr>
+          <p:txBody>
+            <a:bodyPr spcFirstLastPara="1" wrap="square" lIns="91425" tIns="91425" rIns="91425" bIns="91425" anchor="ctr" anchorCtr="0">
+              <a:noAutofit/>
+            </a:bodyPr>
+            <a:lstStyle/>
+            <a:p>
+              <a:pPr marL="0" lvl="0" indent="0" algn="l" rtl="0">
+                <a:spcBef>
+                  <a:spcPts val="0"/>
+                </a:spcBef>
+                <a:spcAft>
+                  <a:spcPts val="0"/>
+                </a:spcAft>
+                <a:buNone/>
+              </a:pPr>
+              <a:endParaRPr/>
+            </a:p>
+          </p:txBody>
+        </p:sp>
+      </p:grpSp>
     </p:spTree>
     <p:extLst>
       <p:ext uri="{BB962C8B-B14F-4D97-AF65-F5344CB8AC3E}">
         <p14:creationId xmlns:p14="http://schemas.microsoft.com/office/powerpoint/2010/main" val="1973599817"/>
+      </p:ext>
+    </p:extLst>
+  </p:cSld>
+  <p:clrMapOvr>
+    <a:masterClrMapping/>
+  </p:clrMapOvr>
+</p:sld>
+</file>
+
+<file path=ppt/slides/slide20.xml><?xml version="1.0" encoding="utf-8"?>
+<p:sld xmlns:a="http://schemas.openxmlformats.org/drawingml/2006/main" xmlns:r="http://schemas.openxmlformats.org/officeDocument/2006/relationships" xmlns:p="http://schemas.openxmlformats.org/presentationml/2006/main">
+  <p:cSld>
+    <p:spTree>
+      <p:nvGrpSpPr>
+        <p:cNvPr id="1" name=""/>
+        <p:cNvGrpSpPr/>
+        <p:nvPr/>
+      </p:nvGrpSpPr>
+      <p:grpSpPr>
+        <a:xfrm>
+          <a:off x="0" y="0"/>
+          <a:ext cx="0" cy="0"/>
+          <a:chOff x="0" y="0"/>
+          <a:chExt cx="0" cy="0"/>
+        </a:xfrm>
+      </p:grpSpPr>
+      <p:sp>
+        <p:nvSpPr>
+          <p:cNvPr id="4" name="Título 3"/>
+          <p:cNvSpPr>
+            <a:spLocks noGrp="1"/>
+          </p:cNvSpPr>
+          <p:nvPr>
+            <p:ph type="title"/>
+          </p:nvPr>
+        </p:nvSpPr>
+        <p:spPr>
+          <a:xfrm>
+            <a:off x="838200" y="974938"/>
+            <a:ext cx="10515600" cy="672434"/>
+          </a:xfrm>
+        </p:spPr>
+        <p:txBody>
+          <a:bodyPr>
+            <a:normAutofit fontScale="90000"/>
+          </a:bodyPr>
+          <a:lstStyle/>
+          <a:p>
+            <a:r>
+              <a:rPr lang="es-CL" dirty="0"/>
+              <a:t>Reflexión Final</a:t>
+            </a:r>
+          </a:p>
+        </p:txBody>
+      </p:sp>
+      <p:sp>
+        <p:nvSpPr>
+          <p:cNvPr id="2" name="Rectángulo 1"/>
+          <p:cNvSpPr/>
+          <p:nvPr/>
+        </p:nvSpPr>
+        <p:spPr>
+          <a:xfrm>
+            <a:off x="903515" y="1647372"/>
+            <a:ext cx="9670961" cy="3338735"/>
+          </a:xfrm>
+          <a:prstGeom prst="rect">
+            <a:avLst/>
+          </a:prstGeom>
+        </p:spPr>
+        <p:txBody>
+          <a:bodyPr wrap="square">
+            <a:spAutoFit/>
+          </a:bodyPr>
+          <a:lstStyle/>
+          <a:p>
+            <a:pPr>
+              <a:lnSpc>
+                <a:spcPct val="200000"/>
+              </a:lnSpc>
+            </a:pPr>
+            <a:r>
+              <a:rPr lang="es-CL" b="1" dirty="0"/>
+              <a:t>Lecciones Aprendidas y Obstáculos presentados con la Experiencia.</a:t>
+            </a:r>
+          </a:p>
+          <a:p>
+            <a:pPr marL="342900" indent="-342900">
+              <a:lnSpc>
+                <a:spcPct val="200000"/>
+              </a:lnSpc>
+              <a:buFont typeface="+mj-lt"/>
+              <a:buAutoNum type="alphaLcParenR"/>
+            </a:pPr>
+            <a:r>
+              <a:rPr lang="es-CL" dirty="0"/>
+              <a:t>¿Cuáles fueron los principales obstáculos que se vivieron como equipo?</a:t>
+            </a:r>
+          </a:p>
+          <a:p>
+            <a:pPr marL="342900" indent="-342900">
+              <a:lnSpc>
+                <a:spcPct val="200000"/>
+              </a:lnSpc>
+              <a:buFont typeface="+mj-lt"/>
+              <a:buAutoNum type="alphaLcParenR"/>
+            </a:pPr>
+            <a:r>
+              <a:rPr lang="es-CL" dirty="0"/>
+              <a:t>¿Cómo los evitaría para un próximo proyecto?</a:t>
+            </a:r>
+          </a:p>
+          <a:p>
+            <a:pPr marL="342900" indent="-342900">
+              <a:lnSpc>
+                <a:spcPct val="200000"/>
+              </a:lnSpc>
+              <a:buFont typeface="+mj-lt"/>
+              <a:buAutoNum type="alphaLcParenR"/>
+            </a:pPr>
+            <a:r>
+              <a:rPr lang="es-CL" dirty="0"/>
+              <a:t>¿Cuáles fueron los casos más complejos en desarrollar?</a:t>
+            </a:r>
+          </a:p>
+          <a:p>
+            <a:pPr marL="342900" indent="-342900">
+              <a:lnSpc>
+                <a:spcPct val="200000"/>
+              </a:lnSpc>
+              <a:buFont typeface="+mj-lt"/>
+              <a:buAutoNum type="alphaLcParenR"/>
+            </a:pPr>
+            <a:r>
+              <a:rPr lang="es-CL" dirty="0"/>
+              <a:t>¿Perciben un crecimiento en su capacidad para desarrollar proyectos informáticos reales?</a:t>
+            </a:r>
+          </a:p>
+          <a:p>
+            <a:pPr marL="342900" indent="-342900">
+              <a:lnSpc>
+                <a:spcPct val="200000"/>
+              </a:lnSpc>
+              <a:buFont typeface="+mj-lt"/>
+              <a:buAutoNum type="alphaLcParenR"/>
+            </a:pPr>
+            <a:r>
+              <a:rPr lang="es-CL" dirty="0"/>
+              <a:t>¿Cuáles fueron los principales </a:t>
+            </a:r>
+            <a:r>
+              <a:rPr lang="es-CL" dirty="0" err="1"/>
+              <a:t>auto-aprendizajes</a:t>
+            </a:r>
+            <a:r>
+              <a:rPr lang="es-CL" dirty="0"/>
+              <a:t> que han logrado en el proceso?</a:t>
+            </a:r>
+          </a:p>
+        </p:txBody>
+      </p:sp>
+    </p:spTree>
+    <p:extLst>
+      <p:ext uri="{BB962C8B-B14F-4D97-AF65-F5344CB8AC3E}">
+        <p14:creationId xmlns:p14="http://schemas.microsoft.com/office/powerpoint/2010/main" val="466460528"/>
+      </p:ext>
+    </p:extLst>
+  </p:cSld>
+  <p:clrMapOvr>
+    <a:masterClrMapping/>
+  </p:clrMapOvr>
+</p:sld>
+</file>
+
+<file path=ppt/slides/slide21.xml><?xml version="1.0" encoding="utf-8"?>
+<p:sld xmlns:a="http://schemas.openxmlformats.org/drawingml/2006/main" xmlns:r="http://schemas.openxmlformats.org/officeDocument/2006/relationships" xmlns:p="http://schemas.openxmlformats.org/presentationml/2006/main">
+  <p:cSld>
+    <p:spTree>
+      <p:nvGrpSpPr>
+        <p:cNvPr id="1" name=""/>
+        <p:cNvGrpSpPr/>
+        <p:nvPr/>
+      </p:nvGrpSpPr>
+      <p:grpSpPr>
+        <a:xfrm>
+          <a:off x="0" y="0"/>
+          <a:ext cx="0" cy="0"/>
+          <a:chOff x="0" y="0"/>
+          <a:chExt cx="0" cy="0"/>
+        </a:xfrm>
+      </p:grpSpPr>
+      <p:sp>
+        <p:nvSpPr>
+          <p:cNvPr id="4" name="Título 3"/>
+          <p:cNvSpPr>
+            <a:spLocks noGrp="1"/>
+          </p:cNvSpPr>
+          <p:nvPr>
+            <p:ph type="title"/>
+          </p:nvPr>
+        </p:nvSpPr>
+        <p:spPr>
+          <a:xfrm>
+            <a:off x="838200" y="974938"/>
+            <a:ext cx="10515600" cy="672434"/>
+          </a:xfrm>
+        </p:spPr>
+        <p:txBody>
+          <a:bodyPr>
+            <a:normAutofit fontScale="90000"/>
+          </a:bodyPr>
+          <a:lstStyle/>
+          <a:p>
+            <a:r>
+              <a:rPr lang="es-CL" dirty="0"/>
+              <a:t>Responder las Preguntas del Proyecto</a:t>
+            </a:r>
+          </a:p>
+        </p:txBody>
+      </p:sp>
+    </p:spTree>
+    <p:extLst>
+      <p:ext uri="{BB962C8B-B14F-4D97-AF65-F5344CB8AC3E}">
+        <p14:creationId xmlns:p14="http://schemas.microsoft.com/office/powerpoint/2010/main" val="4113255563"/>
       </p:ext>
     </p:extLst>
   </p:cSld>
@@ -7233,7 +6255,7 @@
         <p:spPr>
           <a:xfrm>
             <a:off x="990599" y="2169769"/>
-            <a:ext cx="4254501" cy="3373781"/>
+            <a:ext cx="4399113" cy="3823527"/>
           </a:xfrm>
           <a:prstGeom prst="roundRect">
             <a:avLst>
@@ -7272,13 +6294,9 @@
           <a:p>
             <a:pPr algn="just"/>
             <a:r>
-              <a:rPr lang="es-MX" sz="1800" dirty="0"/>
-              <a:t>Descripción</a:t>
-            </a:r>
-            <a:endParaRPr lang="es-CL" sz="1800" dirty="0"/>
-          </a:p>
-          <a:p>
-            <a:pPr lvl="0" algn="ctr"/>
+              <a:rPr lang="es-ES" dirty="0"/>
+              <a:t>Los procesos de atención académica en Duoc UC son lentos, manuales y poco eficientes, ya que dependen de múltiples intermediarios y sistemas desconectados. Los estudiantes deben enviar solicitudes por distintos canales y esperar largos tiempos de respuesta, mientras los coordinadores gestionan todo de forma manual, sin trazabilidad ni automatización.</a:t>
+            </a:r>
             <a:endParaRPr lang="es-CL" sz="1800" u="sng" dirty="0"/>
           </a:p>
         </p:txBody>
@@ -7298,7 +6316,7 @@
         <p:spPr>
           <a:xfrm>
             <a:off x="6664635" y="2177325"/>
-            <a:ext cx="4399113" cy="3366225"/>
+            <a:ext cx="4399113" cy="3815971"/>
           </a:xfrm>
           <a:prstGeom prst="roundRect">
             <a:avLst>
@@ -7337,8 +6355,8 @@
           <a:p>
             <a:pPr lvl="0" algn="just"/>
             <a:r>
-              <a:rPr lang="es-MX" dirty="0"/>
-              <a:t>Descripción</a:t>
+              <a:rPr lang="es-ES" dirty="0"/>
+              <a:t>SmartFlow es una plataforma web que centraliza y automatiza la gestión académica, permitiendo a los estudiantes enviar solicitudes, agendar reservas y recibir notificaciones en un solo lugar. El sistema reduce tiempos de atención, elimina procesos manuales y entrega trazabilidad completa a coordinadores y administradores.</a:t>
             </a:r>
             <a:endParaRPr lang="es-CL" sz="1800" dirty="0"/>
           </a:p>
@@ -7637,8 +6655,8 @@
           <a:p>
             <a:pPr algn="ctr"/>
             <a:r>
-              <a:rPr lang="es-MX" dirty="0"/>
-              <a:t>Descripción</a:t>
+              <a:rPr lang="es-ES" dirty="0"/>
+              <a:t>Desarrollar un sistema web que optimice la gestión académica mediante la automatización de solicitudes, reservas y notificaciones, mejorando la eficiencia y trazabilidad entre estudiantes y coordinadores.</a:t>
             </a:r>
             <a:endParaRPr lang="es-CL" dirty="0"/>
           </a:p>
@@ -7685,8 +6703,16 @@
           <a:p>
             <a:pPr algn="ctr"/>
             <a:r>
-              <a:rPr lang="es-MX" dirty="0"/>
-              <a:t>Descripción</a:t>
+              <a:rPr lang="es-ES" dirty="0"/>
+              <a:t>Los objetivos específicos del proyecto son automatizar la gestión de solicitudes académicas, implementar un sistema de reservas con disponibilidad en tiempo real, integrar notificaciones automáticas para mejorar la comunicación entre estudiantes y coordinadores, desarrollar un </a:t>
+            </a:r>
+            <a:r>
+              <a:rPr lang="es-ES" dirty="0" err="1"/>
+              <a:t>dashboard</a:t>
+            </a:r>
+            <a:r>
+              <a:rPr lang="es-ES" dirty="0"/>
+              <a:t> administrativo que permita visualizar métricas y reportes, y asegurar la trazabilidad del sistema mediante auditorías y registro de actividades.</a:t>
             </a:r>
             <a:endParaRPr lang="es-CL" dirty="0"/>
           </a:p>
@@ -7941,7 +6967,13 @@
       </p:grpSpPr>
       <p:sp>
         <p:nvSpPr>
-          <p:cNvPr id="4" name="Título 3"/>
+          <p:cNvPr id="2" name="Título 1">
+            <a:extLst>
+              <a:ext uri="{FF2B5EF4-FFF2-40B4-BE49-F238E27FC236}">
+                <a16:creationId xmlns:a16="http://schemas.microsoft.com/office/drawing/2014/main" id="{88395EB6-0790-1074-8DC4-6F60EE6E8BA7}"/>
+              </a:ext>
+            </a:extLst>
+          </p:cNvPr>
           <p:cNvSpPr>
             <a:spLocks noGrp="1"/>
           </p:cNvSpPr>
@@ -7949,98 +6981,53 @@
             <p:ph type="title"/>
           </p:nvPr>
         </p:nvSpPr>
+        <p:spPr/>
+        <p:txBody>
+          <a:bodyPr/>
+          <a:lstStyle/>
+          <a:p>
+            <a:r>
+              <a:rPr lang="es-ES" dirty="0"/>
+              <a:t>AS IS </a:t>
+            </a:r>
+            <a:endParaRPr lang="es-CL" dirty="0"/>
+          </a:p>
+        </p:txBody>
+      </p:sp>
+      <p:pic>
+        <p:nvPicPr>
+          <p:cNvPr id="3" name="Imagen 2" descr="Diagrama&#10;&#10;El contenido generado por IA puede ser incorrecto.">
+            <a:extLst>
+              <a:ext uri="{FF2B5EF4-FFF2-40B4-BE49-F238E27FC236}">
+                <a16:creationId xmlns:a16="http://schemas.microsoft.com/office/drawing/2014/main" id="{F853F3BB-FFFC-E7B2-8E92-64AE7A9C01E7}"/>
+              </a:ext>
+            </a:extLst>
+          </p:cNvPr>
+          <p:cNvPicPr>
+            <a:picLocks noChangeAspect="1"/>
+          </p:cNvPicPr>
+          <p:nvPr/>
+        </p:nvPicPr>
+        <p:blipFill>
+          <a:blip r:embed="rId2"/>
+          <a:stretch>
+            <a:fillRect/>
+          </a:stretch>
+        </p:blipFill>
         <p:spPr>
           <a:xfrm>
-            <a:off x="810065" y="809447"/>
-            <a:ext cx="10515600" cy="750840"/>
-          </a:xfrm>
-        </p:spPr>
-        <p:txBody>
-          <a:bodyPr/>
-          <a:lstStyle/>
-          <a:p>
-            <a:r>
-              <a:rPr lang="es-CL" dirty="0"/>
-              <a:t>Alcances y Limitaciones del Proyecto</a:t>
-            </a:r>
-          </a:p>
-        </p:txBody>
-      </p:sp>
-      <p:sp>
-        <p:nvSpPr>
-          <p:cNvPr id="5" name="CuadroTexto 4"/>
-          <p:cNvSpPr txBox="1"/>
-          <p:nvPr/>
-        </p:nvSpPr>
-        <p:spPr>
-          <a:xfrm>
-            <a:off x="1031395" y="1560287"/>
-            <a:ext cx="10072940" cy="3970318"/>
+            <a:off x="2166729" y="1158627"/>
+            <a:ext cx="9074427" cy="5334248"/>
           </a:xfrm>
           <a:prstGeom prst="rect">
             <a:avLst/>
           </a:prstGeom>
-          <a:noFill/>
         </p:spPr>
-        <p:txBody>
-          <a:bodyPr wrap="square" rtlCol="0">
-            <a:spAutoFit/>
-          </a:bodyPr>
-          <a:lstStyle/>
-          <a:p>
-            <a:r>
-              <a:rPr lang="es-CL" dirty="0"/>
-              <a:t>Que hace el Sistema: </a:t>
-            </a:r>
-          </a:p>
-          <a:p>
-            <a:endParaRPr lang="es-CL" dirty="0"/>
-          </a:p>
-          <a:p>
-            <a:endParaRPr lang="es-CL" dirty="0"/>
-          </a:p>
-          <a:p>
-            <a:endParaRPr lang="es-CL" dirty="0"/>
-          </a:p>
-          <a:p>
-            <a:endParaRPr lang="es-CL" dirty="0"/>
-          </a:p>
-          <a:p>
-            <a:endParaRPr lang="es-CL" dirty="0"/>
-          </a:p>
-          <a:p>
-            <a:endParaRPr lang="es-CL" dirty="0"/>
-          </a:p>
-          <a:p>
-            <a:r>
-              <a:rPr lang="es-CL" dirty="0"/>
-              <a:t>Qué no hace:</a:t>
-            </a:r>
-          </a:p>
-          <a:p>
-            <a:endParaRPr lang="es-CL" dirty="0"/>
-          </a:p>
-          <a:p>
-            <a:endParaRPr lang="es-CL" dirty="0"/>
-          </a:p>
-          <a:p>
-            <a:endParaRPr lang="es-CL" dirty="0"/>
-          </a:p>
-          <a:p>
-            <a:endParaRPr lang="es-CL" dirty="0"/>
-          </a:p>
-          <a:p>
-            <a:endParaRPr lang="es-CL" dirty="0"/>
-          </a:p>
-          <a:p>
-            <a:endParaRPr lang="es-CL" dirty="0"/>
-          </a:p>
-        </p:txBody>
-      </p:sp>
+      </p:pic>
     </p:spTree>
     <p:extLst>
       <p:ext uri="{BB962C8B-B14F-4D97-AF65-F5344CB8AC3E}">
-        <p14:creationId xmlns:p14="http://schemas.microsoft.com/office/powerpoint/2010/main" val="4008041286"/>
+        <p14:creationId xmlns:p14="http://schemas.microsoft.com/office/powerpoint/2010/main" val="2394569980"/>
       </p:ext>
     </p:extLst>
   </p:cSld>
@@ -8069,79 +7056,67 @@
       </p:grpSpPr>
       <p:sp>
         <p:nvSpPr>
-          <p:cNvPr id="4" name="Título 3"/>
-          <p:cNvSpPr>
-            <a:spLocks noGrp="1"/>
-          </p:cNvSpPr>
-          <p:nvPr>
-            <p:ph type="title"/>
-          </p:nvPr>
-        </p:nvSpPr>
-        <p:spPr>
-          <a:xfrm>
-            <a:off x="841416" y="1054442"/>
-            <a:ext cx="10515600" cy="752587"/>
-          </a:xfrm>
-        </p:spPr>
-        <p:txBody>
-          <a:bodyPr/>
-          <a:lstStyle/>
-          <a:p>
-            <a:r>
-              <a:rPr lang="es-CL" dirty="0"/>
-              <a:t>Lista de Requerimientos Funcionales</a:t>
-            </a:r>
-          </a:p>
-        </p:txBody>
-      </p:sp>
-      <p:sp>
-        <p:nvSpPr>
-          <p:cNvPr id="2" name="Rectángulo: esquinas redondeadas 1">
+          <p:cNvPr id="2" name="Título 1">
             <a:extLst>
               <a:ext uri="{FF2B5EF4-FFF2-40B4-BE49-F238E27FC236}">
-                <a16:creationId xmlns:a16="http://schemas.microsoft.com/office/drawing/2014/main" id="{E3D74629-6040-F658-DDEF-7F56A5261CFD}"/>
+                <a16:creationId xmlns:a16="http://schemas.microsoft.com/office/drawing/2014/main" id="{CB512CAF-5CD2-A11F-1EAA-A2D22D445ACD}"/>
               </a:ext>
             </a:extLst>
           </p:cNvPr>
-          <p:cNvSpPr/>
+          <p:cNvSpPr>
+            <a:spLocks noGrp="1"/>
+          </p:cNvSpPr>
+          <p:nvPr>
+            <p:ph type="title"/>
+          </p:nvPr>
+        </p:nvSpPr>
+        <p:spPr/>
+        <p:txBody>
+          <a:bodyPr/>
+          <a:lstStyle/>
+          <a:p>
+            <a:r>
+              <a:rPr lang="es-ES" dirty="0"/>
+              <a:t>TO BE</a:t>
+            </a:r>
+            <a:endParaRPr lang="es-CL" dirty="0"/>
+          </a:p>
+        </p:txBody>
+      </p:sp>
+      <p:pic>
+        <p:nvPicPr>
+          <p:cNvPr id="3" name="Imagen 2" descr="Gráfico, Gráfico de dispersión&#10;&#10;El contenido generado por IA puede ser incorrecto.">
+            <a:extLst>
+              <a:ext uri="{FF2B5EF4-FFF2-40B4-BE49-F238E27FC236}">
+                <a16:creationId xmlns:a16="http://schemas.microsoft.com/office/drawing/2014/main" id="{425EE4C5-751D-59AC-58D5-F686E3C9991F}"/>
+              </a:ext>
+            </a:extLst>
+          </p:cNvPr>
+          <p:cNvPicPr>
+            <a:picLocks noChangeAspect="1"/>
+          </p:cNvPicPr>
           <p:nvPr/>
-        </p:nvSpPr>
+        </p:nvPicPr>
+        <p:blipFill>
+          <a:blip r:embed="rId2"/>
+          <a:stretch>
+            <a:fillRect/>
+          </a:stretch>
+        </p:blipFill>
         <p:spPr>
           <a:xfrm>
-            <a:off x="839487" y="1923143"/>
-            <a:ext cx="10365542" cy="4332514"/>
+            <a:off x="2537792" y="805146"/>
+            <a:ext cx="8816008" cy="5923645"/>
           </a:xfrm>
-          <a:prstGeom prst="roundRect">
+          <a:prstGeom prst="rect">
             <a:avLst/>
           </a:prstGeom>
         </p:spPr>
-        <p:style>
-          <a:lnRef idx="2">
-            <a:schemeClr val="accent1"/>
-          </a:lnRef>
-          <a:fillRef idx="1">
-            <a:schemeClr val="lt1"/>
-          </a:fillRef>
-          <a:effectRef idx="0">
-            <a:schemeClr val="accent1"/>
-          </a:effectRef>
-          <a:fontRef idx="minor">
-            <a:schemeClr val="dk1"/>
-          </a:fontRef>
-        </p:style>
-        <p:txBody>
-          <a:bodyPr rtlCol="0" anchor="ctr"/>
-          <a:lstStyle/>
-          <a:p>
-            <a:pPr algn="ctr"/>
-            <a:endParaRPr lang="es-CL" dirty="0"/>
-          </a:p>
-        </p:txBody>
-      </p:sp>
+      </p:pic>
     </p:spTree>
     <p:extLst>
       <p:ext uri="{BB962C8B-B14F-4D97-AF65-F5344CB8AC3E}">
-        <p14:creationId xmlns:p14="http://schemas.microsoft.com/office/powerpoint/2010/main" val="1504090147"/>
+        <p14:creationId xmlns:p14="http://schemas.microsoft.com/office/powerpoint/2010/main" val="448626047"/>
       </p:ext>
     </p:extLst>
   </p:cSld>
@@ -8180,8 +7155,8 @@
         </p:nvSpPr>
         <p:spPr>
           <a:xfrm>
-            <a:off x="841416" y="1054443"/>
-            <a:ext cx="10515600" cy="723558"/>
+            <a:off x="810065" y="809447"/>
+            <a:ext cx="10515600" cy="750840"/>
           </a:xfrm>
         </p:spPr>
         <p:txBody>
@@ -8190,51 +7165,130 @@
           <a:p>
             <a:r>
               <a:rPr lang="es-CL" dirty="0"/>
-              <a:t>Lista de Requerimientos No Funcionales</a:t>
-            </a:r>
-          </a:p>
-        </p:txBody>
-      </p:sp>
-      <p:sp>
-        <p:nvSpPr>
-          <p:cNvPr id="2" name="Rectángulo: esquinas redondeadas 1">
-            <a:extLst>
-              <a:ext uri="{FF2B5EF4-FFF2-40B4-BE49-F238E27FC236}">
-                <a16:creationId xmlns:a16="http://schemas.microsoft.com/office/drawing/2014/main" id="{62A002D9-9DE7-CEF6-1EEE-9402516FA7DD}"/>
-              </a:ext>
-            </a:extLst>
-          </p:cNvPr>
-          <p:cNvSpPr/>
+              <a:t>Alcances y Limitaciones del Proyecto</a:t>
+            </a:r>
+          </a:p>
+        </p:txBody>
+      </p:sp>
+      <p:sp>
+        <p:nvSpPr>
+          <p:cNvPr id="5" name="CuadroTexto 4"/>
+          <p:cNvSpPr txBox="1"/>
           <p:nvPr/>
         </p:nvSpPr>
         <p:spPr>
           <a:xfrm>
-            <a:off x="948344" y="1988457"/>
-            <a:ext cx="10314742" cy="4223657"/>
+            <a:off x="1031395" y="1560287"/>
+            <a:ext cx="10072940" cy="5078313"/>
           </a:xfrm>
-          <a:prstGeom prst="roundRect">
+          <a:prstGeom prst="rect">
             <a:avLst/>
           </a:prstGeom>
+          <a:noFill/>
         </p:spPr>
-        <p:style>
-          <a:lnRef idx="2">
-            <a:schemeClr val="accent1"/>
-          </a:lnRef>
-          <a:fillRef idx="1">
-            <a:schemeClr val="lt1"/>
-          </a:fillRef>
-          <a:effectRef idx="0">
-            <a:schemeClr val="accent1"/>
-          </a:effectRef>
-          <a:fontRef idx="minor">
-            <a:schemeClr val="dk1"/>
-          </a:fontRef>
-        </p:style>
-        <p:txBody>
-          <a:bodyPr rtlCol="0" anchor="ctr"/>
-          <a:lstStyle/>
-          <a:p>
-            <a:pPr algn="ctr"/>
+        <p:txBody>
+          <a:bodyPr wrap="square" rtlCol="0">
+            <a:spAutoFit/>
+          </a:bodyPr>
+          <a:lstStyle/>
+          <a:p>
+            <a:r>
+              <a:rPr lang="es-CL" dirty="0"/>
+              <a:t>Que hace el Sistema:</a:t>
+            </a:r>
+          </a:p>
+          <a:p>
+            <a:r>
+              <a:rPr lang="es-ES" dirty="0"/>
+              <a:t>Gestiona solicitudes y reservas</a:t>
+            </a:r>
+          </a:p>
+          <a:p>
+            <a:r>
+              <a:rPr lang="es-ES" dirty="0"/>
+              <a:t>automatiza notificaciones</a:t>
+            </a:r>
+          </a:p>
+          <a:p>
+            <a:r>
+              <a:rPr lang="es-ES" dirty="0"/>
+              <a:t>permite administrar usuarios</a:t>
+            </a:r>
+          </a:p>
+          <a:p>
+            <a:r>
+              <a:rPr lang="es-ES" dirty="0"/>
+              <a:t>genera reportes PDF/XLS</a:t>
+            </a:r>
+          </a:p>
+          <a:p>
+            <a:r>
+              <a:rPr lang="es-ES" dirty="0"/>
+              <a:t>muestra métricas en el </a:t>
+            </a:r>
+            <a:r>
+              <a:rPr lang="es-ES" dirty="0" err="1"/>
+              <a:t>Dashboard</a:t>
+            </a:r>
+            <a:r>
+              <a:rPr lang="es-ES" dirty="0"/>
+              <a:t> y registra auditoría.</a:t>
+            </a:r>
+            <a:r>
+              <a:rPr lang="es-CL" dirty="0"/>
+              <a:t> </a:t>
+            </a:r>
+          </a:p>
+          <a:p>
+            <a:endParaRPr lang="es-CL" dirty="0"/>
+          </a:p>
+          <a:p>
+            <a:r>
+              <a:rPr lang="es-CL" dirty="0"/>
+              <a:t>Qué no hace:</a:t>
+            </a:r>
+          </a:p>
+          <a:p>
+            <a:r>
+              <a:rPr lang="es-ES" dirty="0"/>
+              <a:t>No gestiona pagos</a:t>
+            </a:r>
+          </a:p>
+          <a:p>
+            <a:r>
+              <a:rPr lang="es-ES" dirty="0"/>
+              <a:t> no se integra con sistemas institucionales externos</a:t>
+            </a:r>
+          </a:p>
+          <a:p>
+            <a:r>
+              <a:rPr lang="es-ES" dirty="0"/>
+              <a:t>no reemplaza plataformas oficiales</a:t>
+            </a:r>
+          </a:p>
+          <a:p>
+            <a:r>
+              <a:rPr lang="es-ES" dirty="0"/>
+              <a:t> no incluye app móvil ni módulos académicos como notas o matrículas.</a:t>
+            </a:r>
+            <a:endParaRPr lang="es-CL" dirty="0"/>
+          </a:p>
+          <a:p>
+            <a:endParaRPr lang="es-CL" dirty="0"/>
+          </a:p>
+          <a:p>
+            <a:endParaRPr lang="es-CL" dirty="0"/>
+          </a:p>
+          <a:p>
+            <a:endParaRPr lang="es-CL" dirty="0"/>
+          </a:p>
+          <a:p>
+            <a:endParaRPr lang="es-CL" dirty="0"/>
+          </a:p>
+          <a:p>
+            <a:endParaRPr lang="es-CL" dirty="0"/>
+          </a:p>
+          <a:p>
             <a:endParaRPr lang="es-CL" dirty="0"/>
           </a:p>
         </p:txBody>
@@ -8242,7 +7296,7 @@
     </p:spTree>
     <p:extLst>
       <p:ext uri="{BB962C8B-B14F-4D97-AF65-F5344CB8AC3E}">
-        <p14:creationId xmlns:p14="http://schemas.microsoft.com/office/powerpoint/2010/main" val="1536547732"/>
+        <p14:creationId xmlns:p14="http://schemas.microsoft.com/office/powerpoint/2010/main" val="4008041286"/>
       </p:ext>
     </p:extLst>
   </p:cSld>
@@ -8281,74 +7335,99 @@
         </p:nvSpPr>
         <p:spPr>
           <a:xfrm>
-            <a:off x="641252" y="1068511"/>
-            <a:ext cx="10515600" cy="520804"/>
+            <a:off x="841416" y="1054442"/>
+            <a:ext cx="10515600" cy="752587"/>
           </a:xfrm>
         </p:spPr>
         <p:txBody>
-          <a:bodyPr>
-            <a:normAutofit fontScale="90000"/>
-          </a:bodyPr>
+          <a:bodyPr/>
           <a:lstStyle/>
           <a:p>
             <a:r>
               <a:rPr lang="es-CL" dirty="0"/>
-              <a:t>Diseño del Sistema</a:t>
-            </a:r>
-          </a:p>
-        </p:txBody>
-      </p:sp>
-      <p:sp>
-        <p:nvSpPr>
-          <p:cNvPr id="5" name="CuadroTexto 4"/>
-          <p:cNvSpPr txBox="1"/>
+              <a:t>Lista de Requerimientos Funcionales</a:t>
+            </a:r>
+          </a:p>
+        </p:txBody>
+      </p:sp>
+      <p:sp>
+        <p:nvSpPr>
+          <p:cNvPr id="2" name="Rectángulo: esquinas redondeadas 1">
+            <a:extLst>
+              <a:ext uri="{FF2B5EF4-FFF2-40B4-BE49-F238E27FC236}">
+                <a16:creationId xmlns:a16="http://schemas.microsoft.com/office/drawing/2014/main" id="{E3D74629-6040-F658-DDEF-7F56A5261CFD}"/>
+              </a:ext>
+            </a:extLst>
+          </p:cNvPr>
+          <p:cNvSpPr/>
           <p:nvPr/>
         </p:nvSpPr>
         <p:spPr>
           <a:xfrm>
-            <a:off x="757367" y="1848356"/>
-            <a:ext cx="9990462" cy="2031325"/>
+            <a:off x="839487" y="1923143"/>
+            <a:ext cx="10365542" cy="4332514"/>
+          </a:xfrm>
+          <a:prstGeom prst="roundRect">
+            <a:avLst/>
+          </a:prstGeom>
+        </p:spPr>
+        <p:style>
+          <a:lnRef idx="2">
+            <a:schemeClr val="accent1"/>
+          </a:lnRef>
+          <a:fillRef idx="1">
+            <a:schemeClr val="lt1"/>
+          </a:fillRef>
+          <a:effectRef idx="0">
+            <a:schemeClr val="accent1"/>
+          </a:effectRef>
+          <a:fontRef idx="minor">
+            <a:schemeClr val="dk1"/>
+          </a:fontRef>
+        </p:style>
+        <p:txBody>
+          <a:bodyPr rtlCol="0" anchor="ctr"/>
+          <a:lstStyle/>
+          <a:p>
+            <a:pPr algn="ctr"/>
+            <a:endParaRPr lang="es-CL" dirty="0"/>
+          </a:p>
+        </p:txBody>
+      </p:sp>
+      <p:pic>
+        <p:nvPicPr>
+          <p:cNvPr id="5" name="Imagen 4" descr="Imagen que contiene Interfaz de usuario gráfica&#10;&#10;El contenido generado por IA puede ser incorrecto.">
+            <a:extLst>
+              <a:ext uri="{FF2B5EF4-FFF2-40B4-BE49-F238E27FC236}">
+                <a16:creationId xmlns:a16="http://schemas.microsoft.com/office/drawing/2014/main" id="{6F750A21-28E5-7BCE-1DE6-1A0F602319CD}"/>
+              </a:ext>
+            </a:extLst>
+          </p:cNvPr>
+          <p:cNvPicPr>
+            <a:picLocks noChangeAspect="1"/>
+          </p:cNvPicPr>
+          <p:nvPr/>
+        </p:nvPicPr>
+        <p:blipFill>
+          <a:blip r:embed="rId2"/>
+          <a:stretch>
+            <a:fillRect/>
+          </a:stretch>
+        </p:blipFill>
+        <p:spPr>
+          <a:xfrm>
+            <a:off x="1270552" y="2117517"/>
+            <a:ext cx="9650895" cy="3686041"/>
           </a:xfrm>
           <a:prstGeom prst="rect">
             <a:avLst/>
           </a:prstGeom>
-          <a:noFill/>
         </p:spPr>
-        <p:txBody>
-          <a:bodyPr wrap="square" rtlCol="0">
-            <a:spAutoFit/>
-          </a:bodyPr>
-          <a:lstStyle/>
-          <a:p>
-            <a:r>
-              <a:rPr lang="es-CL" dirty="0"/>
-              <a:t>Modelo Datos Relacional</a:t>
-            </a:r>
-          </a:p>
-          <a:p>
-            <a:endParaRPr lang="es-CL" dirty="0"/>
-          </a:p>
-          <a:p>
-            <a:endParaRPr lang="es-CL" dirty="0"/>
-          </a:p>
-          <a:p>
-            <a:endParaRPr lang="es-CL" dirty="0"/>
-          </a:p>
-          <a:p>
-            <a:endParaRPr lang="es-CL" dirty="0"/>
-          </a:p>
-          <a:p>
-            <a:endParaRPr lang="es-CL" dirty="0"/>
-          </a:p>
-          <a:p>
-            <a:endParaRPr lang="es-CL" dirty="0"/>
-          </a:p>
-        </p:txBody>
-      </p:sp>
+      </p:pic>
     </p:spTree>
     <p:extLst>
       <p:ext uri="{BB962C8B-B14F-4D97-AF65-F5344CB8AC3E}">
-        <p14:creationId xmlns:p14="http://schemas.microsoft.com/office/powerpoint/2010/main" val="595374631"/>
+        <p14:creationId xmlns:p14="http://schemas.microsoft.com/office/powerpoint/2010/main" val="1504090147"/>
       </p:ext>
     </p:extLst>
   </p:cSld>
@@ -8387,74 +7466,99 @@
         </p:nvSpPr>
         <p:spPr>
           <a:xfrm>
-            <a:off x="641252" y="1068511"/>
-            <a:ext cx="10515600" cy="644176"/>
+            <a:off x="841416" y="1054443"/>
+            <a:ext cx="10515600" cy="723558"/>
           </a:xfrm>
         </p:spPr>
         <p:txBody>
-          <a:bodyPr>
-            <a:normAutofit fontScale="90000"/>
-          </a:bodyPr>
+          <a:bodyPr/>
           <a:lstStyle/>
           <a:p>
             <a:r>
               <a:rPr lang="es-CL" dirty="0"/>
-              <a:t>Diseño del Sistema</a:t>
-            </a:r>
-          </a:p>
-        </p:txBody>
-      </p:sp>
-      <p:sp>
-        <p:nvSpPr>
-          <p:cNvPr id="5" name="CuadroTexto 4"/>
-          <p:cNvSpPr txBox="1"/>
+              <a:t>Lista de Requerimientos No Funcionales</a:t>
+            </a:r>
+          </a:p>
+        </p:txBody>
+      </p:sp>
+      <p:sp>
+        <p:nvSpPr>
+          <p:cNvPr id="2" name="Rectángulo: esquinas redondeadas 1">
+            <a:extLst>
+              <a:ext uri="{FF2B5EF4-FFF2-40B4-BE49-F238E27FC236}">
+                <a16:creationId xmlns:a16="http://schemas.microsoft.com/office/drawing/2014/main" id="{62A002D9-9DE7-CEF6-1EEE-9402516FA7DD}"/>
+              </a:ext>
+            </a:extLst>
+          </p:cNvPr>
+          <p:cNvSpPr/>
           <p:nvPr/>
         </p:nvSpPr>
         <p:spPr>
           <a:xfrm>
-            <a:off x="725714" y="1712687"/>
-            <a:ext cx="10825034" cy="2031325"/>
+            <a:off x="948344" y="1988457"/>
+            <a:ext cx="10314742" cy="4223657"/>
+          </a:xfrm>
+          <a:prstGeom prst="roundRect">
+            <a:avLst/>
+          </a:prstGeom>
+        </p:spPr>
+        <p:style>
+          <a:lnRef idx="2">
+            <a:schemeClr val="accent1"/>
+          </a:lnRef>
+          <a:fillRef idx="1">
+            <a:schemeClr val="lt1"/>
+          </a:fillRef>
+          <a:effectRef idx="0">
+            <a:schemeClr val="accent1"/>
+          </a:effectRef>
+          <a:fontRef idx="minor">
+            <a:schemeClr val="dk1"/>
+          </a:fontRef>
+        </p:style>
+        <p:txBody>
+          <a:bodyPr rtlCol="0" anchor="ctr"/>
+          <a:lstStyle/>
+          <a:p>
+            <a:pPr algn="ctr"/>
+            <a:endParaRPr lang="es-CL" dirty="0"/>
+          </a:p>
+        </p:txBody>
+      </p:sp>
+      <p:pic>
+        <p:nvPicPr>
+          <p:cNvPr id="5" name="Imagen 4">
+            <a:extLst>
+              <a:ext uri="{FF2B5EF4-FFF2-40B4-BE49-F238E27FC236}">
+                <a16:creationId xmlns:a16="http://schemas.microsoft.com/office/drawing/2014/main" id="{5DACFE7A-7C07-8768-99DD-A8D77745B131}"/>
+              </a:ext>
+            </a:extLst>
+          </p:cNvPr>
+          <p:cNvPicPr>
+            <a:picLocks noChangeAspect="1"/>
+          </p:cNvPicPr>
+          <p:nvPr/>
+        </p:nvPicPr>
+        <p:blipFill>
+          <a:blip r:embed="rId2"/>
+          <a:stretch>
+            <a:fillRect/>
+          </a:stretch>
+        </p:blipFill>
+        <p:spPr>
+          <a:xfrm>
+            <a:off x="1220632" y="2422616"/>
+            <a:ext cx="9770165" cy="3212872"/>
           </a:xfrm>
           <a:prstGeom prst="rect">
             <a:avLst/>
           </a:prstGeom>
-          <a:noFill/>
         </p:spPr>
-        <p:txBody>
-          <a:bodyPr wrap="square" rtlCol="0">
-            <a:spAutoFit/>
-          </a:bodyPr>
-          <a:lstStyle/>
-          <a:p>
-            <a:r>
-              <a:rPr lang="es-CL" dirty="0"/>
-              <a:t>Diagrama de Caso Uso</a:t>
-            </a:r>
-          </a:p>
-          <a:p>
-            <a:endParaRPr lang="es-CL" dirty="0"/>
-          </a:p>
-          <a:p>
-            <a:endParaRPr lang="es-CL" dirty="0"/>
-          </a:p>
-          <a:p>
-            <a:endParaRPr lang="es-CL" dirty="0"/>
-          </a:p>
-          <a:p>
-            <a:endParaRPr lang="es-CL" dirty="0"/>
-          </a:p>
-          <a:p>
-            <a:endParaRPr lang="es-CL" dirty="0"/>
-          </a:p>
-          <a:p>
-            <a:endParaRPr lang="es-CL" dirty="0"/>
-          </a:p>
-        </p:txBody>
-      </p:sp>
+      </p:pic>
     </p:spTree>
     <p:extLst>
       <p:ext uri="{BB962C8B-B14F-4D97-AF65-F5344CB8AC3E}">
-        <p14:creationId xmlns:p14="http://schemas.microsoft.com/office/powerpoint/2010/main" val="2615537357"/>
+        <p14:creationId xmlns:p14="http://schemas.microsoft.com/office/powerpoint/2010/main" val="1536547732"/>
       </p:ext>
     </p:extLst>
   </p:cSld>

--- a/fase3/Documentacion Asignatura PTY4614/Estructura Presentación Final-Capstone.pptx
+++ b/fase3/Documentacion Asignatura PTY4614/Estructura Presentación Final-Capstone.pptx
@@ -20,12 +20,19 @@
     <p:sldId id="276" r:id="rId14"/>
     <p:sldId id="267" r:id="rId15"/>
     <p:sldId id="274" r:id="rId16"/>
-    <p:sldId id="290" r:id="rId17"/>
-    <p:sldId id="289" r:id="rId18"/>
-    <p:sldId id="293" r:id="rId19"/>
-    <p:sldId id="286" r:id="rId20"/>
-    <p:sldId id="265" r:id="rId21"/>
-    <p:sldId id="287" r:id="rId22"/>
+    <p:sldId id="295" r:id="rId17"/>
+    <p:sldId id="296" r:id="rId18"/>
+    <p:sldId id="297" r:id="rId19"/>
+    <p:sldId id="298" r:id="rId20"/>
+    <p:sldId id="299" r:id="rId21"/>
+    <p:sldId id="300" r:id="rId22"/>
+    <p:sldId id="301" r:id="rId23"/>
+    <p:sldId id="290" r:id="rId24"/>
+    <p:sldId id="289" r:id="rId25"/>
+    <p:sldId id="293" r:id="rId26"/>
+    <p:sldId id="286" r:id="rId27"/>
+    <p:sldId id="265" r:id="rId28"/>
+    <p:sldId id="287" r:id="rId29"/>
   </p:sldIdLst>
   <p:sldSz cx="12192000" cy="6858000"/>
   <p:notesSz cx="6858000" cy="9144000"/>
@@ -263,7 +270,7 @@
           <a:p>
             <a:fld id="{C56040A3-26B0-41B9-8D0E-A6E2BE76A0F6}" type="datetimeFigureOut">
               <a:rPr lang="es-CL" smtClean="0"/>
-              <a:t>08-12-2025</a:t>
+              <a:t>09-12-2025</a:t>
             </a:fld>
             <a:endParaRPr lang="es-CL"/>
           </a:p>
@@ -433,7 +440,7 @@
           <a:p>
             <a:fld id="{C56040A3-26B0-41B9-8D0E-A6E2BE76A0F6}" type="datetimeFigureOut">
               <a:rPr lang="es-CL" smtClean="0"/>
-              <a:t>08-12-2025</a:t>
+              <a:t>09-12-2025</a:t>
             </a:fld>
             <a:endParaRPr lang="es-CL"/>
           </a:p>
@@ -613,7 +620,7 @@
           <a:p>
             <a:fld id="{C56040A3-26B0-41B9-8D0E-A6E2BE76A0F6}" type="datetimeFigureOut">
               <a:rPr lang="es-CL" smtClean="0"/>
-              <a:t>08-12-2025</a:t>
+              <a:t>09-12-2025</a:t>
             </a:fld>
             <a:endParaRPr lang="es-CL"/>
           </a:p>
@@ -783,7 +790,7 @@
           <a:p>
             <a:fld id="{C56040A3-26B0-41B9-8D0E-A6E2BE76A0F6}" type="datetimeFigureOut">
               <a:rPr lang="es-CL" smtClean="0"/>
-              <a:t>08-12-2025</a:t>
+              <a:t>09-12-2025</a:t>
             </a:fld>
             <a:endParaRPr lang="es-CL"/>
           </a:p>
@@ -1029,7 +1036,7 @@
           <a:p>
             <a:fld id="{C56040A3-26B0-41B9-8D0E-A6E2BE76A0F6}" type="datetimeFigureOut">
               <a:rPr lang="es-CL" smtClean="0"/>
-              <a:t>08-12-2025</a:t>
+              <a:t>09-12-2025</a:t>
             </a:fld>
             <a:endParaRPr lang="es-CL"/>
           </a:p>
@@ -1261,7 +1268,7 @@
           <a:p>
             <a:fld id="{C56040A3-26B0-41B9-8D0E-A6E2BE76A0F6}" type="datetimeFigureOut">
               <a:rPr lang="es-CL" smtClean="0"/>
-              <a:t>08-12-2025</a:t>
+              <a:t>09-12-2025</a:t>
             </a:fld>
             <a:endParaRPr lang="es-CL"/>
           </a:p>
@@ -1628,7 +1635,7 @@
           <a:p>
             <a:fld id="{C56040A3-26B0-41B9-8D0E-A6E2BE76A0F6}" type="datetimeFigureOut">
               <a:rPr lang="es-CL" smtClean="0"/>
-              <a:t>08-12-2025</a:t>
+              <a:t>09-12-2025</a:t>
             </a:fld>
             <a:endParaRPr lang="es-CL"/>
           </a:p>
@@ -1746,7 +1753,7 @@
           <a:p>
             <a:fld id="{C56040A3-26B0-41B9-8D0E-A6E2BE76A0F6}" type="datetimeFigureOut">
               <a:rPr lang="es-CL" smtClean="0"/>
-              <a:t>08-12-2025</a:t>
+              <a:t>09-12-2025</a:t>
             </a:fld>
             <a:endParaRPr lang="es-CL"/>
           </a:p>
@@ -1841,7 +1848,7 @@
           <a:p>
             <a:fld id="{C56040A3-26B0-41B9-8D0E-A6E2BE76A0F6}" type="datetimeFigureOut">
               <a:rPr lang="es-CL" smtClean="0"/>
-              <a:t>08-12-2025</a:t>
+              <a:t>09-12-2025</a:t>
             </a:fld>
             <a:endParaRPr lang="es-CL"/>
           </a:p>
@@ -2118,7 +2125,7 @@
           <a:p>
             <a:fld id="{C56040A3-26B0-41B9-8D0E-A6E2BE76A0F6}" type="datetimeFigureOut">
               <a:rPr lang="es-CL" smtClean="0"/>
-              <a:t>08-12-2025</a:t>
+              <a:t>09-12-2025</a:t>
             </a:fld>
             <a:endParaRPr lang="es-CL"/>
           </a:p>
@@ -2371,7 +2378,7 @@
           <a:p>
             <a:fld id="{C56040A3-26B0-41B9-8D0E-A6E2BE76A0F6}" type="datetimeFigureOut">
               <a:rPr lang="es-CL" smtClean="0"/>
-              <a:t>08-12-2025</a:t>
+              <a:t>09-12-2025</a:t>
             </a:fld>
             <a:endParaRPr lang="es-CL"/>
           </a:p>
@@ -2593,7 +2600,7 @@
           <a:p>
             <a:fld id="{C56040A3-26B0-41B9-8D0E-A6E2BE76A0F6}" type="datetimeFigureOut">
               <a:rPr lang="es-CL" smtClean="0"/>
-              <a:t>08-12-2025</a:t>
+              <a:t>09-12-2025</a:t>
             </a:fld>
             <a:endParaRPr lang="es-CL"/>
           </a:p>
@@ -3178,14 +3185,15 @@
               </a:ext>
             </a:extLst>
           </a:blip>
+          <a:srcRect b="-1804"/>
           <a:stretch>
             <a:fillRect/>
           </a:stretch>
         </p:blipFill>
         <p:spPr>
           <a:xfrm>
-            <a:off x="2607494" y="1485304"/>
-            <a:ext cx="6223000" cy="4667250"/>
+            <a:off x="2414454" y="1437369"/>
+            <a:ext cx="6953066" cy="5308871"/>
           </a:xfrm>
           <a:prstGeom prst="rect">
             <a:avLst/>
@@ -3445,8 +3453,8 @@
         </p:blipFill>
         <p:spPr bwMode="auto">
           <a:xfrm>
-            <a:off x="2456542" y="1998298"/>
-            <a:ext cx="7754257" cy="4365201"/>
+            <a:off x="2121262" y="1865088"/>
+            <a:ext cx="8261611" cy="4650812"/>
           </a:xfrm>
           <a:prstGeom prst="rect">
             <a:avLst/>
@@ -4666,6 +4674,299 @@
           </a:p>
         </p:txBody>
       </p:sp>
+      <p:sp>
+        <p:nvSpPr>
+          <p:cNvPr id="2" name="Rectangle 4">
+            <a:extLst>
+              <a:ext uri="{FF2B5EF4-FFF2-40B4-BE49-F238E27FC236}">
+                <a16:creationId xmlns:a16="http://schemas.microsoft.com/office/drawing/2014/main" id="{8C253C80-BACD-3687-F33A-1DA604A0CA55}"/>
+              </a:ext>
+            </a:extLst>
+          </p:cNvPr>
+          <p:cNvSpPr>
+            <a:spLocks noChangeArrowheads="1"/>
+          </p:cNvSpPr>
+          <p:nvPr/>
+        </p:nvSpPr>
+        <p:spPr bwMode="auto">
+          <a:xfrm>
+            <a:off x="1087120" y="2331357"/>
+            <a:ext cx="8432800" cy="830997"/>
+          </a:xfrm>
+          <a:prstGeom prst="rect">
+            <a:avLst/>
+          </a:prstGeom>
+          <a:noFill/>
+          <a:ln>
+            <a:noFill/>
+          </a:ln>
+          <a:effectLst/>
+          <a:extLst>
+            <a:ext uri="{909E8E84-426E-40DD-AFC4-6F175D3DCCD1}">
+              <a14:hiddenFill xmlns:a14="http://schemas.microsoft.com/office/drawing/2010/main">
+                <a:solidFill>
+                  <a:schemeClr val="accent1"/>
+                </a:solidFill>
+              </a14:hiddenFill>
+            </a:ext>
+            <a:ext uri="{91240B29-F687-4F45-9708-019B960494DF}">
+              <a14:hiddenLine xmlns:a14="http://schemas.microsoft.com/office/drawing/2010/main" w="9525">
+                <a:solidFill>
+                  <a:schemeClr val="tx1"/>
+                </a:solidFill>
+                <a:miter lim="800000"/>
+                <a:headEnd/>
+                <a:tailEnd/>
+              </a14:hiddenLine>
+            </a:ext>
+            <a:ext uri="{AF507438-7753-43E0-B8FC-AC1667EBCBE1}">
+              <a14:hiddenEffects xmlns:a14="http://schemas.microsoft.com/office/drawing/2010/main">
+                <a:effectLst>
+                  <a:outerShdw dist="35921" dir="2700000" algn="ctr" rotWithShape="0">
+                    <a:schemeClr val="bg2"/>
+                  </a:outerShdw>
+                </a:effectLst>
+              </a14:hiddenEffects>
+            </a:ext>
+          </a:extLst>
+        </p:spPr>
+        <p:txBody>
+          <a:bodyPr vert="horz" wrap="square" lIns="91440" tIns="45720" rIns="91440" bIns="45720" numCol="1" anchor="ctr" anchorCtr="0" compatLnSpc="1">
+            <a:prstTxWarp prst="textNoShape">
+              <a:avLst/>
+            </a:prstTxWarp>
+            <a:spAutoFit/>
+          </a:bodyPr>
+          <a:lstStyle/>
+          <a:p>
+            <a:pPr marL="0" marR="0" lvl="0" indent="0" algn="l" defTabSz="914400" rtl="0" eaLnBrk="0" fontAlgn="base" latinLnBrk="0" hangingPunct="0">
+              <a:lnSpc>
+                <a:spcPct val="100000"/>
+              </a:lnSpc>
+              <a:spcBef>
+                <a:spcPct val="0"/>
+              </a:spcBef>
+              <a:spcAft>
+                <a:spcPct val="0"/>
+              </a:spcAft>
+              <a:buClrTx/>
+              <a:buSzTx/>
+              <a:buFontTx/>
+              <a:buNone/>
+              <a:tabLst/>
+            </a:pPr>
+            <a:r>
+              <a:rPr kumimoji="0" lang="es-CL" altLang="es-CL" sz="1600" b="0" i="0" u="none" strike="noStrike" cap="none" normalizeH="0" baseline="0" dirty="0">
+                <a:ln>
+                  <a:noFill/>
+                </a:ln>
+                <a:solidFill>
+                  <a:srgbClr val="000000"/>
+                </a:solidFill>
+                <a:effectLst/>
+                <a:latin typeface="Aptos" panose="020B0004020202020204" pitchFamily="34" charset="0"/>
+                <a:ea typeface="Calibri" panose="020F0502020204030204" pitchFamily="34" charset="0"/>
+                <a:cs typeface="Times New Roman" panose="02020603050405020304" pitchFamily="18" charset="0"/>
+              </a:rPr>
+              <a:t>Pruebas Funcionales</a:t>
+            </a:r>
+            <a:r>
+              <a:rPr kumimoji="0" lang="es-CL" altLang="es-CL" sz="1600" b="0" i="0" u="none" strike="noStrike" cap="none" normalizeH="0" baseline="0" dirty="0">
+                <a:ln>
+                  <a:noFill/>
+                </a:ln>
+                <a:solidFill>
+                  <a:schemeClr val="tx1"/>
+                </a:solidFill>
+                <a:effectLst/>
+                <a:latin typeface="Aptos" panose="020B0004020202020204" pitchFamily="34" charset="0"/>
+                <a:ea typeface="Aptos" panose="020B0004020202020204" pitchFamily="34" charset="0"/>
+                <a:cs typeface="Times New Roman" panose="02020603050405020304" pitchFamily="18" charset="0"/>
+              </a:rPr>
+              <a:t> </a:t>
+            </a:r>
+            <a:endParaRPr kumimoji="0" lang="es-CL" altLang="es-CL" sz="1600" b="0" i="0" u="none" strike="noStrike" cap="none" normalizeH="0" baseline="0" dirty="0">
+              <a:ln>
+                <a:noFill/>
+              </a:ln>
+              <a:solidFill>
+                <a:schemeClr val="tx1"/>
+              </a:solidFill>
+              <a:effectLst/>
+            </a:endParaRPr>
+          </a:p>
+          <a:p>
+            <a:pPr marL="0" marR="0" lvl="0" indent="0" algn="l" defTabSz="914400" rtl="0" eaLnBrk="0" fontAlgn="base" latinLnBrk="0" hangingPunct="0">
+              <a:lnSpc>
+                <a:spcPct val="100000"/>
+              </a:lnSpc>
+              <a:spcBef>
+                <a:spcPct val="0"/>
+              </a:spcBef>
+              <a:spcAft>
+                <a:spcPct val="0"/>
+              </a:spcAft>
+              <a:buClrTx/>
+              <a:buSzTx/>
+              <a:buFontTx/>
+              <a:buNone/>
+              <a:tabLst/>
+            </a:pPr>
+            <a:r>
+              <a:rPr kumimoji="0" lang="es-CL" altLang="es-CL" sz="1600" b="0" i="0" u="none" strike="noStrike" cap="none" normalizeH="0" baseline="0" dirty="0">
+                <a:ln>
+                  <a:noFill/>
+                </a:ln>
+                <a:solidFill>
+                  <a:schemeClr val="tx1"/>
+                </a:solidFill>
+                <a:effectLst/>
+                <a:latin typeface="Aptos" panose="020B0004020202020204" pitchFamily="34" charset="0"/>
+                <a:ea typeface="Aptos" panose="020B0004020202020204" pitchFamily="34" charset="0"/>
+                <a:cs typeface="Times New Roman" panose="02020603050405020304" pitchFamily="18" charset="0"/>
+              </a:rPr>
+              <a:t>Verificar flujos completos de solicitud aprobada</a:t>
+            </a:r>
+            <a:endParaRPr kumimoji="0" lang="es-CL" altLang="es-CL" sz="1600" b="0" i="0" u="none" strike="noStrike" cap="none" normalizeH="0" baseline="0" dirty="0">
+              <a:ln>
+                <a:noFill/>
+              </a:ln>
+              <a:solidFill>
+                <a:schemeClr val="tx1"/>
+              </a:solidFill>
+              <a:effectLst/>
+            </a:endParaRPr>
+          </a:p>
+          <a:p>
+            <a:pPr marL="0" marR="0" lvl="0" indent="0" algn="l" defTabSz="914400" rtl="0" eaLnBrk="0" fontAlgn="base" latinLnBrk="0" hangingPunct="0">
+              <a:lnSpc>
+                <a:spcPct val="100000"/>
+              </a:lnSpc>
+              <a:spcBef>
+                <a:spcPct val="0"/>
+              </a:spcBef>
+              <a:spcAft>
+                <a:spcPct val="0"/>
+              </a:spcAft>
+              <a:buClrTx/>
+              <a:buSzTx/>
+              <a:buFontTx/>
+              <a:buNone/>
+              <a:tabLst/>
+            </a:pPr>
+            <a:endParaRPr kumimoji="0" lang="es-CL" altLang="es-CL" sz="1600" b="0" i="0" u="none" strike="noStrike" cap="none" normalizeH="0" baseline="0" dirty="0">
+              <a:ln>
+                <a:noFill/>
+              </a:ln>
+              <a:solidFill>
+                <a:schemeClr val="tx1"/>
+              </a:solidFill>
+              <a:effectLst/>
+              <a:latin typeface="Arial" panose="020B0604020202020204" pitchFamily="34" charset="0"/>
+            </a:endParaRPr>
+          </a:p>
+        </p:txBody>
+      </p:sp>
+      <p:sp>
+        <p:nvSpPr>
+          <p:cNvPr id="3" name="Rectangle 5">
+            <a:extLst>
+              <a:ext uri="{FF2B5EF4-FFF2-40B4-BE49-F238E27FC236}">
+                <a16:creationId xmlns:a16="http://schemas.microsoft.com/office/drawing/2014/main" id="{A4EBD192-F4BA-4DB0-E521-08FBF5BC25B8}"/>
+              </a:ext>
+            </a:extLst>
+          </p:cNvPr>
+          <p:cNvSpPr>
+            <a:spLocks noChangeArrowheads="1"/>
+          </p:cNvSpPr>
+          <p:nvPr/>
+        </p:nvSpPr>
+        <p:spPr bwMode="auto">
+          <a:xfrm>
+            <a:off x="0" y="2111375"/>
+            <a:ext cx="12192000" cy="457200"/>
+          </a:xfrm>
+          <a:prstGeom prst="rect">
+            <a:avLst/>
+          </a:prstGeom>
+          <a:noFill/>
+          <a:ln>
+            <a:noFill/>
+          </a:ln>
+          <a:effectLst/>
+          <a:extLst>
+            <a:ext uri="{909E8E84-426E-40DD-AFC4-6F175D3DCCD1}">
+              <a14:hiddenFill xmlns:a14="http://schemas.microsoft.com/office/drawing/2010/main">
+                <a:solidFill>
+                  <a:schemeClr val="accent1"/>
+                </a:solidFill>
+              </a14:hiddenFill>
+            </a:ext>
+            <a:ext uri="{91240B29-F687-4F45-9708-019B960494DF}">
+              <a14:hiddenLine xmlns:a14="http://schemas.microsoft.com/office/drawing/2010/main" w="9525">
+                <a:solidFill>
+                  <a:schemeClr val="tx1"/>
+                </a:solidFill>
+                <a:miter lim="800000"/>
+                <a:headEnd/>
+                <a:tailEnd/>
+              </a14:hiddenLine>
+            </a:ext>
+            <a:ext uri="{AF507438-7753-43E0-B8FC-AC1667EBCBE1}">
+              <a14:hiddenEffects xmlns:a14="http://schemas.microsoft.com/office/drawing/2010/main">
+                <a:effectLst>
+                  <a:outerShdw dist="35921" dir="2700000" algn="ctr" rotWithShape="0">
+                    <a:schemeClr val="bg2"/>
+                  </a:outerShdw>
+                </a:effectLst>
+              </a14:hiddenEffects>
+            </a:ext>
+          </a:extLst>
+        </p:spPr>
+        <p:txBody>
+          <a:bodyPr vert="horz" wrap="none" lIns="91440" tIns="45720" rIns="91440" bIns="45720" numCol="1" anchor="ctr" anchorCtr="0" compatLnSpc="1">
+            <a:prstTxWarp prst="textNoShape">
+              <a:avLst/>
+            </a:prstTxWarp>
+            <a:spAutoFit/>
+          </a:bodyPr>
+          <a:lstStyle/>
+          <a:p>
+            <a:endParaRPr lang="es-CL"/>
+          </a:p>
+        </p:txBody>
+      </p:sp>
+      <p:pic>
+        <p:nvPicPr>
+          <p:cNvPr id="10" name="Imagen 9" descr="Interfaz de usuario gráfica, Aplicación, Word&#10;&#10;El contenido generado por IA puede ser incorrecto.">
+            <a:extLst>
+              <a:ext uri="{FF2B5EF4-FFF2-40B4-BE49-F238E27FC236}">
+                <a16:creationId xmlns:a16="http://schemas.microsoft.com/office/drawing/2014/main" id="{6A97916C-9F01-A0D8-3A96-83F56C1D2F98}"/>
+              </a:ext>
+            </a:extLst>
+          </p:cNvPr>
+          <p:cNvPicPr>
+            <a:picLocks noChangeAspect="1"/>
+          </p:cNvPicPr>
+          <p:nvPr/>
+        </p:nvPicPr>
+        <p:blipFill>
+          <a:blip r:embed="rId2"/>
+          <a:srcRect l="947" r="947"/>
+          <a:stretch>
+            <a:fillRect/>
+          </a:stretch>
+        </p:blipFill>
+        <p:spPr>
+          <a:xfrm>
+            <a:off x="559483" y="3382336"/>
+            <a:ext cx="10627361" cy="3180612"/>
+          </a:xfrm>
+          <a:prstGeom prst="rect">
+            <a:avLst/>
+          </a:prstGeom>
+        </p:spPr>
+      </p:pic>
     </p:spTree>
     <p:extLst>
       <p:ext uri="{BB962C8B-B14F-4D97-AF65-F5344CB8AC3E}">
@@ -4684,7 +4985,13 @@
   <p:cSld>
     <p:spTree>
       <p:nvGrpSpPr>
-        <p:cNvPr id="1" name=""/>
+        <p:cNvPr id="1" name="">
+          <a:extLst>
+            <a:ext uri="{FF2B5EF4-FFF2-40B4-BE49-F238E27FC236}">
+              <a16:creationId xmlns:a16="http://schemas.microsoft.com/office/drawing/2014/main" id="{D9DCDEEF-97C1-5ADF-186B-C09D5DBF8AA2}"/>
+            </a:ext>
+          </a:extLst>
+        </p:cNvPr>
         <p:cNvGrpSpPr/>
         <p:nvPr/>
       </p:nvGrpSpPr>
@@ -4698,10 +5005,10 @@
       </p:grpSpPr>
       <p:sp>
         <p:nvSpPr>
-          <p:cNvPr id="2" name="Título 1">
+          <p:cNvPr id="4" name="Título 3">
             <a:extLst>
               <a:ext uri="{FF2B5EF4-FFF2-40B4-BE49-F238E27FC236}">
-                <a16:creationId xmlns:a16="http://schemas.microsoft.com/office/drawing/2014/main" id="{DB52A6A9-7085-8ACE-7F82-FF2B98DA2878}"/>
+                <a16:creationId xmlns:a16="http://schemas.microsoft.com/office/drawing/2014/main" id="{750873A2-DC4D-2EE7-20D5-AED8C663865E}"/>
               </a:ext>
             </a:extLst>
           </p:cNvPr>
@@ -4712,25 +5019,328 @@
             <p:ph type="title"/>
           </p:nvPr>
         </p:nvSpPr>
-        <p:spPr/>
-        <p:txBody>
-          <a:bodyPr/>
-          <a:lstStyle/>
-          <a:p>
-            <a:r>
-              <a:rPr lang="es-ES" dirty="0"/>
-              <a:t>VISTA DE PROCESO</a:t>
-            </a:r>
-            <a:endParaRPr lang="es-CL" dirty="0"/>
+        <p:spPr>
+          <a:xfrm>
+            <a:off x="671244" y="827315"/>
+            <a:ext cx="10515600" cy="863600"/>
+          </a:xfrm>
+        </p:spPr>
+        <p:txBody>
+          <a:bodyPr>
+            <a:normAutofit/>
+          </a:bodyPr>
+          <a:lstStyle/>
+          <a:p>
+            <a:r>
+              <a:rPr lang="es-CL" sz="3600" dirty="0"/>
+              <a:t>Plan de Pruebas Desarrollo</a:t>
+            </a:r>
+          </a:p>
+        </p:txBody>
+      </p:sp>
+      <p:sp>
+        <p:nvSpPr>
+          <p:cNvPr id="5" name="CuadroTexto 4">
+            <a:extLst>
+              <a:ext uri="{FF2B5EF4-FFF2-40B4-BE49-F238E27FC236}">
+                <a16:creationId xmlns:a16="http://schemas.microsoft.com/office/drawing/2014/main" id="{D5DA5253-FE21-A2AD-1494-B23227232E54}"/>
+              </a:ext>
+            </a:extLst>
+          </p:cNvPr>
+          <p:cNvSpPr txBox="1"/>
+          <p:nvPr/>
+        </p:nvSpPr>
+        <p:spPr>
+          <a:xfrm>
+            <a:off x="671244" y="1690915"/>
+            <a:ext cx="9769063" cy="369332"/>
+          </a:xfrm>
+          <a:prstGeom prst="rect">
+            <a:avLst/>
+          </a:prstGeom>
+          <a:noFill/>
+        </p:spPr>
+        <p:txBody>
+          <a:bodyPr wrap="square" rtlCol="0">
+            <a:spAutoFit/>
+          </a:bodyPr>
+          <a:lstStyle/>
+          <a:p>
+            <a:r>
+              <a:rPr lang="es-CL" dirty="0"/>
+              <a:t>Especificación de las Pruebas aplicadas al Sistema y Resultados Obtenidos </a:t>
+            </a:r>
+          </a:p>
+        </p:txBody>
+      </p:sp>
+      <p:sp>
+        <p:nvSpPr>
+          <p:cNvPr id="2" name="Rectangle 4">
+            <a:extLst>
+              <a:ext uri="{FF2B5EF4-FFF2-40B4-BE49-F238E27FC236}">
+                <a16:creationId xmlns:a16="http://schemas.microsoft.com/office/drawing/2014/main" id="{E6A74792-AA61-BA49-474C-8340DB10CCA0}"/>
+              </a:ext>
+            </a:extLst>
+          </p:cNvPr>
+          <p:cNvSpPr>
+            <a:spLocks noChangeArrowheads="1"/>
+          </p:cNvSpPr>
+          <p:nvPr/>
+        </p:nvSpPr>
+        <p:spPr bwMode="auto">
+          <a:xfrm>
+            <a:off x="1087120" y="2331357"/>
+            <a:ext cx="8432800" cy="830997"/>
+          </a:xfrm>
+          <a:prstGeom prst="rect">
+            <a:avLst/>
+          </a:prstGeom>
+          <a:noFill/>
+          <a:ln>
+            <a:noFill/>
+          </a:ln>
+          <a:effectLst/>
+          <a:extLst>
+            <a:ext uri="{909E8E84-426E-40DD-AFC4-6F175D3DCCD1}">
+              <a14:hiddenFill xmlns:a14="http://schemas.microsoft.com/office/drawing/2010/main">
+                <a:solidFill>
+                  <a:schemeClr val="accent1"/>
+                </a:solidFill>
+              </a14:hiddenFill>
+            </a:ext>
+            <a:ext uri="{91240B29-F687-4F45-9708-019B960494DF}">
+              <a14:hiddenLine xmlns:a14="http://schemas.microsoft.com/office/drawing/2010/main" w="9525">
+                <a:solidFill>
+                  <a:schemeClr val="tx1"/>
+                </a:solidFill>
+                <a:miter lim="800000"/>
+                <a:headEnd/>
+                <a:tailEnd/>
+              </a14:hiddenLine>
+            </a:ext>
+            <a:ext uri="{AF507438-7753-43E0-B8FC-AC1667EBCBE1}">
+              <a14:hiddenEffects xmlns:a14="http://schemas.microsoft.com/office/drawing/2010/main">
+                <a:effectLst>
+                  <a:outerShdw dist="35921" dir="2700000" algn="ctr" rotWithShape="0">
+                    <a:schemeClr val="bg2"/>
+                  </a:outerShdw>
+                </a:effectLst>
+              </a14:hiddenEffects>
+            </a:ext>
+          </a:extLst>
+        </p:spPr>
+        <p:txBody>
+          <a:bodyPr vert="horz" wrap="square" lIns="91440" tIns="45720" rIns="91440" bIns="45720" numCol="1" anchor="ctr" anchorCtr="0" compatLnSpc="1">
+            <a:prstTxWarp prst="textNoShape">
+              <a:avLst/>
+            </a:prstTxWarp>
+            <a:spAutoFit/>
+          </a:bodyPr>
+          <a:lstStyle/>
+          <a:p>
+            <a:pPr marL="0" marR="0" lvl="0" indent="0" algn="l" defTabSz="914400" rtl="0" eaLnBrk="0" fontAlgn="base" latinLnBrk="0" hangingPunct="0">
+              <a:lnSpc>
+                <a:spcPct val="100000"/>
+              </a:lnSpc>
+              <a:spcBef>
+                <a:spcPct val="0"/>
+              </a:spcBef>
+              <a:spcAft>
+                <a:spcPct val="0"/>
+              </a:spcAft>
+              <a:buClrTx/>
+              <a:buSzTx/>
+              <a:buFontTx/>
+              <a:buNone/>
+              <a:tabLst/>
+            </a:pPr>
+            <a:r>
+              <a:rPr kumimoji="0" lang="es-CL" altLang="es-CL" sz="1600" b="0" i="0" u="none" strike="noStrike" cap="none" normalizeH="0" baseline="0" dirty="0">
+                <a:ln>
+                  <a:noFill/>
+                </a:ln>
+                <a:solidFill>
+                  <a:srgbClr val="000000"/>
+                </a:solidFill>
+                <a:effectLst/>
+                <a:latin typeface="Aptos" panose="020B0004020202020204" pitchFamily="34" charset="0"/>
+                <a:ea typeface="Calibri" panose="020F0502020204030204" pitchFamily="34" charset="0"/>
+                <a:cs typeface="Times New Roman" panose="02020603050405020304" pitchFamily="18" charset="0"/>
+              </a:rPr>
+              <a:t>Pruebas Funcionales</a:t>
+            </a:r>
+            <a:r>
+              <a:rPr kumimoji="0" lang="es-CL" altLang="es-CL" sz="1600" b="0" i="0" u="none" strike="noStrike" cap="none" normalizeH="0" baseline="0" dirty="0">
+                <a:ln>
+                  <a:noFill/>
+                </a:ln>
+                <a:solidFill>
+                  <a:schemeClr val="tx1"/>
+                </a:solidFill>
+                <a:effectLst/>
+                <a:latin typeface="Aptos" panose="020B0004020202020204" pitchFamily="34" charset="0"/>
+                <a:ea typeface="Aptos" panose="020B0004020202020204" pitchFamily="34" charset="0"/>
+                <a:cs typeface="Times New Roman" panose="02020603050405020304" pitchFamily="18" charset="0"/>
+              </a:rPr>
+              <a:t> </a:t>
+            </a:r>
+            <a:endParaRPr kumimoji="0" lang="es-CL" altLang="es-CL" sz="1600" b="0" i="0" u="none" strike="noStrike" cap="none" normalizeH="0" baseline="0" dirty="0">
+              <a:ln>
+                <a:noFill/>
+              </a:ln>
+              <a:solidFill>
+                <a:schemeClr val="tx1"/>
+              </a:solidFill>
+              <a:effectLst/>
+            </a:endParaRPr>
+          </a:p>
+          <a:p>
+            <a:pPr marL="0" marR="0" lvl="0" indent="0" algn="l" defTabSz="914400" rtl="0" eaLnBrk="0" fontAlgn="base" latinLnBrk="0" hangingPunct="0">
+              <a:lnSpc>
+                <a:spcPct val="100000"/>
+              </a:lnSpc>
+              <a:spcBef>
+                <a:spcPct val="0"/>
+              </a:spcBef>
+              <a:spcAft>
+                <a:spcPct val="0"/>
+              </a:spcAft>
+              <a:buClrTx/>
+              <a:buSzTx/>
+              <a:buFontTx/>
+              <a:buNone/>
+              <a:tabLst/>
+            </a:pPr>
+            <a:r>
+              <a:rPr kumimoji="0" lang="es-CL" altLang="es-CL" sz="1600" b="0" i="0" u="none" strike="noStrike" cap="none" normalizeH="0" baseline="0" dirty="0">
+                <a:ln>
+                  <a:noFill/>
+                </a:ln>
+                <a:solidFill>
+                  <a:schemeClr val="tx1"/>
+                </a:solidFill>
+                <a:effectLst/>
+                <a:latin typeface="Aptos" panose="020B0004020202020204" pitchFamily="34" charset="0"/>
+                <a:ea typeface="Aptos" panose="020B0004020202020204" pitchFamily="34" charset="0"/>
+                <a:cs typeface="Times New Roman" panose="02020603050405020304" pitchFamily="18" charset="0"/>
+              </a:rPr>
+              <a:t>Verificar flujos completos de solicitud aprobada</a:t>
+            </a:r>
+            <a:endParaRPr kumimoji="0" lang="es-CL" altLang="es-CL" sz="1600" b="0" i="0" u="none" strike="noStrike" cap="none" normalizeH="0" baseline="0" dirty="0">
+              <a:ln>
+                <a:noFill/>
+              </a:ln>
+              <a:solidFill>
+                <a:schemeClr val="tx1"/>
+              </a:solidFill>
+              <a:effectLst/>
+            </a:endParaRPr>
+          </a:p>
+          <a:p>
+            <a:pPr marL="0" marR="0" lvl="0" indent="0" algn="l" defTabSz="914400" rtl="0" eaLnBrk="0" fontAlgn="base" latinLnBrk="0" hangingPunct="0">
+              <a:lnSpc>
+                <a:spcPct val="100000"/>
+              </a:lnSpc>
+              <a:spcBef>
+                <a:spcPct val="0"/>
+              </a:spcBef>
+              <a:spcAft>
+                <a:spcPct val="0"/>
+              </a:spcAft>
+              <a:buClrTx/>
+              <a:buSzTx/>
+              <a:buFontTx/>
+              <a:buNone/>
+              <a:tabLst/>
+            </a:pPr>
+            <a:endParaRPr kumimoji="0" lang="es-CL" altLang="es-CL" sz="1600" b="0" i="0" u="none" strike="noStrike" cap="none" normalizeH="0" baseline="0" dirty="0">
+              <a:ln>
+                <a:noFill/>
+              </a:ln>
+              <a:solidFill>
+                <a:schemeClr val="tx1"/>
+              </a:solidFill>
+              <a:effectLst/>
+              <a:latin typeface="Arial" panose="020B0604020202020204" pitchFamily="34" charset="0"/>
+            </a:endParaRPr>
+          </a:p>
+        </p:txBody>
+      </p:sp>
+      <p:sp>
+        <p:nvSpPr>
+          <p:cNvPr id="3" name="Rectangle 5">
+            <a:extLst>
+              <a:ext uri="{FF2B5EF4-FFF2-40B4-BE49-F238E27FC236}">
+                <a16:creationId xmlns:a16="http://schemas.microsoft.com/office/drawing/2014/main" id="{3AAD5354-61E4-434A-EC86-2A679316A64B}"/>
+              </a:ext>
+            </a:extLst>
+          </p:cNvPr>
+          <p:cNvSpPr>
+            <a:spLocks noChangeArrowheads="1"/>
+          </p:cNvSpPr>
+          <p:nvPr/>
+        </p:nvSpPr>
+        <p:spPr bwMode="auto">
+          <a:xfrm>
+            <a:off x="0" y="2111375"/>
+            <a:ext cx="12192000" cy="457200"/>
+          </a:xfrm>
+          <a:prstGeom prst="rect">
+            <a:avLst/>
+          </a:prstGeom>
+          <a:noFill/>
+          <a:ln>
+            <a:noFill/>
+          </a:ln>
+          <a:effectLst/>
+          <a:extLst>
+            <a:ext uri="{909E8E84-426E-40DD-AFC4-6F175D3DCCD1}">
+              <a14:hiddenFill xmlns:a14="http://schemas.microsoft.com/office/drawing/2010/main">
+                <a:solidFill>
+                  <a:schemeClr val="accent1"/>
+                </a:solidFill>
+              </a14:hiddenFill>
+            </a:ext>
+            <a:ext uri="{91240B29-F687-4F45-9708-019B960494DF}">
+              <a14:hiddenLine xmlns:a14="http://schemas.microsoft.com/office/drawing/2010/main" w="9525">
+                <a:solidFill>
+                  <a:schemeClr val="tx1"/>
+                </a:solidFill>
+                <a:miter lim="800000"/>
+                <a:headEnd/>
+                <a:tailEnd/>
+              </a14:hiddenLine>
+            </a:ext>
+            <a:ext uri="{AF507438-7753-43E0-B8FC-AC1667EBCBE1}">
+              <a14:hiddenEffects xmlns:a14="http://schemas.microsoft.com/office/drawing/2010/main">
+                <a:effectLst>
+                  <a:outerShdw dist="35921" dir="2700000" algn="ctr" rotWithShape="0">
+                    <a:schemeClr val="bg2"/>
+                  </a:outerShdw>
+                </a:effectLst>
+              </a14:hiddenEffects>
+            </a:ext>
+          </a:extLst>
+        </p:spPr>
+        <p:txBody>
+          <a:bodyPr vert="horz" wrap="none" lIns="91440" tIns="45720" rIns="91440" bIns="45720" numCol="1" anchor="ctr" anchorCtr="0" compatLnSpc="1">
+            <a:prstTxWarp prst="textNoShape">
+              <a:avLst/>
+            </a:prstTxWarp>
+            <a:spAutoFit/>
+          </a:bodyPr>
+          <a:lstStyle/>
+          <a:p>
+            <a:endParaRPr lang="es-CL"/>
           </a:p>
         </p:txBody>
       </p:sp>
       <p:pic>
         <p:nvPicPr>
-          <p:cNvPr id="3" name="Imagen 2">
+          <p:cNvPr id="6" name="Imagen 5" descr="Interfaz de usuario gráfica, Aplicación, Word&#10;&#10;El contenido generado por IA puede ser incorrecto.">
             <a:extLst>
               <a:ext uri="{FF2B5EF4-FFF2-40B4-BE49-F238E27FC236}">
-                <a16:creationId xmlns:a16="http://schemas.microsoft.com/office/drawing/2014/main" id="{41692DDE-C93F-74A2-96A7-0C014B6E1CF2}"/>
+                <a16:creationId xmlns:a16="http://schemas.microsoft.com/office/drawing/2014/main" id="{8EB30BB6-16AA-3C50-39CB-D1B1DC7B5D6C}"/>
               </a:ext>
             </a:extLst>
           </p:cNvPr>
@@ -4747,38 +5357,8 @@
         </p:blipFill>
         <p:spPr>
           <a:xfrm>
-            <a:off x="703814" y="1570383"/>
-            <a:ext cx="3944386" cy="4114800"/>
-          </a:xfrm>
-          <a:prstGeom prst="rect">
-            <a:avLst/>
-          </a:prstGeom>
-        </p:spPr>
-      </p:pic>
-      <p:pic>
-        <p:nvPicPr>
-          <p:cNvPr id="4" name="Imagen 3" descr="Tabla&#10;&#10;El contenido generado por IA puede ser incorrecto.">
-            <a:extLst>
-              <a:ext uri="{FF2B5EF4-FFF2-40B4-BE49-F238E27FC236}">
-                <a16:creationId xmlns:a16="http://schemas.microsoft.com/office/drawing/2014/main" id="{1F1A7D3E-836D-FD2E-3BF9-C52D1455000A}"/>
-              </a:ext>
-            </a:extLst>
-          </p:cNvPr>
-          <p:cNvPicPr>
-            <a:picLocks noChangeAspect="1"/>
-          </p:cNvPicPr>
-          <p:nvPr/>
-        </p:nvPicPr>
-        <p:blipFill>
-          <a:blip r:embed="rId3"/>
-          <a:stretch>
-            <a:fillRect/>
-          </a:stretch>
-        </p:blipFill>
-        <p:spPr>
-          <a:xfrm>
-            <a:off x="6268891" y="1489982"/>
-            <a:ext cx="3464217" cy="4095750"/>
+            <a:off x="671244" y="3429000"/>
+            <a:ext cx="10413523" cy="3012828"/>
           </a:xfrm>
           <a:prstGeom prst="rect">
             <a:avLst/>
@@ -4788,7 +5368,7 @@
     </p:spTree>
     <p:extLst>
       <p:ext uri="{BB962C8B-B14F-4D97-AF65-F5344CB8AC3E}">
-        <p14:creationId xmlns:p14="http://schemas.microsoft.com/office/powerpoint/2010/main" val="4058356301"/>
+        <p14:creationId xmlns:p14="http://schemas.microsoft.com/office/powerpoint/2010/main" val="769196360"/>
       </p:ext>
     </p:extLst>
   </p:cSld>
@@ -4803,7 +5383,13 @@
   <p:cSld>
     <p:spTree>
       <p:nvGrpSpPr>
-        <p:cNvPr id="1" name=""/>
+        <p:cNvPr id="1" name="">
+          <a:extLst>
+            <a:ext uri="{FF2B5EF4-FFF2-40B4-BE49-F238E27FC236}">
+              <a16:creationId xmlns:a16="http://schemas.microsoft.com/office/drawing/2014/main" id="{BF2B6430-1BD7-3BDD-FFE3-588EEEF5F559}"/>
+            </a:ext>
+          </a:extLst>
+        </p:cNvPr>
         <p:cNvGrpSpPr/>
         <p:nvPr/>
       </p:nvGrpSpPr>
@@ -4817,10 +5403,10 @@
       </p:grpSpPr>
       <p:sp>
         <p:nvSpPr>
-          <p:cNvPr id="2" name="Título 1">
+          <p:cNvPr id="4" name="Título 3">
             <a:extLst>
               <a:ext uri="{FF2B5EF4-FFF2-40B4-BE49-F238E27FC236}">
-                <a16:creationId xmlns:a16="http://schemas.microsoft.com/office/drawing/2014/main" id="{41D21A17-9067-DDE3-CCD0-22EFF421A1F6}"/>
+                <a16:creationId xmlns:a16="http://schemas.microsoft.com/office/drawing/2014/main" id="{79187EF5-DA01-2C4D-38C5-C7BD95B68AC3}"/>
               </a:ext>
             </a:extLst>
           </p:cNvPr>
@@ -4831,24 +5417,998 @@
             <p:ph type="title"/>
           </p:nvPr>
         </p:nvSpPr>
-        <p:spPr/>
-        <p:txBody>
-          <a:bodyPr/>
+        <p:spPr>
+          <a:xfrm>
+            <a:off x="671244" y="827315"/>
+            <a:ext cx="10515600" cy="863600"/>
+          </a:xfrm>
+        </p:spPr>
+        <p:txBody>
+          <a:bodyPr>
+            <a:normAutofit/>
+          </a:bodyPr>
+          <a:lstStyle/>
+          <a:p>
+            <a:r>
+              <a:rPr lang="es-CL" sz="3600" dirty="0"/>
+              <a:t>Plan de Pruebas Desarrollo</a:t>
+            </a:r>
+          </a:p>
+        </p:txBody>
+      </p:sp>
+      <p:sp>
+        <p:nvSpPr>
+          <p:cNvPr id="5" name="CuadroTexto 4">
+            <a:extLst>
+              <a:ext uri="{FF2B5EF4-FFF2-40B4-BE49-F238E27FC236}">
+                <a16:creationId xmlns:a16="http://schemas.microsoft.com/office/drawing/2014/main" id="{AF432F38-415F-B993-1D42-AF394A21036F}"/>
+              </a:ext>
+            </a:extLst>
+          </p:cNvPr>
+          <p:cNvSpPr txBox="1"/>
+          <p:nvPr/>
+        </p:nvSpPr>
+        <p:spPr>
+          <a:xfrm>
+            <a:off x="671244" y="1690915"/>
+            <a:ext cx="9769063" cy="369332"/>
+          </a:xfrm>
+          <a:prstGeom prst="rect">
+            <a:avLst/>
+          </a:prstGeom>
+          <a:noFill/>
+        </p:spPr>
+        <p:txBody>
+          <a:bodyPr wrap="square" rtlCol="0">
+            <a:spAutoFit/>
+          </a:bodyPr>
           <a:lstStyle/>
           <a:p>
             <a:r>
               <a:rPr lang="es-CL" dirty="0"/>
-              <a:t>Evaluación Económica</a:t>
-            </a:r>
+              <a:t>Especificación de las Pruebas aplicadas al Sistema y Resultados Obtenidos </a:t>
+            </a:r>
+          </a:p>
+        </p:txBody>
+      </p:sp>
+      <p:sp>
+        <p:nvSpPr>
+          <p:cNvPr id="2" name="Rectangle 4">
+            <a:extLst>
+              <a:ext uri="{FF2B5EF4-FFF2-40B4-BE49-F238E27FC236}">
+                <a16:creationId xmlns:a16="http://schemas.microsoft.com/office/drawing/2014/main" id="{4D545F3C-9078-1C26-30FA-4EF9B1C85A91}"/>
+              </a:ext>
+            </a:extLst>
+          </p:cNvPr>
+          <p:cNvSpPr>
+            <a:spLocks noChangeArrowheads="1"/>
+          </p:cNvSpPr>
+          <p:nvPr/>
+        </p:nvSpPr>
+        <p:spPr bwMode="auto">
+          <a:xfrm>
+            <a:off x="1087120" y="2331357"/>
+            <a:ext cx="8432800" cy="830997"/>
+          </a:xfrm>
+          <a:prstGeom prst="rect">
+            <a:avLst/>
+          </a:prstGeom>
+          <a:noFill/>
+          <a:ln>
+            <a:noFill/>
+          </a:ln>
+          <a:effectLst/>
+          <a:extLst>
+            <a:ext uri="{909E8E84-426E-40DD-AFC4-6F175D3DCCD1}">
+              <a14:hiddenFill xmlns:a14="http://schemas.microsoft.com/office/drawing/2010/main">
+                <a:solidFill>
+                  <a:schemeClr val="accent1"/>
+                </a:solidFill>
+              </a14:hiddenFill>
+            </a:ext>
+            <a:ext uri="{91240B29-F687-4F45-9708-019B960494DF}">
+              <a14:hiddenLine xmlns:a14="http://schemas.microsoft.com/office/drawing/2010/main" w="9525">
+                <a:solidFill>
+                  <a:schemeClr val="tx1"/>
+                </a:solidFill>
+                <a:miter lim="800000"/>
+                <a:headEnd/>
+                <a:tailEnd/>
+              </a14:hiddenLine>
+            </a:ext>
+            <a:ext uri="{AF507438-7753-43E0-B8FC-AC1667EBCBE1}">
+              <a14:hiddenEffects xmlns:a14="http://schemas.microsoft.com/office/drawing/2010/main">
+                <a:effectLst>
+                  <a:outerShdw dist="35921" dir="2700000" algn="ctr" rotWithShape="0">
+                    <a:schemeClr val="bg2"/>
+                  </a:outerShdw>
+                </a:effectLst>
+              </a14:hiddenEffects>
+            </a:ext>
+          </a:extLst>
+        </p:spPr>
+        <p:txBody>
+          <a:bodyPr vert="horz" wrap="square" lIns="91440" tIns="45720" rIns="91440" bIns="45720" numCol="1" anchor="ctr" anchorCtr="0" compatLnSpc="1">
+            <a:prstTxWarp prst="textNoShape">
+              <a:avLst/>
+            </a:prstTxWarp>
+            <a:spAutoFit/>
+          </a:bodyPr>
+          <a:lstStyle/>
+          <a:p>
+            <a:pPr marL="0" marR="0" lvl="0" indent="0" algn="l" defTabSz="914400" rtl="0" eaLnBrk="0" fontAlgn="base" latinLnBrk="0" hangingPunct="0">
+              <a:lnSpc>
+                <a:spcPct val="100000"/>
+              </a:lnSpc>
+              <a:spcBef>
+                <a:spcPct val="0"/>
+              </a:spcBef>
+              <a:spcAft>
+                <a:spcPct val="0"/>
+              </a:spcAft>
+              <a:buClrTx/>
+              <a:buSzTx/>
+              <a:buFontTx/>
+              <a:buNone/>
+              <a:tabLst/>
+            </a:pPr>
+            <a:r>
+              <a:rPr kumimoji="0" lang="es-CL" altLang="es-CL" sz="1600" b="0" i="0" u="none" strike="noStrike" cap="none" normalizeH="0" baseline="0" dirty="0">
+                <a:ln>
+                  <a:noFill/>
+                </a:ln>
+                <a:solidFill>
+                  <a:srgbClr val="000000"/>
+                </a:solidFill>
+                <a:effectLst/>
+                <a:latin typeface="Aptos" panose="020B0004020202020204" pitchFamily="34" charset="0"/>
+                <a:ea typeface="Calibri" panose="020F0502020204030204" pitchFamily="34" charset="0"/>
+                <a:cs typeface="Times New Roman" panose="02020603050405020304" pitchFamily="18" charset="0"/>
+              </a:rPr>
+              <a:t>Pruebas Funcionales</a:t>
+            </a:r>
+            <a:r>
+              <a:rPr kumimoji="0" lang="es-CL" altLang="es-CL" sz="1600" b="0" i="0" u="none" strike="noStrike" cap="none" normalizeH="0" baseline="0" dirty="0">
+                <a:ln>
+                  <a:noFill/>
+                </a:ln>
+                <a:solidFill>
+                  <a:schemeClr val="tx1"/>
+                </a:solidFill>
+                <a:effectLst/>
+                <a:latin typeface="Aptos" panose="020B0004020202020204" pitchFamily="34" charset="0"/>
+                <a:ea typeface="Aptos" panose="020B0004020202020204" pitchFamily="34" charset="0"/>
+                <a:cs typeface="Times New Roman" panose="02020603050405020304" pitchFamily="18" charset="0"/>
+              </a:rPr>
+              <a:t> </a:t>
+            </a:r>
+            <a:endParaRPr kumimoji="0" lang="es-CL" altLang="es-CL" sz="1600" b="0" i="0" u="none" strike="noStrike" cap="none" normalizeH="0" baseline="0" dirty="0">
+              <a:ln>
+                <a:noFill/>
+              </a:ln>
+              <a:solidFill>
+                <a:schemeClr val="tx1"/>
+              </a:solidFill>
+              <a:effectLst/>
+            </a:endParaRPr>
+          </a:p>
+          <a:p>
+            <a:pPr marL="0" marR="0" lvl="0" indent="0" algn="l" defTabSz="914400" rtl="0" eaLnBrk="0" fontAlgn="base" latinLnBrk="0" hangingPunct="0">
+              <a:lnSpc>
+                <a:spcPct val="100000"/>
+              </a:lnSpc>
+              <a:spcBef>
+                <a:spcPct val="0"/>
+              </a:spcBef>
+              <a:spcAft>
+                <a:spcPct val="0"/>
+              </a:spcAft>
+              <a:buClrTx/>
+              <a:buSzTx/>
+              <a:buFontTx/>
+              <a:buNone/>
+              <a:tabLst/>
+            </a:pPr>
+            <a:r>
+              <a:rPr kumimoji="0" lang="es-CL" altLang="es-CL" sz="1600" b="0" i="0" u="none" strike="noStrike" cap="none" normalizeH="0" baseline="0" dirty="0">
+                <a:ln>
+                  <a:noFill/>
+                </a:ln>
+                <a:solidFill>
+                  <a:schemeClr val="tx1"/>
+                </a:solidFill>
+                <a:effectLst/>
+                <a:latin typeface="Aptos" panose="020B0004020202020204" pitchFamily="34" charset="0"/>
+                <a:ea typeface="Aptos" panose="020B0004020202020204" pitchFamily="34" charset="0"/>
+                <a:cs typeface="Times New Roman" panose="02020603050405020304" pitchFamily="18" charset="0"/>
+              </a:rPr>
+              <a:t>Verificar flujos completos de solicitud aprobada</a:t>
+            </a:r>
+            <a:endParaRPr kumimoji="0" lang="es-CL" altLang="es-CL" sz="1600" b="0" i="0" u="none" strike="noStrike" cap="none" normalizeH="0" baseline="0" dirty="0">
+              <a:ln>
+                <a:noFill/>
+              </a:ln>
+              <a:solidFill>
+                <a:schemeClr val="tx1"/>
+              </a:solidFill>
+              <a:effectLst/>
+            </a:endParaRPr>
+          </a:p>
+          <a:p>
+            <a:pPr marL="0" marR="0" lvl="0" indent="0" algn="l" defTabSz="914400" rtl="0" eaLnBrk="0" fontAlgn="base" latinLnBrk="0" hangingPunct="0">
+              <a:lnSpc>
+                <a:spcPct val="100000"/>
+              </a:lnSpc>
+              <a:spcBef>
+                <a:spcPct val="0"/>
+              </a:spcBef>
+              <a:spcAft>
+                <a:spcPct val="0"/>
+              </a:spcAft>
+              <a:buClrTx/>
+              <a:buSzTx/>
+              <a:buFontTx/>
+              <a:buNone/>
+              <a:tabLst/>
+            </a:pPr>
+            <a:endParaRPr kumimoji="0" lang="es-CL" altLang="es-CL" sz="1600" b="0" i="0" u="none" strike="noStrike" cap="none" normalizeH="0" baseline="0" dirty="0">
+              <a:ln>
+                <a:noFill/>
+              </a:ln>
+              <a:solidFill>
+                <a:schemeClr val="tx1"/>
+              </a:solidFill>
+              <a:effectLst/>
+              <a:latin typeface="Arial" panose="020B0604020202020204" pitchFamily="34" charset="0"/>
+            </a:endParaRPr>
+          </a:p>
+        </p:txBody>
+      </p:sp>
+      <p:sp>
+        <p:nvSpPr>
+          <p:cNvPr id="3" name="Rectangle 5">
+            <a:extLst>
+              <a:ext uri="{FF2B5EF4-FFF2-40B4-BE49-F238E27FC236}">
+                <a16:creationId xmlns:a16="http://schemas.microsoft.com/office/drawing/2014/main" id="{1EFA55EC-B8A7-986B-C31C-C2C55458801B}"/>
+              </a:ext>
+            </a:extLst>
+          </p:cNvPr>
+          <p:cNvSpPr>
+            <a:spLocks noChangeArrowheads="1"/>
+          </p:cNvSpPr>
+          <p:nvPr/>
+        </p:nvSpPr>
+        <p:spPr bwMode="auto">
+          <a:xfrm>
+            <a:off x="0" y="2111375"/>
+            <a:ext cx="12192000" cy="457200"/>
+          </a:xfrm>
+          <a:prstGeom prst="rect">
+            <a:avLst/>
+          </a:prstGeom>
+          <a:noFill/>
+          <a:ln>
+            <a:noFill/>
+          </a:ln>
+          <a:effectLst/>
+          <a:extLst>
+            <a:ext uri="{909E8E84-426E-40DD-AFC4-6F175D3DCCD1}">
+              <a14:hiddenFill xmlns:a14="http://schemas.microsoft.com/office/drawing/2010/main">
+                <a:solidFill>
+                  <a:schemeClr val="accent1"/>
+                </a:solidFill>
+              </a14:hiddenFill>
+            </a:ext>
+            <a:ext uri="{91240B29-F687-4F45-9708-019B960494DF}">
+              <a14:hiddenLine xmlns:a14="http://schemas.microsoft.com/office/drawing/2010/main" w="9525">
+                <a:solidFill>
+                  <a:schemeClr val="tx1"/>
+                </a:solidFill>
+                <a:miter lim="800000"/>
+                <a:headEnd/>
+                <a:tailEnd/>
+              </a14:hiddenLine>
+            </a:ext>
+            <a:ext uri="{AF507438-7753-43E0-B8FC-AC1667EBCBE1}">
+              <a14:hiddenEffects xmlns:a14="http://schemas.microsoft.com/office/drawing/2010/main">
+                <a:effectLst>
+                  <a:outerShdw dist="35921" dir="2700000" algn="ctr" rotWithShape="0">
+                    <a:schemeClr val="bg2"/>
+                  </a:outerShdw>
+                </a:effectLst>
+              </a14:hiddenEffects>
+            </a:ext>
+          </a:extLst>
+        </p:spPr>
+        <p:txBody>
+          <a:bodyPr vert="horz" wrap="none" lIns="91440" tIns="45720" rIns="91440" bIns="45720" numCol="1" anchor="ctr" anchorCtr="0" compatLnSpc="1">
+            <a:prstTxWarp prst="textNoShape">
+              <a:avLst/>
+            </a:prstTxWarp>
+            <a:spAutoFit/>
+          </a:bodyPr>
+          <a:lstStyle/>
+          <a:p>
+            <a:endParaRPr lang="es-CL"/>
           </a:p>
         </p:txBody>
       </p:sp>
       <p:pic>
         <p:nvPicPr>
-          <p:cNvPr id="3" name="Imagen 2">
+          <p:cNvPr id="7" name="Imagen 6" descr="Interfaz de usuario gráfica, Aplicación&#10;&#10;El contenido generado por IA puede ser incorrecto.">
             <a:extLst>
               <a:ext uri="{FF2B5EF4-FFF2-40B4-BE49-F238E27FC236}">
-                <a16:creationId xmlns:a16="http://schemas.microsoft.com/office/drawing/2014/main" id="{65D5EA8C-5786-A553-B258-C468038A210D}"/>
+                <a16:creationId xmlns:a16="http://schemas.microsoft.com/office/drawing/2014/main" id="{627E433A-2A5F-9C50-1F09-5B6B7FCD98F1}"/>
+              </a:ext>
+            </a:extLst>
+          </p:cNvPr>
+          <p:cNvPicPr>
+            <a:picLocks noChangeAspect="1"/>
+          </p:cNvPicPr>
+          <p:nvPr/>
+        </p:nvPicPr>
+        <p:blipFill>
+          <a:blip r:embed="rId2"/>
+          <a:srcRect l="606" t="2016"/>
+          <a:stretch>
+            <a:fillRect/>
+          </a:stretch>
+        </p:blipFill>
+        <p:spPr>
+          <a:xfrm>
+            <a:off x="553719" y="3749040"/>
+            <a:ext cx="11152565" cy="2594956"/>
+          </a:xfrm>
+          <a:prstGeom prst="rect">
+            <a:avLst/>
+          </a:prstGeom>
+        </p:spPr>
+      </p:pic>
+    </p:spTree>
+    <p:extLst>
+      <p:ext uri="{BB962C8B-B14F-4D97-AF65-F5344CB8AC3E}">
+        <p14:creationId xmlns:p14="http://schemas.microsoft.com/office/powerpoint/2010/main" val="3984539472"/>
+      </p:ext>
+    </p:extLst>
+  </p:cSld>
+  <p:clrMapOvr>
+    <a:masterClrMapping/>
+  </p:clrMapOvr>
+</p:sld>
+</file>
+
+<file path=ppt/slides/slide18.xml><?xml version="1.0" encoding="utf-8"?>
+<p:sld xmlns:a="http://schemas.openxmlformats.org/drawingml/2006/main" xmlns:r="http://schemas.openxmlformats.org/officeDocument/2006/relationships" xmlns:p="http://schemas.openxmlformats.org/presentationml/2006/main">
+  <p:cSld>
+    <p:spTree>
+      <p:nvGrpSpPr>
+        <p:cNvPr id="1" name="">
+          <a:extLst>
+            <a:ext uri="{FF2B5EF4-FFF2-40B4-BE49-F238E27FC236}">
+              <a16:creationId xmlns:a16="http://schemas.microsoft.com/office/drawing/2014/main" id="{9CB572FA-73AD-2078-3513-16973F07E372}"/>
+            </a:ext>
+          </a:extLst>
+        </p:cNvPr>
+        <p:cNvGrpSpPr/>
+        <p:nvPr/>
+      </p:nvGrpSpPr>
+      <p:grpSpPr>
+        <a:xfrm>
+          <a:off x="0" y="0"/>
+          <a:ext cx="0" cy="0"/>
+          <a:chOff x="0" y="0"/>
+          <a:chExt cx="0" cy="0"/>
+        </a:xfrm>
+      </p:grpSpPr>
+      <p:sp>
+        <p:nvSpPr>
+          <p:cNvPr id="4" name="Título 3">
+            <a:extLst>
+              <a:ext uri="{FF2B5EF4-FFF2-40B4-BE49-F238E27FC236}">
+                <a16:creationId xmlns:a16="http://schemas.microsoft.com/office/drawing/2014/main" id="{C8DF8570-1C6A-E692-19F0-9E9B31789C5C}"/>
+              </a:ext>
+            </a:extLst>
+          </p:cNvPr>
+          <p:cNvSpPr>
+            <a:spLocks noGrp="1"/>
+          </p:cNvSpPr>
+          <p:nvPr>
+            <p:ph type="title"/>
+          </p:nvPr>
+        </p:nvSpPr>
+        <p:spPr>
+          <a:xfrm>
+            <a:off x="671244" y="827315"/>
+            <a:ext cx="10515600" cy="863600"/>
+          </a:xfrm>
+        </p:spPr>
+        <p:txBody>
+          <a:bodyPr>
+            <a:normAutofit/>
+          </a:bodyPr>
+          <a:lstStyle/>
+          <a:p>
+            <a:r>
+              <a:rPr lang="es-CL" sz="3600" dirty="0"/>
+              <a:t>Plan de Pruebas Desarrollo</a:t>
+            </a:r>
+          </a:p>
+        </p:txBody>
+      </p:sp>
+      <p:sp>
+        <p:nvSpPr>
+          <p:cNvPr id="5" name="CuadroTexto 4">
+            <a:extLst>
+              <a:ext uri="{FF2B5EF4-FFF2-40B4-BE49-F238E27FC236}">
+                <a16:creationId xmlns:a16="http://schemas.microsoft.com/office/drawing/2014/main" id="{2F13EFF2-587D-B973-C8E4-4F9B09CF344C}"/>
+              </a:ext>
+            </a:extLst>
+          </p:cNvPr>
+          <p:cNvSpPr txBox="1"/>
+          <p:nvPr/>
+        </p:nvSpPr>
+        <p:spPr>
+          <a:xfrm>
+            <a:off x="671244" y="1690915"/>
+            <a:ext cx="9769063" cy="369332"/>
+          </a:xfrm>
+          <a:prstGeom prst="rect">
+            <a:avLst/>
+          </a:prstGeom>
+          <a:noFill/>
+        </p:spPr>
+        <p:txBody>
+          <a:bodyPr wrap="square" rtlCol="0">
+            <a:spAutoFit/>
+          </a:bodyPr>
+          <a:lstStyle/>
+          <a:p>
+            <a:r>
+              <a:rPr lang="es-CL" dirty="0"/>
+              <a:t>Especificación de las Pruebas aplicadas al Sistema y Resultados Obtenidos </a:t>
+            </a:r>
+          </a:p>
+        </p:txBody>
+      </p:sp>
+      <p:sp>
+        <p:nvSpPr>
+          <p:cNvPr id="2" name="Rectangle 4">
+            <a:extLst>
+              <a:ext uri="{FF2B5EF4-FFF2-40B4-BE49-F238E27FC236}">
+                <a16:creationId xmlns:a16="http://schemas.microsoft.com/office/drawing/2014/main" id="{AC1C7137-B5E0-EE6E-9F8C-411084622CBF}"/>
+              </a:ext>
+            </a:extLst>
+          </p:cNvPr>
+          <p:cNvSpPr>
+            <a:spLocks noChangeArrowheads="1"/>
+          </p:cNvSpPr>
+          <p:nvPr/>
+        </p:nvSpPr>
+        <p:spPr bwMode="auto">
+          <a:xfrm>
+            <a:off x="1087120" y="2439079"/>
+            <a:ext cx="8432800" cy="615553"/>
+          </a:xfrm>
+          <a:prstGeom prst="rect">
+            <a:avLst/>
+          </a:prstGeom>
+          <a:noFill/>
+          <a:ln>
+            <a:noFill/>
+          </a:ln>
+          <a:effectLst/>
+          <a:extLst>
+            <a:ext uri="{909E8E84-426E-40DD-AFC4-6F175D3DCCD1}">
+              <a14:hiddenFill xmlns:a14="http://schemas.microsoft.com/office/drawing/2010/main">
+                <a:solidFill>
+                  <a:schemeClr val="accent1"/>
+                </a:solidFill>
+              </a14:hiddenFill>
+            </a:ext>
+            <a:ext uri="{91240B29-F687-4F45-9708-019B960494DF}">
+              <a14:hiddenLine xmlns:a14="http://schemas.microsoft.com/office/drawing/2010/main" w="9525">
+                <a:solidFill>
+                  <a:schemeClr val="tx1"/>
+                </a:solidFill>
+                <a:miter lim="800000"/>
+                <a:headEnd/>
+                <a:tailEnd/>
+              </a14:hiddenLine>
+            </a:ext>
+            <a:ext uri="{AF507438-7753-43E0-B8FC-AC1667EBCBE1}">
+              <a14:hiddenEffects xmlns:a14="http://schemas.microsoft.com/office/drawing/2010/main">
+                <a:effectLst>
+                  <a:outerShdw dist="35921" dir="2700000" algn="ctr" rotWithShape="0">
+                    <a:schemeClr val="bg2"/>
+                  </a:outerShdw>
+                </a:effectLst>
+              </a14:hiddenEffects>
+            </a:ext>
+          </a:extLst>
+        </p:spPr>
+        <p:txBody>
+          <a:bodyPr vert="horz" wrap="square" lIns="91440" tIns="45720" rIns="91440" bIns="45720" numCol="1" anchor="ctr" anchorCtr="0" compatLnSpc="1">
+            <a:prstTxWarp prst="textNoShape">
+              <a:avLst/>
+            </a:prstTxWarp>
+            <a:spAutoFit/>
+          </a:bodyPr>
+          <a:lstStyle/>
+          <a:p>
+            <a:pPr marL="0" marR="0" lvl="0" indent="0" algn="l" defTabSz="914400" rtl="0" eaLnBrk="0" fontAlgn="base" latinLnBrk="0" hangingPunct="0">
+              <a:lnSpc>
+                <a:spcPct val="100000"/>
+              </a:lnSpc>
+              <a:spcBef>
+                <a:spcPct val="0"/>
+              </a:spcBef>
+              <a:spcAft>
+                <a:spcPct val="0"/>
+              </a:spcAft>
+              <a:buClrTx/>
+              <a:buSzTx/>
+              <a:buFontTx/>
+              <a:buNone/>
+              <a:tabLst/>
+            </a:pPr>
+            <a:r>
+              <a:rPr kumimoji="0" lang="es-CL" altLang="es-CL" sz="1600" b="0" i="0" u="none" strike="noStrike" cap="none" normalizeH="0" baseline="0" dirty="0">
+                <a:ln>
+                  <a:noFill/>
+                </a:ln>
+                <a:solidFill>
+                  <a:srgbClr val="000000"/>
+                </a:solidFill>
+                <a:effectLst/>
+                <a:latin typeface="Aptos" panose="020B0004020202020204" pitchFamily="34" charset="0"/>
+                <a:ea typeface="Calibri" panose="020F0502020204030204" pitchFamily="34" charset="0"/>
+                <a:cs typeface="Times New Roman" panose="02020603050405020304" pitchFamily="18" charset="0"/>
+              </a:rPr>
+              <a:t>Pruebas Funcionales</a:t>
+            </a:r>
+            <a:r>
+              <a:rPr kumimoji="0" lang="es-CL" altLang="es-CL" sz="1600" b="0" i="0" u="none" strike="noStrike" cap="none" normalizeH="0" baseline="0" dirty="0">
+                <a:ln>
+                  <a:noFill/>
+                </a:ln>
+                <a:solidFill>
+                  <a:schemeClr val="tx1"/>
+                </a:solidFill>
+                <a:effectLst/>
+                <a:latin typeface="Aptos" panose="020B0004020202020204" pitchFamily="34" charset="0"/>
+                <a:ea typeface="Aptos" panose="020B0004020202020204" pitchFamily="34" charset="0"/>
+                <a:cs typeface="Times New Roman" panose="02020603050405020304" pitchFamily="18" charset="0"/>
+              </a:rPr>
+              <a:t> </a:t>
+            </a:r>
+            <a:endParaRPr kumimoji="0" lang="es-CL" altLang="es-CL" sz="1600" b="0" i="0" u="none" strike="noStrike" cap="none" normalizeH="0" baseline="0" dirty="0">
+              <a:ln>
+                <a:noFill/>
+              </a:ln>
+              <a:solidFill>
+                <a:schemeClr val="tx1"/>
+              </a:solidFill>
+              <a:effectLst/>
+            </a:endParaRPr>
+          </a:p>
+          <a:p>
+            <a:r>
+              <a:rPr lang="es-CL" dirty="0"/>
+              <a:t>Verificar flujos completos de solicitud rechazada</a:t>
+            </a:r>
+          </a:p>
+        </p:txBody>
+      </p:sp>
+      <p:sp>
+        <p:nvSpPr>
+          <p:cNvPr id="3" name="Rectangle 5">
+            <a:extLst>
+              <a:ext uri="{FF2B5EF4-FFF2-40B4-BE49-F238E27FC236}">
+                <a16:creationId xmlns:a16="http://schemas.microsoft.com/office/drawing/2014/main" id="{B41F4DC3-12A4-2D17-3C79-A4723EF1C6FC}"/>
+              </a:ext>
+            </a:extLst>
+          </p:cNvPr>
+          <p:cNvSpPr>
+            <a:spLocks noChangeArrowheads="1"/>
+          </p:cNvSpPr>
+          <p:nvPr/>
+        </p:nvSpPr>
+        <p:spPr bwMode="auto">
+          <a:xfrm>
+            <a:off x="0" y="2111375"/>
+            <a:ext cx="12192000" cy="457200"/>
+          </a:xfrm>
+          <a:prstGeom prst="rect">
+            <a:avLst/>
+          </a:prstGeom>
+          <a:noFill/>
+          <a:ln>
+            <a:noFill/>
+          </a:ln>
+          <a:effectLst/>
+          <a:extLst>
+            <a:ext uri="{909E8E84-426E-40DD-AFC4-6F175D3DCCD1}">
+              <a14:hiddenFill xmlns:a14="http://schemas.microsoft.com/office/drawing/2010/main">
+                <a:solidFill>
+                  <a:schemeClr val="accent1"/>
+                </a:solidFill>
+              </a14:hiddenFill>
+            </a:ext>
+            <a:ext uri="{91240B29-F687-4F45-9708-019B960494DF}">
+              <a14:hiddenLine xmlns:a14="http://schemas.microsoft.com/office/drawing/2010/main" w="9525">
+                <a:solidFill>
+                  <a:schemeClr val="tx1"/>
+                </a:solidFill>
+                <a:miter lim="800000"/>
+                <a:headEnd/>
+                <a:tailEnd/>
+              </a14:hiddenLine>
+            </a:ext>
+            <a:ext uri="{AF507438-7753-43E0-B8FC-AC1667EBCBE1}">
+              <a14:hiddenEffects xmlns:a14="http://schemas.microsoft.com/office/drawing/2010/main">
+                <a:effectLst>
+                  <a:outerShdw dist="35921" dir="2700000" algn="ctr" rotWithShape="0">
+                    <a:schemeClr val="bg2"/>
+                  </a:outerShdw>
+                </a:effectLst>
+              </a14:hiddenEffects>
+            </a:ext>
+          </a:extLst>
+        </p:spPr>
+        <p:txBody>
+          <a:bodyPr vert="horz" wrap="none" lIns="91440" tIns="45720" rIns="91440" bIns="45720" numCol="1" anchor="ctr" anchorCtr="0" compatLnSpc="1">
+            <a:prstTxWarp prst="textNoShape">
+              <a:avLst/>
+            </a:prstTxWarp>
+            <a:spAutoFit/>
+          </a:bodyPr>
+          <a:lstStyle/>
+          <a:p>
+            <a:endParaRPr lang="es-CL"/>
+          </a:p>
+        </p:txBody>
+      </p:sp>
+      <p:pic>
+        <p:nvPicPr>
+          <p:cNvPr id="6" name="Imagen 5" descr="Interfaz de usuario gráfica, Aplicación&#10;&#10;El contenido generado por IA puede ser incorrecto.">
+            <a:extLst>
+              <a:ext uri="{FF2B5EF4-FFF2-40B4-BE49-F238E27FC236}">
+                <a16:creationId xmlns:a16="http://schemas.microsoft.com/office/drawing/2014/main" id="{FB7C875E-569C-4A7A-B23F-184966C51A0B}"/>
+              </a:ext>
+            </a:extLst>
+          </p:cNvPr>
+          <p:cNvPicPr>
+            <a:picLocks noChangeAspect="1"/>
+          </p:cNvPicPr>
+          <p:nvPr/>
+        </p:nvPicPr>
+        <p:blipFill>
+          <a:blip r:embed="rId2"/>
+          <a:srcRect t="1441"/>
+          <a:stretch>
+            <a:fillRect/>
+          </a:stretch>
+        </p:blipFill>
+        <p:spPr>
+          <a:xfrm>
+            <a:off x="890233" y="3429000"/>
+            <a:ext cx="10077621" cy="3191675"/>
+          </a:xfrm>
+          <a:prstGeom prst="rect">
+            <a:avLst/>
+          </a:prstGeom>
+        </p:spPr>
+      </p:pic>
+    </p:spTree>
+    <p:extLst>
+      <p:ext uri="{BB962C8B-B14F-4D97-AF65-F5344CB8AC3E}">
+        <p14:creationId xmlns:p14="http://schemas.microsoft.com/office/powerpoint/2010/main" val="626261949"/>
+      </p:ext>
+    </p:extLst>
+  </p:cSld>
+  <p:clrMapOvr>
+    <a:masterClrMapping/>
+  </p:clrMapOvr>
+</p:sld>
+</file>
+
+<file path=ppt/slides/slide19.xml><?xml version="1.0" encoding="utf-8"?>
+<p:sld xmlns:a="http://schemas.openxmlformats.org/drawingml/2006/main" xmlns:r="http://schemas.openxmlformats.org/officeDocument/2006/relationships" xmlns:p="http://schemas.openxmlformats.org/presentationml/2006/main">
+  <p:cSld>
+    <p:spTree>
+      <p:nvGrpSpPr>
+        <p:cNvPr id="1" name="">
+          <a:extLst>
+            <a:ext uri="{FF2B5EF4-FFF2-40B4-BE49-F238E27FC236}">
+              <a16:creationId xmlns:a16="http://schemas.microsoft.com/office/drawing/2014/main" id="{9B928D94-988D-0093-B04F-571B6BD25BF5}"/>
+            </a:ext>
+          </a:extLst>
+        </p:cNvPr>
+        <p:cNvGrpSpPr/>
+        <p:nvPr/>
+      </p:nvGrpSpPr>
+      <p:grpSpPr>
+        <a:xfrm>
+          <a:off x="0" y="0"/>
+          <a:ext cx="0" cy="0"/>
+          <a:chOff x="0" y="0"/>
+          <a:chExt cx="0" cy="0"/>
+        </a:xfrm>
+      </p:grpSpPr>
+      <p:sp>
+        <p:nvSpPr>
+          <p:cNvPr id="4" name="Título 3">
+            <a:extLst>
+              <a:ext uri="{FF2B5EF4-FFF2-40B4-BE49-F238E27FC236}">
+                <a16:creationId xmlns:a16="http://schemas.microsoft.com/office/drawing/2014/main" id="{F7D7C1F3-040F-99BC-1BDE-9E6C6857082F}"/>
+              </a:ext>
+            </a:extLst>
+          </p:cNvPr>
+          <p:cNvSpPr>
+            <a:spLocks noGrp="1"/>
+          </p:cNvSpPr>
+          <p:nvPr>
+            <p:ph type="title"/>
+          </p:nvPr>
+        </p:nvSpPr>
+        <p:spPr>
+          <a:xfrm>
+            <a:off x="671244" y="827315"/>
+            <a:ext cx="10515600" cy="863600"/>
+          </a:xfrm>
+        </p:spPr>
+        <p:txBody>
+          <a:bodyPr>
+            <a:normAutofit/>
+          </a:bodyPr>
+          <a:lstStyle/>
+          <a:p>
+            <a:r>
+              <a:rPr lang="es-CL" sz="3600" dirty="0"/>
+              <a:t>Plan de Pruebas Desarrollo</a:t>
+            </a:r>
+          </a:p>
+        </p:txBody>
+      </p:sp>
+      <p:sp>
+        <p:nvSpPr>
+          <p:cNvPr id="5" name="CuadroTexto 4">
+            <a:extLst>
+              <a:ext uri="{FF2B5EF4-FFF2-40B4-BE49-F238E27FC236}">
+                <a16:creationId xmlns:a16="http://schemas.microsoft.com/office/drawing/2014/main" id="{8614A384-904D-11F9-4066-6C2F4FB7D222}"/>
+              </a:ext>
+            </a:extLst>
+          </p:cNvPr>
+          <p:cNvSpPr txBox="1"/>
+          <p:nvPr/>
+        </p:nvSpPr>
+        <p:spPr>
+          <a:xfrm>
+            <a:off x="671244" y="1690915"/>
+            <a:ext cx="9769063" cy="369332"/>
+          </a:xfrm>
+          <a:prstGeom prst="rect">
+            <a:avLst/>
+          </a:prstGeom>
+          <a:noFill/>
+        </p:spPr>
+        <p:txBody>
+          <a:bodyPr wrap="square" rtlCol="0">
+            <a:spAutoFit/>
+          </a:bodyPr>
+          <a:lstStyle/>
+          <a:p>
+            <a:r>
+              <a:rPr lang="es-CL" dirty="0"/>
+              <a:t>Especificación de las Pruebas aplicadas al Sistema y Resultados Obtenidos </a:t>
+            </a:r>
+          </a:p>
+        </p:txBody>
+      </p:sp>
+      <p:sp>
+        <p:nvSpPr>
+          <p:cNvPr id="2" name="Rectangle 4">
+            <a:extLst>
+              <a:ext uri="{FF2B5EF4-FFF2-40B4-BE49-F238E27FC236}">
+                <a16:creationId xmlns:a16="http://schemas.microsoft.com/office/drawing/2014/main" id="{F35B9930-9D5E-95BC-3198-D5412038A137}"/>
+              </a:ext>
+            </a:extLst>
+          </p:cNvPr>
+          <p:cNvSpPr>
+            <a:spLocks noChangeArrowheads="1"/>
+          </p:cNvSpPr>
+          <p:nvPr/>
+        </p:nvSpPr>
+        <p:spPr bwMode="auto">
+          <a:xfrm>
+            <a:off x="1087120" y="2439079"/>
+            <a:ext cx="8432800" cy="615553"/>
+          </a:xfrm>
+          <a:prstGeom prst="rect">
+            <a:avLst/>
+          </a:prstGeom>
+          <a:noFill/>
+          <a:ln>
+            <a:noFill/>
+          </a:ln>
+          <a:effectLst/>
+          <a:extLst>
+            <a:ext uri="{909E8E84-426E-40DD-AFC4-6F175D3DCCD1}">
+              <a14:hiddenFill xmlns:a14="http://schemas.microsoft.com/office/drawing/2010/main">
+                <a:solidFill>
+                  <a:schemeClr val="accent1"/>
+                </a:solidFill>
+              </a14:hiddenFill>
+            </a:ext>
+            <a:ext uri="{91240B29-F687-4F45-9708-019B960494DF}">
+              <a14:hiddenLine xmlns:a14="http://schemas.microsoft.com/office/drawing/2010/main" w="9525">
+                <a:solidFill>
+                  <a:schemeClr val="tx1"/>
+                </a:solidFill>
+                <a:miter lim="800000"/>
+                <a:headEnd/>
+                <a:tailEnd/>
+              </a14:hiddenLine>
+            </a:ext>
+            <a:ext uri="{AF507438-7753-43E0-B8FC-AC1667EBCBE1}">
+              <a14:hiddenEffects xmlns:a14="http://schemas.microsoft.com/office/drawing/2010/main">
+                <a:effectLst>
+                  <a:outerShdw dist="35921" dir="2700000" algn="ctr" rotWithShape="0">
+                    <a:schemeClr val="bg2"/>
+                  </a:outerShdw>
+                </a:effectLst>
+              </a14:hiddenEffects>
+            </a:ext>
+          </a:extLst>
+        </p:spPr>
+        <p:txBody>
+          <a:bodyPr vert="horz" wrap="square" lIns="91440" tIns="45720" rIns="91440" bIns="45720" numCol="1" anchor="ctr" anchorCtr="0" compatLnSpc="1">
+            <a:prstTxWarp prst="textNoShape">
+              <a:avLst/>
+            </a:prstTxWarp>
+            <a:spAutoFit/>
+          </a:bodyPr>
+          <a:lstStyle/>
+          <a:p>
+            <a:pPr marL="0" marR="0" lvl="0" indent="0" algn="l" defTabSz="914400" rtl="0" eaLnBrk="0" fontAlgn="base" latinLnBrk="0" hangingPunct="0">
+              <a:lnSpc>
+                <a:spcPct val="100000"/>
+              </a:lnSpc>
+              <a:spcBef>
+                <a:spcPct val="0"/>
+              </a:spcBef>
+              <a:spcAft>
+                <a:spcPct val="0"/>
+              </a:spcAft>
+              <a:buClrTx/>
+              <a:buSzTx/>
+              <a:buFontTx/>
+              <a:buNone/>
+              <a:tabLst/>
+            </a:pPr>
+            <a:r>
+              <a:rPr kumimoji="0" lang="es-CL" altLang="es-CL" sz="1600" b="0" i="0" u="none" strike="noStrike" cap="none" normalizeH="0" baseline="0" dirty="0">
+                <a:ln>
+                  <a:noFill/>
+                </a:ln>
+                <a:solidFill>
+                  <a:srgbClr val="000000"/>
+                </a:solidFill>
+                <a:effectLst/>
+                <a:latin typeface="Aptos" panose="020B0004020202020204" pitchFamily="34" charset="0"/>
+                <a:ea typeface="Calibri" panose="020F0502020204030204" pitchFamily="34" charset="0"/>
+                <a:cs typeface="Times New Roman" panose="02020603050405020304" pitchFamily="18" charset="0"/>
+              </a:rPr>
+              <a:t>Pruebas Funcionales</a:t>
+            </a:r>
+            <a:r>
+              <a:rPr kumimoji="0" lang="es-CL" altLang="es-CL" sz="1600" b="0" i="0" u="none" strike="noStrike" cap="none" normalizeH="0" baseline="0" dirty="0">
+                <a:ln>
+                  <a:noFill/>
+                </a:ln>
+                <a:solidFill>
+                  <a:schemeClr val="tx1"/>
+                </a:solidFill>
+                <a:effectLst/>
+                <a:latin typeface="Aptos" panose="020B0004020202020204" pitchFamily="34" charset="0"/>
+                <a:ea typeface="Aptos" panose="020B0004020202020204" pitchFamily="34" charset="0"/>
+                <a:cs typeface="Times New Roman" panose="02020603050405020304" pitchFamily="18" charset="0"/>
+              </a:rPr>
+              <a:t> </a:t>
+            </a:r>
+            <a:endParaRPr kumimoji="0" lang="es-CL" altLang="es-CL" sz="1600" b="0" i="0" u="none" strike="noStrike" cap="none" normalizeH="0" baseline="0" dirty="0">
+              <a:ln>
+                <a:noFill/>
+              </a:ln>
+              <a:solidFill>
+                <a:schemeClr val="tx1"/>
+              </a:solidFill>
+              <a:effectLst/>
+            </a:endParaRPr>
+          </a:p>
+          <a:p>
+            <a:r>
+              <a:rPr lang="es-CL" dirty="0"/>
+              <a:t>Verificar flujos completos de solicitud rechazada</a:t>
+            </a:r>
+          </a:p>
+        </p:txBody>
+      </p:sp>
+      <p:sp>
+        <p:nvSpPr>
+          <p:cNvPr id="3" name="Rectangle 5">
+            <a:extLst>
+              <a:ext uri="{FF2B5EF4-FFF2-40B4-BE49-F238E27FC236}">
+                <a16:creationId xmlns:a16="http://schemas.microsoft.com/office/drawing/2014/main" id="{2B89BE72-FD85-6CC2-5E56-E52FD828A9F8}"/>
+              </a:ext>
+            </a:extLst>
+          </p:cNvPr>
+          <p:cNvSpPr>
+            <a:spLocks noChangeArrowheads="1"/>
+          </p:cNvSpPr>
+          <p:nvPr/>
+        </p:nvSpPr>
+        <p:spPr bwMode="auto">
+          <a:xfrm>
+            <a:off x="0" y="2111375"/>
+            <a:ext cx="12192000" cy="457200"/>
+          </a:xfrm>
+          <a:prstGeom prst="rect">
+            <a:avLst/>
+          </a:prstGeom>
+          <a:noFill/>
+          <a:ln>
+            <a:noFill/>
+          </a:ln>
+          <a:effectLst/>
+          <a:extLst>
+            <a:ext uri="{909E8E84-426E-40DD-AFC4-6F175D3DCCD1}">
+              <a14:hiddenFill xmlns:a14="http://schemas.microsoft.com/office/drawing/2010/main">
+                <a:solidFill>
+                  <a:schemeClr val="accent1"/>
+                </a:solidFill>
+              </a14:hiddenFill>
+            </a:ext>
+            <a:ext uri="{91240B29-F687-4F45-9708-019B960494DF}">
+              <a14:hiddenLine xmlns:a14="http://schemas.microsoft.com/office/drawing/2010/main" w="9525">
+                <a:solidFill>
+                  <a:schemeClr val="tx1"/>
+                </a:solidFill>
+                <a:miter lim="800000"/>
+                <a:headEnd/>
+                <a:tailEnd/>
+              </a14:hiddenLine>
+            </a:ext>
+            <a:ext uri="{AF507438-7753-43E0-B8FC-AC1667EBCBE1}">
+              <a14:hiddenEffects xmlns:a14="http://schemas.microsoft.com/office/drawing/2010/main">
+                <a:effectLst>
+                  <a:outerShdw dist="35921" dir="2700000" algn="ctr" rotWithShape="0">
+                    <a:schemeClr val="bg2"/>
+                  </a:outerShdw>
+                </a:effectLst>
+              </a14:hiddenEffects>
+            </a:ext>
+          </a:extLst>
+        </p:spPr>
+        <p:txBody>
+          <a:bodyPr vert="horz" wrap="none" lIns="91440" tIns="45720" rIns="91440" bIns="45720" numCol="1" anchor="ctr" anchorCtr="0" compatLnSpc="1">
+            <a:prstTxWarp prst="textNoShape">
+              <a:avLst/>
+            </a:prstTxWarp>
+            <a:spAutoFit/>
+          </a:bodyPr>
+          <a:lstStyle/>
+          <a:p>
+            <a:endParaRPr lang="es-CL"/>
+          </a:p>
+        </p:txBody>
+      </p:sp>
+      <p:pic>
+        <p:nvPicPr>
+          <p:cNvPr id="7" name="Imagen 6" descr="Interfaz de usuario gráfica, Aplicación&#10;&#10;El contenido generado por IA puede ser incorrecto.">
+            <a:extLst>
+              <a:ext uri="{FF2B5EF4-FFF2-40B4-BE49-F238E27FC236}">
+                <a16:creationId xmlns:a16="http://schemas.microsoft.com/office/drawing/2014/main" id="{4EFDFCBB-A7FA-6ED0-3CEB-D7C4A16201AA}"/>
               </a:ext>
             </a:extLst>
           </p:cNvPr>
@@ -4865,38 +6425,8 @@
         </p:blipFill>
         <p:spPr>
           <a:xfrm>
-            <a:off x="669043" y="1690688"/>
-            <a:ext cx="6587868" cy="4240618"/>
-          </a:xfrm>
-          <a:prstGeom prst="rect">
-            <a:avLst/>
-          </a:prstGeom>
-        </p:spPr>
-      </p:pic>
-      <p:pic>
-        <p:nvPicPr>
-          <p:cNvPr id="4" name="Imagen 3">
-            <a:extLst>
-              <a:ext uri="{FF2B5EF4-FFF2-40B4-BE49-F238E27FC236}">
-                <a16:creationId xmlns:a16="http://schemas.microsoft.com/office/drawing/2014/main" id="{9A6CC852-5AEC-3C03-925D-7AD58898AECD}"/>
-              </a:ext>
-            </a:extLst>
-          </p:cNvPr>
-          <p:cNvPicPr>
-            <a:picLocks noChangeAspect="1"/>
-          </p:cNvPicPr>
-          <p:nvPr/>
-        </p:nvPicPr>
-        <p:blipFill>
-          <a:blip r:embed="rId3"/>
-          <a:stretch>
-            <a:fillRect/>
-          </a:stretch>
-        </p:blipFill>
-        <p:spPr>
-          <a:xfrm>
-            <a:off x="8067448" y="2310886"/>
-            <a:ext cx="3705336" cy="2535878"/>
+            <a:off x="935097" y="3408680"/>
+            <a:ext cx="10321806" cy="2993300"/>
           </a:xfrm>
           <a:prstGeom prst="rect">
             <a:avLst/>
@@ -4906,245 +6436,7 @@
     </p:spTree>
     <p:extLst>
       <p:ext uri="{BB962C8B-B14F-4D97-AF65-F5344CB8AC3E}">
-        <p14:creationId xmlns:p14="http://schemas.microsoft.com/office/powerpoint/2010/main" val="830103515"/>
-      </p:ext>
-    </p:extLst>
-  </p:cSld>
-  <p:clrMapOvr>
-    <a:masterClrMapping/>
-  </p:clrMapOvr>
-</p:sld>
-</file>
-
-<file path=ppt/slides/slide18.xml><?xml version="1.0" encoding="utf-8"?>
-<p:sld xmlns:a="http://schemas.openxmlformats.org/drawingml/2006/main" xmlns:r="http://schemas.openxmlformats.org/officeDocument/2006/relationships" xmlns:p="http://schemas.openxmlformats.org/presentationml/2006/main">
-  <p:cSld>
-    <p:spTree>
-      <p:nvGrpSpPr>
-        <p:cNvPr id="1" name=""/>
-        <p:cNvGrpSpPr/>
-        <p:nvPr/>
-      </p:nvGrpSpPr>
-      <p:grpSpPr>
-        <a:xfrm>
-          <a:off x="0" y="0"/>
-          <a:ext cx="0" cy="0"/>
-          <a:chOff x="0" y="0"/>
-          <a:chExt cx="0" cy="0"/>
-        </a:xfrm>
-      </p:grpSpPr>
-      <p:pic>
-        <p:nvPicPr>
-          <p:cNvPr id="3" name="Imagen 2">
-            <a:extLst>
-              <a:ext uri="{FF2B5EF4-FFF2-40B4-BE49-F238E27FC236}">
-                <a16:creationId xmlns:a16="http://schemas.microsoft.com/office/drawing/2014/main" id="{1DB71D83-3EFA-B5D5-3DBC-2952C60A6D85}"/>
-              </a:ext>
-            </a:extLst>
-          </p:cNvPr>
-          <p:cNvPicPr>
-            <a:picLocks noChangeAspect="1"/>
-          </p:cNvPicPr>
-          <p:nvPr/>
-        </p:nvPicPr>
-        <p:blipFill>
-          <a:blip r:embed="rId2"/>
-          <a:stretch>
-            <a:fillRect/>
-          </a:stretch>
-        </p:blipFill>
-        <p:spPr>
-          <a:xfrm>
-            <a:off x="291548" y="1279060"/>
-            <a:ext cx="6821351" cy="2805924"/>
-          </a:xfrm>
-          <a:prstGeom prst="rect">
-            <a:avLst/>
-          </a:prstGeom>
-        </p:spPr>
-      </p:pic>
-      <p:sp>
-        <p:nvSpPr>
-          <p:cNvPr id="7" name="CuadroTexto 6">
-            <a:extLst>
-              <a:ext uri="{FF2B5EF4-FFF2-40B4-BE49-F238E27FC236}">
-                <a16:creationId xmlns:a16="http://schemas.microsoft.com/office/drawing/2014/main" id="{471EF142-934C-006A-F3FC-D36CF8C92776}"/>
-              </a:ext>
-            </a:extLst>
-          </p:cNvPr>
-          <p:cNvSpPr txBox="1"/>
-          <p:nvPr/>
-        </p:nvSpPr>
-        <p:spPr>
-          <a:xfrm>
-            <a:off x="7013713" y="1600200"/>
-            <a:ext cx="5178287" cy="1477328"/>
-          </a:xfrm>
-          <a:prstGeom prst="rect">
-            <a:avLst/>
-          </a:prstGeom>
-          <a:noFill/>
-        </p:spPr>
-        <p:txBody>
-          <a:bodyPr wrap="square" rtlCol="0">
-            <a:spAutoFit/>
-          </a:bodyPr>
-          <a:lstStyle/>
-          <a:p>
-            <a:r>
-              <a:rPr lang="es-ES" dirty="0"/>
-              <a:t>VAN: dice cuánto dinero neto ganas en pesos de hoy.</a:t>
-            </a:r>
-          </a:p>
-          <a:p>
-            <a:r>
-              <a:rPr lang="es-ES" dirty="0"/>
-              <a:t>TIR: dice a qué porcentaje anual rinde el proyecto.</a:t>
-            </a:r>
-          </a:p>
-          <a:p>
-            <a:r>
-              <a:rPr lang="es-ES" dirty="0"/>
-              <a:t>IR:  dice cuántas veces recuperas lo que invertiste (relación beneficio / inversión).</a:t>
-            </a:r>
-          </a:p>
-          <a:p>
-            <a:endParaRPr lang="es-CL" dirty="0"/>
-          </a:p>
-        </p:txBody>
-      </p:sp>
-      <p:sp>
-        <p:nvSpPr>
-          <p:cNvPr id="9" name="CuadroTexto 8">
-            <a:extLst>
-              <a:ext uri="{FF2B5EF4-FFF2-40B4-BE49-F238E27FC236}">
-                <a16:creationId xmlns:a16="http://schemas.microsoft.com/office/drawing/2014/main" id="{47D21690-B4C9-8D00-3BF5-3E5F3F373B1D}"/>
-              </a:ext>
-            </a:extLst>
-          </p:cNvPr>
-          <p:cNvSpPr txBox="1"/>
-          <p:nvPr/>
-        </p:nvSpPr>
-        <p:spPr>
-          <a:xfrm>
-            <a:off x="490330" y="4492489"/>
-            <a:ext cx="11211339" cy="2031325"/>
-          </a:xfrm>
-          <a:prstGeom prst="rect">
-            <a:avLst/>
-          </a:prstGeom>
-          <a:noFill/>
-        </p:spPr>
-        <p:txBody>
-          <a:bodyPr wrap="square" rtlCol="0">
-            <a:spAutoFit/>
-          </a:bodyPr>
-          <a:lstStyle/>
-          <a:p>
-            <a:r>
-              <a:rPr lang="es-ES" dirty="0"/>
-              <a:t>VAN (10%): ocupamos 10% como tasa mínima de retorno que exigimos al proyecto. El VAN dice cuánta plata extra genera el proyecto sobre ese 10%. Como es muy positivo, el proyecto crea valor.</a:t>
-            </a:r>
-          </a:p>
-          <a:p>
-            <a:r>
-              <a:rPr lang="es-ES" dirty="0"/>
-              <a:t>TIR: muestra la rentabilidad en porcentaje del proyecto. Al ser ≈ 170%, muy superior al 10%, confirma que el proyecto es altamente atractivo.</a:t>
-            </a:r>
-          </a:p>
-          <a:p>
-            <a:r>
-              <a:rPr lang="es-ES" dirty="0"/>
-              <a:t>IR (14,46): indica la eficiencia por peso invertido. IR = 14,46 significa que cada $1 invertido devuelve $14,46 en valor actual, reforzando que el proyecto es muy rentable.</a:t>
-            </a:r>
-          </a:p>
-          <a:p>
-            <a:endParaRPr lang="es-CL" dirty="0"/>
-          </a:p>
-        </p:txBody>
-      </p:sp>
-    </p:spTree>
-    <p:extLst>
-      <p:ext uri="{BB962C8B-B14F-4D97-AF65-F5344CB8AC3E}">
-        <p14:creationId xmlns:p14="http://schemas.microsoft.com/office/powerpoint/2010/main" val="2486071345"/>
-      </p:ext>
-    </p:extLst>
-  </p:cSld>
-  <p:clrMapOvr>
-    <a:masterClrMapping/>
-  </p:clrMapOvr>
-</p:sld>
-</file>
-
-<file path=ppt/slides/slide19.xml><?xml version="1.0" encoding="utf-8"?>
-<p:sld xmlns:a="http://schemas.openxmlformats.org/drawingml/2006/main" xmlns:r="http://schemas.openxmlformats.org/officeDocument/2006/relationships" xmlns:p="http://schemas.openxmlformats.org/presentationml/2006/main">
-  <p:cSld>
-    <p:spTree>
-      <p:nvGrpSpPr>
-        <p:cNvPr id="1" name=""/>
-        <p:cNvGrpSpPr/>
-        <p:nvPr/>
-      </p:nvGrpSpPr>
-      <p:grpSpPr>
-        <a:xfrm>
-          <a:off x="0" y="0"/>
-          <a:ext cx="0" cy="0"/>
-          <a:chOff x="0" y="0"/>
-          <a:chExt cx="0" cy="0"/>
-        </a:xfrm>
-      </p:grpSpPr>
-      <p:sp>
-        <p:nvSpPr>
-          <p:cNvPr id="5" name="Título 3"/>
-          <p:cNvSpPr txBox="1">
-            <a:spLocks/>
-          </p:cNvSpPr>
-          <p:nvPr/>
-        </p:nvSpPr>
-        <p:spPr>
-          <a:xfrm>
-            <a:off x="457158" y="864220"/>
-            <a:ext cx="10515600" cy="1325563"/>
-          </a:xfrm>
-          <a:prstGeom prst="rect">
-            <a:avLst/>
-          </a:prstGeom>
-        </p:spPr>
-        <p:txBody>
-          <a:bodyPr vert="horz" lIns="91440" tIns="45720" rIns="91440" bIns="45720" rtlCol="0" anchor="ctr">
-            <a:normAutofit/>
-          </a:bodyPr>
-          <a:lstStyle>
-            <a:lvl1pPr algn="l" defTabSz="914400" rtl="0" eaLnBrk="1" latinLnBrk="0" hangingPunct="1">
-              <a:lnSpc>
-                <a:spcPct val="90000"/>
-              </a:lnSpc>
-              <a:spcBef>
-                <a:spcPct val="0"/>
-              </a:spcBef>
-              <a:buNone/>
-              <a:defRPr sz="4400" kern="1200">
-                <a:solidFill>
-                  <a:schemeClr val="tx1"/>
-                </a:solidFill>
-                <a:latin typeface="+mj-lt"/>
-                <a:ea typeface="+mj-ea"/>
-                <a:cs typeface="+mj-cs"/>
-              </a:defRPr>
-            </a:lvl1pPr>
-          </a:lstStyle>
-          <a:p>
-            <a:r>
-              <a:rPr lang="es-CL" dirty="0"/>
-              <a:t>Demostración del Prototipo o Resultado del Proyecto (Sistema)</a:t>
-            </a:r>
-          </a:p>
-        </p:txBody>
-      </p:sp>
-    </p:spTree>
-    <p:extLst>
-      <p:ext uri="{BB962C8B-B14F-4D97-AF65-F5344CB8AC3E}">
-        <p14:creationId xmlns:p14="http://schemas.microsoft.com/office/powerpoint/2010/main" val="4071933174"/>
+        <p14:creationId xmlns:p14="http://schemas.microsoft.com/office/powerpoint/2010/main" val="4157495665"/>
       </p:ext>
     </p:extLst>
   </p:cSld>
@@ -5977,6 +7269,1541 @@
   <p:cSld>
     <p:spTree>
       <p:nvGrpSpPr>
+        <p:cNvPr id="1" name="">
+          <a:extLst>
+            <a:ext uri="{FF2B5EF4-FFF2-40B4-BE49-F238E27FC236}">
+              <a16:creationId xmlns:a16="http://schemas.microsoft.com/office/drawing/2014/main" id="{F60754F0-1E29-0619-4749-4CDD28DDC857}"/>
+            </a:ext>
+          </a:extLst>
+        </p:cNvPr>
+        <p:cNvGrpSpPr/>
+        <p:nvPr/>
+      </p:nvGrpSpPr>
+      <p:grpSpPr>
+        <a:xfrm>
+          <a:off x="0" y="0"/>
+          <a:ext cx="0" cy="0"/>
+          <a:chOff x="0" y="0"/>
+          <a:chExt cx="0" cy="0"/>
+        </a:xfrm>
+      </p:grpSpPr>
+      <p:sp>
+        <p:nvSpPr>
+          <p:cNvPr id="4" name="Título 3">
+            <a:extLst>
+              <a:ext uri="{FF2B5EF4-FFF2-40B4-BE49-F238E27FC236}">
+                <a16:creationId xmlns:a16="http://schemas.microsoft.com/office/drawing/2014/main" id="{65E716D0-46F7-1C8A-A96E-C02B0DA96B48}"/>
+              </a:ext>
+            </a:extLst>
+          </p:cNvPr>
+          <p:cNvSpPr>
+            <a:spLocks noGrp="1"/>
+          </p:cNvSpPr>
+          <p:nvPr>
+            <p:ph type="title"/>
+          </p:nvPr>
+        </p:nvSpPr>
+        <p:spPr>
+          <a:xfrm>
+            <a:off x="671244" y="827315"/>
+            <a:ext cx="10515600" cy="863600"/>
+          </a:xfrm>
+        </p:spPr>
+        <p:txBody>
+          <a:bodyPr>
+            <a:normAutofit/>
+          </a:bodyPr>
+          <a:lstStyle/>
+          <a:p>
+            <a:r>
+              <a:rPr lang="es-CL" sz="3600" dirty="0"/>
+              <a:t>Plan de Pruebas Desarrollo</a:t>
+            </a:r>
+          </a:p>
+        </p:txBody>
+      </p:sp>
+      <p:sp>
+        <p:nvSpPr>
+          <p:cNvPr id="5" name="CuadroTexto 4">
+            <a:extLst>
+              <a:ext uri="{FF2B5EF4-FFF2-40B4-BE49-F238E27FC236}">
+                <a16:creationId xmlns:a16="http://schemas.microsoft.com/office/drawing/2014/main" id="{677D2F86-E641-39D7-DD20-8F9289A82D1D}"/>
+              </a:ext>
+            </a:extLst>
+          </p:cNvPr>
+          <p:cNvSpPr txBox="1"/>
+          <p:nvPr/>
+        </p:nvSpPr>
+        <p:spPr>
+          <a:xfrm>
+            <a:off x="671244" y="1690915"/>
+            <a:ext cx="9769063" cy="369332"/>
+          </a:xfrm>
+          <a:prstGeom prst="rect">
+            <a:avLst/>
+          </a:prstGeom>
+          <a:noFill/>
+        </p:spPr>
+        <p:txBody>
+          <a:bodyPr wrap="square" rtlCol="0">
+            <a:spAutoFit/>
+          </a:bodyPr>
+          <a:lstStyle/>
+          <a:p>
+            <a:r>
+              <a:rPr lang="es-CL" dirty="0"/>
+              <a:t>Especificación de las Pruebas aplicadas al Sistema y Resultados Obtenidos </a:t>
+            </a:r>
+          </a:p>
+        </p:txBody>
+      </p:sp>
+      <p:sp>
+        <p:nvSpPr>
+          <p:cNvPr id="2" name="Rectangle 4">
+            <a:extLst>
+              <a:ext uri="{FF2B5EF4-FFF2-40B4-BE49-F238E27FC236}">
+                <a16:creationId xmlns:a16="http://schemas.microsoft.com/office/drawing/2014/main" id="{E428495E-9B9A-EC6E-14B5-CF37F4E14E0B}"/>
+              </a:ext>
+            </a:extLst>
+          </p:cNvPr>
+          <p:cNvSpPr>
+            <a:spLocks noChangeArrowheads="1"/>
+          </p:cNvSpPr>
+          <p:nvPr/>
+        </p:nvSpPr>
+        <p:spPr bwMode="auto">
+          <a:xfrm>
+            <a:off x="1087120" y="2439079"/>
+            <a:ext cx="8432800" cy="615553"/>
+          </a:xfrm>
+          <a:prstGeom prst="rect">
+            <a:avLst/>
+          </a:prstGeom>
+          <a:noFill/>
+          <a:ln>
+            <a:noFill/>
+          </a:ln>
+          <a:effectLst/>
+          <a:extLst>
+            <a:ext uri="{909E8E84-426E-40DD-AFC4-6F175D3DCCD1}">
+              <a14:hiddenFill xmlns:a14="http://schemas.microsoft.com/office/drawing/2010/main">
+                <a:solidFill>
+                  <a:schemeClr val="accent1"/>
+                </a:solidFill>
+              </a14:hiddenFill>
+            </a:ext>
+            <a:ext uri="{91240B29-F687-4F45-9708-019B960494DF}">
+              <a14:hiddenLine xmlns:a14="http://schemas.microsoft.com/office/drawing/2010/main" w="9525">
+                <a:solidFill>
+                  <a:schemeClr val="tx1"/>
+                </a:solidFill>
+                <a:miter lim="800000"/>
+                <a:headEnd/>
+                <a:tailEnd/>
+              </a14:hiddenLine>
+            </a:ext>
+            <a:ext uri="{AF507438-7753-43E0-B8FC-AC1667EBCBE1}">
+              <a14:hiddenEffects xmlns:a14="http://schemas.microsoft.com/office/drawing/2010/main">
+                <a:effectLst>
+                  <a:outerShdw dist="35921" dir="2700000" algn="ctr" rotWithShape="0">
+                    <a:schemeClr val="bg2"/>
+                  </a:outerShdw>
+                </a:effectLst>
+              </a14:hiddenEffects>
+            </a:ext>
+          </a:extLst>
+        </p:spPr>
+        <p:txBody>
+          <a:bodyPr vert="horz" wrap="square" lIns="91440" tIns="45720" rIns="91440" bIns="45720" numCol="1" anchor="ctr" anchorCtr="0" compatLnSpc="1">
+            <a:prstTxWarp prst="textNoShape">
+              <a:avLst/>
+            </a:prstTxWarp>
+            <a:spAutoFit/>
+          </a:bodyPr>
+          <a:lstStyle/>
+          <a:p>
+            <a:pPr marL="0" marR="0" lvl="0" indent="0" algn="l" defTabSz="914400" rtl="0" eaLnBrk="0" fontAlgn="base" latinLnBrk="0" hangingPunct="0">
+              <a:lnSpc>
+                <a:spcPct val="100000"/>
+              </a:lnSpc>
+              <a:spcBef>
+                <a:spcPct val="0"/>
+              </a:spcBef>
+              <a:spcAft>
+                <a:spcPct val="0"/>
+              </a:spcAft>
+              <a:buClrTx/>
+              <a:buSzTx/>
+              <a:buFontTx/>
+              <a:buNone/>
+              <a:tabLst/>
+            </a:pPr>
+            <a:r>
+              <a:rPr kumimoji="0" lang="es-CL" altLang="es-CL" sz="1600" b="0" i="0" u="none" strike="noStrike" cap="none" normalizeH="0" baseline="0" dirty="0">
+                <a:ln>
+                  <a:noFill/>
+                </a:ln>
+                <a:solidFill>
+                  <a:srgbClr val="000000"/>
+                </a:solidFill>
+                <a:effectLst/>
+                <a:latin typeface="Aptos" panose="020B0004020202020204" pitchFamily="34" charset="0"/>
+                <a:ea typeface="Calibri" panose="020F0502020204030204" pitchFamily="34" charset="0"/>
+                <a:cs typeface="Times New Roman" panose="02020603050405020304" pitchFamily="18" charset="0"/>
+              </a:rPr>
+              <a:t>Pruebas Funcionales</a:t>
+            </a:r>
+            <a:r>
+              <a:rPr kumimoji="0" lang="es-CL" altLang="es-CL" sz="1600" b="0" i="0" u="none" strike="noStrike" cap="none" normalizeH="0" baseline="0" dirty="0">
+                <a:ln>
+                  <a:noFill/>
+                </a:ln>
+                <a:solidFill>
+                  <a:schemeClr val="tx1"/>
+                </a:solidFill>
+                <a:effectLst/>
+                <a:latin typeface="Aptos" panose="020B0004020202020204" pitchFamily="34" charset="0"/>
+                <a:ea typeface="Aptos" panose="020B0004020202020204" pitchFamily="34" charset="0"/>
+                <a:cs typeface="Times New Roman" panose="02020603050405020304" pitchFamily="18" charset="0"/>
+              </a:rPr>
+              <a:t> </a:t>
+            </a:r>
+            <a:endParaRPr kumimoji="0" lang="es-CL" altLang="es-CL" sz="1600" b="0" i="0" u="none" strike="noStrike" cap="none" normalizeH="0" baseline="0" dirty="0">
+              <a:ln>
+                <a:noFill/>
+              </a:ln>
+              <a:solidFill>
+                <a:schemeClr val="tx1"/>
+              </a:solidFill>
+              <a:effectLst/>
+            </a:endParaRPr>
+          </a:p>
+          <a:p>
+            <a:r>
+              <a:rPr lang="es-CL" dirty="0"/>
+              <a:t>Verificar flujos completos de solicitud rechazada</a:t>
+            </a:r>
+          </a:p>
+        </p:txBody>
+      </p:sp>
+      <p:sp>
+        <p:nvSpPr>
+          <p:cNvPr id="3" name="Rectangle 5">
+            <a:extLst>
+              <a:ext uri="{FF2B5EF4-FFF2-40B4-BE49-F238E27FC236}">
+                <a16:creationId xmlns:a16="http://schemas.microsoft.com/office/drawing/2014/main" id="{7466947F-40FE-8ECC-8AFD-A5386A7D11B8}"/>
+              </a:ext>
+            </a:extLst>
+          </p:cNvPr>
+          <p:cNvSpPr>
+            <a:spLocks noChangeArrowheads="1"/>
+          </p:cNvSpPr>
+          <p:nvPr/>
+        </p:nvSpPr>
+        <p:spPr bwMode="auto">
+          <a:xfrm>
+            <a:off x="0" y="2111375"/>
+            <a:ext cx="12192000" cy="457200"/>
+          </a:xfrm>
+          <a:prstGeom prst="rect">
+            <a:avLst/>
+          </a:prstGeom>
+          <a:noFill/>
+          <a:ln>
+            <a:noFill/>
+          </a:ln>
+          <a:effectLst/>
+          <a:extLst>
+            <a:ext uri="{909E8E84-426E-40DD-AFC4-6F175D3DCCD1}">
+              <a14:hiddenFill xmlns:a14="http://schemas.microsoft.com/office/drawing/2010/main">
+                <a:solidFill>
+                  <a:schemeClr val="accent1"/>
+                </a:solidFill>
+              </a14:hiddenFill>
+            </a:ext>
+            <a:ext uri="{91240B29-F687-4F45-9708-019B960494DF}">
+              <a14:hiddenLine xmlns:a14="http://schemas.microsoft.com/office/drawing/2010/main" w="9525">
+                <a:solidFill>
+                  <a:schemeClr val="tx1"/>
+                </a:solidFill>
+                <a:miter lim="800000"/>
+                <a:headEnd/>
+                <a:tailEnd/>
+              </a14:hiddenLine>
+            </a:ext>
+            <a:ext uri="{AF507438-7753-43E0-B8FC-AC1667EBCBE1}">
+              <a14:hiddenEffects xmlns:a14="http://schemas.microsoft.com/office/drawing/2010/main">
+                <a:effectLst>
+                  <a:outerShdw dist="35921" dir="2700000" algn="ctr" rotWithShape="0">
+                    <a:schemeClr val="bg2"/>
+                  </a:outerShdw>
+                </a:effectLst>
+              </a14:hiddenEffects>
+            </a:ext>
+          </a:extLst>
+        </p:spPr>
+        <p:txBody>
+          <a:bodyPr vert="horz" wrap="none" lIns="91440" tIns="45720" rIns="91440" bIns="45720" numCol="1" anchor="ctr" anchorCtr="0" compatLnSpc="1">
+            <a:prstTxWarp prst="textNoShape">
+              <a:avLst/>
+            </a:prstTxWarp>
+            <a:spAutoFit/>
+          </a:bodyPr>
+          <a:lstStyle/>
+          <a:p>
+            <a:endParaRPr lang="es-CL"/>
+          </a:p>
+        </p:txBody>
+      </p:sp>
+      <p:pic>
+        <p:nvPicPr>
+          <p:cNvPr id="6" name="Imagen 5" descr="Interfaz de usuario gráfica, Aplicación&#10;&#10;El contenido generado por IA puede ser incorrecto.">
+            <a:extLst>
+              <a:ext uri="{FF2B5EF4-FFF2-40B4-BE49-F238E27FC236}">
+                <a16:creationId xmlns:a16="http://schemas.microsoft.com/office/drawing/2014/main" id="{D02E7428-9866-5431-BFED-7CB7ACB7C2E1}"/>
+              </a:ext>
+            </a:extLst>
+          </p:cNvPr>
+          <p:cNvPicPr>
+            <a:picLocks noChangeAspect="1"/>
+          </p:cNvPicPr>
+          <p:nvPr/>
+        </p:nvPicPr>
+        <p:blipFill>
+          <a:blip r:embed="rId2"/>
+          <a:stretch>
+            <a:fillRect/>
+          </a:stretch>
+        </p:blipFill>
+        <p:spPr>
+          <a:xfrm>
+            <a:off x="955724" y="3429000"/>
+            <a:ext cx="9953126" cy="2886384"/>
+          </a:xfrm>
+          <a:prstGeom prst="rect">
+            <a:avLst/>
+          </a:prstGeom>
+        </p:spPr>
+      </p:pic>
+    </p:spTree>
+    <p:extLst>
+      <p:ext uri="{BB962C8B-B14F-4D97-AF65-F5344CB8AC3E}">
+        <p14:creationId xmlns:p14="http://schemas.microsoft.com/office/powerpoint/2010/main" val="402094815"/>
+      </p:ext>
+    </p:extLst>
+  </p:cSld>
+  <p:clrMapOvr>
+    <a:masterClrMapping/>
+  </p:clrMapOvr>
+</p:sld>
+</file>
+
+<file path=ppt/slides/slide21.xml><?xml version="1.0" encoding="utf-8"?>
+<p:sld xmlns:a="http://schemas.openxmlformats.org/drawingml/2006/main" xmlns:r="http://schemas.openxmlformats.org/officeDocument/2006/relationships" xmlns:p="http://schemas.openxmlformats.org/presentationml/2006/main">
+  <p:cSld>
+    <p:spTree>
+      <p:nvGrpSpPr>
+        <p:cNvPr id="1" name="">
+          <a:extLst>
+            <a:ext uri="{FF2B5EF4-FFF2-40B4-BE49-F238E27FC236}">
+              <a16:creationId xmlns:a16="http://schemas.microsoft.com/office/drawing/2014/main" id="{DFAB6910-9AA8-8F01-0C2F-FE85106085EC}"/>
+            </a:ext>
+          </a:extLst>
+        </p:cNvPr>
+        <p:cNvGrpSpPr/>
+        <p:nvPr/>
+      </p:nvGrpSpPr>
+      <p:grpSpPr>
+        <a:xfrm>
+          <a:off x="0" y="0"/>
+          <a:ext cx="0" cy="0"/>
+          <a:chOff x="0" y="0"/>
+          <a:chExt cx="0" cy="0"/>
+        </a:xfrm>
+      </p:grpSpPr>
+      <p:sp>
+        <p:nvSpPr>
+          <p:cNvPr id="4" name="Título 3">
+            <a:extLst>
+              <a:ext uri="{FF2B5EF4-FFF2-40B4-BE49-F238E27FC236}">
+                <a16:creationId xmlns:a16="http://schemas.microsoft.com/office/drawing/2014/main" id="{EEC66BB0-759F-5370-8753-C5D6EE88914A}"/>
+              </a:ext>
+            </a:extLst>
+          </p:cNvPr>
+          <p:cNvSpPr>
+            <a:spLocks noGrp="1"/>
+          </p:cNvSpPr>
+          <p:nvPr>
+            <p:ph type="title"/>
+          </p:nvPr>
+        </p:nvSpPr>
+        <p:spPr>
+          <a:xfrm>
+            <a:off x="671244" y="827315"/>
+            <a:ext cx="10515600" cy="863600"/>
+          </a:xfrm>
+        </p:spPr>
+        <p:txBody>
+          <a:bodyPr>
+            <a:normAutofit/>
+          </a:bodyPr>
+          <a:lstStyle/>
+          <a:p>
+            <a:r>
+              <a:rPr lang="es-CL" sz="3600" dirty="0"/>
+              <a:t>Plan de Pruebas Desarrollo</a:t>
+            </a:r>
+          </a:p>
+        </p:txBody>
+      </p:sp>
+      <p:sp>
+        <p:nvSpPr>
+          <p:cNvPr id="5" name="CuadroTexto 4">
+            <a:extLst>
+              <a:ext uri="{FF2B5EF4-FFF2-40B4-BE49-F238E27FC236}">
+                <a16:creationId xmlns:a16="http://schemas.microsoft.com/office/drawing/2014/main" id="{4540E157-6E13-9C90-568A-09FDC2462D23}"/>
+              </a:ext>
+            </a:extLst>
+          </p:cNvPr>
+          <p:cNvSpPr txBox="1"/>
+          <p:nvPr/>
+        </p:nvSpPr>
+        <p:spPr>
+          <a:xfrm>
+            <a:off x="671244" y="1690915"/>
+            <a:ext cx="9769063" cy="369332"/>
+          </a:xfrm>
+          <a:prstGeom prst="rect">
+            <a:avLst/>
+          </a:prstGeom>
+          <a:noFill/>
+        </p:spPr>
+        <p:txBody>
+          <a:bodyPr wrap="square" rtlCol="0">
+            <a:spAutoFit/>
+          </a:bodyPr>
+          <a:lstStyle/>
+          <a:p>
+            <a:r>
+              <a:rPr lang="es-CL" dirty="0"/>
+              <a:t>Especificación de las Pruebas aplicadas al Sistema y Resultados Obtenidos </a:t>
+            </a:r>
+          </a:p>
+        </p:txBody>
+      </p:sp>
+      <p:sp>
+        <p:nvSpPr>
+          <p:cNvPr id="2" name="Rectangle 4">
+            <a:extLst>
+              <a:ext uri="{FF2B5EF4-FFF2-40B4-BE49-F238E27FC236}">
+                <a16:creationId xmlns:a16="http://schemas.microsoft.com/office/drawing/2014/main" id="{239D2D75-0A4A-3D02-9982-4262C74D09FF}"/>
+              </a:ext>
+            </a:extLst>
+          </p:cNvPr>
+          <p:cNvSpPr>
+            <a:spLocks noChangeArrowheads="1"/>
+          </p:cNvSpPr>
+          <p:nvPr/>
+        </p:nvSpPr>
+        <p:spPr bwMode="auto">
+          <a:xfrm>
+            <a:off x="1087120" y="2439079"/>
+            <a:ext cx="8432800" cy="615553"/>
+          </a:xfrm>
+          <a:prstGeom prst="rect">
+            <a:avLst/>
+          </a:prstGeom>
+          <a:noFill/>
+          <a:ln>
+            <a:noFill/>
+          </a:ln>
+          <a:effectLst/>
+          <a:extLst>
+            <a:ext uri="{909E8E84-426E-40DD-AFC4-6F175D3DCCD1}">
+              <a14:hiddenFill xmlns:a14="http://schemas.microsoft.com/office/drawing/2010/main">
+                <a:solidFill>
+                  <a:schemeClr val="accent1"/>
+                </a:solidFill>
+              </a14:hiddenFill>
+            </a:ext>
+            <a:ext uri="{91240B29-F687-4F45-9708-019B960494DF}">
+              <a14:hiddenLine xmlns:a14="http://schemas.microsoft.com/office/drawing/2010/main" w="9525">
+                <a:solidFill>
+                  <a:schemeClr val="tx1"/>
+                </a:solidFill>
+                <a:miter lim="800000"/>
+                <a:headEnd/>
+                <a:tailEnd/>
+              </a14:hiddenLine>
+            </a:ext>
+            <a:ext uri="{AF507438-7753-43E0-B8FC-AC1667EBCBE1}">
+              <a14:hiddenEffects xmlns:a14="http://schemas.microsoft.com/office/drawing/2010/main">
+                <a:effectLst>
+                  <a:outerShdw dist="35921" dir="2700000" algn="ctr" rotWithShape="0">
+                    <a:schemeClr val="bg2"/>
+                  </a:outerShdw>
+                </a:effectLst>
+              </a14:hiddenEffects>
+            </a:ext>
+          </a:extLst>
+        </p:spPr>
+        <p:txBody>
+          <a:bodyPr vert="horz" wrap="square" lIns="91440" tIns="45720" rIns="91440" bIns="45720" numCol="1" anchor="ctr" anchorCtr="0" compatLnSpc="1">
+            <a:prstTxWarp prst="textNoShape">
+              <a:avLst/>
+            </a:prstTxWarp>
+            <a:spAutoFit/>
+          </a:bodyPr>
+          <a:lstStyle/>
+          <a:p>
+            <a:pPr marL="0" marR="0" lvl="0" indent="0" algn="l" defTabSz="914400" rtl="0" eaLnBrk="0" fontAlgn="base" latinLnBrk="0" hangingPunct="0">
+              <a:lnSpc>
+                <a:spcPct val="100000"/>
+              </a:lnSpc>
+              <a:spcBef>
+                <a:spcPct val="0"/>
+              </a:spcBef>
+              <a:spcAft>
+                <a:spcPct val="0"/>
+              </a:spcAft>
+              <a:buClrTx/>
+              <a:buSzTx/>
+              <a:buFontTx/>
+              <a:buNone/>
+              <a:tabLst/>
+            </a:pPr>
+            <a:r>
+              <a:rPr kumimoji="0" lang="es-CL" altLang="es-CL" sz="1600" b="0" i="0" u="none" strike="noStrike" cap="none" normalizeH="0" baseline="0" dirty="0">
+                <a:ln>
+                  <a:noFill/>
+                </a:ln>
+                <a:solidFill>
+                  <a:srgbClr val="000000"/>
+                </a:solidFill>
+                <a:effectLst/>
+                <a:latin typeface="Aptos" panose="020B0004020202020204" pitchFamily="34" charset="0"/>
+                <a:ea typeface="Calibri" panose="020F0502020204030204" pitchFamily="34" charset="0"/>
+                <a:cs typeface="Times New Roman" panose="02020603050405020304" pitchFamily="18" charset="0"/>
+              </a:rPr>
+              <a:t>Pruebas Funcionales</a:t>
+            </a:r>
+            <a:r>
+              <a:rPr kumimoji="0" lang="es-CL" altLang="es-CL" sz="1600" b="0" i="0" u="none" strike="noStrike" cap="none" normalizeH="0" baseline="0" dirty="0">
+                <a:ln>
+                  <a:noFill/>
+                </a:ln>
+                <a:solidFill>
+                  <a:schemeClr val="tx1"/>
+                </a:solidFill>
+                <a:effectLst/>
+                <a:latin typeface="Aptos" panose="020B0004020202020204" pitchFamily="34" charset="0"/>
+                <a:ea typeface="Aptos" panose="020B0004020202020204" pitchFamily="34" charset="0"/>
+                <a:cs typeface="Times New Roman" panose="02020603050405020304" pitchFamily="18" charset="0"/>
+              </a:rPr>
+              <a:t> </a:t>
+            </a:r>
+            <a:endParaRPr kumimoji="0" lang="es-CL" altLang="es-CL" sz="1600" b="0" i="0" u="none" strike="noStrike" cap="none" normalizeH="0" baseline="0" dirty="0">
+              <a:ln>
+                <a:noFill/>
+              </a:ln>
+              <a:solidFill>
+                <a:schemeClr val="tx1"/>
+              </a:solidFill>
+              <a:effectLst/>
+            </a:endParaRPr>
+          </a:p>
+          <a:p>
+            <a:r>
+              <a:rPr lang="es-CL" dirty="0"/>
+              <a:t>Comprobar el comportamiento del chat interno</a:t>
+            </a:r>
+          </a:p>
+        </p:txBody>
+      </p:sp>
+      <p:sp>
+        <p:nvSpPr>
+          <p:cNvPr id="3" name="Rectangle 5">
+            <a:extLst>
+              <a:ext uri="{FF2B5EF4-FFF2-40B4-BE49-F238E27FC236}">
+                <a16:creationId xmlns:a16="http://schemas.microsoft.com/office/drawing/2014/main" id="{FCFEEDB3-1E8E-F7AC-5CDD-C82B22794E47}"/>
+              </a:ext>
+            </a:extLst>
+          </p:cNvPr>
+          <p:cNvSpPr>
+            <a:spLocks noChangeArrowheads="1"/>
+          </p:cNvSpPr>
+          <p:nvPr/>
+        </p:nvSpPr>
+        <p:spPr bwMode="auto">
+          <a:xfrm>
+            <a:off x="0" y="2111375"/>
+            <a:ext cx="12192000" cy="457200"/>
+          </a:xfrm>
+          <a:prstGeom prst="rect">
+            <a:avLst/>
+          </a:prstGeom>
+          <a:noFill/>
+          <a:ln>
+            <a:noFill/>
+          </a:ln>
+          <a:effectLst/>
+          <a:extLst>
+            <a:ext uri="{909E8E84-426E-40DD-AFC4-6F175D3DCCD1}">
+              <a14:hiddenFill xmlns:a14="http://schemas.microsoft.com/office/drawing/2010/main">
+                <a:solidFill>
+                  <a:schemeClr val="accent1"/>
+                </a:solidFill>
+              </a14:hiddenFill>
+            </a:ext>
+            <a:ext uri="{91240B29-F687-4F45-9708-019B960494DF}">
+              <a14:hiddenLine xmlns:a14="http://schemas.microsoft.com/office/drawing/2010/main" w="9525">
+                <a:solidFill>
+                  <a:schemeClr val="tx1"/>
+                </a:solidFill>
+                <a:miter lim="800000"/>
+                <a:headEnd/>
+                <a:tailEnd/>
+              </a14:hiddenLine>
+            </a:ext>
+            <a:ext uri="{AF507438-7753-43E0-B8FC-AC1667EBCBE1}">
+              <a14:hiddenEffects xmlns:a14="http://schemas.microsoft.com/office/drawing/2010/main">
+                <a:effectLst>
+                  <a:outerShdw dist="35921" dir="2700000" algn="ctr" rotWithShape="0">
+                    <a:schemeClr val="bg2"/>
+                  </a:outerShdw>
+                </a:effectLst>
+              </a14:hiddenEffects>
+            </a:ext>
+          </a:extLst>
+        </p:spPr>
+        <p:txBody>
+          <a:bodyPr vert="horz" wrap="none" lIns="91440" tIns="45720" rIns="91440" bIns="45720" numCol="1" anchor="ctr" anchorCtr="0" compatLnSpc="1">
+            <a:prstTxWarp prst="textNoShape">
+              <a:avLst/>
+            </a:prstTxWarp>
+            <a:spAutoFit/>
+          </a:bodyPr>
+          <a:lstStyle/>
+          <a:p>
+            <a:endParaRPr lang="es-CL"/>
+          </a:p>
+        </p:txBody>
+      </p:sp>
+      <p:pic>
+        <p:nvPicPr>
+          <p:cNvPr id="7" name="Imagen 6" descr="Interfaz de usuario gráfica, Aplicación&#10;&#10;El contenido generado por IA puede ser incorrecto.">
+            <a:extLst>
+              <a:ext uri="{FF2B5EF4-FFF2-40B4-BE49-F238E27FC236}">
+                <a16:creationId xmlns:a16="http://schemas.microsoft.com/office/drawing/2014/main" id="{27B22A81-13C4-ADDD-7068-19811E1DB29A}"/>
+              </a:ext>
+            </a:extLst>
+          </p:cNvPr>
+          <p:cNvPicPr>
+            <a:picLocks noChangeAspect="1"/>
+          </p:cNvPicPr>
+          <p:nvPr/>
+        </p:nvPicPr>
+        <p:blipFill>
+          <a:blip r:embed="rId2"/>
+          <a:stretch>
+            <a:fillRect/>
+          </a:stretch>
+        </p:blipFill>
+        <p:spPr>
+          <a:xfrm>
+            <a:off x="1039837" y="3179761"/>
+            <a:ext cx="10112326" cy="3513799"/>
+          </a:xfrm>
+          <a:prstGeom prst="rect">
+            <a:avLst/>
+          </a:prstGeom>
+        </p:spPr>
+      </p:pic>
+    </p:spTree>
+    <p:extLst>
+      <p:ext uri="{BB962C8B-B14F-4D97-AF65-F5344CB8AC3E}">
+        <p14:creationId xmlns:p14="http://schemas.microsoft.com/office/powerpoint/2010/main" val="2783090087"/>
+      </p:ext>
+    </p:extLst>
+  </p:cSld>
+  <p:clrMapOvr>
+    <a:masterClrMapping/>
+  </p:clrMapOvr>
+</p:sld>
+</file>
+
+<file path=ppt/slides/slide22.xml><?xml version="1.0" encoding="utf-8"?>
+<p:sld xmlns:a="http://schemas.openxmlformats.org/drawingml/2006/main" xmlns:r="http://schemas.openxmlformats.org/officeDocument/2006/relationships" xmlns:p="http://schemas.openxmlformats.org/presentationml/2006/main">
+  <p:cSld>
+    <p:spTree>
+      <p:nvGrpSpPr>
+        <p:cNvPr id="1" name="">
+          <a:extLst>
+            <a:ext uri="{FF2B5EF4-FFF2-40B4-BE49-F238E27FC236}">
+              <a16:creationId xmlns:a16="http://schemas.microsoft.com/office/drawing/2014/main" id="{51F0065F-1469-2B09-1B8A-7164C27A9D94}"/>
+            </a:ext>
+          </a:extLst>
+        </p:cNvPr>
+        <p:cNvGrpSpPr/>
+        <p:nvPr/>
+      </p:nvGrpSpPr>
+      <p:grpSpPr>
+        <a:xfrm>
+          <a:off x="0" y="0"/>
+          <a:ext cx="0" cy="0"/>
+          <a:chOff x="0" y="0"/>
+          <a:chExt cx="0" cy="0"/>
+        </a:xfrm>
+      </p:grpSpPr>
+      <p:sp>
+        <p:nvSpPr>
+          <p:cNvPr id="4" name="Título 3">
+            <a:extLst>
+              <a:ext uri="{FF2B5EF4-FFF2-40B4-BE49-F238E27FC236}">
+                <a16:creationId xmlns:a16="http://schemas.microsoft.com/office/drawing/2014/main" id="{08827D15-3909-C775-4EA6-E46168DA7CA6}"/>
+              </a:ext>
+            </a:extLst>
+          </p:cNvPr>
+          <p:cNvSpPr>
+            <a:spLocks noGrp="1"/>
+          </p:cNvSpPr>
+          <p:nvPr>
+            <p:ph type="title"/>
+          </p:nvPr>
+        </p:nvSpPr>
+        <p:spPr>
+          <a:xfrm>
+            <a:off x="671244" y="827315"/>
+            <a:ext cx="10515600" cy="863600"/>
+          </a:xfrm>
+        </p:spPr>
+        <p:txBody>
+          <a:bodyPr>
+            <a:normAutofit/>
+          </a:bodyPr>
+          <a:lstStyle/>
+          <a:p>
+            <a:r>
+              <a:rPr lang="es-CL" sz="3600" dirty="0"/>
+              <a:t>Plan de Pruebas Desarrollo</a:t>
+            </a:r>
+          </a:p>
+        </p:txBody>
+      </p:sp>
+      <p:sp>
+        <p:nvSpPr>
+          <p:cNvPr id="5" name="CuadroTexto 4">
+            <a:extLst>
+              <a:ext uri="{FF2B5EF4-FFF2-40B4-BE49-F238E27FC236}">
+                <a16:creationId xmlns:a16="http://schemas.microsoft.com/office/drawing/2014/main" id="{EE81F777-0CE6-23BF-26A9-C30F9804F5CF}"/>
+              </a:ext>
+            </a:extLst>
+          </p:cNvPr>
+          <p:cNvSpPr txBox="1"/>
+          <p:nvPr/>
+        </p:nvSpPr>
+        <p:spPr>
+          <a:xfrm>
+            <a:off x="671244" y="1690915"/>
+            <a:ext cx="9769063" cy="369332"/>
+          </a:xfrm>
+          <a:prstGeom prst="rect">
+            <a:avLst/>
+          </a:prstGeom>
+          <a:noFill/>
+        </p:spPr>
+        <p:txBody>
+          <a:bodyPr wrap="square" rtlCol="0">
+            <a:spAutoFit/>
+          </a:bodyPr>
+          <a:lstStyle/>
+          <a:p>
+            <a:r>
+              <a:rPr lang="es-CL" dirty="0"/>
+              <a:t>Especificación de las Pruebas aplicadas al Sistema y Resultados Obtenidos </a:t>
+            </a:r>
+          </a:p>
+        </p:txBody>
+      </p:sp>
+      <p:sp>
+        <p:nvSpPr>
+          <p:cNvPr id="2" name="Rectangle 4">
+            <a:extLst>
+              <a:ext uri="{FF2B5EF4-FFF2-40B4-BE49-F238E27FC236}">
+                <a16:creationId xmlns:a16="http://schemas.microsoft.com/office/drawing/2014/main" id="{FA4F495C-B49A-D471-3523-36FCBAB39129}"/>
+              </a:ext>
+            </a:extLst>
+          </p:cNvPr>
+          <p:cNvSpPr>
+            <a:spLocks noChangeArrowheads="1"/>
+          </p:cNvSpPr>
+          <p:nvPr/>
+        </p:nvSpPr>
+        <p:spPr bwMode="auto">
+          <a:xfrm>
+            <a:off x="1087120" y="2439079"/>
+            <a:ext cx="8432800" cy="615553"/>
+          </a:xfrm>
+          <a:prstGeom prst="rect">
+            <a:avLst/>
+          </a:prstGeom>
+          <a:noFill/>
+          <a:ln>
+            <a:noFill/>
+          </a:ln>
+          <a:effectLst/>
+          <a:extLst>
+            <a:ext uri="{909E8E84-426E-40DD-AFC4-6F175D3DCCD1}">
+              <a14:hiddenFill xmlns:a14="http://schemas.microsoft.com/office/drawing/2010/main">
+                <a:solidFill>
+                  <a:schemeClr val="accent1"/>
+                </a:solidFill>
+              </a14:hiddenFill>
+            </a:ext>
+            <a:ext uri="{91240B29-F687-4F45-9708-019B960494DF}">
+              <a14:hiddenLine xmlns:a14="http://schemas.microsoft.com/office/drawing/2010/main" w="9525">
+                <a:solidFill>
+                  <a:schemeClr val="tx1"/>
+                </a:solidFill>
+                <a:miter lim="800000"/>
+                <a:headEnd/>
+                <a:tailEnd/>
+              </a14:hiddenLine>
+            </a:ext>
+            <a:ext uri="{AF507438-7753-43E0-B8FC-AC1667EBCBE1}">
+              <a14:hiddenEffects xmlns:a14="http://schemas.microsoft.com/office/drawing/2010/main">
+                <a:effectLst>
+                  <a:outerShdw dist="35921" dir="2700000" algn="ctr" rotWithShape="0">
+                    <a:schemeClr val="bg2"/>
+                  </a:outerShdw>
+                </a:effectLst>
+              </a14:hiddenEffects>
+            </a:ext>
+          </a:extLst>
+        </p:spPr>
+        <p:txBody>
+          <a:bodyPr vert="horz" wrap="square" lIns="91440" tIns="45720" rIns="91440" bIns="45720" numCol="1" anchor="ctr" anchorCtr="0" compatLnSpc="1">
+            <a:prstTxWarp prst="textNoShape">
+              <a:avLst/>
+            </a:prstTxWarp>
+            <a:spAutoFit/>
+          </a:bodyPr>
+          <a:lstStyle/>
+          <a:p>
+            <a:pPr marL="0" marR="0" lvl="0" indent="0" algn="l" defTabSz="914400" rtl="0" eaLnBrk="0" fontAlgn="base" latinLnBrk="0" hangingPunct="0">
+              <a:lnSpc>
+                <a:spcPct val="100000"/>
+              </a:lnSpc>
+              <a:spcBef>
+                <a:spcPct val="0"/>
+              </a:spcBef>
+              <a:spcAft>
+                <a:spcPct val="0"/>
+              </a:spcAft>
+              <a:buClrTx/>
+              <a:buSzTx/>
+              <a:buFontTx/>
+              <a:buNone/>
+              <a:tabLst/>
+            </a:pPr>
+            <a:r>
+              <a:rPr kumimoji="0" lang="es-CL" altLang="es-CL" sz="1600" b="0" i="0" u="none" strike="noStrike" cap="none" normalizeH="0" baseline="0" dirty="0">
+                <a:ln>
+                  <a:noFill/>
+                </a:ln>
+                <a:solidFill>
+                  <a:srgbClr val="000000"/>
+                </a:solidFill>
+                <a:effectLst/>
+                <a:latin typeface="Aptos" panose="020B0004020202020204" pitchFamily="34" charset="0"/>
+                <a:ea typeface="Calibri" panose="020F0502020204030204" pitchFamily="34" charset="0"/>
+                <a:cs typeface="Times New Roman" panose="02020603050405020304" pitchFamily="18" charset="0"/>
+              </a:rPr>
+              <a:t>Pruebas Funcionales</a:t>
+            </a:r>
+            <a:r>
+              <a:rPr kumimoji="0" lang="es-CL" altLang="es-CL" sz="1600" b="0" i="0" u="none" strike="noStrike" cap="none" normalizeH="0" baseline="0" dirty="0">
+                <a:ln>
+                  <a:noFill/>
+                </a:ln>
+                <a:solidFill>
+                  <a:schemeClr val="tx1"/>
+                </a:solidFill>
+                <a:effectLst/>
+                <a:latin typeface="Aptos" panose="020B0004020202020204" pitchFamily="34" charset="0"/>
+                <a:ea typeface="Aptos" panose="020B0004020202020204" pitchFamily="34" charset="0"/>
+                <a:cs typeface="Times New Roman" panose="02020603050405020304" pitchFamily="18" charset="0"/>
+              </a:rPr>
+              <a:t> </a:t>
+            </a:r>
+            <a:endParaRPr kumimoji="0" lang="es-CL" altLang="es-CL" sz="1600" b="0" i="0" u="none" strike="noStrike" cap="none" normalizeH="0" baseline="0" dirty="0">
+              <a:ln>
+                <a:noFill/>
+              </a:ln>
+              <a:solidFill>
+                <a:schemeClr val="tx1"/>
+              </a:solidFill>
+              <a:effectLst/>
+            </a:endParaRPr>
+          </a:p>
+          <a:p>
+            <a:r>
+              <a:rPr lang="es-CL" dirty="0"/>
+              <a:t>Comprobar el comportamiento del chat interno</a:t>
+            </a:r>
+          </a:p>
+        </p:txBody>
+      </p:sp>
+      <p:sp>
+        <p:nvSpPr>
+          <p:cNvPr id="3" name="Rectangle 5">
+            <a:extLst>
+              <a:ext uri="{FF2B5EF4-FFF2-40B4-BE49-F238E27FC236}">
+                <a16:creationId xmlns:a16="http://schemas.microsoft.com/office/drawing/2014/main" id="{50FF04BB-C8EF-5617-E3A5-76128529C153}"/>
+              </a:ext>
+            </a:extLst>
+          </p:cNvPr>
+          <p:cNvSpPr>
+            <a:spLocks noChangeArrowheads="1"/>
+          </p:cNvSpPr>
+          <p:nvPr/>
+        </p:nvSpPr>
+        <p:spPr bwMode="auto">
+          <a:xfrm>
+            <a:off x="0" y="2111375"/>
+            <a:ext cx="12192000" cy="457200"/>
+          </a:xfrm>
+          <a:prstGeom prst="rect">
+            <a:avLst/>
+          </a:prstGeom>
+          <a:noFill/>
+          <a:ln>
+            <a:noFill/>
+          </a:ln>
+          <a:effectLst/>
+          <a:extLst>
+            <a:ext uri="{909E8E84-426E-40DD-AFC4-6F175D3DCCD1}">
+              <a14:hiddenFill xmlns:a14="http://schemas.microsoft.com/office/drawing/2010/main">
+                <a:solidFill>
+                  <a:schemeClr val="accent1"/>
+                </a:solidFill>
+              </a14:hiddenFill>
+            </a:ext>
+            <a:ext uri="{91240B29-F687-4F45-9708-019B960494DF}">
+              <a14:hiddenLine xmlns:a14="http://schemas.microsoft.com/office/drawing/2010/main" w="9525">
+                <a:solidFill>
+                  <a:schemeClr val="tx1"/>
+                </a:solidFill>
+                <a:miter lim="800000"/>
+                <a:headEnd/>
+                <a:tailEnd/>
+              </a14:hiddenLine>
+            </a:ext>
+            <a:ext uri="{AF507438-7753-43E0-B8FC-AC1667EBCBE1}">
+              <a14:hiddenEffects xmlns:a14="http://schemas.microsoft.com/office/drawing/2010/main">
+                <a:effectLst>
+                  <a:outerShdw dist="35921" dir="2700000" algn="ctr" rotWithShape="0">
+                    <a:schemeClr val="bg2"/>
+                  </a:outerShdw>
+                </a:effectLst>
+              </a14:hiddenEffects>
+            </a:ext>
+          </a:extLst>
+        </p:spPr>
+        <p:txBody>
+          <a:bodyPr vert="horz" wrap="none" lIns="91440" tIns="45720" rIns="91440" bIns="45720" numCol="1" anchor="ctr" anchorCtr="0" compatLnSpc="1">
+            <a:prstTxWarp prst="textNoShape">
+              <a:avLst/>
+            </a:prstTxWarp>
+            <a:spAutoFit/>
+          </a:bodyPr>
+          <a:lstStyle/>
+          <a:p>
+            <a:endParaRPr lang="es-CL"/>
+          </a:p>
+        </p:txBody>
+      </p:sp>
+      <p:pic>
+        <p:nvPicPr>
+          <p:cNvPr id="6" name="Imagen 5" descr="Interfaz de usuario gráfica, Texto, Aplicación, Chat o mensaje de texto&#10;&#10;El contenido generado por IA puede ser incorrecto.">
+            <a:extLst>
+              <a:ext uri="{FF2B5EF4-FFF2-40B4-BE49-F238E27FC236}">
+                <a16:creationId xmlns:a16="http://schemas.microsoft.com/office/drawing/2014/main" id="{20A6546A-2892-E492-604B-5BA562B4D166}"/>
+              </a:ext>
+            </a:extLst>
+          </p:cNvPr>
+          <p:cNvPicPr>
+            <a:picLocks noChangeAspect="1"/>
+          </p:cNvPicPr>
+          <p:nvPr/>
+        </p:nvPicPr>
+        <p:blipFill>
+          <a:blip r:embed="rId2"/>
+          <a:stretch>
+            <a:fillRect/>
+          </a:stretch>
+        </p:blipFill>
+        <p:spPr>
+          <a:xfrm>
+            <a:off x="1060767" y="3287077"/>
+            <a:ext cx="10070465" cy="3316941"/>
+          </a:xfrm>
+          <a:prstGeom prst="rect">
+            <a:avLst/>
+          </a:prstGeom>
+        </p:spPr>
+      </p:pic>
+    </p:spTree>
+    <p:extLst>
+      <p:ext uri="{BB962C8B-B14F-4D97-AF65-F5344CB8AC3E}">
+        <p14:creationId xmlns:p14="http://schemas.microsoft.com/office/powerpoint/2010/main" val="4083599535"/>
+      </p:ext>
+    </p:extLst>
+  </p:cSld>
+  <p:clrMapOvr>
+    <a:masterClrMapping/>
+  </p:clrMapOvr>
+</p:sld>
+</file>
+
+<file path=ppt/slides/slide23.xml><?xml version="1.0" encoding="utf-8"?>
+<p:sld xmlns:a="http://schemas.openxmlformats.org/drawingml/2006/main" xmlns:r="http://schemas.openxmlformats.org/officeDocument/2006/relationships" xmlns:p="http://schemas.openxmlformats.org/presentationml/2006/main">
+  <p:cSld>
+    <p:spTree>
+      <p:nvGrpSpPr>
+        <p:cNvPr id="1" name=""/>
+        <p:cNvGrpSpPr/>
+        <p:nvPr/>
+      </p:nvGrpSpPr>
+      <p:grpSpPr>
+        <a:xfrm>
+          <a:off x="0" y="0"/>
+          <a:ext cx="0" cy="0"/>
+          <a:chOff x="0" y="0"/>
+          <a:chExt cx="0" cy="0"/>
+        </a:xfrm>
+      </p:grpSpPr>
+      <p:sp>
+        <p:nvSpPr>
+          <p:cNvPr id="2" name="Título 1">
+            <a:extLst>
+              <a:ext uri="{FF2B5EF4-FFF2-40B4-BE49-F238E27FC236}">
+                <a16:creationId xmlns:a16="http://schemas.microsoft.com/office/drawing/2014/main" id="{DB52A6A9-7085-8ACE-7F82-FF2B98DA2878}"/>
+              </a:ext>
+            </a:extLst>
+          </p:cNvPr>
+          <p:cNvSpPr>
+            <a:spLocks noGrp="1"/>
+          </p:cNvSpPr>
+          <p:nvPr>
+            <p:ph type="title"/>
+          </p:nvPr>
+        </p:nvSpPr>
+        <p:spPr/>
+        <p:txBody>
+          <a:bodyPr/>
+          <a:lstStyle/>
+          <a:p>
+            <a:r>
+              <a:rPr lang="es-ES" dirty="0"/>
+              <a:t>VISTA DE PROCESO</a:t>
+            </a:r>
+            <a:endParaRPr lang="es-CL" dirty="0"/>
+          </a:p>
+        </p:txBody>
+      </p:sp>
+      <p:pic>
+        <p:nvPicPr>
+          <p:cNvPr id="3" name="Imagen 2">
+            <a:extLst>
+              <a:ext uri="{FF2B5EF4-FFF2-40B4-BE49-F238E27FC236}">
+                <a16:creationId xmlns:a16="http://schemas.microsoft.com/office/drawing/2014/main" id="{41692DDE-C93F-74A2-96A7-0C014B6E1CF2}"/>
+              </a:ext>
+            </a:extLst>
+          </p:cNvPr>
+          <p:cNvPicPr>
+            <a:picLocks noChangeAspect="1"/>
+          </p:cNvPicPr>
+          <p:nvPr/>
+        </p:nvPicPr>
+        <p:blipFill>
+          <a:blip r:embed="rId2"/>
+          <a:srcRect l="23305" t="-1" r="23568" b="1498"/>
+          <a:stretch>
+            <a:fillRect/>
+          </a:stretch>
+        </p:blipFill>
+        <p:spPr>
+          <a:xfrm>
+            <a:off x="1623060" y="1570383"/>
+            <a:ext cx="2415540" cy="4672208"/>
+          </a:xfrm>
+          <a:prstGeom prst="rect">
+            <a:avLst/>
+          </a:prstGeom>
+        </p:spPr>
+      </p:pic>
+      <p:pic>
+        <p:nvPicPr>
+          <p:cNvPr id="4" name="Imagen 3" descr="Tabla&#10;&#10;El contenido generado por IA puede ser incorrecto.">
+            <a:extLst>
+              <a:ext uri="{FF2B5EF4-FFF2-40B4-BE49-F238E27FC236}">
+                <a16:creationId xmlns:a16="http://schemas.microsoft.com/office/drawing/2014/main" id="{1F1A7D3E-836D-FD2E-3BF9-C52D1455000A}"/>
+              </a:ext>
+            </a:extLst>
+          </p:cNvPr>
+          <p:cNvPicPr>
+            <a:picLocks noChangeAspect="1"/>
+          </p:cNvPicPr>
+          <p:nvPr/>
+        </p:nvPicPr>
+        <p:blipFill>
+          <a:blip r:embed="rId3"/>
+          <a:stretch>
+            <a:fillRect/>
+          </a:stretch>
+        </p:blipFill>
+        <p:spPr>
+          <a:xfrm>
+            <a:off x="6268891" y="1489981"/>
+            <a:ext cx="4019793" cy="4752609"/>
+          </a:xfrm>
+          <a:prstGeom prst="rect">
+            <a:avLst/>
+          </a:prstGeom>
+        </p:spPr>
+      </p:pic>
+    </p:spTree>
+    <p:extLst>
+      <p:ext uri="{BB962C8B-B14F-4D97-AF65-F5344CB8AC3E}">
+        <p14:creationId xmlns:p14="http://schemas.microsoft.com/office/powerpoint/2010/main" val="4058356301"/>
+      </p:ext>
+    </p:extLst>
+  </p:cSld>
+  <p:clrMapOvr>
+    <a:masterClrMapping/>
+  </p:clrMapOvr>
+</p:sld>
+</file>
+
+<file path=ppt/slides/slide24.xml><?xml version="1.0" encoding="utf-8"?>
+<p:sld xmlns:a="http://schemas.openxmlformats.org/drawingml/2006/main" xmlns:r="http://schemas.openxmlformats.org/officeDocument/2006/relationships" xmlns:p="http://schemas.openxmlformats.org/presentationml/2006/main">
+  <p:cSld>
+    <p:spTree>
+      <p:nvGrpSpPr>
+        <p:cNvPr id="1" name=""/>
+        <p:cNvGrpSpPr/>
+        <p:nvPr/>
+      </p:nvGrpSpPr>
+      <p:grpSpPr>
+        <a:xfrm>
+          <a:off x="0" y="0"/>
+          <a:ext cx="0" cy="0"/>
+          <a:chOff x="0" y="0"/>
+          <a:chExt cx="0" cy="0"/>
+        </a:xfrm>
+      </p:grpSpPr>
+      <p:sp>
+        <p:nvSpPr>
+          <p:cNvPr id="2" name="Título 1">
+            <a:extLst>
+              <a:ext uri="{FF2B5EF4-FFF2-40B4-BE49-F238E27FC236}">
+                <a16:creationId xmlns:a16="http://schemas.microsoft.com/office/drawing/2014/main" id="{41D21A17-9067-DDE3-CCD0-22EFF421A1F6}"/>
+              </a:ext>
+            </a:extLst>
+          </p:cNvPr>
+          <p:cNvSpPr>
+            <a:spLocks noGrp="1"/>
+          </p:cNvSpPr>
+          <p:nvPr>
+            <p:ph type="title"/>
+          </p:nvPr>
+        </p:nvSpPr>
+        <p:spPr/>
+        <p:txBody>
+          <a:bodyPr/>
+          <a:lstStyle/>
+          <a:p>
+            <a:r>
+              <a:rPr lang="es-CL" dirty="0"/>
+              <a:t>Evaluación Económica</a:t>
+            </a:r>
+          </a:p>
+        </p:txBody>
+      </p:sp>
+      <p:pic>
+        <p:nvPicPr>
+          <p:cNvPr id="3" name="Imagen 2">
+            <a:extLst>
+              <a:ext uri="{FF2B5EF4-FFF2-40B4-BE49-F238E27FC236}">
+                <a16:creationId xmlns:a16="http://schemas.microsoft.com/office/drawing/2014/main" id="{65D5EA8C-5786-A553-B258-C468038A210D}"/>
+              </a:ext>
+            </a:extLst>
+          </p:cNvPr>
+          <p:cNvPicPr>
+            <a:picLocks noChangeAspect="1"/>
+          </p:cNvPicPr>
+          <p:nvPr/>
+        </p:nvPicPr>
+        <p:blipFill>
+          <a:blip r:embed="rId2"/>
+          <a:srcRect l="549" t="1549" r="2429" b="1939"/>
+          <a:stretch>
+            <a:fillRect/>
+          </a:stretch>
+        </p:blipFill>
+        <p:spPr>
+          <a:xfrm>
+            <a:off x="709127" y="1763486"/>
+            <a:ext cx="7081934" cy="4534677"/>
+          </a:xfrm>
+          <a:prstGeom prst="rect">
+            <a:avLst/>
+          </a:prstGeom>
+        </p:spPr>
+      </p:pic>
+      <p:pic>
+        <p:nvPicPr>
+          <p:cNvPr id="4" name="Imagen 3">
+            <a:extLst>
+              <a:ext uri="{FF2B5EF4-FFF2-40B4-BE49-F238E27FC236}">
+                <a16:creationId xmlns:a16="http://schemas.microsoft.com/office/drawing/2014/main" id="{9A6CC852-5AEC-3C03-925D-7AD58898AECD}"/>
+              </a:ext>
+            </a:extLst>
+          </p:cNvPr>
+          <p:cNvPicPr>
+            <a:picLocks noChangeAspect="1"/>
+          </p:cNvPicPr>
+          <p:nvPr/>
+        </p:nvPicPr>
+        <p:blipFill>
+          <a:blip r:embed="rId3"/>
+          <a:srcRect t="2698" r="5726" b="4580"/>
+          <a:stretch>
+            <a:fillRect/>
+          </a:stretch>
+        </p:blipFill>
+        <p:spPr>
+          <a:xfrm>
+            <a:off x="8067448" y="2379306"/>
+            <a:ext cx="3493181" cy="2351314"/>
+          </a:xfrm>
+          <a:prstGeom prst="rect">
+            <a:avLst/>
+          </a:prstGeom>
+        </p:spPr>
+      </p:pic>
+    </p:spTree>
+    <p:extLst>
+      <p:ext uri="{BB962C8B-B14F-4D97-AF65-F5344CB8AC3E}">
+        <p14:creationId xmlns:p14="http://schemas.microsoft.com/office/powerpoint/2010/main" val="830103515"/>
+      </p:ext>
+    </p:extLst>
+  </p:cSld>
+  <p:clrMapOvr>
+    <a:masterClrMapping/>
+  </p:clrMapOvr>
+</p:sld>
+</file>
+
+<file path=ppt/slides/slide25.xml><?xml version="1.0" encoding="utf-8"?>
+<p:sld xmlns:a="http://schemas.openxmlformats.org/drawingml/2006/main" xmlns:r="http://schemas.openxmlformats.org/officeDocument/2006/relationships" xmlns:p="http://schemas.openxmlformats.org/presentationml/2006/main">
+  <p:cSld>
+    <p:spTree>
+      <p:nvGrpSpPr>
+        <p:cNvPr id="1" name=""/>
+        <p:cNvGrpSpPr/>
+        <p:nvPr/>
+      </p:nvGrpSpPr>
+      <p:grpSpPr>
+        <a:xfrm>
+          <a:off x="0" y="0"/>
+          <a:ext cx="0" cy="0"/>
+          <a:chOff x="0" y="0"/>
+          <a:chExt cx="0" cy="0"/>
+        </a:xfrm>
+      </p:grpSpPr>
+      <p:pic>
+        <p:nvPicPr>
+          <p:cNvPr id="3" name="Imagen 2">
+            <a:extLst>
+              <a:ext uri="{FF2B5EF4-FFF2-40B4-BE49-F238E27FC236}">
+                <a16:creationId xmlns:a16="http://schemas.microsoft.com/office/drawing/2014/main" id="{1DB71D83-3EFA-B5D5-3DBC-2952C60A6D85}"/>
+              </a:ext>
+            </a:extLst>
+          </p:cNvPr>
+          <p:cNvPicPr>
+            <a:picLocks noChangeAspect="1"/>
+          </p:cNvPicPr>
+          <p:nvPr/>
+        </p:nvPicPr>
+        <p:blipFill>
+          <a:blip r:embed="rId2"/>
+          <a:srcRect l="2926" t="3963" r="3979" b="7251"/>
+          <a:stretch>
+            <a:fillRect/>
+          </a:stretch>
+        </p:blipFill>
+        <p:spPr>
+          <a:xfrm>
+            <a:off x="490331" y="1390260"/>
+            <a:ext cx="6330348" cy="2491275"/>
+          </a:xfrm>
+          <a:prstGeom prst="rect">
+            <a:avLst/>
+          </a:prstGeom>
+        </p:spPr>
+      </p:pic>
+      <p:sp>
+        <p:nvSpPr>
+          <p:cNvPr id="7" name="CuadroTexto 6">
+            <a:extLst>
+              <a:ext uri="{FF2B5EF4-FFF2-40B4-BE49-F238E27FC236}">
+                <a16:creationId xmlns:a16="http://schemas.microsoft.com/office/drawing/2014/main" id="{471EF142-934C-006A-F3FC-D36CF8C92776}"/>
+              </a:ext>
+            </a:extLst>
+          </p:cNvPr>
+          <p:cNvSpPr txBox="1"/>
+          <p:nvPr/>
+        </p:nvSpPr>
+        <p:spPr>
+          <a:xfrm>
+            <a:off x="7013713" y="1600200"/>
+            <a:ext cx="5178287" cy="1477328"/>
+          </a:xfrm>
+          <a:prstGeom prst="rect">
+            <a:avLst/>
+          </a:prstGeom>
+          <a:noFill/>
+        </p:spPr>
+        <p:txBody>
+          <a:bodyPr wrap="square" rtlCol="0">
+            <a:spAutoFit/>
+          </a:bodyPr>
+          <a:lstStyle/>
+          <a:p>
+            <a:r>
+              <a:rPr lang="es-ES" dirty="0"/>
+              <a:t>VAN: dice cuánto dinero neto ganas en pesos de hoy.</a:t>
+            </a:r>
+          </a:p>
+          <a:p>
+            <a:r>
+              <a:rPr lang="es-ES" dirty="0"/>
+              <a:t>TIR: dice a qué porcentaje anual rinde el proyecto.</a:t>
+            </a:r>
+          </a:p>
+          <a:p>
+            <a:r>
+              <a:rPr lang="es-ES" dirty="0"/>
+              <a:t>IR:  dice cuántas veces recuperas lo que invertiste (relación beneficio / inversión).</a:t>
+            </a:r>
+          </a:p>
+          <a:p>
+            <a:endParaRPr lang="es-CL" dirty="0"/>
+          </a:p>
+        </p:txBody>
+      </p:sp>
+      <p:sp>
+        <p:nvSpPr>
+          <p:cNvPr id="9" name="CuadroTexto 8">
+            <a:extLst>
+              <a:ext uri="{FF2B5EF4-FFF2-40B4-BE49-F238E27FC236}">
+                <a16:creationId xmlns:a16="http://schemas.microsoft.com/office/drawing/2014/main" id="{47D21690-B4C9-8D00-3BF5-3E5F3F373B1D}"/>
+              </a:ext>
+            </a:extLst>
+          </p:cNvPr>
+          <p:cNvSpPr txBox="1"/>
+          <p:nvPr/>
+        </p:nvSpPr>
+        <p:spPr>
+          <a:xfrm>
+            <a:off x="490330" y="4492489"/>
+            <a:ext cx="11211339" cy="2031325"/>
+          </a:xfrm>
+          <a:prstGeom prst="rect">
+            <a:avLst/>
+          </a:prstGeom>
+          <a:noFill/>
+        </p:spPr>
+        <p:txBody>
+          <a:bodyPr wrap="square" rtlCol="0">
+            <a:spAutoFit/>
+          </a:bodyPr>
+          <a:lstStyle/>
+          <a:p>
+            <a:r>
+              <a:rPr lang="es-ES" dirty="0"/>
+              <a:t>VAN (10%): ocupamos 10% como tasa mínima de retorno que exigimos al proyecto. El VAN dice cuánta plata extra genera el proyecto sobre ese 10%. Como es muy positivo, el proyecto crea valor.</a:t>
+            </a:r>
+          </a:p>
+          <a:p>
+            <a:r>
+              <a:rPr lang="es-ES" dirty="0"/>
+              <a:t>TIR: muestra la rentabilidad en porcentaje del proyecto. Al ser ≈ 170%, muy superior al 10%, confirma que el proyecto es altamente atractivo.</a:t>
+            </a:r>
+          </a:p>
+          <a:p>
+            <a:r>
+              <a:rPr lang="es-ES" dirty="0"/>
+              <a:t>IR (14,46): indica la eficiencia por peso invertido. IR = 14,46 significa que cada $1 invertido devuelve $14,46 en valor actual, reforzando que el proyecto es muy rentable.</a:t>
+            </a:r>
+          </a:p>
+          <a:p>
+            <a:endParaRPr lang="es-CL" dirty="0"/>
+          </a:p>
+        </p:txBody>
+      </p:sp>
+    </p:spTree>
+    <p:extLst>
+      <p:ext uri="{BB962C8B-B14F-4D97-AF65-F5344CB8AC3E}">
+        <p14:creationId xmlns:p14="http://schemas.microsoft.com/office/powerpoint/2010/main" val="2486071345"/>
+      </p:ext>
+    </p:extLst>
+  </p:cSld>
+  <p:clrMapOvr>
+    <a:masterClrMapping/>
+  </p:clrMapOvr>
+</p:sld>
+</file>
+
+<file path=ppt/slides/slide26.xml><?xml version="1.0" encoding="utf-8"?>
+<p:sld xmlns:a="http://schemas.openxmlformats.org/drawingml/2006/main" xmlns:r="http://schemas.openxmlformats.org/officeDocument/2006/relationships" xmlns:p="http://schemas.openxmlformats.org/presentationml/2006/main">
+  <p:cSld>
+    <p:spTree>
+      <p:nvGrpSpPr>
+        <p:cNvPr id="1" name=""/>
+        <p:cNvGrpSpPr/>
+        <p:nvPr/>
+      </p:nvGrpSpPr>
+      <p:grpSpPr>
+        <a:xfrm>
+          <a:off x="0" y="0"/>
+          <a:ext cx="0" cy="0"/>
+          <a:chOff x="0" y="0"/>
+          <a:chExt cx="0" cy="0"/>
+        </a:xfrm>
+      </p:grpSpPr>
+      <p:sp>
+        <p:nvSpPr>
+          <p:cNvPr id="5" name="Título 3"/>
+          <p:cNvSpPr txBox="1">
+            <a:spLocks/>
+          </p:cNvSpPr>
+          <p:nvPr/>
+        </p:nvSpPr>
+        <p:spPr>
+          <a:xfrm>
+            <a:off x="457158" y="864220"/>
+            <a:ext cx="10515600" cy="1325563"/>
+          </a:xfrm>
+          <a:prstGeom prst="rect">
+            <a:avLst/>
+          </a:prstGeom>
+        </p:spPr>
+        <p:txBody>
+          <a:bodyPr vert="horz" lIns="91440" tIns="45720" rIns="91440" bIns="45720" rtlCol="0" anchor="ctr">
+            <a:normAutofit/>
+          </a:bodyPr>
+          <a:lstStyle>
+            <a:lvl1pPr algn="l" defTabSz="914400" rtl="0" eaLnBrk="1" latinLnBrk="0" hangingPunct="1">
+              <a:lnSpc>
+                <a:spcPct val="90000"/>
+              </a:lnSpc>
+              <a:spcBef>
+                <a:spcPct val="0"/>
+              </a:spcBef>
+              <a:buNone/>
+              <a:defRPr sz="4400" kern="1200">
+                <a:solidFill>
+                  <a:schemeClr val="tx1"/>
+                </a:solidFill>
+                <a:latin typeface="+mj-lt"/>
+                <a:ea typeface="+mj-ea"/>
+                <a:cs typeface="+mj-cs"/>
+              </a:defRPr>
+            </a:lvl1pPr>
+          </a:lstStyle>
+          <a:p>
+            <a:r>
+              <a:rPr lang="es-CL" dirty="0"/>
+              <a:t>Demostración del Prototipo o Resultado del Proyecto (Sistema)</a:t>
+            </a:r>
+          </a:p>
+        </p:txBody>
+      </p:sp>
+      <p:sp>
+        <p:nvSpPr>
+          <p:cNvPr id="3" name="Título 3">
+            <a:extLst>
+              <a:ext uri="{FF2B5EF4-FFF2-40B4-BE49-F238E27FC236}">
+                <a16:creationId xmlns:a16="http://schemas.microsoft.com/office/drawing/2014/main" id="{BB6623E9-A253-2C94-43A5-3C3EDA474658}"/>
+              </a:ext>
+            </a:extLst>
+          </p:cNvPr>
+          <p:cNvSpPr txBox="1">
+            <a:spLocks/>
+          </p:cNvSpPr>
+          <p:nvPr/>
+        </p:nvSpPr>
+        <p:spPr>
+          <a:xfrm>
+            <a:off x="838200" y="2936860"/>
+            <a:ext cx="4871720" cy="1325563"/>
+          </a:xfrm>
+          <a:prstGeom prst="rect">
+            <a:avLst/>
+          </a:prstGeom>
+        </p:spPr>
+        <p:txBody>
+          <a:bodyPr vert="horz" lIns="91440" tIns="45720" rIns="91440" bIns="45720" rtlCol="0" anchor="ctr">
+            <a:normAutofit/>
+          </a:bodyPr>
+          <a:lstStyle>
+            <a:lvl1pPr algn="l" defTabSz="914400" rtl="0" eaLnBrk="1" latinLnBrk="0" hangingPunct="1">
+              <a:lnSpc>
+                <a:spcPct val="90000"/>
+              </a:lnSpc>
+              <a:spcBef>
+                <a:spcPct val="0"/>
+              </a:spcBef>
+              <a:buNone/>
+              <a:defRPr sz="4400" kern="1200">
+                <a:solidFill>
+                  <a:schemeClr val="tx1"/>
+                </a:solidFill>
+                <a:latin typeface="+mj-lt"/>
+                <a:ea typeface="+mj-ea"/>
+                <a:cs typeface="+mj-cs"/>
+              </a:defRPr>
+            </a:lvl1pPr>
+          </a:lstStyle>
+          <a:p>
+            <a:r>
+              <a:rPr lang="es-CL" dirty="0"/>
+              <a:t>Video demostración</a:t>
+            </a:r>
+          </a:p>
+        </p:txBody>
+      </p:sp>
+    </p:spTree>
+    <p:extLst>
+      <p:ext uri="{BB962C8B-B14F-4D97-AF65-F5344CB8AC3E}">
+        <p14:creationId xmlns:p14="http://schemas.microsoft.com/office/powerpoint/2010/main" val="4071933174"/>
+      </p:ext>
+    </p:extLst>
+  </p:cSld>
+  <p:clrMapOvr>
+    <a:masterClrMapping/>
+  </p:clrMapOvr>
+</p:sld>
+</file>
+
+<file path=ppt/slides/slide27.xml><?xml version="1.0" encoding="utf-8"?>
+<p:sld xmlns:a="http://schemas.openxmlformats.org/drawingml/2006/main" xmlns:r="http://schemas.openxmlformats.org/officeDocument/2006/relationships" xmlns:p="http://schemas.openxmlformats.org/presentationml/2006/main">
+  <p:cSld>
+    <p:spTree>
+      <p:nvGrpSpPr>
         <p:cNvPr id="1" name=""/>
         <p:cNvGrpSpPr/>
         <p:nvPr/>
@@ -6137,7 +8964,7 @@
 </p:sld>
 </file>
 
-<file path=ppt/slides/slide21.xml><?xml version="1.0" encoding="utf-8"?>
+<file path=ppt/slides/slide28.xml><?xml version="1.0" encoding="utf-8"?>
 <p:sld xmlns:a="http://schemas.openxmlformats.org/drawingml/2006/main" xmlns:r="http://schemas.openxmlformats.org/officeDocument/2006/relationships" xmlns:p="http://schemas.openxmlformats.org/presentationml/2006/main">
   <p:cSld>
     <p:spTree>
@@ -7364,7 +10191,7 @@
         </p:nvSpPr>
         <p:spPr>
           <a:xfrm>
-            <a:off x="839487" y="1923143"/>
+            <a:off x="829392" y="1941431"/>
             <a:ext cx="10365542" cy="4332514"/>
           </a:xfrm>
           <a:prstGeom prst="roundRect">
@@ -7396,10 +10223,10 @@
       </p:sp>
       <p:pic>
         <p:nvPicPr>
-          <p:cNvPr id="5" name="Imagen 4" descr="Imagen que contiene Interfaz de usuario gráfica&#10;&#10;El contenido generado por IA puede ser incorrecto.">
+          <p:cNvPr id="8" name="Imagen 7" descr="Tabla&#10;&#10;El contenido generado por IA puede ser incorrecto.">
             <a:extLst>
               <a:ext uri="{FF2B5EF4-FFF2-40B4-BE49-F238E27FC236}">
-                <a16:creationId xmlns:a16="http://schemas.microsoft.com/office/drawing/2014/main" id="{6F750A21-28E5-7BCE-1DE6-1A0F602319CD}"/>
+                <a16:creationId xmlns:a16="http://schemas.microsoft.com/office/drawing/2014/main" id="{D065CB0F-1853-CFAA-7729-F3C49E0A91E0}"/>
               </a:ext>
             </a:extLst>
           </p:cNvPr>
@@ -7410,20 +10237,292 @@
         </p:nvPicPr>
         <p:blipFill>
           <a:blip r:embed="rId2"/>
+          <a:srcRect l="13387" b="51646"/>
           <a:stretch>
             <a:fillRect/>
           </a:stretch>
         </p:blipFill>
         <p:spPr>
           <a:xfrm>
-            <a:off x="1270552" y="2117517"/>
-            <a:ext cx="9650895" cy="3686041"/>
+            <a:off x="1568376" y="2875643"/>
+            <a:ext cx="4581498" cy="2612652"/>
           </a:xfrm>
           <a:prstGeom prst="rect">
             <a:avLst/>
           </a:prstGeom>
         </p:spPr>
       </p:pic>
+      <p:pic>
+        <p:nvPicPr>
+          <p:cNvPr id="9" name="Imagen 8" descr="Tabla&#10;&#10;El contenido generado por IA puede ser incorrecto.">
+            <a:extLst>
+              <a:ext uri="{FF2B5EF4-FFF2-40B4-BE49-F238E27FC236}">
+                <a16:creationId xmlns:a16="http://schemas.microsoft.com/office/drawing/2014/main" id="{7398DEC4-EE28-1F1F-B4BC-878F3044D28C}"/>
+              </a:ext>
+            </a:extLst>
+          </p:cNvPr>
+          <p:cNvPicPr>
+            <a:picLocks noChangeAspect="1"/>
+          </p:cNvPicPr>
+          <p:nvPr/>
+        </p:nvPicPr>
+        <p:blipFill>
+          <a:blip r:embed="rId2"/>
+          <a:srcRect l="13102" t="47290" r="12886"/>
+          <a:stretch>
+            <a:fillRect/>
+          </a:stretch>
+        </p:blipFill>
+        <p:spPr>
+          <a:xfrm>
+            <a:off x="6910831" y="2710160"/>
+            <a:ext cx="3818130" cy="3093398"/>
+          </a:xfrm>
+          <a:prstGeom prst="rect">
+            <a:avLst/>
+          </a:prstGeom>
+        </p:spPr>
+      </p:pic>
+      <p:sp>
+        <p:nvSpPr>
+          <p:cNvPr id="10" name="CuadroTexto 9">
+            <a:extLst>
+              <a:ext uri="{FF2B5EF4-FFF2-40B4-BE49-F238E27FC236}">
+                <a16:creationId xmlns:a16="http://schemas.microsoft.com/office/drawing/2014/main" id="{B7BAC814-97D4-4F72-E41B-A3871BFD5127}"/>
+              </a:ext>
+            </a:extLst>
+          </p:cNvPr>
+          <p:cNvSpPr txBox="1"/>
+          <p:nvPr/>
+        </p:nvSpPr>
+        <p:spPr>
+          <a:xfrm flipH="1">
+            <a:off x="980438" y="2810639"/>
+            <a:ext cx="645161" cy="2677656"/>
+          </a:xfrm>
+          <a:prstGeom prst="rect">
+            <a:avLst/>
+          </a:prstGeom>
+          <a:noFill/>
+        </p:spPr>
+        <p:txBody>
+          <a:bodyPr wrap="square" rtlCol="0">
+            <a:spAutoFit/>
+          </a:bodyPr>
+          <a:lstStyle/>
+          <a:p>
+            <a:pPr algn="r"/>
+            <a:r>
+              <a:rPr lang="es-CL" sz="1400" dirty="0"/>
+              <a:t>1.- </a:t>
+            </a:r>
+          </a:p>
+          <a:p>
+            <a:pPr algn="r"/>
+            <a:r>
+              <a:rPr lang="es-CL" sz="1400" dirty="0"/>
+              <a:t>2.-</a:t>
+            </a:r>
+          </a:p>
+          <a:p>
+            <a:pPr algn="r"/>
+            <a:r>
+              <a:rPr lang="es-CL" sz="1400" dirty="0"/>
+              <a:t>3.-</a:t>
+            </a:r>
+          </a:p>
+          <a:p>
+            <a:pPr algn="r"/>
+            <a:r>
+              <a:rPr lang="es-CL" sz="1400" dirty="0"/>
+              <a:t>4.-</a:t>
+            </a:r>
+          </a:p>
+          <a:p>
+            <a:pPr algn="r"/>
+            <a:r>
+              <a:rPr lang="es-CL" sz="1400" dirty="0"/>
+              <a:t>5.-</a:t>
+            </a:r>
+          </a:p>
+          <a:p>
+            <a:pPr algn="r"/>
+            <a:r>
+              <a:rPr lang="es-CL" sz="1400" dirty="0"/>
+              <a:t>6.-</a:t>
+            </a:r>
+          </a:p>
+          <a:p>
+            <a:pPr algn="r"/>
+            <a:r>
+              <a:rPr lang="es-CL" sz="1400" dirty="0"/>
+              <a:t>7.-</a:t>
+            </a:r>
+          </a:p>
+          <a:p>
+            <a:pPr algn="r"/>
+            <a:r>
+              <a:rPr lang="es-CL" sz="1400" dirty="0"/>
+              <a:t>8.-</a:t>
+            </a:r>
+          </a:p>
+          <a:p>
+            <a:pPr algn="r"/>
+            <a:r>
+              <a:rPr lang="es-CL" sz="1400" dirty="0"/>
+              <a:t>9.-</a:t>
+            </a:r>
+          </a:p>
+          <a:p>
+            <a:pPr algn="r"/>
+            <a:r>
+              <a:rPr lang="es-CL" sz="1400" dirty="0"/>
+              <a:t>10.-</a:t>
+            </a:r>
+          </a:p>
+          <a:p>
+            <a:pPr algn="r"/>
+            <a:r>
+              <a:rPr lang="es-CL" sz="1400" dirty="0"/>
+              <a:t>11.-</a:t>
+            </a:r>
+          </a:p>
+          <a:p>
+            <a:pPr algn="r"/>
+            <a:r>
+              <a:rPr lang="es-CL" sz="1400" dirty="0"/>
+              <a:t>12.-</a:t>
+            </a:r>
+          </a:p>
+        </p:txBody>
+      </p:sp>
+      <p:sp>
+        <p:nvSpPr>
+          <p:cNvPr id="11" name="CuadroTexto 10">
+            <a:extLst>
+              <a:ext uri="{FF2B5EF4-FFF2-40B4-BE49-F238E27FC236}">
+                <a16:creationId xmlns:a16="http://schemas.microsoft.com/office/drawing/2014/main" id="{44F93B36-791E-96E5-E291-028C261520DF}"/>
+              </a:ext>
+            </a:extLst>
+          </p:cNvPr>
+          <p:cNvSpPr txBox="1"/>
+          <p:nvPr/>
+        </p:nvSpPr>
+        <p:spPr>
+          <a:xfrm flipH="1">
+            <a:off x="6348655" y="2710160"/>
+            <a:ext cx="645161" cy="3108543"/>
+          </a:xfrm>
+          <a:prstGeom prst="rect">
+            <a:avLst/>
+          </a:prstGeom>
+          <a:noFill/>
+        </p:spPr>
+        <p:txBody>
+          <a:bodyPr wrap="square" rtlCol="0">
+            <a:spAutoFit/>
+          </a:bodyPr>
+          <a:lstStyle/>
+          <a:p>
+            <a:pPr algn="r"/>
+            <a:r>
+              <a:rPr lang="es-CL" sz="1400" dirty="0"/>
+              <a:t>12.-</a:t>
+            </a:r>
+          </a:p>
+          <a:p>
+            <a:pPr algn="r"/>
+            <a:r>
+              <a:rPr lang="es-CL" sz="1400" dirty="0"/>
+              <a:t>13.-</a:t>
+            </a:r>
+          </a:p>
+          <a:p>
+            <a:pPr algn="r"/>
+            <a:r>
+              <a:rPr lang="es-CL" sz="1400" dirty="0"/>
+              <a:t>14.-</a:t>
+            </a:r>
+          </a:p>
+          <a:p>
+            <a:pPr algn="r"/>
+            <a:r>
+              <a:rPr lang="es-CL" sz="1400" dirty="0"/>
+              <a:t>15.-</a:t>
+            </a:r>
+          </a:p>
+          <a:p>
+            <a:pPr algn="r"/>
+            <a:r>
+              <a:rPr lang="es-CL" sz="1400" dirty="0"/>
+              <a:t>16.-</a:t>
+            </a:r>
+          </a:p>
+          <a:p>
+            <a:pPr algn="r"/>
+            <a:r>
+              <a:rPr lang="es-CL" sz="1400" dirty="0"/>
+              <a:t>17.-</a:t>
+            </a:r>
+          </a:p>
+          <a:p>
+            <a:pPr algn="r"/>
+            <a:r>
+              <a:rPr lang="es-CL" sz="1400" dirty="0"/>
+              <a:t>18.-</a:t>
+            </a:r>
+          </a:p>
+          <a:p>
+            <a:pPr algn="r"/>
+            <a:r>
+              <a:rPr lang="es-CL" sz="1400" dirty="0"/>
+              <a:t>19.-</a:t>
+            </a:r>
+          </a:p>
+          <a:p>
+            <a:pPr algn="r"/>
+            <a:r>
+              <a:rPr lang="es-CL" sz="1400" dirty="0"/>
+              <a:t>20.-</a:t>
+            </a:r>
+          </a:p>
+          <a:p>
+            <a:pPr algn="r"/>
+            <a:r>
+              <a:rPr lang="es-CL" sz="1400" dirty="0"/>
+              <a:t>21.-</a:t>
+            </a:r>
+          </a:p>
+          <a:p>
+            <a:pPr algn="r"/>
+            <a:r>
+              <a:rPr lang="es-CL" sz="1400" dirty="0"/>
+              <a:t>22.-</a:t>
+            </a:r>
+          </a:p>
+          <a:p>
+            <a:pPr algn="r"/>
+            <a:r>
+              <a:rPr lang="es-CL" sz="1400" dirty="0"/>
+              <a:t>23.-</a:t>
+            </a:r>
+          </a:p>
+          <a:p>
+            <a:pPr algn="r"/>
+            <a:r>
+              <a:rPr lang="es-CL" sz="1400" dirty="0"/>
+              <a:t>24.-</a:t>
+            </a:r>
+          </a:p>
+          <a:p>
+            <a:pPr algn="r"/>
+            <a:r>
+              <a:rPr lang="es-CL" sz="1400" dirty="0"/>
+              <a:t>25.-</a:t>
+            </a:r>
+          </a:p>
+        </p:txBody>
+      </p:sp>
     </p:spTree>
     <p:extLst>
       <p:ext uri="{BB962C8B-B14F-4D97-AF65-F5344CB8AC3E}">
@@ -7495,7 +10594,7 @@
         </p:nvSpPr>
         <p:spPr>
           <a:xfrm>
-            <a:off x="948344" y="1988457"/>
+            <a:off x="1042274" y="1988457"/>
             <a:ext cx="10314742" cy="4223657"/>
           </a:xfrm>
           <a:prstGeom prst="roundRect">
@@ -7527,10 +10626,10 @@
       </p:sp>
       <p:pic>
         <p:nvPicPr>
-          <p:cNvPr id="5" name="Imagen 4">
+          <p:cNvPr id="6" name="Imagen 5" descr="Interfaz de usuario gráfica, Texto, Aplicación, Correo electrónico&#10;&#10;El contenido generado por IA puede ser incorrecto.">
             <a:extLst>
               <a:ext uri="{FF2B5EF4-FFF2-40B4-BE49-F238E27FC236}">
-                <a16:creationId xmlns:a16="http://schemas.microsoft.com/office/drawing/2014/main" id="{5DACFE7A-7C07-8768-99DD-A8D77745B131}"/>
+                <a16:creationId xmlns:a16="http://schemas.microsoft.com/office/drawing/2014/main" id="{6D1F508D-B9C3-4054-A5C4-3F44D5AB8CF5}"/>
               </a:ext>
             </a:extLst>
           </p:cNvPr>
@@ -7541,20 +10640,120 @@
         </p:nvPicPr>
         <p:blipFill>
           <a:blip r:embed="rId2"/>
+          <a:srcRect t="631" r="42627"/>
           <a:stretch>
             <a:fillRect/>
           </a:stretch>
         </p:blipFill>
         <p:spPr>
           <a:xfrm>
-            <a:off x="1220632" y="2422616"/>
-            <a:ext cx="9770165" cy="3212872"/>
+            <a:off x="2509519" y="2455040"/>
+            <a:ext cx="4329403" cy="2862322"/>
           </a:xfrm>
           <a:prstGeom prst="rect">
             <a:avLst/>
           </a:prstGeom>
         </p:spPr>
       </p:pic>
+      <p:sp>
+        <p:nvSpPr>
+          <p:cNvPr id="8" name="CuadroTexto 7">
+            <a:extLst>
+              <a:ext uri="{FF2B5EF4-FFF2-40B4-BE49-F238E27FC236}">
+                <a16:creationId xmlns:a16="http://schemas.microsoft.com/office/drawing/2014/main" id="{62CE5BBA-0B6D-BE24-62F1-76C6AB5623B9}"/>
+              </a:ext>
+            </a:extLst>
+          </p:cNvPr>
+          <p:cNvSpPr txBox="1"/>
+          <p:nvPr/>
+        </p:nvSpPr>
+        <p:spPr>
+          <a:xfrm flipH="1">
+            <a:off x="1864358" y="2455039"/>
+            <a:ext cx="645161" cy="2862322"/>
+          </a:xfrm>
+          <a:prstGeom prst="rect">
+            <a:avLst/>
+          </a:prstGeom>
+          <a:noFill/>
+        </p:spPr>
+        <p:txBody>
+          <a:bodyPr wrap="square" rtlCol="0">
+            <a:spAutoFit/>
+          </a:bodyPr>
+          <a:lstStyle/>
+          <a:p>
+            <a:pPr algn="r"/>
+            <a:r>
+              <a:rPr lang="es-CL" dirty="0"/>
+              <a:t>1.- </a:t>
+            </a:r>
+          </a:p>
+          <a:p>
+            <a:pPr algn="r"/>
+            <a:r>
+              <a:rPr lang="es-CL" dirty="0"/>
+              <a:t>2.-</a:t>
+            </a:r>
+          </a:p>
+          <a:p>
+            <a:pPr algn="r"/>
+            <a:r>
+              <a:rPr lang="es-CL" dirty="0"/>
+              <a:t>3.-</a:t>
+            </a:r>
+          </a:p>
+          <a:p>
+            <a:pPr algn="r"/>
+            <a:r>
+              <a:rPr lang="es-CL" dirty="0"/>
+              <a:t>4.-</a:t>
+            </a:r>
+          </a:p>
+          <a:p>
+            <a:pPr algn="r"/>
+            <a:r>
+              <a:rPr lang="es-CL" dirty="0"/>
+              <a:t>5.-</a:t>
+            </a:r>
+          </a:p>
+          <a:p>
+            <a:pPr algn="r"/>
+            <a:r>
+              <a:rPr lang="es-CL" dirty="0"/>
+              <a:t>6.-</a:t>
+            </a:r>
+          </a:p>
+          <a:p>
+            <a:pPr algn="r"/>
+            <a:r>
+              <a:rPr lang="es-CL" dirty="0"/>
+              <a:t>7.-</a:t>
+            </a:r>
+          </a:p>
+          <a:p>
+            <a:pPr algn="r"/>
+            <a:r>
+              <a:rPr lang="es-CL" dirty="0"/>
+              <a:t>8.-</a:t>
+            </a:r>
+          </a:p>
+          <a:p>
+            <a:pPr algn="r"/>
+            <a:r>
+              <a:rPr lang="es-CL" dirty="0"/>
+              <a:t>9.-</a:t>
+            </a:r>
+          </a:p>
+          <a:p>
+            <a:pPr algn="r"/>
+            <a:r>
+              <a:rPr lang="es-CL" dirty="0"/>
+              <a:t>10.-</a:t>
+            </a:r>
+          </a:p>
+        </p:txBody>
+      </p:sp>
     </p:spTree>
     <p:extLst>
       <p:ext uri="{BB962C8B-B14F-4D97-AF65-F5344CB8AC3E}">

--- a/fase3/Documentacion Asignatura PTY4614/Estructura Presentación Final-Capstone.pptx
+++ b/fase3/Documentacion Asignatura PTY4614/Estructura Presentación Final-Capstone.pptx
@@ -7557,10 +7557,10 @@
       </p:sp>
       <p:pic>
         <p:nvPicPr>
-          <p:cNvPr id="6" name="Imagen 5" descr="Interfaz de usuario gráfica, Aplicación&#10;&#10;El contenido generado por IA puede ser incorrecto.">
+          <p:cNvPr id="7" name="Imagen 6" descr="Interfaz de usuario gráfica, Aplicación&#10;&#10;El contenido generado por IA puede ser incorrecto.">
             <a:extLst>
               <a:ext uri="{FF2B5EF4-FFF2-40B4-BE49-F238E27FC236}">
-                <a16:creationId xmlns:a16="http://schemas.microsoft.com/office/drawing/2014/main" id="{D02E7428-9866-5431-BFED-7CB7ACB7C2E1}"/>
+                <a16:creationId xmlns:a16="http://schemas.microsoft.com/office/drawing/2014/main" id="{B9005F80-DDD5-2B69-1F57-5DF27E6024F0}"/>
               </a:ext>
             </a:extLst>
           </p:cNvPr>
@@ -7571,14 +7571,15 @@
         </p:nvPicPr>
         <p:blipFill>
           <a:blip r:embed="rId2"/>
+          <a:srcRect t="1551" b="-1"/>
           <a:stretch>
             <a:fillRect/>
           </a:stretch>
         </p:blipFill>
         <p:spPr>
           <a:xfrm>
-            <a:off x="955724" y="3429000"/>
-            <a:ext cx="9953126" cy="2886384"/>
+            <a:off x="948335" y="3333751"/>
+            <a:ext cx="9955192" cy="3117234"/>
           </a:xfrm>
           <a:prstGeom prst="rect">
             <a:avLst/>
